--- a/docker-kubernetes-intro-starting-a-project.pptx
+++ b/docker-kubernetes-intro-starting-a-project.pptx
@@ -15361,7 +15361,29 @@
                 <a:ea typeface="+mj-ea"/>
                 <a:cs typeface="Arial" pitchFamily="34" charset="0"/>
               </a:rPr>
-              <a:t>3. The Demo Project</a:t>
+              <a:t>Deployment process visualized:</a:t>
+            </a:r>
+            <a:r>
+              <a:rPr lang="en-US" sz="2800" b="1" dirty="0" smtClean="0">
+                <a:gradFill>
+                  <a:gsLst>
+                    <a:gs pos="0">
+                      <a:schemeClr val="tx1"/>
+                    </a:gs>
+                    <a:gs pos="44000">
+                      <a:srgbClr val="01BBBB"/>
+                    </a:gs>
+                    <a:gs pos="100000">
+                      <a:schemeClr val="accent4"/>
+                    </a:gs>
+                  </a:gsLst>
+                  <a:lin ang="4800000" scaled="0"/>
+                </a:gradFill>
+                <a:latin typeface="Arial" pitchFamily="34" charset="0"/>
+                <a:ea typeface="+mj-ea"/>
+                <a:cs typeface="Arial" pitchFamily="34" charset="0"/>
+              </a:rPr>
+              <a:t> </a:t>
             </a:r>
             <a:endParaRPr lang="en-US" sz="2800" b="1" dirty="0">
               <a:gradFill>
@@ -15394,7 +15416,10 @@
           <p:nvPr/>
         </p:nvPicPr>
         <p:blipFill>
-          <a:blip r:embed="rId3"/>
+          <a:blip r:embed="rId3">
+            <a:alphaModFix/>
+            <a:grayscl/>
+          </a:blip>
           <a:stretch>
             <a:fillRect/>
           </a:stretch>

--- a/docker-kubernetes-intro-starting-a-project.pptx
+++ b/docker-kubernetes-intro-starting-a-project.pptx
@@ -140,11 +140,11 @@
 </file>
 
 <file path=ppt/diagrams/colors1.xml><?xml version="1.0" encoding="utf-8"?>
-<dgm:colorsDef xmlns:dgm="http://schemas.openxmlformats.org/drawingml/2006/diagram" xmlns:a="http://schemas.openxmlformats.org/drawingml/2006/main" uniqueId="urn:microsoft.com/office/officeart/2005/8/colors/colorful1">
+<dgm:colorsDef xmlns:dgm="http://schemas.openxmlformats.org/drawingml/2006/diagram" xmlns:a="http://schemas.openxmlformats.org/drawingml/2006/main" uniqueId="urn:microsoft.com/office/officeart/2005/8/colors/colorful2">
   <dgm:title val=""/>
   <dgm:desc val=""/>
   <dgm:catLst>
-    <dgm:cat type="colorful" pri="10100"/>
+    <dgm:cat type="colorful" pri="10200"/>
   </dgm:catLst>
   <dgm:styleLbl name="node0">
     <dgm:fillClrLst meth="repeat">
@@ -159,12 +159,9 @@
     <dgm:txEffectClrLst/>
   </dgm:styleLbl>
   <dgm:styleLbl name="node1">
-    <dgm:fillClrLst meth="repeat">
+    <dgm:fillClrLst>
       <a:schemeClr val="accent2"/>
       <a:schemeClr val="accent3"/>
-      <a:schemeClr val="accent4"/>
-      <a:schemeClr val="accent5"/>
-      <a:schemeClr val="accent6"/>
     </dgm:fillClrLst>
     <dgm:linClrLst meth="repeat">
       <a:schemeClr val="lt1"/>
@@ -175,19 +172,13 @@
     <dgm:txEffectClrLst/>
   </dgm:styleLbl>
   <dgm:styleLbl name="alignNode1">
-    <dgm:fillClrLst meth="repeat">
+    <dgm:fillClrLst>
       <a:schemeClr val="accent2"/>
       <a:schemeClr val="accent3"/>
-      <a:schemeClr val="accent4"/>
-      <a:schemeClr val="accent5"/>
-      <a:schemeClr val="accent6"/>
     </dgm:fillClrLst>
-    <dgm:linClrLst meth="repeat">
+    <dgm:linClrLst>
       <a:schemeClr val="accent2"/>
       <a:schemeClr val="accent3"/>
-      <a:schemeClr val="accent4"/>
-      <a:schemeClr val="accent5"/>
-      <a:schemeClr val="accent6"/>
     </dgm:linClrLst>
     <dgm:effectClrLst/>
     <dgm:txLinClrLst/>
@@ -195,12 +186,9 @@
     <dgm:txEffectClrLst/>
   </dgm:styleLbl>
   <dgm:styleLbl name="lnNode1">
-    <dgm:fillClrLst meth="repeat">
+    <dgm:fillClrLst>
       <a:schemeClr val="accent2"/>
       <a:schemeClr val="accent3"/>
-      <a:schemeClr val="accent4"/>
-      <a:schemeClr val="accent5"/>
-      <a:schemeClr val="accent6"/>
     </dgm:fillClrLst>
     <dgm:linClrLst meth="repeat">
       <a:schemeClr val="lt1"/>
@@ -211,20 +199,11 @@
     <dgm:txEffectClrLst/>
   </dgm:styleLbl>
   <dgm:styleLbl name="vennNode1">
-    <dgm:fillClrLst meth="repeat">
+    <dgm:fillClrLst>
       <a:schemeClr val="accent2">
         <a:alpha val="50000"/>
       </a:schemeClr>
       <a:schemeClr val="accent3">
-        <a:alpha val="50000"/>
-      </a:schemeClr>
-      <a:schemeClr val="accent4">
-        <a:alpha val="50000"/>
-      </a:schemeClr>
-      <a:schemeClr val="accent5">
-        <a:alpha val="50000"/>
-      </a:schemeClr>
-      <a:schemeClr val="accent6">
         <a:alpha val="50000"/>
       </a:schemeClr>
     </dgm:fillClrLst>
@@ -238,7 +217,7 @@
   </dgm:styleLbl>
   <dgm:styleLbl name="node2">
     <dgm:fillClrLst>
-      <a:schemeClr val="accent2"/>
+      <a:schemeClr val="accent3"/>
     </dgm:fillClrLst>
     <dgm:linClrLst meth="repeat">
       <a:schemeClr val="lt1"/>
@@ -250,7 +229,7 @@
   </dgm:styleLbl>
   <dgm:styleLbl name="node3">
     <dgm:fillClrLst>
-      <a:schemeClr val="accent3"/>
+      <a:schemeClr val="accent4"/>
     </dgm:fillClrLst>
     <dgm:linClrLst meth="repeat">
       <a:schemeClr val="lt1"/>
@@ -262,7 +241,7 @@
   </dgm:styleLbl>
   <dgm:styleLbl name="node4">
     <dgm:fillClrLst>
-      <a:schemeClr val="accent4"/>
+      <a:schemeClr val="accent5"/>
     </dgm:fillClrLst>
     <dgm:linClrLst meth="repeat">
       <a:schemeClr val="lt1"/>
@@ -273,20 +252,11 @@
     <dgm:txEffectClrLst/>
   </dgm:styleLbl>
   <dgm:styleLbl name="fgImgPlace1">
-    <dgm:fillClrLst meth="repeat">
+    <dgm:fillClrLst>
       <a:schemeClr val="accent2">
         <a:tint val="50000"/>
       </a:schemeClr>
       <a:schemeClr val="accent3">
-        <a:tint val="50000"/>
-      </a:schemeClr>
-      <a:schemeClr val="accent4">
-        <a:tint val="50000"/>
-      </a:schemeClr>
-      <a:schemeClr val="accent5">
-        <a:tint val="50000"/>
-      </a:schemeClr>
-      <a:schemeClr val="accent6">
         <a:tint val="50000"/>
       </a:schemeClr>
     </dgm:fillClrLst>
@@ -302,10 +272,10 @@
   </dgm:styleLbl>
   <dgm:styleLbl name="alignImgPlace1">
     <dgm:fillClrLst>
-      <a:schemeClr val="accent1">
+      <a:schemeClr val="accent2">
         <a:tint val="50000"/>
       </a:schemeClr>
-      <a:schemeClr val="accent2">
+      <a:schemeClr val="accent3">
         <a:tint val="20000"/>
       </a:schemeClr>
     </dgm:fillClrLst>
@@ -321,10 +291,10 @@
   </dgm:styleLbl>
   <dgm:styleLbl name="bgImgPlace1">
     <dgm:fillClrLst>
-      <a:schemeClr val="accent1">
+      <a:schemeClr val="accent2">
         <a:tint val="50000"/>
       </a:schemeClr>
-      <a:schemeClr val="accent2">
+      <a:schemeClr val="accent3">
         <a:tint val="20000"/>
       </a:schemeClr>
     </dgm:fillClrLst>
@@ -339,14 +309,11 @@
     <dgm:txEffectClrLst/>
   </dgm:styleLbl>
   <dgm:styleLbl name="sibTrans2D1">
-    <dgm:fillClrLst meth="repeat">
+    <dgm:fillClrLst>
       <a:schemeClr val="accent2"/>
       <a:schemeClr val="accent3"/>
-      <a:schemeClr val="accent4"/>
-      <a:schemeClr val="accent5"/>
-      <a:schemeClr val="accent6"/>
     </dgm:fillClrLst>
-    <dgm:linClrLst meth="cycle">
+    <dgm:linClrLst meth="repeat">
       <a:schemeClr val="lt1"/>
     </dgm:linClrLst>
     <dgm:effectClrLst/>
@@ -355,14 +322,11 @@
     <dgm:txEffectClrLst/>
   </dgm:styleLbl>
   <dgm:styleLbl name="fgSibTrans2D1">
-    <dgm:fillClrLst meth="repeat">
+    <dgm:fillClrLst>
       <a:schemeClr val="accent2"/>
       <a:schemeClr val="accent3"/>
-      <a:schemeClr val="accent4"/>
-      <a:schemeClr val="accent5"/>
-      <a:schemeClr val="accent6"/>
     </dgm:fillClrLst>
-    <dgm:linClrLst meth="cycle">
+    <dgm:linClrLst meth="repeat">
       <a:schemeClr val="lt1"/>
     </dgm:linClrLst>
     <dgm:effectClrLst/>
@@ -373,14 +337,11 @@
     <dgm:txEffectClrLst/>
   </dgm:styleLbl>
   <dgm:styleLbl name="bgSibTrans2D1">
-    <dgm:fillClrLst meth="repeat">
+    <dgm:fillClrLst>
       <a:schemeClr val="accent2"/>
       <a:schemeClr val="accent3"/>
-      <a:schemeClr val="accent4"/>
-      <a:schemeClr val="accent5"/>
-      <a:schemeClr val="accent6"/>
     </dgm:fillClrLst>
-    <dgm:linClrLst meth="cycle">
+    <dgm:linClrLst meth="repeat">
       <a:schemeClr val="lt1"/>
     </dgm:linClrLst>
     <dgm:effectClrLst/>
@@ -391,19 +352,10 @@
     <dgm:txEffectClrLst/>
   </dgm:styleLbl>
   <dgm:styleLbl name="sibTrans1D1">
-    <dgm:fillClrLst meth="repeat">
+    <dgm:fillClrLst/>
+    <dgm:linClrLst>
       <a:schemeClr val="accent2"/>
       <a:schemeClr val="accent3"/>
-      <a:schemeClr val="accent4"/>
-      <a:schemeClr val="accent5"/>
-      <a:schemeClr val="accent6"/>
-    </dgm:fillClrLst>
-    <dgm:linClrLst meth="repeat">
-      <a:schemeClr val="accent2"/>
-      <a:schemeClr val="accent3"/>
-      <a:schemeClr val="accent4"/>
-      <a:schemeClr val="accent5"/>
-      <a:schemeClr val="accent6"/>
     </dgm:linClrLst>
     <dgm:effectClrLst/>
     <dgm:txLinClrLst/>
@@ -430,10 +382,12 @@
   </dgm:styleLbl>
   <dgm:styleLbl name="asst0">
     <dgm:fillClrLst meth="repeat">
-      <a:schemeClr val="accent1"/>
+      <a:schemeClr val="accent2"/>
     </dgm:fillClrLst>
     <dgm:linClrLst meth="repeat">
-      <a:schemeClr val="lt1"/>
+      <a:schemeClr val="lt1">
+        <a:shade val="80000"/>
+      </a:schemeClr>
     </dgm:linClrLst>
     <dgm:effectClrLst/>
     <dgm:txLinClrLst/>
@@ -442,10 +396,12 @@
   </dgm:styleLbl>
   <dgm:styleLbl name="asst1">
     <dgm:fillClrLst meth="repeat">
-      <a:schemeClr val="accent2"/>
+      <a:schemeClr val="accent3"/>
     </dgm:fillClrLst>
     <dgm:linClrLst meth="repeat">
-      <a:schemeClr val="lt1"/>
+      <a:schemeClr val="lt1">
+        <a:shade val="80000"/>
+      </a:schemeClr>
     </dgm:linClrLst>
     <dgm:effectClrLst/>
     <dgm:txLinClrLst/>
@@ -454,7 +410,7 @@
   </dgm:styleLbl>
   <dgm:styleLbl name="asst2">
     <dgm:fillClrLst>
-      <a:schemeClr val="accent3"/>
+      <a:schemeClr val="accent4"/>
     </dgm:fillClrLst>
     <dgm:linClrLst meth="repeat">
       <a:schemeClr val="lt1"/>
@@ -466,7 +422,7 @@
   </dgm:styleLbl>
   <dgm:styleLbl name="asst3">
     <dgm:fillClrLst>
-      <a:schemeClr val="accent4"/>
+      <a:schemeClr val="accent5"/>
     </dgm:fillClrLst>
     <dgm:linClrLst meth="repeat">
       <a:schemeClr val="lt1"/>
@@ -478,7 +434,7 @@
   </dgm:styleLbl>
   <dgm:styleLbl name="asst4">
     <dgm:fillClrLst>
-      <a:schemeClr val="accent5"/>
+      <a:schemeClr val="accent6"/>
     </dgm:fillClrLst>
     <dgm:linClrLst meth="repeat">
       <a:schemeClr val="lt1"/>
@@ -545,7 +501,7 @@
       <a:schemeClr val="accent2"/>
     </dgm:fillClrLst>
     <dgm:linClrLst meth="repeat">
-      <a:schemeClr val="accent1"/>
+      <a:schemeClr val="accent2"/>
     </dgm:linClrLst>
     <dgm:effectClrLst/>
     <dgm:txLinClrLst/>
@@ -556,24 +512,8 @@
   </dgm:styleLbl>
   <dgm:styleLbl name="parChTrans1D2">
     <dgm:fillClrLst meth="repeat">
-      <a:schemeClr val="accent3">
+      <a:schemeClr val="accent2">
         <a:tint val="90000"/>
-      </a:schemeClr>
-    </dgm:fillClrLst>
-    <dgm:linClrLst meth="repeat">
-      <a:schemeClr val="accent2"/>
-    </dgm:linClrLst>
-    <dgm:effectClrLst/>
-    <dgm:txLinClrLst/>
-    <dgm:txFillClrLst meth="repeat">
-      <a:schemeClr val="tx1"/>
-    </dgm:txFillClrLst>
-    <dgm:txEffectClrLst/>
-  </dgm:styleLbl>
-  <dgm:styleLbl name="parChTrans1D3">
-    <dgm:fillClrLst meth="repeat">
-      <a:schemeClr val="accent4">
-        <a:tint val="70000"/>
       </a:schemeClr>
     </dgm:fillClrLst>
     <dgm:linClrLst meth="repeat">
@@ -586,14 +526,30 @@
     </dgm:txFillClrLst>
     <dgm:txEffectClrLst/>
   </dgm:styleLbl>
+  <dgm:styleLbl name="parChTrans1D3">
+    <dgm:fillClrLst meth="repeat">
+      <a:schemeClr val="accent2">
+        <a:tint val="70000"/>
+      </a:schemeClr>
+    </dgm:fillClrLst>
+    <dgm:linClrLst meth="repeat">
+      <a:schemeClr val="accent4"/>
+    </dgm:linClrLst>
+    <dgm:effectClrLst/>
+    <dgm:txLinClrLst/>
+    <dgm:txFillClrLst meth="repeat">
+      <a:schemeClr val="tx1"/>
+    </dgm:txFillClrLst>
+    <dgm:txEffectClrLst/>
+  </dgm:styleLbl>
   <dgm:styleLbl name="parChTrans1D4">
     <dgm:fillClrLst meth="repeat">
-      <a:schemeClr val="accent5">
+      <a:schemeClr val="accent2">
         <a:tint val="50000"/>
       </a:schemeClr>
     </dgm:fillClrLst>
     <dgm:linClrLst meth="repeat">
-      <a:schemeClr val="accent4"/>
+      <a:schemeClr val="accent5"/>
     </dgm:linClrLst>
     <dgm:effectClrLst/>
     <dgm:txLinClrLst/>
@@ -608,12 +564,9 @@
         <a:alpha val="90000"/>
       </a:schemeClr>
     </dgm:fillClrLst>
-    <dgm:linClrLst meth="repeat">
+    <dgm:linClrLst>
       <a:schemeClr val="accent2"/>
       <a:schemeClr val="accent3"/>
-      <a:schemeClr val="accent4"/>
-      <a:schemeClr val="accent5"/>
-      <a:schemeClr val="accent6"/>
     </dgm:linClrLst>
     <dgm:effectClrLst/>
     <dgm:txLinClrLst/>
@@ -628,12 +581,9 @@
         <a:alpha val="90000"/>
       </a:schemeClr>
     </dgm:fillClrLst>
-    <dgm:linClrLst meth="repeat">
+    <dgm:linClrLst>
       <a:schemeClr val="accent2"/>
       <a:schemeClr val="accent3"/>
-      <a:schemeClr val="accent4"/>
-      <a:schemeClr val="accent5"/>
-      <a:schemeClr val="accent6"/>
     </dgm:linClrLst>
     <dgm:effectClrLst/>
     <dgm:txLinClrLst/>
@@ -648,12 +598,9 @@
         <a:alpha val="90000"/>
       </a:schemeClr>
     </dgm:fillClrLst>
-    <dgm:linClrLst meth="repeat">
+    <dgm:linClrLst>
       <a:schemeClr val="accent2"/>
       <a:schemeClr val="accent3"/>
-      <a:schemeClr val="accent4"/>
-      <a:schemeClr val="accent5"/>
-      <a:schemeClr val="accent6"/>
     </dgm:linClrLst>
     <dgm:effectClrLst/>
     <dgm:txLinClrLst/>
@@ -669,7 +616,7 @@
       </a:schemeClr>
     </dgm:fillClrLst>
     <dgm:linClrLst meth="repeat">
-      <a:schemeClr val="accent1"/>
+      <a:schemeClr val="accent2"/>
     </dgm:linClrLst>
     <dgm:effectClrLst/>
     <dgm:txLinClrLst/>
@@ -684,12 +631,9 @@
         <a:alpha val="90000"/>
       </a:schemeClr>
     </dgm:fillClrLst>
-    <dgm:linClrLst meth="repeat">
+    <dgm:linClrLst>
       <a:schemeClr val="accent2"/>
       <a:schemeClr val="accent3"/>
-      <a:schemeClr val="accent4"/>
-      <a:schemeClr val="accent5"/>
-      <a:schemeClr val="accent6"/>
     </dgm:linClrLst>
     <dgm:effectClrLst/>
     <dgm:txLinClrLst/>
@@ -702,12 +646,9 @@
     <dgm:fillClrLst meth="repeat">
       <a:schemeClr val="lt1"/>
     </dgm:fillClrLst>
-    <dgm:linClrLst meth="repeat">
+    <dgm:linClrLst>
       <a:schemeClr val="accent2"/>
       <a:schemeClr val="accent3"/>
-      <a:schemeClr val="accent4"/>
-      <a:schemeClr val="accent5"/>
-      <a:schemeClr val="accent6"/>
     </dgm:linClrLst>
     <dgm:effectClrLst/>
     <dgm:txLinClrLst/>
@@ -720,12 +661,9 @@
     <dgm:fillClrLst meth="repeat">
       <a:schemeClr val="lt1"/>
     </dgm:fillClrLst>
-    <dgm:linClrLst meth="repeat">
+    <dgm:linClrLst>
       <a:schemeClr val="accent2"/>
       <a:schemeClr val="accent3"/>
-      <a:schemeClr val="accent4"/>
-      <a:schemeClr val="accent5"/>
-      <a:schemeClr val="accent6"/>
     </dgm:linClrLst>
     <dgm:effectClrLst/>
     <dgm:txLinClrLst/>
@@ -738,12 +676,9 @@
     <dgm:fillClrLst meth="repeat">
       <a:schemeClr val="lt1"/>
     </dgm:fillClrLst>
-    <dgm:linClrLst meth="repeat">
+    <dgm:linClrLst>
       <a:schemeClr val="accent2"/>
       <a:schemeClr val="accent3"/>
-      <a:schemeClr val="accent4"/>
-      <a:schemeClr val="accent5"/>
-      <a:schemeClr val="accent6"/>
     </dgm:linClrLst>
     <dgm:effectClrLst/>
     <dgm:txLinClrLst/>
@@ -753,7 +688,7 @@
     <dgm:txEffectClrLst/>
   </dgm:styleLbl>
   <dgm:styleLbl name="fgAccFollowNode1">
-    <dgm:fillClrLst meth="repeat">
+    <dgm:fillClrLst>
       <a:schemeClr val="accent2">
         <a:tint val="40000"/>
         <a:alpha val="90000"/>
@@ -762,37 +697,13 @@
         <a:tint val="40000"/>
         <a:alpha val="90000"/>
       </a:schemeClr>
-      <a:schemeClr val="accent4">
-        <a:tint val="40000"/>
-        <a:alpha val="90000"/>
-      </a:schemeClr>
-      <a:schemeClr val="accent5">
-        <a:tint val="40000"/>
-        <a:alpha val="90000"/>
-      </a:schemeClr>
-      <a:schemeClr val="accent6">
-        <a:tint val="40000"/>
-        <a:alpha val="90000"/>
-      </a:schemeClr>
     </dgm:fillClrLst>
-    <dgm:linClrLst meth="repeat">
+    <dgm:linClrLst>
       <a:schemeClr val="accent2">
         <a:tint val="40000"/>
         <a:alpha val="90000"/>
       </a:schemeClr>
       <a:schemeClr val="accent3">
-        <a:tint val="40000"/>
-        <a:alpha val="90000"/>
-      </a:schemeClr>
-      <a:schemeClr val="accent4">
-        <a:tint val="40000"/>
-        <a:alpha val="90000"/>
-      </a:schemeClr>
-      <a:schemeClr val="accent5">
-        <a:tint val="40000"/>
-        <a:alpha val="90000"/>
-      </a:schemeClr>
-      <a:schemeClr val="accent6">
         <a:tint val="40000"/>
         <a:alpha val="90000"/>
       </a:schemeClr>
@@ -805,7 +716,7 @@
     <dgm:txEffectClrLst/>
   </dgm:styleLbl>
   <dgm:styleLbl name="alignAccFollowNode1">
-    <dgm:fillClrLst meth="repeat">
+    <dgm:fillClrLst>
       <a:schemeClr val="accent2">
         <a:tint val="40000"/>
         <a:alpha val="90000"/>
@@ -814,37 +725,13 @@
         <a:tint val="40000"/>
         <a:alpha val="90000"/>
       </a:schemeClr>
-      <a:schemeClr val="accent4">
-        <a:tint val="40000"/>
-        <a:alpha val="90000"/>
-      </a:schemeClr>
-      <a:schemeClr val="accent5">
-        <a:tint val="40000"/>
-        <a:alpha val="90000"/>
-      </a:schemeClr>
-      <a:schemeClr val="accent6">
-        <a:tint val="40000"/>
-        <a:alpha val="90000"/>
-      </a:schemeClr>
     </dgm:fillClrLst>
-    <dgm:linClrLst meth="repeat">
+    <dgm:linClrLst>
       <a:schemeClr val="accent2">
         <a:tint val="40000"/>
         <a:alpha val="90000"/>
       </a:schemeClr>
       <a:schemeClr val="accent3">
-        <a:tint val="40000"/>
-        <a:alpha val="90000"/>
-      </a:schemeClr>
-      <a:schemeClr val="accent4">
-        <a:tint val="40000"/>
-        <a:alpha val="90000"/>
-      </a:schemeClr>
-      <a:schemeClr val="accent5">
-        <a:tint val="40000"/>
-        <a:alpha val="90000"/>
-      </a:schemeClr>
-      <a:schemeClr val="accent6">
         <a:tint val="40000"/>
         <a:alpha val="90000"/>
       </a:schemeClr>
@@ -857,7 +744,7 @@
     <dgm:txEffectClrLst/>
   </dgm:styleLbl>
   <dgm:styleLbl name="bgAccFollowNode1">
-    <dgm:fillClrLst meth="repeat">
+    <dgm:fillClrLst>
       <a:schemeClr val="accent2">
         <a:tint val="40000"/>
         <a:alpha val="90000"/>
@@ -866,37 +753,13 @@
         <a:tint val="40000"/>
         <a:alpha val="90000"/>
       </a:schemeClr>
-      <a:schemeClr val="accent4">
-        <a:tint val="40000"/>
-        <a:alpha val="90000"/>
-      </a:schemeClr>
-      <a:schemeClr val="accent5">
-        <a:tint val="40000"/>
-        <a:alpha val="90000"/>
-      </a:schemeClr>
-      <a:schemeClr val="accent6">
-        <a:tint val="40000"/>
-        <a:alpha val="90000"/>
-      </a:schemeClr>
     </dgm:fillClrLst>
-    <dgm:linClrLst meth="repeat">
+    <dgm:linClrLst>
       <a:schemeClr val="accent2">
         <a:tint val="40000"/>
         <a:alpha val="90000"/>
       </a:schemeClr>
       <a:schemeClr val="accent3">
-        <a:tint val="40000"/>
-        <a:alpha val="90000"/>
-      </a:schemeClr>
-      <a:schemeClr val="accent4">
-        <a:tint val="40000"/>
-        <a:alpha val="90000"/>
-      </a:schemeClr>
-      <a:schemeClr val="accent5">
-        <a:tint val="40000"/>
-        <a:alpha val="90000"/>
-      </a:schemeClr>
-      <a:schemeClr val="accent6">
         <a:tint val="40000"/>
         <a:alpha val="90000"/>
       </a:schemeClr>
@@ -931,7 +794,7 @@
       </a:schemeClr>
     </dgm:fillClrLst>
     <dgm:linClrLst>
-      <a:schemeClr val="accent2"/>
+      <a:schemeClr val="accent3"/>
     </dgm:linClrLst>
     <dgm:effectClrLst/>
     <dgm:txLinClrLst/>
@@ -947,7 +810,7 @@
       </a:schemeClr>
     </dgm:fillClrLst>
     <dgm:linClrLst>
-      <a:schemeClr val="accent3"/>
+      <a:schemeClr val="accent4"/>
     </dgm:linClrLst>
     <dgm:effectClrLst/>
     <dgm:txLinClrLst/>
@@ -963,7 +826,7 @@
       </a:schemeClr>
     </dgm:fillClrLst>
     <dgm:linClrLst>
-      <a:schemeClr val="accent4"/>
+      <a:schemeClr val="accent5"/>
     </dgm:linClrLst>
     <dgm:effectClrLst/>
     <dgm:txLinClrLst/>
@@ -1006,7 +869,7 @@
   </dgm:styleLbl>
   <dgm:styleLbl name="trBgShp">
     <dgm:fillClrLst meth="repeat">
-      <a:schemeClr val="accent1">
+      <a:schemeClr val="accent2">
         <a:tint val="50000"/>
         <a:alpha val="40000"/>
       </a:schemeClr>
@@ -1062,7 +925,7 @@
 <dgm:dataModel xmlns:dgm="http://schemas.openxmlformats.org/drawingml/2006/diagram" xmlns:a="http://schemas.openxmlformats.org/drawingml/2006/main">
   <dgm:ptLst>
     <dgm:pt modelId="{AD60282E-7807-DF4D-855D-FC8388C1FA86}" type="doc">
-      <dgm:prSet loTypeId="urn:microsoft.com/office/officeart/2005/8/layout/process1" loCatId="" qsTypeId="urn:microsoft.com/office/officeart/2005/8/quickstyle/simple4" qsCatId="simple" csTypeId="urn:microsoft.com/office/officeart/2005/8/colors/colorful1" csCatId="colorful" phldr="1"/>
+      <dgm:prSet loTypeId="urn:microsoft.com/office/officeart/2005/8/layout/process1" loCatId="" qsTypeId="urn:microsoft.com/office/officeart/2005/8/quickstyle/simple4" qsCatId="simple" csTypeId="urn:microsoft.com/office/officeart/2005/8/colors/colorful2" csCatId="colorful" phldr="1"/>
       <dgm:spPr/>
     </dgm:pt>
     <dgm:pt modelId="{C1FA95AD-9966-1A41-9B89-8F1821EB2558}">
@@ -1294,31 +1157,31 @@
     </dgm:pt>
   </dgm:ptLst>
   <dgm:cxnLst>
-    <dgm:cxn modelId="{8F674A3A-D33B-0D46-80F9-9E297C1C0A7D}" type="presOf" srcId="{4CE8D523-28E7-D048-A0E4-5668170983C1}" destId="{DF82FA8E-140E-414E-AE40-DBBD40A40B43}" srcOrd="0" destOrd="0" presId="urn:microsoft.com/office/officeart/2005/8/layout/process1"/>
-    <dgm:cxn modelId="{1C8B7B25-84CD-8541-81AC-CCB5F7155A1F}" type="presOf" srcId="{A7335D52-71DE-E048-BE0A-EF80B425A200}" destId="{2DECA85C-9C11-3945-A74D-7024E14E3221}" srcOrd="0" destOrd="0" presId="urn:microsoft.com/office/officeart/2005/8/layout/process1"/>
+    <dgm:cxn modelId="{61DD1671-2FB2-D54C-BA28-0C17756B746F}" type="presOf" srcId="{4CE8D523-28E7-D048-A0E4-5668170983C1}" destId="{DF82FA8E-140E-414E-AE40-DBBD40A40B43}" srcOrd="0" destOrd="0" presId="urn:microsoft.com/office/officeart/2005/8/layout/process1"/>
+    <dgm:cxn modelId="{55FA139D-FAB9-814B-952F-7F7E63767DA7}" type="presOf" srcId="{D0CC6D41-68A5-5D4F-8468-B367AE4E18F1}" destId="{30DCF6B7-7B1A-E04F-9094-8F1A311A69F1}" srcOrd="1" destOrd="0" presId="urn:microsoft.com/office/officeart/2005/8/layout/process1"/>
+    <dgm:cxn modelId="{CD1B1FCC-EA3B-6F43-AA58-7909A9D760D4}" type="presOf" srcId="{4CE8D523-28E7-D048-A0E4-5668170983C1}" destId="{C277C964-F51F-A449-9BEC-B3DE016F19E7}" srcOrd="1" destOrd="0" presId="urn:microsoft.com/office/officeart/2005/8/layout/process1"/>
+    <dgm:cxn modelId="{E4D1C42F-3BCE-854C-97ED-BEE6A0169F52}" srcId="{AD60282E-7807-DF4D-855D-FC8388C1FA86}" destId="{A7335D52-71DE-E048-BE0A-EF80B425A200}" srcOrd="3" destOrd="0" parTransId="{C2FD43D3-64EE-B744-A903-B0C7171B6D5E}" sibTransId="{0D4ABE1A-3EBB-A14E-B992-0E21C992A1BF}"/>
+    <dgm:cxn modelId="{5563180E-9B94-4C40-9254-BD30231613BF}" type="presOf" srcId="{E05E6CA6-4FEE-F643-AE28-35111AC75101}" destId="{6B97343A-1385-D34A-9670-FF37BE4D85F2}" srcOrd="0" destOrd="0" presId="urn:microsoft.com/office/officeart/2005/8/layout/process1"/>
+    <dgm:cxn modelId="{8CA60554-A41E-1F42-8DC8-C2F9D1E29C50}" type="presOf" srcId="{E05E6CA6-4FEE-F643-AE28-35111AC75101}" destId="{9451B73C-3DCE-574D-968D-C725996CB44B}" srcOrd="1" destOrd="0" presId="urn:microsoft.com/office/officeart/2005/8/layout/process1"/>
+    <dgm:cxn modelId="{9F9501F9-C79D-C942-A03F-F68209F76402}" type="presOf" srcId="{694A1D72-5933-7E45-9A79-23BE775DC946}" destId="{28C14F32-7EF2-2748-A38C-6E2FE8336B6F}" srcOrd="0" destOrd="0" presId="urn:microsoft.com/office/officeart/2005/8/layout/process1"/>
+    <dgm:cxn modelId="{763814C6-C8EC-C742-959F-CAB26BCBC3D3}" type="presOf" srcId="{C1FA95AD-9966-1A41-9B89-8F1821EB2558}" destId="{504508B6-3F34-8741-8E3D-82122E32EDD7}" srcOrd="0" destOrd="0" presId="urn:microsoft.com/office/officeart/2005/8/layout/process1"/>
+    <dgm:cxn modelId="{4A907B49-9BA6-C545-B72B-061AFD201EED}" type="presOf" srcId="{E3C17EF8-8718-5248-842B-7F516B2C6F56}" destId="{9DB26237-DC39-284C-BBDC-6225068F89E4}" srcOrd="0" destOrd="0" presId="urn:microsoft.com/office/officeart/2005/8/layout/process1"/>
     <dgm:cxn modelId="{EE6E1D1D-0497-6240-AD33-BC4E8789B4D8}" type="presOf" srcId="{AD60282E-7807-DF4D-855D-FC8388C1FA86}" destId="{F4EA08AA-9B67-7746-ACA4-2F534B3BCAAD}" srcOrd="0" destOrd="0" presId="urn:microsoft.com/office/officeart/2005/8/layout/process1"/>
+    <dgm:cxn modelId="{A8642848-4C70-7F46-87C1-7D25239F2E06}" type="presOf" srcId="{D0CC6D41-68A5-5D4F-8468-B367AE4E18F1}" destId="{259FAD5D-155A-5E42-9899-9EC9730A809C}" srcOrd="0" destOrd="0" presId="urn:microsoft.com/office/officeart/2005/8/layout/process1"/>
+    <dgm:cxn modelId="{8534A984-0E26-A048-B771-E39125ACCD5B}" type="presOf" srcId="{A7335D52-71DE-E048-BE0A-EF80B425A200}" destId="{2DECA85C-9C11-3945-A74D-7024E14E3221}" srcOrd="0" destOrd="0" presId="urn:microsoft.com/office/officeart/2005/8/layout/process1"/>
     <dgm:cxn modelId="{E62A05B3-FA56-5040-A5E6-029E288E96DF}" srcId="{AD60282E-7807-DF4D-855D-FC8388C1FA86}" destId="{694A1D72-5933-7E45-9A79-23BE775DC946}" srcOrd="2" destOrd="0" parTransId="{877A9A04-C149-DD46-9F3A-434984E0FE80}" sibTransId="{4CE8D523-28E7-D048-A0E4-5668170983C1}"/>
-    <dgm:cxn modelId="{793BEBAA-4D49-ED4D-9A48-402C8A0E79AF}" type="presOf" srcId="{D0CC6D41-68A5-5D4F-8468-B367AE4E18F1}" destId="{30DCF6B7-7B1A-E04F-9094-8F1A311A69F1}" srcOrd="1" destOrd="0" presId="urn:microsoft.com/office/officeart/2005/8/layout/process1"/>
-    <dgm:cxn modelId="{5474F6D7-3C33-3941-BC5E-C24B41EC5E5A}" type="presOf" srcId="{D0CC6D41-68A5-5D4F-8468-B367AE4E18F1}" destId="{259FAD5D-155A-5E42-9899-9EC9730A809C}" srcOrd="0" destOrd="0" presId="urn:microsoft.com/office/officeart/2005/8/layout/process1"/>
-    <dgm:cxn modelId="{37DCA08D-EE07-E544-8654-725A248906D4}" type="presOf" srcId="{C1FA95AD-9966-1A41-9B89-8F1821EB2558}" destId="{504508B6-3F34-8741-8E3D-82122E32EDD7}" srcOrd="0" destOrd="0" presId="urn:microsoft.com/office/officeart/2005/8/layout/process1"/>
-    <dgm:cxn modelId="{18475EC9-7EF1-0D4B-9E7C-3844BF278331}" type="presOf" srcId="{4CE8D523-28E7-D048-A0E4-5668170983C1}" destId="{C277C964-F51F-A449-9BEC-B3DE016F19E7}" srcOrd="1" destOrd="0" presId="urn:microsoft.com/office/officeart/2005/8/layout/process1"/>
-    <dgm:cxn modelId="{43E72463-3A56-554F-A0BA-406BFE072E92}" type="presOf" srcId="{E05E6CA6-4FEE-F643-AE28-35111AC75101}" destId="{6B97343A-1385-D34A-9670-FF37BE4D85F2}" srcOrd="0" destOrd="0" presId="urn:microsoft.com/office/officeart/2005/8/layout/process1"/>
-    <dgm:cxn modelId="{377BA919-42D8-004D-B834-2AA2B454C217}" type="presOf" srcId="{694A1D72-5933-7E45-9A79-23BE775DC946}" destId="{28C14F32-7EF2-2748-A38C-6E2FE8336B6F}" srcOrd="0" destOrd="0" presId="urn:microsoft.com/office/officeart/2005/8/layout/process1"/>
-    <dgm:cxn modelId="{7F237427-511D-814A-8E49-B0980FC6EDC9}" type="presOf" srcId="{E3C17EF8-8718-5248-842B-7F516B2C6F56}" destId="{9DB26237-DC39-284C-BBDC-6225068F89E4}" srcOrd="0" destOrd="0" presId="urn:microsoft.com/office/officeart/2005/8/layout/process1"/>
     <dgm:cxn modelId="{888BDFC9-CEFE-4B41-90A5-A0C46825A334}" srcId="{AD60282E-7807-DF4D-855D-FC8388C1FA86}" destId="{C1FA95AD-9966-1A41-9B89-8F1821EB2558}" srcOrd="0" destOrd="0" parTransId="{58DFF9E3-B7E3-AF4C-804B-4DC1EA79DA60}" sibTransId="{D0CC6D41-68A5-5D4F-8468-B367AE4E18F1}"/>
     <dgm:cxn modelId="{C87964D1-B516-5548-BB63-233A1EAEB86B}" srcId="{AD60282E-7807-DF4D-855D-FC8388C1FA86}" destId="{E3C17EF8-8718-5248-842B-7F516B2C6F56}" srcOrd="1" destOrd="0" parTransId="{1D6F41A0-0C98-014A-9E47-BD22E09DFAF6}" sibTransId="{E05E6CA6-4FEE-F643-AE28-35111AC75101}"/>
-    <dgm:cxn modelId="{E4D1C42F-3BCE-854C-97ED-BEE6A0169F52}" srcId="{AD60282E-7807-DF4D-855D-FC8388C1FA86}" destId="{A7335D52-71DE-E048-BE0A-EF80B425A200}" srcOrd="3" destOrd="0" parTransId="{C2FD43D3-64EE-B744-A903-B0C7171B6D5E}" sibTransId="{0D4ABE1A-3EBB-A14E-B992-0E21C992A1BF}"/>
-    <dgm:cxn modelId="{AAF76C07-F365-DD49-84B8-25FC494D669F}" type="presOf" srcId="{E05E6CA6-4FEE-F643-AE28-35111AC75101}" destId="{9451B73C-3DCE-574D-968D-C725996CB44B}" srcOrd="1" destOrd="0" presId="urn:microsoft.com/office/officeart/2005/8/layout/process1"/>
-    <dgm:cxn modelId="{25D1A4A6-EAC3-324A-BDED-F27E1E812467}" type="presParOf" srcId="{F4EA08AA-9B67-7746-ACA4-2F534B3BCAAD}" destId="{504508B6-3F34-8741-8E3D-82122E32EDD7}" srcOrd="0" destOrd="0" presId="urn:microsoft.com/office/officeart/2005/8/layout/process1"/>
-    <dgm:cxn modelId="{47A5A4ED-3647-144A-8DF7-59AC7C1C7C60}" type="presParOf" srcId="{F4EA08AA-9B67-7746-ACA4-2F534B3BCAAD}" destId="{259FAD5D-155A-5E42-9899-9EC9730A809C}" srcOrd="1" destOrd="0" presId="urn:microsoft.com/office/officeart/2005/8/layout/process1"/>
-    <dgm:cxn modelId="{43CED7AD-48F9-3342-AFB3-60A2AA7B8D23}" type="presParOf" srcId="{259FAD5D-155A-5E42-9899-9EC9730A809C}" destId="{30DCF6B7-7B1A-E04F-9094-8F1A311A69F1}" srcOrd="0" destOrd="0" presId="urn:microsoft.com/office/officeart/2005/8/layout/process1"/>
-    <dgm:cxn modelId="{F9680208-58CC-8E45-BE62-6BD6FAA49D71}" type="presParOf" srcId="{F4EA08AA-9B67-7746-ACA4-2F534B3BCAAD}" destId="{9DB26237-DC39-284C-BBDC-6225068F89E4}" srcOrd="2" destOrd="0" presId="urn:microsoft.com/office/officeart/2005/8/layout/process1"/>
-    <dgm:cxn modelId="{1BE09BB7-0D16-A14C-811A-DD4CBDEF3A31}" type="presParOf" srcId="{F4EA08AA-9B67-7746-ACA4-2F534B3BCAAD}" destId="{6B97343A-1385-D34A-9670-FF37BE4D85F2}" srcOrd="3" destOrd="0" presId="urn:microsoft.com/office/officeart/2005/8/layout/process1"/>
-    <dgm:cxn modelId="{DB93AB5A-200D-3844-943B-BB7B19316610}" type="presParOf" srcId="{6B97343A-1385-D34A-9670-FF37BE4D85F2}" destId="{9451B73C-3DCE-574D-968D-C725996CB44B}" srcOrd="0" destOrd="0" presId="urn:microsoft.com/office/officeart/2005/8/layout/process1"/>
-    <dgm:cxn modelId="{3F30BCE7-58AB-0648-A3A2-9B3C6E3CA0B4}" type="presParOf" srcId="{F4EA08AA-9B67-7746-ACA4-2F534B3BCAAD}" destId="{28C14F32-7EF2-2748-A38C-6E2FE8336B6F}" srcOrd="4" destOrd="0" presId="urn:microsoft.com/office/officeart/2005/8/layout/process1"/>
-    <dgm:cxn modelId="{0FBB14C3-323E-3F43-B7DE-3DFC5C0320F5}" type="presParOf" srcId="{F4EA08AA-9B67-7746-ACA4-2F534B3BCAAD}" destId="{DF82FA8E-140E-414E-AE40-DBBD40A40B43}" srcOrd="5" destOrd="0" presId="urn:microsoft.com/office/officeart/2005/8/layout/process1"/>
-    <dgm:cxn modelId="{C4171A41-FBCB-0F42-A86E-D0902C962549}" type="presParOf" srcId="{DF82FA8E-140E-414E-AE40-DBBD40A40B43}" destId="{C277C964-F51F-A449-9BEC-B3DE016F19E7}" srcOrd="0" destOrd="0" presId="urn:microsoft.com/office/officeart/2005/8/layout/process1"/>
-    <dgm:cxn modelId="{D80C7B1F-A47E-8745-8792-8DC8501D36CB}" type="presParOf" srcId="{F4EA08AA-9B67-7746-ACA4-2F534B3BCAAD}" destId="{2DECA85C-9C11-3945-A74D-7024E14E3221}" srcOrd="6" destOrd="0" presId="urn:microsoft.com/office/officeart/2005/8/layout/process1"/>
+    <dgm:cxn modelId="{CFFAF3D3-9382-F44D-8900-47547D6FBF00}" type="presParOf" srcId="{F4EA08AA-9B67-7746-ACA4-2F534B3BCAAD}" destId="{504508B6-3F34-8741-8E3D-82122E32EDD7}" srcOrd="0" destOrd="0" presId="urn:microsoft.com/office/officeart/2005/8/layout/process1"/>
+    <dgm:cxn modelId="{49689C09-ABE5-8446-8F60-34B6AE718E7B}" type="presParOf" srcId="{F4EA08AA-9B67-7746-ACA4-2F534B3BCAAD}" destId="{259FAD5D-155A-5E42-9899-9EC9730A809C}" srcOrd="1" destOrd="0" presId="urn:microsoft.com/office/officeart/2005/8/layout/process1"/>
+    <dgm:cxn modelId="{2E2ACD0F-7A33-E14D-9A0A-9E98E1EFBFD3}" type="presParOf" srcId="{259FAD5D-155A-5E42-9899-9EC9730A809C}" destId="{30DCF6B7-7B1A-E04F-9094-8F1A311A69F1}" srcOrd="0" destOrd="0" presId="urn:microsoft.com/office/officeart/2005/8/layout/process1"/>
+    <dgm:cxn modelId="{1352E27C-33EA-4D40-B0C4-97A21FBDDD62}" type="presParOf" srcId="{F4EA08AA-9B67-7746-ACA4-2F534B3BCAAD}" destId="{9DB26237-DC39-284C-BBDC-6225068F89E4}" srcOrd="2" destOrd="0" presId="urn:microsoft.com/office/officeart/2005/8/layout/process1"/>
+    <dgm:cxn modelId="{1160D037-14D8-4C4E-A42C-BF687260C9CB}" type="presParOf" srcId="{F4EA08AA-9B67-7746-ACA4-2F534B3BCAAD}" destId="{6B97343A-1385-D34A-9670-FF37BE4D85F2}" srcOrd="3" destOrd="0" presId="urn:microsoft.com/office/officeart/2005/8/layout/process1"/>
+    <dgm:cxn modelId="{2CFC6E13-62AA-0444-942E-E87F784168A0}" type="presParOf" srcId="{6B97343A-1385-D34A-9670-FF37BE4D85F2}" destId="{9451B73C-3DCE-574D-968D-C725996CB44B}" srcOrd="0" destOrd="0" presId="urn:microsoft.com/office/officeart/2005/8/layout/process1"/>
+    <dgm:cxn modelId="{A2253C0C-D0EF-614D-B290-89DC95D727DE}" type="presParOf" srcId="{F4EA08AA-9B67-7746-ACA4-2F534B3BCAAD}" destId="{28C14F32-7EF2-2748-A38C-6E2FE8336B6F}" srcOrd="4" destOrd="0" presId="urn:microsoft.com/office/officeart/2005/8/layout/process1"/>
+    <dgm:cxn modelId="{58D18EE6-EDCF-6B42-A552-A1996C3DAFAD}" type="presParOf" srcId="{F4EA08AA-9B67-7746-ACA4-2F534B3BCAAD}" destId="{DF82FA8E-140E-414E-AE40-DBBD40A40B43}" srcOrd="5" destOrd="0" presId="urn:microsoft.com/office/officeart/2005/8/layout/process1"/>
+    <dgm:cxn modelId="{D3D85F8B-87ED-4D47-A504-30575BFF3DD3}" type="presParOf" srcId="{DF82FA8E-140E-414E-AE40-DBBD40A40B43}" destId="{C277C964-F51F-A449-9BEC-B3DE016F19E7}" srcOrd="0" destOrd="0" presId="urn:microsoft.com/office/officeart/2005/8/layout/process1"/>
+    <dgm:cxn modelId="{E826E4BD-7ACC-524F-8F07-E035A7C6B83E}" type="presParOf" srcId="{F4EA08AA-9B67-7746-ACA4-2F534B3BCAAD}" destId="{2DECA85C-9C11-3945-A74D-7024E14E3221}" srcOrd="6" destOrd="0" presId="urn:microsoft.com/office/officeart/2005/8/layout/process1"/>
   </dgm:cxnLst>
   <dgm:bg/>
   <dgm:whole/>
@@ -1545,10 +1408,10 @@
         <a:gradFill rotWithShape="0">
           <a:gsLst>
             <a:gs pos="0">
-              <a:schemeClr val="accent3">
-                <a:hueOff val="0"/>
-                <a:satOff val="0"/>
-                <a:lumOff val="0"/>
+              <a:schemeClr val="accent2">
+                <a:hueOff val="6285944"/>
+                <a:satOff val="5300"/>
+                <a:lumOff val="-3922"/>
                 <a:alphaOff val="0"/>
                 <a:tint val="100000"/>
                 <a:shade val="100000"/>
@@ -1556,10 +1419,10 @@
               </a:schemeClr>
             </a:gs>
             <a:gs pos="100000">
-              <a:schemeClr val="accent3">
-                <a:hueOff val="0"/>
-                <a:satOff val="0"/>
-                <a:lumOff val="0"/>
+              <a:schemeClr val="accent2">
+                <a:hueOff val="6285944"/>
+                <a:satOff val="5300"/>
+                <a:lumOff val="-3922"/>
                 <a:alphaOff val="0"/>
                 <a:tint val="50000"/>
                 <a:shade val="100000"/>
@@ -1642,10 +1505,10 @@
         <a:gradFill rotWithShape="0">
           <a:gsLst>
             <a:gs pos="0">
-              <a:schemeClr val="accent3">
-                <a:hueOff val="0"/>
-                <a:satOff val="0"/>
-                <a:lumOff val="0"/>
+              <a:schemeClr val="accent2">
+                <a:hueOff val="9428916"/>
+                <a:satOff val="7950"/>
+                <a:lumOff val="-5883"/>
                 <a:alphaOff val="0"/>
                 <a:tint val="100000"/>
                 <a:shade val="100000"/>
@@ -1653,10 +1516,10 @@
               </a:schemeClr>
             </a:gs>
             <a:gs pos="100000">
-              <a:schemeClr val="accent3">
-                <a:hueOff val="0"/>
-                <a:satOff val="0"/>
-                <a:lumOff val="0"/>
+              <a:schemeClr val="accent2">
+                <a:hueOff val="9428916"/>
+                <a:satOff val="7950"/>
+                <a:lumOff val="-5883"/>
                 <a:alphaOff val="0"/>
                 <a:tint val="50000"/>
                 <a:shade val="100000"/>
@@ -1734,10 +1597,10 @@
         <a:gradFill rotWithShape="0">
           <a:gsLst>
             <a:gs pos="0">
-              <a:schemeClr val="accent4">
-                <a:hueOff val="0"/>
-                <a:satOff val="0"/>
-                <a:lumOff val="0"/>
+              <a:schemeClr val="accent2">
+                <a:hueOff val="12571889"/>
+                <a:satOff val="10600"/>
+                <a:lumOff val="-7843"/>
                 <a:alphaOff val="0"/>
                 <a:tint val="100000"/>
                 <a:shade val="100000"/>
@@ -1745,10 +1608,10 @@
               </a:schemeClr>
             </a:gs>
             <a:gs pos="100000">
-              <a:schemeClr val="accent4">
-                <a:hueOff val="0"/>
-                <a:satOff val="0"/>
-                <a:lumOff val="0"/>
+              <a:schemeClr val="accent2">
+                <a:hueOff val="12571889"/>
+                <a:satOff val="10600"/>
+                <a:lumOff val="-7843"/>
                 <a:alphaOff val="0"/>
                 <a:tint val="50000"/>
                 <a:shade val="100000"/>
@@ -1831,10 +1694,10 @@
         <a:gradFill rotWithShape="0">
           <a:gsLst>
             <a:gs pos="0">
-              <a:schemeClr val="accent4">
-                <a:hueOff val="0"/>
-                <a:satOff val="0"/>
-                <a:lumOff val="0"/>
+              <a:schemeClr val="accent2">
+                <a:hueOff val="18857833"/>
+                <a:satOff val="15900"/>
+                <a:lumOff val="-11765"/>
                 <a:alphaOff val="0"/>
                 <a:tint val="100000"/>
                 <a:shade val="100000"/>
@@ -1842,10 +1705,10 @@
               </a:schemeClr>
             </a:gs>
             <a:gs pos="100000">
-              <a:schemeClr val="accent4">
-                <a:hueOff val="0"/>
-                <a:satOff val="0"/>
-                <a:lumOff val="0"/>
+              <a:schemeClr val="accent2">
+                <a:hueOff val="18857833"/>
+                <a:satOff val="15900"/>
+                <a:lumOff val="-11765"/>
                 <a:alphaOff val="0"/>
                 <a:tint val="50000"/>
                 <a:shade val="100000"/>
@@ -1923,10 +1786,10 @@
         <a:gradFill rotWithShape="0">
           <a:gsLst>
             <a:gs pos="0">
-              <a:schemeClr val="accent5">
-                <a:hueOff val="0"/>
-                <a:satOff val="0"/>
-                <a:lumOff val="0"/>
+              <a:schemeClr val="accent2">
+                <a:hueOff val="18857833"/>
+                <a:satOff val="15900"/>
+                <a:lumOff val="-11765"/>
                 <a:alphaOff val="0"/>
                 <a:tint val="100000"/>
                 <a:shade val="100000"/>
@@ -1934,10 +1797,10 @@
               </a:schemeClr>
             </a:gs>
             <a:gs pos="100000">
-              <a:schemeClr val="accent5">
-                <a:hueOff val="0"/>
-                <a:satOff val="0"/>
-                <a:lumOff val="0"/>
+              <a:schemeClr val="accent2">
+                <a:hueOff val="18857833"/>
+                <a:satOff val="15900"/>
+                <a:lumOff val="-11765"/>
                 <a:alphaOff val="0"/>
                 <a:tint val="50000"/>
                 <a:shade val="100000"/>
@@ -15441,7 +15304,7 @@
           <p:nvPr>
             <p:extLst>
               <p:ext uri="{D42A27DB-BD31-4B8C-83A1-F6EECF244321}">
-                <p14:modId xmlns:p14="http://schemas.microsoft.com/office/powerpoint/2010/main" val="4280706101"/>
+                <p14:modId xmlns:p14="http://schemas.microsoft.com/office/powerpoint/2010/main" val="1794468087"/>
               </p:ext>
             </p:extLst>
           </p:nvPr>

--- a/docker-kubernetes-intro-starting-a-project.pptx
+++ b/docker-kubernetes-intro-starting-a-project.pptx
@@ -9,10 +9,10 @@
     <p:sldMasterId id="2147483708" r:id="rId5"/>
   </p:sldMasterIdLst>
   <p:notesMasterIdLst>
-    <p:notesMasterId r:id="rId28"/>
+    <p:notesMasterId r:id="rId29"/>
   </p:notesMasterIdLst>
   <p:handoutMasterIdLst>
-    <p:handoutMasterId r:id="rId29"/>
+    <p:handoutMasterId r:id="rId30"/>
   </p:handoutMasterIdLst>
   <p:sldIdLst>
     <p:sldId id="292" r:id="rId6"/>
@@ -35,8 +35,9 @@
     <p:sldId id="310" r:id="rId23"/>
     <p:sldId id="307" r:id="rId24"/>
     <p:sldId id="311" r:id="rId25"/>
-    <p:sldId id="308" r:id="rId26"/>
-    <p:sldId id="291" r:id="rId27"/>
+    <p:sldId id="314" r:id="rId26"/>
+    <p:sldId id="308" r:id="rId27"/>
+    <p:sldId id="291" r:id="rId28"/>
   </p:sldIdLst>
   <p:sldSz cx="14630400" cy="9144000"/>
   <p:notesSz cx="6858000" cy="9144000"/>
@@ -16987,6 +16988,443 @@
             <p:ph type="title"/>
           </p:nvPr>
         </p:nvSpPr>
+        <p:spPr/>
+        <p:txBody>
+          <a:bodyPr/>
+          <a:lstStyle/>
+          <a:p>
+            <a:r>
+              <a:rPr lang="en-US" dirty="0" smtClean="0"/>
+              <a:t>Rolling updates revisited</a:t>
+            </a:r>
+            <a:endParaRPr lang="en-US" dirty="0"/>
+          </a:p>
+        </p:txBody>
+      </p:sp>
+      <p:sp>
+        <p:nvSpPr>
+          <p:cNvPr id="4" name="Content Placeholder 3"/>
+          <p:cNvSpPr>
+            <a:spLocks noGrp="1"/>
+          </p:cNvSpPr>
+          <p:nvPr>
+            <p:ph idx="1"/>
+          </p:nvPr>
+        </p:nvSpPr>
+        <p:spPr>
+          <a:xfrm>
+            <a:off x="731520" y="1298576"/>
+            <a:ext cx="13167360" cy="7071873"/>
+          </a:xfrm>
+        </p:spPr>
+        <p:txBody>
+          <a:bodyPr/>
+          <a:lstStyle/>
+          <a:p>
+            <a:r>
+              <a:rPr lang="en-US" sz="2400" dirty="0" smtClean="0"/>
+              <a:t>After the initial deployment the normal lifecycle of any product assumes upcoming updates sooner or later, be it new versions, or hot fixes</a:t>
+            </a:r>
+          </a:p>
+          <a:p>
+            <a:r>
+              <a:rPr lang="en-US" sz="2400" dirty="0" smtClean="0"/>
+              <a:t>Rolling updates by </a:t>
+            </a:r>
+            <a:r>
+              <a:rPr lang="en-US" sz="2400" dirty="0" err="1" smtClean="0"/>
+              <a:t>kubernetes</a:t>
+            </a:r>
+            <a:r>
+              <a:rPr lang="en-US" sz="2400" dirty="0" smtClean="0"/>
+              <a:t> handle the production updates seamlessly </a:t>
+            </a:r>
+          </a:p>
+          <a:p>
+            <a:r>
+              <a:rPr lang="en-US" sz="2400" dirty="0" smtClean="0"/>
+              <a:t>Required steps:</a:t>
+            </a:r>
+          </a:p>
+          <a:p>
+            <a:pPr marL="1136462" lvl="1" indent="-457200">
+              <a:buFont typeface="+mj-lt"/>
+              <a:buAutoNum type="arabicPeriod"/>
+            </a:pPr>
+            <a:r>
+              <a:rPr lang="en-US" sz="2400" dirty="0" smtClean="0"/>
+              <a:t>Prepare the required artifacts</a:t>
+            </a:r>
+          </a:p>
+          <a:p>
+            <a:pPr marL="1730816" lvl="2" indent="-457200"/>
+            <a:r>
+              <a:rPr lang="en-US" sz="2400" dirty="0" smtClean="0"/>
+              <a:t>build the applications, jar, was, whatever)</a:t>
+            </a:r>
+          </a:p>
+          <a:p>
+            <a:pPr marL="1136462" lvl="1" indent="-457200">
+              <a:buFont typeface="+mj-lt"/>
+              <a:buAutoNum type="arabicPeriod"/>
+            </a:pPr>
+            <a:r>
+              <a:rPr lang="en-US" sz="2400" dirty="0" smtClean="0"/>
+              <a:t>Build new images, assigning appropriate tags (versions)</a:t>
+            </a:r>
+          </a:p>
+          <a:p>
+            <a:pPr marL="1730816" lvl="2" indent="-457200"/>
+            <a:r>
+              <a:rPr lang="en-US" sz="2400" dirty="0" smtClean="0">
+                <a:solidFill>
+                  <a:srgbClr val="008000"/>
+                </a:solidFill>
+              </a:rPr>
+              <a:t>$ docker build –t </a:t>
+            </a:r>
+            <a:r>
+              <a:rPr lang="en-US" sz="2400" dirty="0" err="1" smtClean="0">
+                <a:solidFill>
+                  <a:srgbClr val="008000"/>
+                </a:solidFill>
+              </a:rPr>
+              <a:t>gcr.io</a:t>
+            </a:r>
+            <a:r>
+              <a:rPr lang="en-US" sz="2400" dirty="0" smtClean="0">
+                <a:solidFill>
+                  <a:srgbClr val="008000"/>
+                </a:solidFill>
+              </a:rPr>
+              <a:t>/&lt;</a:t>
+            </a:r>
+            <a:r>
+              <a:rPr lang="en-US" sz="2400" dirty="0" err="1" smtClean="0">
+                <a:solidFill>
+                  <a:srgbClr val="008000"/>
+                </a:solidFill>
+              </a:rPr>
+              <a:t>projectId</a:t>
+            </a:r>
+            <a:r>
+              <a:rPr lang="en-US" sz="2400" dirty="0" smtClean="0">
+                <a:solidFill>
+                  <a:srgbClr val="008000"/>
+                </a:solidFill>
+              </a:rPr>
+              <a:t>&gt;/&lt;</a:t>
+            </a:r>
+            <a:r>
+              <a:rPr lang="en-US" sz="2400" dirty="0" err="1" smtClean="0">
+                <a:solidFill>
+                  <a:srgbClr val="008000"/>
+                </a:solidFill>
+              </a:rPr>
+              <a:t>imagename</a:t>
+            </a:r>
+            <a:r>
+              <a:rPr lang="en-US" sz="2400" dirty="0" smtClean="0">
+                <a:solidFill>
+                  <a:srgbClr val="008000"/>
+                </a:solidFill>
+              </a:rPr>
+              <a:t>&gt;:&lt;</a:t>
+            </a:r>
+            <a:r>
+              <a:rPr lang="en-US" sz="2400" dirty="0" err="1" smtClean="0">
+                <a:solidFill>
+                  <a:srgbClr val="008000"/>
+                </a:solidFill>
+              </a:rPr>
+              <a:t>versionTag</a:t>
+            </a:r>
+            <a:r>
+              <a:rPr lang="en-US" sz="2400" dirty="0" smtClean="0">
+                <a:solidFill>
+                  <a:srgbClr val="008000"/>
+                </a:solidFill>
+              </a:rPr>
+              <a:t>&gt;</a:t>
+            </a:r>
+          </a:p>
+          <a:p>
+            <a:pPr marL="1136462" lvl="1" indent="-457200">
+              <a:buFont typeface="+mj-lt"/>
+              <a:buAutoNum type="arabicPeriod"/>
+            </a:pPr>
+            <a:r>
+              <a:rPr lang="en-US" sz="2400" dirty="0" smtClean="0"/>
+              <a:t>Push the new images to Google Cloud</a:t>
+            </a:r>
+          </a:p>
+          <a:p>
+            <a:pPr marL="1730816" lvl="2" indent="-457200"/>
+            <a:r>
+              <a:rPr lang="en-US" sz="2400" dirty="0" smtClean="0">
+                <a:solidFill>
+                  <a:srgbClr val="008000"/>
+                </a:solidFill>
+              </a:rPr>
+              <a:t>$ docker push </a:t>
+            </a:r>
+            <a:r>
+              <a:rPr lang="en-US" sz="2400" dirty="0" err="1">
+                <a:solidFill>
+                  <a:srgbClr val="008000"/>
+                </a:solidFill>
+              </a:rPr>
+              <a:t>gcr.io</a:t>
+            </a:r>
+            <a:r>
+              <a:rPr lang="en-US" sz="2400" dirty="0">
+                <a:solidFill>
+                  <a:srgbClr val="008000"/>
+                </a:solidFill>
+              </a:rPr>
+              <a:t>/&lt;</a:t>
+            </a:r>
+            <a:r>
+              <a:rPr lang="en-US" sz="2400" dirty="0" err="1">
+                <a:solidFill>
+                  <a:srgbClr val="008000"/>
+                </a:solidFill>
+              </a:rPr>
+              <a:t>projectId</a:t>
+            </a:r>
+            <a:r>
+              <a:rPr lang="en-US" sz="2400" dirty="0">
+                <a:solidFill>
+                  <a:srgbClr val="008000"/>
+                </a:solidFill>
+              </a:rPr>
+              <a:t>&gt;/&lt;</a:t>
+            </a:r>
+            <a:r>
+              <a:rPr lang="en-US" sz="2400" dirty="0" err="1">
+                <a:solidFill>
+                  <a:srgbClr val="008000"/>
+                </a:solidFill>
+              </a:rPr>
+              <a:t>imagename</a:t>
+            </a:r>
+            <a:r>
+              <a:rPr lang="en-US" sz="2400" dirty="0">
+                <a:solidFill>
+                  <a:srgbClr val="008000"/>
+                </a:solidFill>
+              </a:rPr>
+              <a:t>&gt;:&lt;</a:t>
+            </a:r>
+            <a:r>
+              <a:rPr lang="en-US" sz="2400" dirty="0" err="1">
+                <a:solidFill>
+                  <a:srgbClr val="008000"/>
+                </a:solidFill>
+              </a:rPr>
+              <a:t>versionTag</a:t>
+            </a:r>
+            <a:r>
+              <a:rPr lang="en-US" sz="2400" dirty="0">
+                <a:solidFill>
+                  <a:srgbClr val="008000"/>
+                </a:solidFill>
+              </a:rPr>
+              <a:t>&gt;</a:t>
+            </a:r>
+          </a:p>
+          <a:p>
+            <a:pPr marL="1136462" lvl="1" indent="-457200">
+              <a:buFont typeface="+mj-lt"/>
+              <a:buAutoNum type="arabicPeriod"/>
+            </a:pPr>
+            <a:r>
+              <a:rPr lang="en-US" sz="2400" dirty="0" smtClean="0"/>
+              <a:t>Perform rolling update:</a:t>
+            </a:r>
+          </a:p>
+          <a:p>
+            <a:pPr marL="1730816" lvl="2" indent="-457200"/>
+            <a:r>
+              <a:rPr lang="en-US" sz="2400" dirty="0">
+                <a:solidFill>
+                  <a:srgbClr val="008000"/>
+                </a:solidFill>
+              </a:rPr>
+              <a:t>$ </a:t>
+            </a:r>
+            <a:r>
+              <a:rPr lang="en-US" sz="2400" dirty="0" err="1">
+                <a:solidFill>
+                  <a:srgbClr val="008000"/>
+                </a:solidFill>
+              </a:rPr>
+              <a:t>kubectl</a:t>
+            </a:r>
+            <a:r>
+              <a:rPr lang="en-US" sz="2400" dirty="0">
+                <a:solidFill>
+                  <a:srgbClr val="008000"/>
+                </a:solidFill>
+              </a:rPr>
+              <a:t> rolling-update website --image=</a:t>
+            </a:r>
+            <a:r>
+              <a:rPr lang="en-US" sz="2400" dirty="0" err="1">
+                <a:solidFill>
+                  <a:srgbClr val="008000"/>
+                </a:solidFill>
+              </a:rPr>
+              <a:t>gcr.io</a:t>
+            </a:r>
+            <a:r>
+              <a:rPr lang="en-US" sz="2400" dirty="0">
+                <a:solidFill>
+                  <a:srgbClr val="008000"/>
+                </a:solidFill>
+              </a:rPr>
+              <a:t>/subscribers-1072/website-</a:t>
+            </a:r>
+            <a:r>
+              <a:rPr lang="en-US" sz="2400" dirty="0" smtClean="0">
+                <a:solidFill>
+                  <a:srgbClr val="008000"/>
+                </a:solidFill>
+              </a:rPr>
+              <a:t>node:v2</a:t>
+            </a:r>
+          </a:p>
+          <a:p>
+            <a:r>
+              <a:rPr lang="en-US" sz="2400" dirty="0" smtClean="0"/>
+              <a:t>Roll back to previous version is also very simple. Simply run the above command </a:t>
+            </a:r>
+            <a:r>
+              <a:rPr lang="en-US" sz="2400" smtClean="0"/>
+              <a:t>with the </a:t>
+            </a:r>
+            <a:r>
+              <a:rPr lang="en-US" sz="2400" dirty="0" smtClean="0"/>
+              <a:t>previous image version:</a:t>
+            </a:r>
+          </a:p>
+          <a:p>
+            <a:pPr lvl="2"/>
+            <a:r>
+              <a:rPr lang="en-US" sz="2400" dirty="0">
+                <a:solidFill>
+                  <a:srgbClr val="008000"/>
+                </a:solidFill>
+              </a:rPr>
+              <a:t>$ </a:t>
+            </a:r>
+            <a:r>
+              <a:rPr lang="en-US" sz="2400" dirty="0" err="1">
+                <a:solidFill>
+                  <a:srgbClr val="008000"/>
+                </a:solidFill>
+              </a:rPr>
+              <a:t>kubectl</a:t>
+            </a:r>
+            <a:r>
+              <a:rPr lang="en-US" sz="2400" dirty="0">
+                <a:solidFill>
+                  <a:srgbClr val="008000"/>
+                </a:solidFill>
+              </a:rPr>
+              <a:t> rolling-update website --image=</a:t>
+            </a:r>
+            <a:r>
+              <a:rPr lang="en-US" sz="2400" dirty="0" err="1">
+                <a:solidFill>
+                  <a:srgbClr val="008000"/>
+                </a:solidFill>
+              </a:rPr>
+              <a:t>gcr.io</a:t>
+            </a:r>
+            <a:r>
+              <a:rPr lang="en-US" sz="2400" dirty="0">
+                <a:solidFill>
+                  <a:srgbClr val="008000"/>
+                </a:solidFill>
+              </a:rPr>
+              <a:t>/subscribers-1072/website-</a:t>
+            </a:r>
+            <a:r>
+              <a:rPr lang="en-US" sz="2400" dirty="0" smtClean="0">
+                <a:solidFill>
+                  <a:srgbClr val="008000"/>
+                </a:solidFill>
+              </a:rPr>
+              <a:t>node:</a:t>
+            </a:r>
+            <a:r>
+              <a:rPr lang="en-US" sz="2400" dirty="0" smtClean="0">
+                <a:solidFill>
+                  <a:srgbClr val="FF0000"/>
+                </a:solidFill>
+              </a:rPr>
+              <a:t>v1</a:t>
+            </a:r>
+            <a:endParaRPr lang="en-US" sz="2400" dirty="0">
+              <a:solidFill>
+                <a:srgbClr val="FF0000"/>
+              </a:solidFill>
+            </a:endParaRPr>
+          </a:p>
+          <a:p>
+            <a:pPr lvl="2"/>
+            <a:endParaRPr lang="en-US" dirty="0" smtClean="0"/>
+          </a:p>
+          <a:p>
+            <a:pPr marL="1136462" lvl="1" indent="-457200">
+              <a:buFont typeface="+mj-lt"/>
+              <a:buAutoNum type="arabicPeriod"/>
+            </a:pPr>
+            <a:endParaRPr lang="en-US" dirty="0"/>
+          </a:p>
+        </p:txBody>
+      </p:sp>
+    </p:spTree>
+    <p:extLst>
+      <p:ext uri="{BB962C8B-B14F-4D97-AF65-F5344CB8AC3E}">
+        <p14:creationId xmlns:p14="http://schemas.microsoft.com/office/powerpoint/2010/main" val="2765840249"/>
+      </p:ext>
+    </p:extLst>
+  </p:cSld>
+  <p:clrMapOvr>
+    <a:masterClrMapping/>
+  </p:clrMapOvr>
+</p:sld>
+</file>
+
+<file path=ppt/slides/slide22.xml><?xml version="1.0" encoding="utf-8"?>
+<p:sld xmlns:a="http://schemas.openxmlformats.org/drawingml/2006/main" xmlns:r="http://schemas.openxmlformats.org/officeDocument/2006/relationships" xmlns:p="http://schemas.openxmlformats.org/presentationml/2006/main">
+  <p:cSld>
+    <p:spTree>
+      <p:nvGrpSpPr>
+        <p:cNvPr id="1" name=""/>
+        <p:cNvGrpSpPr/>
+        <p:nvPr/>
+      </p:nvGrpSpPr>
+      <p:grpSpPr>
+        <a:xfrm>
+          <a:off x="0" y="0"/>
+          <a:ext cx="0" cy="0"/>
+          <a:chOff x="0" y="0"/>
+          <a:chExt cx="0" cy="0"/>
+        </a:xfrm>
+      </p:grpSpPr>
+      <p:sp>
+        <p:nvSpPr>
+          <p:cNvPr id="2" name="Title 1"/>
+          <p:cNvSpPr>
+            <a:spLocks noGrp="1"/>
+          </p:cNvSpPr>
+          <p:nvPr>
+            <p:ph type="title"/>
+          </p:nvPr>
+        </p:nvSpPr>
         <p:spPr>
           <a:xfrm>
             <a:off x="731520" y="581025"/>
@@ -17019,7 +17457,7 @@
 </p:sld>
 </file>
 
-<file path=ppt/slides/slide22.xml><?xml version="1.0" encoding="utf-8"?>
+<file path=ppt/slides/slide23.xml><?xml version="1.0" encoding="utf-8"?>
 <p:sld xmlns:a="http://schemas.openxmlformats.org/drawingml/2006/main" xmlns:r="http://schemas.openxmlformats.org/officeDocument/2006/relationships" xmlns:p="http://schemas.openxmlformats.org/presentationml/2006/main">
   <p:cSld>
     <p:spTree>

--- a/docker-kubernetes-intro-starting-a-project.pptx
+++ b/docker-kubernetes-intro-starting-a-project.pptx
@@ -9,10 +9,10 @@
     <p:sldMasterId id="2147483708" r:id="rId5"/>
   </p:sldMasterIdLst>
   <p:notesMasterIdLst>
-    <p:notesMasterId r:id="rId29"/>
+    <p:notesMasterId r:id="rId30"/>
   </p:notesMasterIdLst>
   <p:handoutMasterIdLst>
-    <p:handoutMasterId r:id="rId30"/>
+    <p:handoutMasterId r:id="rId31"/>
   </p:handoutMasterIdLst>
   <p:sldIdLst>
     <p:sldId id="292" r:id="rId6"/>
@@ -22,22 +22,23 @@
     <p:sldId id="298" r:id="rId10"/>
     <p:sldId id="295" r:id="rId11"/>
     <p:sldId id="296" r:id="rId12"/>
-    <p:sldId id="313" r:id="rId13"/>
-    <p:sldId id="300" r:id="rId14"/>
-    <p:sldId id="301" r:id="rId15"/>
-    <p:sldId id="303" r:id="rId16"/>
-    <p:sldId id="302" r:id="rId17"/>
-    <p:sldId id="304" r:id="rId18"/>
-    <p:sldId id="305" r:id="rId19"/>
-    <p:sldId id="309" r:id="rId20"/>
-    <p:sldId id="312" r:id="rId21"/>
-    <p:sldId id="306" r:id="rId22"/>
-    <p:sldId id="310" r:id="rId23"/>
-    <p:sldId id="307" r:id="rId24"/>
-    <p:sldId id="311" r:id="rId25"/>
-    <p:sldId id="314" r:id="rId26"/>
-    <p:sldId id="308" r:id="rId27"/>
-    <p:sldId id="291" r:id="rId28"/>
+    <p:sldId id="303" r:id="rId13"/>
+    <p:sldId id="313" r:id="rId14"/>
+    <p:sldId id="300" r:id="rId15"/>
+    <p:sldId id="301" r:id="rId16"/>
+    <p:sldId id="315" r:id="rId17"/>
+    <p:sldId id="302" r:id="rId18"/>
+    <p:sldId id="304" r:id="rId19"/>
+    <p:sldId id="305" r:id="rId20"/>
+    <p:sldId id="309" r:id="rId21"/>
+    <p:sldId id="312" r:id="rId22"/>
+    <p:sldId id="306" r:id="rId23"/>
+    <p:sldId id="310" r:id="rId24"/>
+    <p:sldId id="307" r:id="rId25"/>
+    <p:sldId id="311" r:id="rId26"/>
+    <p:sldId id="314" r:id="rId27"/>
+    <p:sldId id="308" r:id="rId28"/>
+    <p:sldId id="291" r:id="rId29"/>
   </p:sldIdLst>
   <p:sldSz cx="14630400" cy="9144000"/>
   <p:notesSz cx="6858000" cy="9144000"/>
@@ -3658,6 +3659,755 @@
 </p:notes>
 </file>
 
+<file path=ppt/notesSlides/notesSlide10.xml><?xml version="1.0" encoding="utf-8"?>
+<p:notes xmlns:a="http://schemas.openxmlformats.org/drawingml/2006/main" xmlns:r="http://schemas.openxmlformats.org/officeDocument/2006/relationships" xmlns:p="http://schemas.openxmlformats.org/presentationml/2006/main">
+  <p:cSld>
+    <p:spTree>
+      <p:nvGrpSpPr>
+        <p:cNvPr id="1" name=""/>
+        <p:cNvGrpSpPr/>
+        <p:nvPr/>
+      </p:nvGrpSpPr>
+      <p:grpSpPr>
+        <a:xfrm>
+          <a:off x="0" y="0"/>
+          <a:ext cx="0" cy="0"/>
+          <a:chOff x="0" y="0"/>
+          <a:chExt cx="0" cy="0"/>
+        </a:xfrm>
+      </p:grpSpPr>
+      <p:sp>
+        <p:nvSpPr>
+          <p:cNvPr id="2" name="Slide Image Placeholder 1"/>
+          <p:cNvSpPr>
+            <a:spLocks noGrp="1" noRot="1" noChangeAspect="1"/>
+          </p:cNvSpPr>
+          <p:nvPr>
+            <p:ph type="sldImg"/>
+          </p:nvPr>
+        </p:nvSpPr>
+        <p:spPr/>
+      </p:sp>
+      <p:sp>
+        <p:nvSpPr>
+          <p:cNvPr id="3" name="Notes Placeholder 2"/>
+          <p:cNvSpPr>
+            <a:spLocks noGrp="1"/>
+          </p:cNvSpPr>
+          <p:nvPr>
+            <p:ph type="body" idx="1"/>
+          </p:nvPr>
+        </p:nvSpPr>
+        <p:spPr/>
+        <p:txBody>
+          <a:bodyPr/>
+          <a:lstStyle/>
+          <a:p>
+            <a:r>
+              <a:rPr lang="en-US" dirty="0" smtClean="0"/>
+              <a:t>Folder: deployment/Services</a:t>
+            </a:r>
+            <a:endParaRPr lang="en-US" dirty="0"/>
+          </a:p>
+        </p:txBody>
+      </p:sp>
+      <p:sp>
+        <p:nvSpPr>
+          <p:cNvPr id="4" name="Slide Number Placeholder 3"/>
+          <p:cNvSpPr>
+            <a:spLocks noGrp="1"/>
+          </p:cNvSpPr>
+          <p:nvPr>
+            <p:ph type="sldNum" sz="quarter" idx="10"/>
+          </p:nvPr>
+        </p:nvSpPr>
+        <p:spPr/>
+        <p:txBody>
+          <a:bodyPr/>
+          <a:lstStyle/>
+          <a:p>
+            <a:fld id="{1F681695-1E90-4530-9F70-417E0178E205}" type="slidenum">
+              <a:rPr lang="en-US" smtClean="0"/>
+              <a:pPr/>
+              <a:t>14</a:t>
+            </a:fld>
+            <a:endParaRPr lang="en-US"/>
+          </a:p>
+        </p:txBody>
+      </p:sp>
+    </p:spTree>
+    <p:extLst>
+      <p:ext uri="{BB962C8B-B14F-4D97-AF65-F5344CB8AC3E}">
+        <p14:creationId xmlns:p14="http://schemas.microsoft.com/office/powerpoint/2010/main" val="1749482036"/>
+      </p:ext>
+    </p:extLst>
+  </p:cSld>
+  <p:clrMapOvr>
+    <a:masterClrMapping/>
+  </p:clrMapOvr>
+</p:notes>
+</file>
+
+<file path=ppt/notesSlides/notesSlide11.xml><?xml version="1.0" encoding="utf-8"?>
+<p:notes xmlns:a="http://schemas.openxmlformats.org/drawingml/2006/main" xmlns:r="http://schemas.openxmlformats.org/officeDocument/2006/relationships" xmlns:p="http://schemas.openxmlformats.org/presentationml/2006/main">
+  <p:cSld>
+    <p:spTree>
+      <p:nvGrpSpPr>
+        <p:cNvPr id="1" name=""/>
+        <p:cNvGrpSpPr/>
+        <p:nvPr/>
+      </p:nvGrpSpPr>
+      <p:grpSpPr>
+        <a:xfrm>
+          <a:off x="0" y="0"/>
+          <a:ext cx="0" cy="0"/>
+          <a:chOff x="0" y="0"/>
+          <a:chExt cx="0" cy="0"/>
+        </a:xfrm>
+      </p:grpSpPr>
+      <p:sp>
+        <p:nvSpPr>
+          <p:cNvPr id="2" name="Slide Image Placeholder 1"/>
+          <p:cNvSpPr>
+            <a:spLocks noGrp="1" noRot="1" noChangeAspect="1"/>
+          </p:cNvSpPr>
+          <p:nvPr>
+            <p:ph type="sldImg"/>
+          </p:nvPr>
+        </p:nvSpPr>
+        <p:spPr/>
+      </p:sp>
+      <p:sp>
+        <p:nvSpPr>
+          <p:cNvPr id="3" name="Notes Placeholder 2"/>
+          <p:cNvSpPr>
+            <a:spLocks noGrp="1"/>
+          </p:cNvSpPr>
+          <p:nvPr>
+            <p:ph type="body" idx="1"/>
+          </p:nvPr>
+        </p:nvSpPr>
+        <p:spPr/>
+        <p:txBody>
+          <a:bodyPr/>
+          <a:lstStyle/>
+          <a:p>
+            <a:pPr marL="0" marR="0" indent="0" algn="l" defTabSz="914400" rtl="0" eaLnBrk="1" fontAlgn="auto" latinLnBrk="0" hangingPunct="1">
+              <a:lnSpc>
+                <a:spcPct val="100000"/>
+              </a:lnSpc>
+              <a:spcBef>
+                <a:spcPts val="0"/>
+              </a:spcBef>
+              <a:spcAft>
+                <a:spcPts val="0"/>
+              </a:spcAft>
+              <a:buClrTx/>
+              <a:buSzTx/>
+              <a:buFontTx/>
+              <a:buNone/>
+              <a:tabLst/>
+              <a:defRPr/>
+            </a:pPr>
+            <a:r>
+              <a:rPr lang="en-US" dirty="0" smtClean="0"/>
+              <a:t>Folder: deployment/Website</a:t>
+            </a:r>
+          </a:p>
+          <a:p>
+            <a:endParaRPr lang="en-US" dirty="0"/>
+          </a:p>
+        </p:txBody>
+      </p:sp>
+      <p:sp>
+        <p:nvSpPr>
+          <p:cNvPr id="4" name="Slide Number Placeholder 3"/>
+          <p:cNvSpPr>
+            <a:spLocks noGrp="1"/>
+          </p:cNvSpPr>
+          <p:nvPr>
+            <p:ph type="sldNum" sz="quarter" idx="10"/>
+          </p:nvPr>
+        </p:nvSpPr>
+        <p:spPr/>
+        <p:txBody>
+          <a:bodyPr/>
+          <a:lstStyle/>
+          <a:p>
+            <a:fld id="{1F681695-1E90-4530-9F70-417E0178E205}" type="slidenum">
+              <a:rPr lang="en-US" smtClean="0"/>
+              <a:pPr/>
+              <a:t>15</a:t>
+            </a:fld>
+            <a:endParaRPr lang="en-US"/>
+          </a:p>
+        </p:txBody>
+      </p:sp>
+    </p:spTree>
+    <p:extLst>
+      <p:ext uri="{BB962C8B-B14F-4D97-AF65-F5344CB8AC3E}">
+        <p14:creationId xmlns:p14="http://schemas.microsoft.com/office/powerpoint/2010/main" val="568061752"/>
+      </p:ext>
+    </p:extLst>
+  </p:cSld>
+  <p:clrMapOvr>
+    <a:masterClrMapping/>
+  </p:clrMapOvr>
+</p:notes>
+</file>
+
+<file path=ppt/notesSlides/notesSlide12.xml><?xml version="1.0" encoding="utf-8"?>
+<p:notes xmlns:a="http://schemas.openxmlformats.org/drawingml/2006/main" xmlns:r="http://schemas.openxmlformats.org/officeDocument/2006/relationships" xmlns:p="http://schemas.openxmlformats.org/presentationml/2006/main">
+  <p:cSld>
+    <p:spTree>
+      <p:nvGrpSpPr>
+        <p:cNvPr id="1" name=""/>
+        <p:cNvGrpSpPr/>
+        <p:nvPr/>
+      </p:nvGrpSpPr>
+      <p:grpSpPr>
+        <a:xfrm>
+          <a:off x="0" y="0"/>
+          <a:ext cx="0" cy="0"/>
+          <a:chOff x="0" y="0"/>
+          <a:chExt cx="0" cy="0"/>
+        </a:xfrm>
+      </p:grpSpPr>
+      <p:sp>
+        <p:nvSpPr>
+          <p:cNvPr id="2" name="Slide Image Placeholder 1"/>
+          <p:cNvSpPr>
+            <a:spLocks noGrp="1" noRot="1" noChangeAspect="1"/>
+          </p:cNvSpPr>
+          <p:nvPr>
+            <p:ph type="sldImg"/>
+          </p:nvPr>
+        </p:nvSpPr>
+        <p:spPr/>
+      </p:sp>
+      <p:sp>
+        <p:nvSpPr>
+          <p:cNvPr id="3" name="Notes Placeholder 2"/>
+          <p:cNvSpPr>
+            <a:spLocks noGrp="1"/>
+          </p:cNvSpPr>
+          <p:nvPr>
+            <p:ph type="body" idx="1"/>
+          </p:nvPr>
+        </p:nvSpPr>
+        <p:spPr/>
+        <p:txBody>
+          <a:bodyPr/>
+          <a:lstStyle/>
+          <a:p>
+            <a:pPr marL="171450" indent="-171450">
+              <a:buFont typeface="Arial"/>
+              <a:buChar char="•"/>
+            </a:pPr>
+            <a:endParaRPr lang="en-US" baseline="0" dirty="0" smtClean="0"/>
+          </a:p>
+        </p:txBody>
+      </p:sp>
+      <p:sp>
+        <p:nvSpPr>
+          <p:cNvPr id="4" name="Slide Number Placeholder 3"/>
+          <p:cNvSpPr>
+            <a:spLocks noGrp="1"/>
+          </p:cNvSpPr>
+          <p:nvPr>
+            <p:ph type="sldNum" sz="quarter" idx="10"/>
+          </p:nvPr>
+        </p:nvSpPr>
+        <p:spPr/>
+        <p:txBody>
+          <a:bodyPr/>
+          <a:lstStyle/>
+          <a:p>
+            <a:fld id="{998B3696-3573-7348-AEF2-F52FDF9B1E73}" type="slidenum">
+              <a:rPr lang="en-US" smtClean="0"/>
+              <a:t>17</a:t>
+            </a:fld>
+            <a:endParaRPr lang="en-US"/>
+          </a:p>
+        </p:txBody>
+      </p:sp>
+    </p:spTree>
+    <p:extLst>
+      <p:ext uri="{BB962C8B-B14F-4D97-AF65-F5344CB8AC3E}">
+        <p14:creationId xmlns:p14="http://schemas.microsoft.com/office/powerpoint/2010/main" val="4024791216"/>
+      </p:ext>
+    </p:extLst>
+  </p:cSld>
+  <p:clrMapOvr>
+    <a:masterClrMapping/>
+  </p:clrMapOvr>
+</p:notes>
+</file>
+
+<file path=ppt/notesSlides/notesSlide13.xml><?xml version="1.0" encoding="utf-8"?>
+<p:notes xmlns:a="http://schemas.openxmlformats.org/drawingml/2006/main" xmlns:r="http://schemas.openxmlformats.org/officeDocument/2006/relationships" xmlns:p="http://schemas.openxmlformats.org/presentationml/2006/main">
+  <p:cSld>
+    <p:spTree>
+      <p:nvGrpSpPr>
+        <p:cNvPr id="1" name=""/>
+        <p:cNvGrpSpPr/>
+        <p:nvPr/>
+      </p:nvGrpSpPr>
+      <p:grpSpPr>
+        <a:xfrm>
+          <a:off x="0" y="0"/>
+          <a:ext cx="0" cy="0"/>
+          <a:chOff x="0" y="0"/>
+          <a:chExt cx="0" cy="0"/>
+        </a:xfrm>
+      </p:grpSpPr>
+      <p:sp>
+        <p:nvSpPr>
+          <p:cNvPr id="2" name="Slide Image Placeholder 1"/>
+          <p:cNvSpPr>
+            <a:spLocks noGrp="1" noRot="1" noChangeAspect="1"/>
+          </p:cNvSpPr>
+          <p:nvPr>
+            <p:ph type="sldImg"/>
+          </p:nvPr>
+        </p:nvSpPr>
+        <p:spPr/>
+      </p:sp>
+      <p:sp>
+        <p:nvSpPr>
+          <p:cNvPr id="3" name="Notes Placeholder 2"/>
+          <p:cNvSpPr>
+            <a:spLocks noGrp="1"/>
+          </p:cNvSpPr>
+          <p:nvPr>
+            <p:ph type="body" idx="1"/>
+          </p:nvPr>
+        </p:nvSpPr>
+        <p:spPr/>
+        <p:txBody>
+          <a:bodyPr/>
+          <a:lstStyle/>
+          <a:p>
+            <a:pPr marL="0" marR="0" indent="0" algn="l" defTabSz="914400" rtl="0" eaLnBrk="1" fontAlgn="auto" latinLnBrk="0" hangingPunct="1">
+              <a:lnSpc>
+                <a:spcPct val="100000"/>
+              </a:lnSpc>
+              <a:spcBef>
+                <a:spcPts val="0"/>
+              </a:spcBef>
+              <a:spcAft>
+                <a:spcPts val="0"/>
+              </a:spcAft>
+              <a:buClrTx/>
+              <a:buSzTx/>
+              <a:buFontTx/>
+              <a:buNone/>
+              <a:tabLst/>
+              <a:defRPr/>
+            </a:pPr>
+            <a:r>
+              <a:rPr lang="en-US" dirty="0" smtClean="0"/>
+              <a:t>Folder: deployment/replication-controller-</a:t>
+            </a:r>
+            <a:r>
+              <a:rPr lang="en-US" dirty="0" err="1" smtClean="0"/>
+              <a:t>config</a:t>
+            </a:r>
+            <a:r>
+              <a:rPr lang="en-US" dirty="0" smtClean="0"/>
+              <a:t>-files</a:t>
+            </a:r>
+          </a:p>
+          <a:p>
+            <a:endParaRPr lang="en-US" dirty="0"/>
+          </a:p>
+        </p:txBody>
+      </p:sp>
+      <p:sp>
+        <p:nvSpPr>
+          <p:cNvPr id="4" name="Slide Number Placeholder 3"/>
+          <p:cNvSpPr>
+            <a:spLocks noGrp="1"/>
+          </p:cNvSpPr>
+          <p:nvPr>
+            <p:ph type="sldNum" sz="quarter" idx="10"/>
+          </p:nvPr>
+        </p:nvSpPr>
+        <p:spPr/>
+        <p:txBody>
+          <a:bodyPr/>
+          <a:lstStyle/>
+          <a:p>
+            <a:fld id="{1F681695-1E90-4530-9F70-417E0178E205}" type="slidenum">
+              <a:rPr lang="en-US" smtClean="0"/>
+              <a:pPr/>
+              <a:t>18</a:t>
+            </a:fld>
+            <a:endParaRPr lang="en-US"/>
+          </a:p>
+        </p:txBody>
+      </p:sp>
+    </p:spTree>
+    <p:extLst>
+      <p:ext uri="{BB962C8B-B14F-4D97-AF65-F5344CB8AC3E}">
+        <p14:creationId xmlns:p14="http://schemas.microsoft.com/office/powerpoint/2010/main" val="1087092846"/>
+      </p:ext>
+    </p:extLst>
+  </p:cSld>
+  <p:clrMapOvr>
+    <a:masterClrMapping/>
+  </p:clrMapOvr>
+</p:notes>
+</file>
+
+<file path=ppt/notesSlides/notesSlide14.xml><?xml version="1.0" encoding="utf-8"?>
+<p:notes xmlns:a="http://schemas.openxmlformats.org/drawingml/2006/main" xmlns:r="http://schemas.openxmlformats.org/officeDocument/2006/relationships" xmlns:p="http://schemas.openxmlformats.org/presentationml/2006/main">
+  <p:cSld>
+    <p:spTree>
+      <p:nvGrpSpPr>
+        <p:cNvPr id="1" name=""/>
+        <p:cNvGrpSpPr/>
+        <p:nvPr/>
+      </p:nvGrpSpPr>
+      <p:grpSpPr>
+        <a:xfrm>
+          <a:off x="0" y="0"/>
+          <a:ext cx="0" cy="0"/>
+          <a:chOff x="0" y="0"/>
+          <a:chExt cx="0" cy="0"/>
+        </a:xfrm>
+      </p:grpSpPr>
+      <p:sp>
+        <p:nvSpPr>
+          <p:cNvPr id="2" name="Slide Image Placeholder 1"/>
+          <p:cNvSpPr>
+            <a:spLocks noGrp="1" noRot="1" noChangeAspect="1"/>
+          </p:cNvSpPr>
+          <p:nvPr>
+            <p:ph type="sldImg"/>
+          </p:nvPr>
+        </p:nvSpPr>
+        <p:spPr/>
+      </p:sp>
+      <p:sp>
+        <p:nvSpPr>
+          <p:cNvPr id="3" name="Notes Placeholder 2"/>
+          <p:cNvSpPr>
+            <a:spLocks noGrp="1"/>
+          </p:cNvSpPr>
+          <p:nvPr>
+            <p:ph type="body" idx="1"/>
+          </p:nvPr>
+        </p:nvSpPr>
+        <p:spPr/>
+        <p:txBody>
+          <a:bodyPr/>
+          <a:lstStyle/>
+          <a:p>
+            <a:pPr marL="0" marR="0" indent="0" algn="l" defTabSz="914400" rtl="0" eaLnBrk="1" fontAlgn="auto" latinLnBrk="0" hangingPunct="1">
+              <a:lnSpc>
+                <a:spcPct val="100000"/>
+              </a:lnSpc>
+              <a:spcBef>
+                <a:spcPts val="0"/>
+              </a:spcBef>
+              <a:spcAft>
+                <a:spcPts val="0"/>
+              </a:spcAft>
+              <a:buClrTx/>
+              <a:buSzTx/>
+              <a:buFontTx/>
+              <a:buNone/>
+              <a:tabLst/>
+              <a:defRPr/>
+            </a:pPr>
+            <a:r>
+              <a:rPr lang="en-US" dirty="0" smtClean="0"/>
+              <a:t>Folder: deployment/replication-controller-</a:t>
+            </a:r>
+            <a:r>
+              <a:rPr lang="en-US" dirty="0" err="1" smtClean="0"/>
+              <a:t>config</a:t>
+            </a:r>
+            <a:r>
+              <a:rPr lang="en-US" dirty="0" smtClean="0"/>
+              <a:t>-files</a:t>
+            </a:r>
+          </a:p>
+          <a:p>
+            <a:endParaRPr lang="en-US" dirty="0"/>
+          </a:p>
+        </p:txBody>
+      </p:sp>
+      <p:sp>
+        <p:nvSpPr>
+          <p:cNvPr id="4" name="Slide Number Placeholder 3"/>
+          <p:cNvSpPr>
+            <a:spLocks noGrp="1"/>
+          </p:cNvSpPr>
+          <p:nvPr>
+            <p:ph type="sldNum" sz="quarter" idx="10"/>
+          </p:nvPr>
+        </p:nvSpPr>
+        <p:spPr/>
+        <p:txBody>
+          <a:bodyPr/>
+          <a:lstStyle/>
+          <a:p>
+            <a:fld id="{1F681695-1E90-4530-9F70-417E0178E205}" type="slidenum">
+              <a:rPr lang="en-US" smtClean="0"/>
+              <a:pPr/>
+              <a:t>19</a:t>
+            </a:fld>
+            <a:endParaRPr lang="en-US"/>
+          </a:p>
+        </p:txBody>
+      </p:sp>
+    </p:spTree>
+    <p:extLst>
+      <p:ext uri="{BB962C8B-B14F-4D97-AF65-F5344CB8AC3E}">
+        <p14:creationId xmlns:p14="http://schemas.microsoft.com/office/powerpoint/2010/main" val="608468587"/>
+      </p:ext>
+    </p:extLst>
+  </p:cSld>
+  <p:clrMapOvr>
+    <a:masterClrMapping/>
+  </p:clrMapOvr>
+</p:notes>
+</file>
+
+<file path=ppt/notesSlides/notesSlide15.xml><?xml version="1.0" encoding="utf-8"?>
+<p:notes xmlns:a="http://schemas.openxmlformats.org/drawingml/2006/main" xmlns:r="http://schemas.openxmlformats.org/officeDocument/2006/relationships" xmlns:p="http://schemas.openxmlformats.org/presentationml/2006/main">
+  <p:cSld>
+    <p:spTree>
+      <p:nvGrpSpPr>
+        <p:cNvPr id="1" name=""/>
+        <p:cNvGrpSpPr/>
+        <p:nvPr/>
+      </p:nvGrpSpPr>
+      <p:grpSpPr>
+        <a:xfrm>
+          <a:off x="0" y="0"/>
+          <a:ext cx="0" cy="0"/>
+          <a:chOff x="0" y="0"/>
+          <a:chExt cx="0" cy="0"/>
+        </a:xfrm>
+      </p:grpSpPr>
+      <p:sp>
+        <p:nvSpPr>
+          <p:cNvPr id="2" name="Slide Image Placeholder 1"/>
+          <p:cNvSpPr>
+            <a:spLocks noGrp="1" noRot="1" noChangeAspect="1"/>
+          </p:cNvSpPr>
+          <p:nvPr>
+            <p:ph type="sldImg"/>
+          </p:nvPr>
+        </p:nvSpPr>
+        <p:spPr/>
+      </p:sp>
+      <p:sp>
+        <p:nvSpPr>
+          <p:cNvPr id="3" name="Notes Placeholder 2"/>
+          <p:cNvSpPr>
+            <a:spLocks noGrp="1"/>
+          </p:cNvSpPr>
+          <p:nvPr>
+            <p:ph type="body" idx="1"/>
+          </p:nvPr>
+        </p:nvSpPr>
+        <p:spPr/>
+        <p:txBody>
+          <a:bodyPr/>
+          <a:lstStyle/>
+          <a:p>
+            <a:pPr marL="0" marR="0" indent="0" algn="l" defTabSz="914400" rtl="0" eaLnBrk="1" fontAlgn="auto" latinLnBrk="0" hangingPunct="1">
+              <a:lnSpc>
+                <a:spcPct val="100000"/>
+              </a:lnSpc>
+              <a:spcBef>
+                <a:spcPts val="0"/>
+              </a:spcBef>
+              <a:spcAft>
+                <a:spcPts val="0"/>
+              </a:spcAft>
+              <a:buClrTx/>
+              <a:buSzTx/>
+              <a:buFontTx/>
+              <a:buNone/>
+              <a:tabLst/>
+              <a:defRPr/>
+            </a:pPr>
+            <a:r>
+              <a:rPr lang="en-US" dirty="0" smtClean="0"/>
+              <a:t>Folder: deployment/replication-controller-</a:t>
+            </a:r>
+            <a:r>
+              <a:rPr lang="en-US" dirty="0" err="1" smtClean="0"/>
+              <a:t>config</a:t>
+            </a:r>
+            <a:r>
+              <a:rPr lang="en-US" dirty="0" smtClean="0"/>
+              <a:t>-files</a:t>
+            </a:r>
+          </a:p>
+          <a:p>
+            <a:endParaRPr lang="en-US" dirty="0"/>
+          </a:p>
+        </p:txBody>
+      </p:sp>
+      <p:sp>
+        <p:nvSpPr>
+          <p:cNvPr id="4" name="Slide Number Placeholder 3"/>
+          <p:cNvSpPr>
+            <a:spLocks noGrp="1"/>
+          </p:cNvSpPr>
+          <p:nvPr>
+            <p:ph type="sldNum" sz="quarter" idx="10"/>
+          </p:nvPr>
+        </p:nvSpPr>
+        <p:spPr/>
+        <p:txBody>
+          <a:bodyPr/>
+          <a:lstStyle/>
+          <a:p>
+            <a:fld id="{1F681695-1E90-4530-9F70-417E0178E205}" type="slidenum">
+              <a:rPr lang="en-US" smtClean="0"/>
+              <a:pPr/>
+              <a:t>20</a:t>
+            </a:fld>
+            <a:endParaRPr lang="en-US"/>
+          </a:p>
+        </p:txBody>
+      </p:sp>
+    </p:spTree>
+    <p:extLst>
+      <p:ext uri="{BB962C8B-B14F-4D97-AF65-F5344CB8AC3E}">
+        <p14:creationId xmlns:p14="http://schemas.microsoft.com/office/powerpoint/2010/main" val="2516012581"/>
+      </p:ext>
+    </p:extLst>
+  </p:cSld>
+  <p:clrMapOvr>
+    <a:masterClrMapping/>
+  </p:clrMapOvr>
+</p:notes>
+</file>
+
+<file path=ppt/notesSlides/notesSlide16.xml><?xml version="1.0" encoding="utf-8"?>
+<p:notes xmlns:a="http://schemas.openxmlformats.org/drawingml/2006/main" xmlns:r="http://schemas.openxmlformats.org/officeDocument/2006/relationships" xmlns:p="http://schemas.openxmlformats.org/presentationml/2006/main">
+  <p:cSld>
+    <p:spTree>
+      <p:nvGrpSpPr>
+        <p:cNvPr id="1" name=""/>
+        <p:cNvGrpSpPr/>
+        <p:nvPr/>
+      </p:nvGrpSpPr>
+      <p:grpSpPr>
+        <a:xfrm>
+          <a:off x="0" y="0"/>
+          <a:ext cx="0" cy="0"/>
+          <a:chOff x="0" y="0"/>
+          <a:chExt cx="0" cy="0"/>
+        </a:xfrm>
+      </p:grpSpPr>
+      <p:sp>
+        <p:nvSpPr>
+          <p:cNvPr id="2" name="Slide Image Placeholder 1"/>
+          <p:cNvSpPr>
+            <a:spLocks noGrp="1" noRot="1" noChangeAspect="1"/>
+          </p:cNvSpPr>
+          <p:nvPr>
+            <p:ph type="sldImg"/>
+          </p:nvPr>
+        </p:nvSpPr>
+        <p:spPr/>
+      </p:sp>
+      <p:sp>
+        <p:nvSpPr>
+          <p:cNvPr id="3" name="Notes Placeholder 2"/>
+          <p:cNvSpPr>
+            <a:spLocks noGrp="1"/>
+          </p:cNvSpPr>
+          <p:nvPr>
+            <p:ph type="body" idx="1"/>
+          </p:nvPr>
+        </p:nvSpPr>
+        <p:spPr/>
+        <p:txBody>
+          <a:bodyPr/>
+          <a:lstStyle/>
+          <a:p>
+            <a:pPr marL="0" marR="0" indent="0" algn="l" defTabSz="914400" rtl="0" eaLnBrk="1" fontAlgn="auto" latinLnBrk="0" hangingPunct="1">
+              <a:lnSpc>
+                <a:spcPct val="100000"/>
+              </a:lnSpc>
+              <a:spcBef>
+                <a:spcPts val="0"/>
+              </a:spcBef>
+              <a:spcAft>
+                <a:spcPts val="0"/>
+              </a:spcAft>
+              <a:buClrTx/>
+              <a:buSzTx/>
+              <a:buFontTx/>
+              <a:buNone/>
+              <a:tabLst/>
+              <a:defRPr/>
+            </a:pPr>
+            <a:r>
+              <a:rPr lang="en-US" dirty="0" smtClean="0"/>
+              <a:t>Folder: deployment/replication-controller-</a:t>
+            </a:r>
+            <a:r>
+              <a:rPr lang="en-US" dirty="0" err="1" smtClean="0"/>
+              <a:t>config</a:t>
+            </a:r>
+            <a:r>
+              <a:rPr lang="en-US" dirty="0" smtClean="0"/>
+              <a:t>-files</a:t>
+            </a:r>
+          </a:p>
+          <a:p>
+            <a:endParaRPr lang="en-US" dirty="0"/>
+          </a:p>
+        </p:txBody>
+      </p:sp>
+      <p:sp>
+        <p:nvSpPr>
+          <p:cNvPr id="4" name="Slide Number Placeholder 3"/>
+          <p:cNvSpPr>
+            <a:spLocks noGrp="1"/>
+          </p:cNvSpPr>
+          <p:nvPr>
+            <p:ph type="sldNum" sz="quarter" idx="10"/>
+          </p:nvPr>
+        </p:nvSpPr>
+        <p:spPr/>
+        <p:txBody>
+          <a:bodyPr/>
+          <a:lstStyle/>
+          <a:p>
+            <a:fld id="{1F681695-1E90-4530-9F70-417E0178E205}" type="slidenum">
+              <a:rPr lang="en-US" smtClean="0"/>
+              <a:pPr/>
+              <a:t>21</a:t>
+            </a:fld>
+            <a:endParaRPr lang="en-US"/>
+          </a:p>
+        </p:txBody>
+      </p:sp>
+    </p:spTree>
+    <p:extLst>
+      <p:ext uri="{BB962C8B-B14F-4D97-AF65-F5344CB8AC3E}">
+        <p14:creationId xmlns:p14="http://schemas.microsoft.com/office/powerpoint/2010/main" val="87131848"/>
+      </p:ext>
+    </p:extLst>
+  </p:cSld>
+  <p:clrMapOvr>
+    <a:masterClrMapping/>
+  </p:clrMapOvr>
+</p:notes>
+</file>
+
 <file path=ppt/notesSlides/notesSlide2.xml><?xml version="1.0" encoding="utf-8"?>
 <p:notes xmlns:a="http://schemas.openxmlformats.org/drawingml/2006/main" xmlns:r="http://schemas.openxmlformats.org/officeDocument/2006/relationships" xmlns:p="http://schemas.openxmlformats.org/presentationml/2006/main">
   <p:cSld>
@@ -4142,11 +4892,34 @@
           <a:bodyPr/>
           <a:lstStyle/>
           <a:p>
-            <a:pPr marL="171450" indent="-171450">
-              <a:buFont typeface="Arial"/>
-              <a:buChar char="•"/>
+            <a:pPr marL="0" marR="0" indent="0" algn="l" defTabSz="914400" rtl="0" eaLnBrk="1" fontAlgn="auto" latinLnBrk="0" hangingPunct="1">
+              <a:lnSpc>
+                <a:spcPct val="100000"/>
+              </a:lnSpc>
+              <a:spcBef>
+                <a:spcPts val="0"/>
+              </a:spcBef>
+              <a:spcAft>
+                <a:spcPts val="0"/>
+              </a:spcAft>
+              <a:buClrTx/>
+              <a:buSzTx/>
+              <a:buFontTx/>
+              <a:buNone/>
+              <a:tabLst/>
+              <a:defRPr/>
             </a:pPr>
-            <a:endParaRPr lang="en-US" baseline="0" dirty="0" smtClean="0"/>
+            <a:r>
+              <a:rPr lang="en-US" dirty="0" err="1" smtClean="0"/>
+              <a:t>MySQLWorkbench</a:t>
+            </a:r>
+            <a:r>
+              <a:rPr lang="en-US" dirty="0" smtClean="0"/>
+              <a:t> DB code, SQL server in the cloud</a:t>
+            </a:r>
+          </a:p>
+          <a:p>
+            <a:endParaRPr lang="en-US" dirty="0"/>
           </a:p>
         </p:txBody>
       </p:sp>
@@ -4165,9 +4938,10 @@
           <a:bodyPr/>
           <a:lstStyle/>
           <a:p>
-            <a:fld id="{998B3696-3573-7348-AEF2-F52FDF9B1E73}" type="slidenum">
+            <a:fld id="{1F681695-1E90-4530-9F70-417E0178E205}" type="slidenum">
               <a:rPr lang="en-US" smtClean="0"/>
-              <a:t>16</a:t>
+              <a:pPr/>
+              <a:t>8</a:t>
             </a:fld>
             <a:endParaRPr lang="en-US"/>
           </a:p>
@@ -4176,7 +4950,203 @@
     </p:spTree>
     <p:extLst>
       <p:ext uri="{BB962C8B-B14F-4D97-AF65-F5344CB8AC3E}">
-        <p14:creationId xmlns:p14="http://schemas.microsoft.com/office/powerpoint/2010/main" val="4024791216"/>
+        <p14:creationId xmlns:p14="http://schemas.microsoft.com/office/powerpoint/2010/main" val="3291908866"/>
+      </p:ext>
+    </p:extLst>
+  </p:cSld>
+  <p:clrMapOvr>
+    <a:masterClrMapping/>
+  </p:clrMapOvr>
+</p:notes>
+</file>
+
+<file path=ppt/notesSlides/notesSlide8.xml><?xml version="1.0" encoding="utf-8"?>
+<p:notes xmlns:a="http://schemas.openxmlformats.org/drawingml/2006/main" xmlns:r="http://schemas.openxmlformats.org/officeDocument/2006/relationships" xmlns:p="http://schemas.openxmlformats.org/presentationml/2006/main">
+  <p:cSld>
+    <p:spTree>
+      <p:nvGrpSpPr>
+        <p:cNvPr id="1" name=""/>
+        <p:cNvGrpSpPr/>
+        <p:nvPr/>
+      </p:nvGrpSpPr>
+      <p:grpSpPr>
+        <a:xfrm>
+          <a:off x="0" y="0"/>
+          <a:ext cx="0" cy="0"/>
+          <a:chOff x="0" y="0"/>
+          <a:chExt cx="0" cy="0"/>
+        </a:xfrm>
+      </p:grpSpPr>
+      <p:sp>
+        <p:nvSpPr>
+          <p:cNvPr id="2" name="Slide Image Placeholder 1"/>
+          <p:cNvSpPr>
+            <a:spLocks noGrp="1" noRot="1" noChangeAspect="1"/>
+          </p:cNvSpPr>
+          <p:nvPr>
+            <p:ph type="sldImg"/>
+          </p:nvPr>
+        </p:nvSpPr>
+        <p:spPr/>
+      </p:sp>
+      <p:sp>
+        <p:nvSpPr>
+          <p:cNvPr id="3" name="Notes Placeholder 2"/>
+          <p:cNvSpPr>
+            <a:spLocks noGrp="1"/>
+          </p:cNvSpPr>
+          <p:nvPr>
+            <p:ph type="body" idx="1"/>
+          </p:nvPr>
+        </p:nvSpPr>
+        <p:spPr/>
+        <p:txBody>
+          <a:bodyPr/>
+          <a:lstStyle/>
+          <a:p>
+            <a:r>
+              <a:rPr lang="en-US" dirty="0" smtClean="0"/>
+              <a:t>Services</a:t>
+            </a:r>
+            <a:r>
+              <a:rPr lang="en-US" baseline="0" dirty="0" smtClean="0"/>
+              <a:t> subscriber REST controller</a:t>
+            </a:r>
+          </a:p>
+          <a:p>
+            <a:r>
+              <a:rPr lang="en-US" baseline="0" dirty="0" smtClean="0"/>
+              <a:t>Dynamic servlet </a:t>
+            </a:r>
+          </a:p>
+          <a:p>
+            <a:r>
+              <a:rPr lang="en-US" baseline="0" dirty="0" smtClean="0"/>
+              <a:t>Common/Models/Subscriber POJO</a:t>
+            </a:r>
+          </a:p>
+          <a:p>
+            <a:r>
+              <a:rPr lang="en-US" baseline="0" dirty="0" smtClean="0"/>
+              <a:t>Properties and configurations</a:t>
+            </a:r>
+            <a:endParaRPr lang="en-US" dirty="0"/>
+          </a:p>
+        </p:txBody>
+      </p:sp>
+      <p:sp>
+        <p:nvSpPr>
+          <p:cNvPr id="4" name="Slide Number Placeholder 3"/>
+          <p:cNvSpPr>
+            <a:spLocks noGrp="1"/>
+          </p:cNvSpPr>
+          <p:nvPr>
+            <p:ph type="sldNum" sz="quarter" idx="10"/>
+          </p:nvPr>
+        </p:nvSpPr>
+        <p:spPr/>
+        <p:txBody>
+          <a:bodyPr/>
+          <a:lstStyle/>
+          <a:p>
+            <a:fld id="{1F681695-1E90-4530-9F70-417E0178E205}" type="slidenum">
+              <a:rPr lang="en-US" smtClean="0"/>
+              <a:pPr/>
+              <a:t>9</a:t>
+            </a:fld>
+            <a:endParaRPr lang="en-US"/>
+          </a:p>
+        </p:txBody>
+      </p:sp>
+    </p:spTree>
+    <p:extLst>
+      <p:ext uri="{BB962C8B-B14F-4D97-AF65-F5344CB8AC3E}">
+        <p14:creationId xmlns:p14="http://schemas.microsoft.com/office/powerpoint/2010/main" val="3902607807"/>
+      </p:ext>
+    </p:extLst>
+  </p:cSld>
+  <p:clrMapOvr>
+    <a:masterClrMapping/>
+  </p:clrMapOvr>
+</p:notes>
+</file>
+
+<file path=ppt/notesSlides/notesSlide9.xml><?xml version="1.0" encoding="utf-8"?>
+<p:notes xmlns:a="http://schemas.openxmlformats.org/drawingml/2006/main" xmlns:r="http://schemas.openxmlformats.org/officeDocument/2006/relationships" xmlns:p="http://schemas.openxmlformats.org/presentationml/2006/main">
+  <p:cSld>
+    <p:spTree>
+      <p:nvGrpSpPr>
+        <p:cNvPr id="1" name=""/>
+        <p:cNvGrpSpPr/>
+        <p:nvPr/>
+      </p:nvGrpSpPr>
+      <p:grpSpPr>
+        <a:xfrm>
+          <a:off x="0" y="0"/>
+          <a:ext cx="0" cy="0"/>
+          <a:chOff x="0" y="0"/>
+          <a:chExt cx="0" cy="0"/>
+        </a:xfrm>
+      </p:grpSpPr>
+      <p:sp>
+        <p:nvSpPr>
+          <p:cNvPr id="2" name="Slide Image Placeholder 1"/>
+          <p:cNvSpPr>
+            <a:spLocks noGrp="1" noRot="1" noChangeAspect="1"/>
+          </p:cNvSpPr>
+          <p:nvPr>
+            <p:ph type="sldImg"/>
+          </p:nvPr>
+        </p:nvSpPr>
+        <p:spPr/>
+      </p:sp>
+      <p:sp>
+        <p:nvSpPr>
+          <p:cNvPr id="3" name="Notes Placeholder 2"/>
+          <p:cNvSpPr>
+            <a:spLocks noGrp="1"/>
+          </p:cNvSpPr>
+          <p:nvPr>
+            <p:ph type="body" idx="1"/>
+          </p:nvPr>
+        </p:nvSpPr>
+        <p:spPr/>
+        <p:txBody>
+          <a:bodyPr/>
+          <a:lstStyle/>
+          <a:p>
+            <a:endParaRPr lang="en-US" dirty="0"/>
+          </a:p>
+        </p:txBody>
+      </p:sp>
+      <p:sp>
+        <p:nvSpPr>
+          <p:cNvPr id="4" name="Slide Number Placeholder 3"/>
+          <p:cNvSpPr>
+            <a:spLocks noGrp="1"/>
+          </p:cNvSpPr>
+          <p:nvPr>
+            <p:ph type="sldNum" sz="quarter" idx="10"/>
+          </p:nvPr>
+        </p:nvSpPr>
+        <p:spPr/>
+        <p:txBody>
+          <a:bodyPr/>
+          <a:lstStyle/>
+          <a:p>
+            <a:fld id="{1F681695-1E90-4530-9F70-417E0178E205}" type="slidenum">
+              <a:rPr lang="en-US" smtClean="0"/>
+              <a:pPr/>
+              <a:t>10</a:t>
+            </a:fld>
+            <a:endParaRPr lang="en-US"/>
+          </a:p>
+        </p:txBody>
+      </p:sp>
+    </p:spTree>
+    <p:extLst>
+      <p:ext uri="{BB962C8B-B14F-4D97-AF65-F5344CB8AC3E}">
+        <p14:creationId xmlns:p14="http://schemas.microsoft.com/office/powerpoint/2010/main" val="1511335799"/>
       </p:ext>
     </p:extLst>
   </p:cSld>
@@ -13220,7 +14190,15 @@
           <a:p>
             <a:r>
               <a:rPr lang="en-US" dirty="0" smtClean="0"/>
-              <a:t>Create your Cluster(s) and initialize Docker</a:t>
+              <a:t>Google Cloud Project and your Machine </a:t>
+            </a:r>
+            <a:r>
+              <a:rPr lang="en-US" dirty="0" err="1" smtClean="0"/>
+              <a:t>Env</a:t>
+            </a:r>
+            <a:r>
+              <a:rPr lang="en-US" dirty="0" smtClean="0"/>
+              <a:t> Setup</a:t>
             </a:r>
             <a:endParaRPr lang="en-US" dirty="0"/>
           </a:p>
@@ -13236,42 +14214,173 @@
             <p:ph idx="1"/>
           </p:nvPr>
         </p:nvSpPr>
-        <p:spPr/>
+        <p:spPr>
+          <a:xfrm>
+            <a:off x="731520" y="1469860"/>
+            <a:ext cx="13167360" cy="6937740"/>
+          </a:xfrm>
+        </p:spPr>
         <p:txBody>
-          <a:bodyPr/>
+          <a:bodyPr>
+            <a:normAutofit lnSpcReduction="10000"/>
+          </a:bodyPr>
           <a:lstStyle/>
           <a:p>
+            <a:pPr marL="0" indent="0">
+              <a:buNone/>
+            </a:pPr>
             <a:r>
               <a:rPr lang="en-US" dirty="0" smtClean="0"/>
-              <a:t>Create a new cluster, where our app will be running</a:t>
+              <a:t>Starting a new project in Google Cloud</a:t>
+            </a:r>
+          </a:p>
+          <a:p>
+            <a:r>
+              <a:rPr lang="en-US" dirty="0" smtClean="0"/>
+              <a:t>First install all tools:</a:t>
             </a:r>
           </a:p>
           <a:p>
             <a:pPr lvl="1"/>
             <a:r>
               <a:rPr lang="en-US" dirty="0" smtClean="0"/>
-              <a:t>For this app we could create two clusters, one for webservices, one for website</a:t>
+              <a:t>Install Docker:</a:t>
+            </a:r>
+          </a:p>
+          <a:p>
+            <a:pPr lvl="2"/>
+            <a:r>
+              <a:rPr lang="en-US" dirty="0">
+                <a:solidFill>
+                  <a:srgbClr val="0000FF"/>
+                </a:solidFill>
+              </a:rPr>
+              <a:t>https://</a:t>
+            </a:r>
+            <a:r>
+              <a:rPr lang="en-US" dirty="0" err="1">
+                <a:solidFill>
+                  <a:srgbClr val="0000FF"/>
+                </a:solidFill>
+              </a:rPr>
+              <a:t>docs.docker.com</a:t>
+            </a:r>
+            <a:r>
+              <a:rPr lang="en-US" dirty="0">
+                <a:solidFill>
+                  <a:srgbClr val="0000FF"/>
+                </a:solidFill>
+              </a:rPr>
+              <a:t>/installation/mac/</a:t>
             </a:r>
           </a:p>
           <a:p>
             <a:pPr lvl="1"/>
             <a:r>
               <a:rPr lang="en-US" dirty="0" smtClean="0"/>
-              <a:t>But for the purposes of this demo we will work with a single cluster for both</a:t>
+              <a:t>Google Account exists</a:t>
+            </a:r>
+          </a:p>
+          <a:p>
+            <a:pPr lvl="1"/>
+            <a:r>
+              <a:rPr lang="en-US" dirty="0" smtClean="0"/>
+              <a:t>Billing enabled</a:t>
+            </a:r>
+          </a:p>
+          <a:p>
+            <a:pPr lvl="1"/>
+            <a:r>
+              <a:rPr lang="en-US" dirty="0" err="1" smtClean="0"/>
+              <a:t>gcloud</a:t>
+            </a:r>
+            <a:r>
+              <a:rPr lang="en-US" dirty="0" smtClean="0"/>
+              <a:t> CLI installed, for Linux/Mac OS X:</a:t>
             </a:r>
           </a:p>
           <a:p>
             <a:pPr lvl="2"/>
             <a:r>
-              <a:rPr lang="en-US" sz="2400" dirty="0">
+              <a:rPr lang="en-US" dirty="0" smtClean="0">
                 <a:solidFill>
                   <a:srgbClr val="008000"/>
                 </a:solidFill>
               </a:rPr>
+              <a:t>$ curl </a:t>
+            </a:r>
+            <a:r>
+              <a:rPr lang="en-US" dirty="0">
+                <a:solidFill>
+                  <a:srgbClr val="008000"/>
+                </a:solidFill>
+              </a:rPr>
+              <a:t>https://</a:t>
+            </a:r>
+            <a:r>
+              <a:rPr lang="en-US" dirty="0" err="1">
+                <a:solidFill>
+                  <a:srgbClr val="008000"/>
+                </a:solidFill>
+              </a:rPr>
+              <a:t>sdk.cloud.google.com</a:t>
+            </a:r>
+            <a:r>
+              <a:rPr lang="en-US" dirty="0">
+                <a:solidFill>
+                  <a:srgbClr val="008000"/>
+                </a:solidFill>
+              </a:rPr>
+              <a:t> | </a:t>
+            </a:r>
+            <a:r>
+              <a:rPr lang="en-US" dirty="0" smtClean="0">
+                <a:solidFill>
+                  <a:srgbClr val="008000"/>
+                </a:solidFill>
+              </a:rPr>
+              <a:t>bash</a:t>
+            </a:r>
+          </a:p>
+          <a:p>
+            <a:pPr lvl="2"/>
+            <a:r>
+              <a:rPr lang="en-US" dirty="0" smtClean="0">
+                <a:solidFill>
+                  <a:srgbClr val="008000"/>
+                </a:solidFill>
+              </a:rPr>
+              <a:t>$ exec </a:t>
+            </a:r>
+            <a:r>
+              <a:rPr lang="en-US" dirty="0">
+                <a:solidFill>
+                  <a:srgbClr val="008000"/>
+                </a:solidFill>
+              </a:rPr>
+              <a:t>-l $</a:t>
+            </a:r>
+            <a:r>
+              <a:rPr lang="en-US" dirty="0" smtClean="0">
+                <a:solidFill>
+                  <a:srgbClr val="008000"/>
+                </a:solidFill>
+              </a:rPr>
+              <a:t>SHELL</a:t>
+            </a:r>
+          </a:p>
+          <a:p>
+            <a:pPr lvl="2"/>
+            <a:r>
+              <a:rPr lang="en-US" dirty="0" smtClean="0">
+                <a:solidFill>
+                  <a:srgbClr val="008000"/>
+                </a:solidFill>
+              </a:rPr>
               <a:t>$ </a:t>
             </a:r>
             <a:r>
-              <a:rPr lang="en-US" sz="2400" dirty="0" err="1">
+              <a:rPr lang="en-US" dirty="0" err="1" smtClean="0">
                 <a:solidFill>
                   <a:srgbClr val="008000"/>
                 </a:solidFill>
@@ -13279,177 +14388,217 @@
               <a:t>gcloud</a:t>
             </a:r>
             <a:r>
-              <a:rPr lang="en-US" sz="2400" dirty="0">
+              <a:rPr lang="en-US" dirty="0" smtClean="0">
                 <a:solidFill>
                   <a:srgbClr val="008000"/>
                 </a:solidFill>
               </a:rPr>
-              <a:t> container clusters create </a:t>
-            </a:r>
-            <a:r>
-              <a:rPr lang="en-US" sz="2400" dirty="0" smtClean="0">
+              <a:t> </a:t>
+            </a:r>
+            <a:r>
+              <a:rPr lang="en-US" dirty="0" err="1" smtClean="0">
                 <a:solidFill>
                   <a:srgbClr val="008000"/>
                 </a:solidFill>
               </a:rPr>
-              <a:t>subscribers </a:t>
-            </a:r>
-            <a:r>
-              <a:rPr lang="en-US" sz="2400" dirty="0">
-                <a:solidFill>
-                  <a:srgbClr val="008000"/>
-                </a:solidFill>
-              </a:rPr>
-              <a:t>\</a:t>
-            </a:r>
-          </a:p>
-          <a:p>
-            <a:pPr lvl="2"/>
-            <a:r>
-              <a:rPr lang="is-IS" sz="2400" dirty="0">
-                <a:solidFill>
-                  <a:srgbClr val="008000"/>
-                </a:solidFill>
-              </a:rPr>
-              <a:t>    --num-nodes 3 \</a:t>
-            </a:r>
-          </a:p>
-          <a:p>
-            <a:pPr lvl="2"/>
-            <a:r>
-              <a:rPr lang="en-US" sz="2400" dirty="0"/>
-              <a:t>  </a:t>
-            </a:r>
-            <a:r>
-              <a:rPr lang="en-US" sz="2400" dirty="0">
-                <a:solidFill>
-                  <a:schemeClr val="tx2"/>
-                </a:solidFill>
-              </a:rPr>
-              <a:t> </a:t>
-            </a:r>
-            <a:r>
-              <a:rPr lang="en-US" sz="2400" i="1" dirty="0">
-                <a:solidFill>
-                  <a:schemeClr val="tx2"/>
-                </a:solidFill>
-              </a:rPr>
-              <a:t> --machine-type g1-</a:t>
-            </a:r>
-            <a:r>
-              <a:rPr lang="en-US" sz="2400" i="1" dirty="0" smtClean="0">
-                <a:solidFill>
-                  <a:schemeClr val="tx2"/>
-                </a:solidFill>
-              </a:rPr>
-              <a:t>small</a:t>
-            </a:r>
-            <a:r>
-              <a:rPr lang="en-US" sz="2400" dirty="0" smtClean="0">
-                <a:solidFill>
-                  <a:schemeClr val="tx2"/>
-                </a:solidFill>
-              </a:rPr>
-              <a:t> </a:t>
-            </a:r>
-            <a:r>
-              <a:rPr lang="en-US" sz="2400" dirty="0" smtClean="0">
-                <a:solidFill>
-                  <a:srgbClr val="008000"/>
-                </a:solidFill>
-              </a:rPr>
-              <a:t>// we will not use parameter to get the standard size VMs</a:t>
-            </a:r>
-          </a:p>
-          <a:p>
-            <a:pPr lvl="1"/>
-            <a:r>
-              <a:rPr lang="en-US" dirty="0" smtClean="0">
-                <a:solidFill>
-                  <a:srgbClr val="2D2D2D"/>
-                </a:solidFill>
-              </a:rPr>
-              <a:t>We can now see our instances:</a:t>
-            </a:r>
-          </a:p>
-          <a:p>
-            <a:pPr lvl="2"/>
-            <a:r>
-              <a:rPr lang="en-US" dirty="0"/>
-              <a:t>$ </a:t>
-            </a:r>
-            <a:r>
-              <a:rPr lang="en-US" dirty="0" err="1"/>
-              <a:t>gcloud</a:t>
-            </a:r>
-            <a:r>
-              <a:rPr lang="en-US" dirty="0"/>
-              <a:t> compute instances </a:t>
-            </a:r>
-            <a:r>
-              <a:rPr lang="en-US" dirty="0" smtClean="0"/>
-              <a:t>list</a:t>
-            </a:r>
-          </a:p>
-          <a:p>
-            <a:pPr lvl="1"/>
-            <a:r>
-              <a:rPr lang="en-US" dirty="0" smtClean="0"/>
-              <a:t>Before we can start building our images, start Docker machine (Mac OS X):</a:t>
-            </a:r>
-          </a:p>
-          <a:p>
-            <a:pPr lvl="2"/>
-            <a:r>
-              <a:rPr lang="en-US" dirty="0" smtClean="0"/>
-              <a:t>$ docker-machine start default</a:t>
-            </a:r>
-          </a:p>
-          <a:p>
-            <a:pPr lvl="2"/>
-            <a:r>
-              <a:rPr lang="en-US" dirty="0" smtClean="0"/>
-              <a:t>$ </a:t>
-            </a:r>
-            <a:r>
-              <a:rPr lang="en-US" dirty="0" err="1"/>
-              <a:t>eval</a:t>
-            </a:r>
-            <a:r>
-              <a:rPr lang="en-US" dirty="0"/>
-              <a:t> "$(docker-machine </a:t>
-            </a:r>
-            <a:r>
-              <a:rPr lang="en-US" dirty="0" err="1"/>
-              <a:t>env</a:t>
-            </a:r>
-            <a:r>
-              <a:rPr lang="en-US" dirty="0"/>
-              <a:t> default</a:t>
-            </a:r>
-            <a:r>
-              <a:rPr lang="en-US" dirty="0" smtClean="0"/>
-              <a:t>)”</a:t>
-            </a:r>
-          </a:p>
-          <a:p>
-            <a:pPr lvl="1"/>
-            <a:endParaRPr lang="en-US" dirty="0" smtClean="0"/>
-          </a:p>
-          <a:p>
-            <a:pPr lvl="1"/>
-            <a:endParaRPr lang="en-US" dirty="0">
+              <a:t>init</a:t>
+            </a:r>
+            <a:endParaRPr lang="en-US" dirty="0" smtClean="0">
               <a:solidFill>
-                <a:srgbClr val="2D2D2D"/>
+                <a:srgbClr val="008000"/>
               </a:solidFill>
             </a:endParaRPr>
+          </a:p>
+          <a:p>
+            <a:pPr lvl="1"/>
+            <a:r>
+              <a:rPr lang="en-US" dirty="0" err="1"/>
+              <a:t>k</a:t>
+            </a:r>
+            <a:r>
+              <a:rPr lang="en-US" dirty="0" err="1" smtClean="0"/>
+              <a:t>ubectl</a:t>
+            </a:r>
+            <a:r>
+              <a:rPr lang="en-US" dirty="0" smtClean="0"/>
+              <a:t> installed, for Linux/Mac OS X:</a:t>
+            </a:r>
+          </a:p>
+          <a:p>
+            <a:pPr lvl="2"/>
+            <a:r>
+              <a:rPr lang="en-US" dirty="0">
+                <a:solidFill>
+                  <a:srgbClr val="008000"/>
+                </a:solidFill>
+              </a:rPr>
+              <a:t>$ </a:t>
+            </a:r>
+            <a:r>
+              <a:rPr lang="en-US" dirty="0" err="1">
+                <a:solidFill>
+                  <a:srgbClr val="008000"/>
+                </a:solidFill>
+              </a:rPr>
+              <a:t>gcloud</a:t>
+            </a:r>
+            <a:r>
+              <a:rPr lang="en-US" dirty="0">
+                <a:solidFill>
+                  <a:srgbClr val="008000"/>
+                </a:solidFill>
+              </a:rPr>
+              <a:t> components update </a:t>
+            </a:r>
+            <a:r>
+              <a:rPr lang="en-US" dirty="0" err="1" smtClean="0">
+                <a:solidFill>
+                  <a:srgbClr val="008000"/>
+                </a:solidFill>
+              </a:rPr>
+              <a:t>kubectl</a:t>
+            </a:r>
+            <a:endParaRPr lang="en-US" dirty="0" smtClean="0">
+              <a:solidFill>
+                <a:srgbClr val="008000"/>
+              </a:solidFill>
+            </a:endParaRPr>
+          </a:p>
+          <a:p>
+            <a:r>
+              <a:rPr lang="en-US" dirty="0" smtClean="0"/>
+              <a:t>Create a new project in Google Cloud</a:t>
+            </a:r>
+          </a:p>
+          <a:p>
+            <a:pPr lvl="1"/>
+            <a:r>
+              <a:rPr lang="en-US" dirty="0" smtClean="0"/>
+              <a:t>Enable Container Engine API</a:t>
+            </a:r>
+          </a:p>
+          <a:p>
+            <a:pPr lvl="1"/>
+            <a:r>
+              <a:rPr lang="en-US" dirty="0" smtClean="0"/>
+              <a:t>Set your </a:t>
+            </a:r>
+            <a:r>
+              <a:rPr lang="en-US" dirty="0" err="1" smtClean="0"/>
+              <a:t>gcloud</a:t>
+            </a:r>
+            <a:r>
+              <a:rPr lang="en-US" dirty="0" smtClean="0"/>
+              <a:t> defaults:</a:t>
+            </a:r>
+          </a:p>
+          <a:p>
+            <a:pPr lvl="2"/>
+            <a:r>
+              <a:rPr lang="en-US" dirty="0">
+                <a:solidFill>
+                  <a:srgbClr val="008000"/>
+                </a:solidFill>
+              </a:rPr>
+              <a:t>$ </a:t>
+            </a:r>
+            <a:r>
+              <a:rPr lang="en-US" dirty="0" err="1">
+                <a:solidFill>
+                  <a:srgbClr val="008000"/>
+                </a:solidFill>
+              </a:rPr>
+              <a:t>gcloud</a:t>
+            </a:r>
+            <a:r>
+              <a:rPr lang="en-US" dirty="0">
+                <a:solidFill>
+                  <a:srgbClr val="008000"/>
+                </a:solidFill>
+              </a:rPr>
+              <a:t> </a:t>
+            </a:r>
+            <a:r>
+              <a:rPr lang="en-US" dirty="0" err="1">
+                <a:solidFill>
+                  <a:srgbClr val="008000"/>
+                </a:solidFill>
+              </a:rPr>
+              <a:t>config</a:t>
+            </a:r>
+            <a:r>
+              <a:rPr lang="en-US" dirty="0">
+                <a:solidFill>
+                  <a:srgbClr val="008000"/>
+                </a:solidFill>
+              </a:rPr>
+              <a:t> set project </a:t>
+            </a:r>
+            <a:r>
+              <a:rPr lang="en-US" dirty="0" smtClean="0">
+                <a:solidFill>
+                  <a:srgbClr val="008000"/>
+                </a:solidFill>
+              </a:rPr>
+              <a:t>PROJECTID</a:t>
+            </a:r>
+          </a:p>
+          <a:p>
+            <a:r>
+              <a:rPr lang="en-US" dirty="0" smtClean="0">
+                <a:solidFill>
+                  <a:schemeClr val="tx1"/>
+                </a:solidFill>
+              </a:rPr>
+              <a:t>Usually it is a good idea to run this command before doing anything:</a:t>
+            </a:r>
+          </a:p>
+          <a:p>
+            <a:pPr lvl="2"/>
+            <a:r>
+              <a:rPr lang="en-US" dirty="0" smtClean="0">
+                <a:solidFill>
+                  <a:srgbClr val="008000"/>
+                </a:solidFill>
+              </a:rPr>
+              <a:t>$ </a:t>
+            </a:r>
+            <a:r>
+              <a:rPr lang="en-US" dirty="0" err="1" smtClean="0">
+                <a:solidFill>
+                  <a:srgbClr val="008000"/>
+                </a:solidFill>
+              </a:rPr>
+              <a:t>gcloud</a:t>
+            </a:r>
+            <a:r>
+              <a:rPr lang="en-US" dirty="0" smtClean="0">
+                <a:solidFill>
+                  <a:srgbClr val="008000"/>
+                </a:solidFill>
+              </a:rPr>
+              <a:t> components update</a:t>
+            </a:r>
+            <a:endParaRPr lang="en-US" dirty="0" smtClean="0"/>
+          </a:p>
+          <a:p>
+            <a:pPr lvl="3"/>
+            <a:endParaRPr lang="en-US" dirty="0" smtClean="0"/>
+          </a:p>
+          <a:p>
+            <a:pPr lvl="3"/>
+            <a:endParaRPr lang="en-US" dirty="0" smtClean="0"/>
+          </a:p>
+          <a:p>
+            <a:pPr lvl="2"/>
+            <a:endParaRPr lang="en-US" dirty="0"/>
           </a:p>
         </p:txBody>
       </p:sp>
     </p:spTree>
     <p:extLst>
       <p:ext uri="{BB962C8B-B14F-4D97-AF65-F5344CB8AC3E}">
-        <p14:creationId xmlns:p14="http://schemas.microsoft.com/office/powerpoint/2010/main" val="3718227323"/>
+        <p14:creationId xmlns:p14="http://schemas.microsoft.com/office/powerpoint/2010/main" val="1753194980"/>
       </p:ext>
     </p:extLst>
   </p:cSld>
@@ -13493,11 +14642,7 @@
           <a:p>
             <a:r>
               <a:rPr lang="en-US" dirty="0" smtClean="0"/>
-              <a:t>Google Cloud SQL Access </a:t>
-            </a:r>
-            <a:r>
-              <a:rPr lang="en-US" dirty="0" err="1" smtClean="0"/>
-              <a:t>configuartion</a:t>
+              <a:t>Create your Cluster(s) and initialize Docker</a:t>
             </a:r>
             <a:endParaRPr lang="en-US" dirty="0"/>
           </a:p>
@@ -13515,8 +14660,8 @@
         </p:nvSpPr>
         <p:spPr>
           <a:xfrm>
-            <a:off x="731520" y="1399308"/>
-            <a:ext cx="13167360" cy="6525494"/>
+            <a:off x="731520" y="1598706"/>
+            <a:ext cx="13167360" cy="6633882"/>
           </a:xfrm>
         </p:spPr>
         <p:txBody>
@@ -13525,143 +14670,258 @@
           </a:bodyPr>
           <a:lstStyle/>
           <a:p>
+            <a:pPr marL="0" indent="0">
+              <a:buNone/>
+            </a:pPr>
             <a:r>
               <a:rPr lang="en-US" sz="2800" dirty="0" smtClean="0"/>
-              <a:t>Before our apps can do anything we will need a SQL instance in Google Cloud</a:t>
+              <a:t>Create a new cluster, where our app will be running</a:t>
             </a:r>
           </a:p>
           <a:p>
             <a:r>
               <a:rPr lang="en-US" sz="2800" dirty="0" smtClean="0"/>
-              <a:t>Create a new instance of Cloud SQL, and get it’s IP</a:t>
+              <a:t>For this app we could create two clusters, one for webservices, one for website</a:t>
             </a:r>
           </a:p>
           <a:p>
             <a:r>
               <a:rPr lang="en-US" sz="2800" dirty="0" smtClean="0"/>
-              <a:t>Whitelist </a:t>
-            </a:r>
-            <a:r>
-              <a:rPr lang="en-US" sz="2800" b="1" i="1" dirty="0" smtClean="0"/>
-              <a:t>your</a:t>
-            </a:r>
+              <a:t>But for the purposes of this demo we will work with a single cluster for both</a:t>
+            </a:r>
+          </a:p>
+          <a:p>
+            <a:pPr lvl="1"/>
+            <a:r>
+              <a:rPr lang="en-US" sz="3200" dirty="0">
+                <a:solidFill>
+                  <a:srgbClr val="008000"/>
+                </a:solidFill>
+              </a:rPr>
+              <a:t>$ </a:t>
+            </a:r>
+            <a:r>
+              <a:rPr lang="en-US" sz="3200" dirty="0" err="1">
+                <a:solidFill>
+                  <a:srgbClr val="008000"/>
+                </a:solidFill>
+              </a:rPr>
+              <a:t>gcloud</a:t>
+            </a:r>
+            <a:r>
+              <a:rPr lang="en-US" sz="3200" dirty="0">
+                <a:solidFill>
+                  <a:srgbClr val="008000"/>
+                </a:solidFill>
+              </a:rPr>
+              <a:t> container clusters create </a:t>
+            </a:r>
+            <a:r>
+              <a:rPr lang="en-US" sz="3200" dirty="0" smtClean="0">
+                <a:solidFill>
+                  <a:srgbClr val="008000"/>
+                </a:solidFill>
+              </a:rPr>
+              <a:t>subscribers </a:t>
+            </a:r>
+            <a:r>
+              <a:rPr lang="en-US" sz="3200" dirty="0">
+                <a:solidFill>
+                  <a:srgbClr val="008000"/>
+                </a:solidFill>
+              </a:rPr>
+              <a:t>\</a:t>
+            </a:r>
+          </a:p>
+          <a:p>
+            <a:pPr lvl="1"/>
+            <a:r>
+              <a:rPr lang="is-IS" sz="3200" dirty="0">
+                <a:solidFill>
+                  <a:srgbClr val="008000"/>
+                </a:solidFill>
+              </a:rPr>
+              <a:t>    --num-nodes 3 \</a:t>
+            </a:r>
+          </a:p>
+          <a:p>
+            <a:pPr lvl="1"/>
+            <a:r>
+              <a:rPr lang="en-US" sz="3200" dirty="0"/>
+              <a:t>  </a:t>
+            </a:r>
+            <a:r>
+              <a:rPr lang="en-US" sz="3200" dirty="0">
+                <a:solidFill>
+                  <a:schemeClr val="tx2"/>
+                </a:solidFill>
+              </a:rPr>
+              <a:t> </a:t>
+            </a:r>
+            <a:r>
+              <a:rPr lang="en-US" sz="3200" i="1" dirty="0">
+                <a:solidFill>
+                  <a:schemeClr val="tx2"/>
+                </a:solidFill>
+              </a:rPr>
+              <a:t> --machine-type g1-</a:t>
+            </a:r>
+            <a:r>
+              <a:rPr lang="en-US" sz="3200" i="1" dirty="0" smtClean="0">
+                <a:solidFill>
+                  <a:schemeClr val="tx2"/>
+                </a:solidFill>
+              </a:rPr>
+              <a:t>small</a:t>
+            </a:r>
+            <a:r>
+              <a:rPr lang="en-US" sz="3200" dirty="0" smtClean="0">
+                <a:solidFill>
+                  <a:schemeClr val="tx2"/>
+                </a:solidFill>
+              </a:rPr>
+              <a:t> </a:t>
+            </a:r>
+            <a:r>
+              <a:rPr lang="en-US" sz="3200" dirty="0" smtClean="0">
+                <a:solidFill>
+                  <a:srgbClr val="008000"/>
+                </a:solidFill>
+              </a:rPr>
+              <a:t>// we will not use parameter to get the standard size VMs</a:t>
+            </a:r>
+          </a:p>
+          <a:p>
+            <a:r>
+              <a:rPr lang="en-US" sz="2800" dirty="0" smtClean="0">
+                <a:solidFill>
+                  <a:srgbClr val="2D2D2D"/>
+                </a:solidFill>
+              </a:rPr>
+              <a:t>We can now see our instances:</a:t>
+            </a:r>
+          </a:p>
+          <a:p>
+            <a:pPr lvl="1"/>
+            <a:r>
+              <a:rPr lang="en-US" sz="2800" dirty="0">
+                <a:solidFill>
+                  <a:srgbClr val="008000"/>
+                </a:solidFill>
+              </a:rPr>
+              <a:t>$ </a:t>
+            </a:r>
+            <a:r>
+              <a:rPr lang="en-US" sz="2800" dirty="0" err="1">
+                <a:solidFill>
+                  <a:srgbClr val="008000"/>
+                </a:solidFill>
+              </a:rPr>
+              <a:t>gcloud</a:t>
+            </a:r>
+            <a:r>
+              <a:rPr lang="en-US" sz="2800" dirty="0">
+                <a:solidFill>
+                  <a:srgbClr val="008000"/>
+                </a:solidFill>
+              </a:rPr>
+              <a:t> compute instances </a:t>
+            </a:r>
+            <a:r>
+              <a:rPr lang="en-US" sz="2800" dirty="0" smtClean="0">
+                <a:solidFill>
+                  <a:srgbClr val="008000"/>
+                </a:solidFill>
+              </a:rPr>
+              <a:t>list</a:t>
+            </a:r>
+          </a:p>
+          <a:p>
             <a:r>
               <a:rPr lang="en-US" sz="2800" dirty="0" smtClean="0"/>
-              <a:t> machine’s IP with this instance, use this tool to find out your Proxy IP:</a:t>
+              <a:t>Before we can start building our images, start Docker machine (Mac OS X):</a:t>
             </a:r>
           </a:p>
           <a:p>
             <a:pPr lvl="1"/>
             <a:r>
+              <a:rPr lang="en-US" sz="2800" dirty="0" smtClean="0">
+                <a:solidFill>
+                  <a:srgbClr val="008000"/>
+                </a:solidFill>
+              </a:rPr>
+              <a:t>$ docker-machine start default</a:t>
+            </a:r>
+          </a:p>
+          <a:p>
+            <a:pPr lvl="1"/>
+            <a:r>
+              <a:rPr lang="en-US" sz="2800" dirty="0" smtClean="0">
+                <a:solidFill>
+                  <a:srgbClr val="008000"/>
+                </a:solidFill>
+              </a:rPr>
+              <a:t>$ </a:t>
+            </a:r>
+            <a:r>
+              <a:rPr lang="en-US" sz="2800" dirty="0" err="1">
+                <a:solidFill>
+                  <a:srgbClr val="008000"/>
+                </a:solidFill>
+              </a:rPr>
+              <a:t>eval</a:t>
+            </a:r>
+            <a:r>
               <a:rPr lang="en-US" sz="2800" dirty="0">
-                <a:hlinkClick r:id="rId2"/>
-              </a:rPr>
-              <a:t>http://www.lagado.com/proxy-</a:t>
+                <a:solidFill>
+                  <a:srgbClr val="008000"/>
+                </a:solidFill>
+              </a:rPr>
+              <a:t> "$(docker-machine </a:t>
+            </a:r>
+            <a:r>
+              <a:rPr lang="en-US" sz="2800" dirty="0" err="1">
+                <a:solidFill>
+                  <a:srgbClr val="008000"/>
+                </a:solidFill>
+              </a:rPr>
+              <a:t>env</a:t>
+            </a:r>
+            <a:r>
+              <a:rPr lang="en-US" sz="2800" dirty="0">
+                <a:solidFill>
+                  <a:srgbClr val="008000"/>
+                </a:solidFill>
+              </a:rPr>
+              <a:t> default</a:t>
             </a:r>
             <a:r>
               <a:rPr lang="en-US" sz="2800" dirty="0" smtClean="0">
-                <a:hlinkClick r:id="rId2"/>
-              </a:rPr>
-              <a:t>test</a:t>
-            </a:r>
-            <a:endParaRPr lang="en-US" sz="2800" dirty="0" smtClean="0"/>
-          </a:p>
-          <a:p>
-            <a:r>
-              <a:rPr lang="en-US" sz="2800" dirty="0" smtClean="0"/>
-              <a:t>Now you can launch your </a:t>
-            </a:r>
-            <a:r>
-              <a:rPr lang="en-US" sz="2800" dirty="0" err="1" smtClean="0"/>
-              <a:t>MySQLWorkbench</a:t>
-            </a:r>
-            <a:r>
-              <a:rPr lang="en-US" sz="2800" dirty="0" smtClean="0"/>
-              <a:t>, and connect to this instance in Google Cloud (using it’s IP)</a:t>
-            </a:r>
-          </a:p>
-          <a:p>
-            <a:r>
-              <a:rPr lang="en-US" sz="2800" dirty="0" smtClean="0"/>
-              <a:t>Next, load your DB DDL file, and run it against the Google Cloud</a:t>
-            </a:r>
-          </a:p>
-          <a:p>
-            <a:r>
-              <a:rPr lang="en-US" sz="2800" dirty="0" smtClean="0"/>
-              <a:t>Now, whitelist the IP’s for the server nodes of our cluster, which we created before, </a:t>
-            </a:r>
-            <a:r>
-              <a:rPr lang="en-US" sz="2800" dirty="0" err="1" smtClean="0"/>
-              <a:t>i.e</a:t>
-            </a:r>
-            <a:r>
-              <a:rPr lang="en-US" sz="2800" dirty="0" smtClean="0"/>
-              <a:t>:</a:t>
-            </a:r>
-          </a:p>
-          <a:p>
-            <a:pPr lvl="1" fontAlgn="base"/>
-            <a:r>
-              <a:rPr lang="en-US" sz="2800" dirty="0">
-                <a:hlinkClick r:id="rId3"/>
-              </a:rPr>
-              <a:t>gke-subscribers-82c58720-node-fah8</a:t>
-            </a:r>
-            <a:r>
-              <a:rPr lang="en-US" sz="2800" dirty="0"/>
-              <a:t> </a:t>
-            </a:r>
-            <a:r>
-              <a:rPr lang="en-US" sz="2800" dirty="0" smtClean="0"/>
-              <a:t>:	104.197.107.63</a:t>
-            </a:r>
-            <a:r>
-              <a:rPr lang="en-US" sz="2800" dirty="0"/>
-              <a:t> </a:t>
-            </a:r>
-          </a:p>
-          <a:p>
-            <a:pPr lvl="1" fontAlgn="base"/>
-            <a:r>
-              <a:rPr lang="en-US" sz="2800" dirty="0">
-                <a:hlinkClick r:id="rId4"/>
-              </a:rPr>
-              <a:t>gke-subscribers-82c58720-node-l4s1</a:t>
-            </a:r>
-            <a:r>
-              <a:rPr lang="en-US" sz="2800" dirty="0" smtClean="0"/>
-              <a:t>:	104.197.9.246</a:t>
-            </a:r>
-            <a:r>
-              <a:rPr lang="en-US" sz="2800" dirty="0"/>
-              <a:t> </a:t>
-            </a:r>
-          </a:p>
-          <a:p>
-            <a:pPr lvl="1" fontAlgn="base"/>
-            <a:r>
-              <a:rPr lang="en-US" sz="2800" dirty="0">
-                <a:hlinkClick r:id="rId5"/>
-              </a:rPr>
-              <a:t>gke-subscribers-82c58720-node-qrtx</a:t>
-            </a:r>
-            <a:r>
-              <a:rPr lang="en-US" sz="2800" dirty="0"/>
-              <a:t> </a:t>
-            </a:r>
-            <a:r>
-              <a:rPr lang="en-US" sz="2800" dirty="0" smtClean="0"/>
-              <a:t>:	104.154.92.187</a:t>
-            </a:r>
-            <a:endParaRPr lang="en-US" sz="2800" dirty="0"/>
+                <a:solidFill>
+                  <a:srgbClr val="008000"/>
+                </a:solidFill>
+              </a:rPr>
+              <a:t>)”</a:t>
+            </a:r>
+          </a:p>
+          <a:p>
+            <a:pPr lvl="1"/>
+            <a:endParaRPr lang="en-US" dirty="0" smtClean="0"/>
+          </a:p>
+          <a:p>
+            <a:pPr lvl="1"/>
+            <a:endParaRPr lang="en-US" dirty="0">
+              <a:solidFill>
+                <a:srgbClr val="2D2D2D"/>
+              </a:solidFill>
+            </a:endParaRPr>
           </a:p>
         </p:txBody>
       </p:sp>
     </p:spTree>
     <p:extLst>
       <p:ext uri="{BB962C8B-B14F-4D97-AF65-F5344CB8AC3E}">
-        <p14:creationId xmlns:p14="http://schemas.microsoft.com/office/powerpoint/2010/main" val="3316656015"/>
+        <p14:creationId xmlns:p14="http://schemas.microsoft.com/office/powerpoint/2010/main" val="3718227323"/>
       </p:ext>
     </p:extLst>
   </p:cSld>
@@ -13705,7 +14965,7 @@
           <a:p>
             <a:r>
               <a:rPr lang="en-US" dirty="0" smtClean="0"/>
-              <a:t>Preparation before we build images</a:t>
+              <a:t>Cloud SQL Access Control management</a:t>
             </a:r>
             <a:endParaRPr lang="en-US" dirty="0"/>
           </a:p>
@@ -13721,235 +14981,124 @@
             <p:ph idx="1"/>
           </p:nvPr>
         </p:nvSpPr>
-        <p:spPr>
-          <a:xfrm>
-            <a:off x="731520" y="1298576"/>
-            <a:ext cx="13167360" cy="6956159"/>
-          </a:xfrm>
-        </p:spPr>
+        <p:spPr/>
         <p:txBody>
-          <a:bodyPr>
-            <a:normAutofit/>
-          </a:bodyPr>
+          <a:bodyPr/>
           <a:lstStyle/>
           <a:p>
-            <a:r>
-              <a:rPr lang="en-US" sz="2800" dirty="0" smtClean="0"/>
-              <a:t>Get the Project Id from Google Cloud, and set that as an ENV variable</a:t>
-            </a:r>
-          </a:p>
-          <a:p>
-            <a:pPr lvl="1"/>
-            <a:r>
-              <a:rPr lang="en-US" sz="2800" dirty="0" smtClean="0"/>
-              <a:t>we will need that for names of images, as it should match the project name to be pushed to Google Cloud Repository:</a:t>
-            </a:r>
-          </a:p>
-          <a:p>
-            <a:pPr lvl="1"/>
-            <a:r>
-              <a:rPr lang="en-US" sz="2800" dirty="0">
-                <a:solidFill>
-                  <a:srgbClr val="008000"/>
-                </a:solidFill>
-              </a:rPr>
-              <a:t>$ export PROJECT_ID="xxx-xxx-</a:t>
-            </a:r>
-            <a:r>
-              <a:rPr lang="en-US" sz="2800" dirty="0" smtClean="0">
-                <a:solidFill>
-                  <a:srgbClr val="008000"/>
-                </a:solidFill>
-              </a:rPr>
-              <a:t>xxx”</a:t>
-            </a:r>
-          </a:p>
-          <a:p>
-            <a:pPr lvl="1"/>
-            <a:r>
-              <a:rPr lang="en-US" sz="2800" dirty="0" smtClean="0">
-                <a:solidFill>
-                  <a:srgbClr val="2D2D2D"/>
-                </a:solidFill>
-              </a:rPr>
-              <a:t>The name format for images is:</a:t>
-            </a:r>
-            <a:r>
-              <a:rPr lang="en-US" sz="2800" dirty="0" smtClean="0">
-                <a:solidFill>
-                  <a:srgbClr val="008000"/>
-                </a:solidFill>
-              </a:rPr>
-              <a:t> </a:t>
-            </a:r>
-            <a:r>
-              <a:rPr lang="en-US" sz="2800" dirty="0" err="1" smtClean="0">
-                <a:solidFill>
-                  <a:srgbClr val="3366FF"/>
-                </a:solidFill>
-              </a:rPr>
-              <a:t>gcr.io</a:t>
-            </a:r>
-            <a:r>
-              <a:rPr lang="en-US" sz="2800" dirty="0" smtClean="0">
-                <a:solidFill>
-                  <a:srgbClr val="3366FF"/>
-                </a:solidFill>
-              </a:rPr>
-              <a:t>/&lt;</a:t>
-            </a:r>
-            <a:r>
-              <a:rPr lang="en-US" sz="2800" dirty="0" err="1" smtClean="0">
-                <a:solidFill>
-                  <a:srgbClr val="3366FF"/>
-                </a:solidFill>
-              </a:rPr>
-              <a:t>projectId</a:t>
-            </a:r>
-            <a:r>
-              <a:rPr lang="en-US" sz="2800" dirty="0" smtClean="0">
-                <a:solidFill>
-                  <a:srgbClr val="3366FF"/>
-                </a:solidFill>
-              </a:rPr>
-              <a:t>&gt;/&lt;</a:t>
-            </a:r>
-            <a:r>
-              <a:rPr lang="en-US" sz="2800" dirty="0" err="1" smtClean="0">
-                <a:solidFill>
-                  <a:srgbClr val="3366FF"/>
-                </a:solidFill>
-              </a:rPr>
-              <a:t>imagename</a:t>
-            </a:r>
-            <a:r>
-              <a:rPr lang="en-US" sz="2800" dirty="0" smtClean="0">
-                <a:solidFill>
-                  <a:srgbClr val="3366FF"/>
-                </a:solidFill>
-              </a:rPr>
-              <a:t>&gt;:&lt;tag&gt;</a:t>
-            </a:r>
-          </a:p>
-          <a:p>
-            <a:r>
-              <a:rPr lang="en-US" sz="2800" dirty="0" smtClean="0"/>
-              <a:t>Configure your app/code to use the Google Cloud SQL, by setting up the correct connection string, </a:t>
-            </a:r>
-            <a:r>
-              <a:rPr lang="en-US" sz="2800" dirty="0" err="1" smtClean="0"/>
-              <a:t>i.e</a:t>
-            </a:r>
-            <a:r>
-              <a:rPr lang="en-US" sz="2800" dirty="0" smtClean="0"/>
-              <a:t>:</a:t>
-            </a:r>
-          </a:p>
-          <a:p>
-            <a:pPr lvl="1"/>
-            <a:r>
-              <a:rPr lang="en-US" sz="2800" dirty="0" err="1">
-                <a:solidFill>
-                  <a:srgbClr val="008000"/>
-                </a:solidFill>
-              </a:rPr>
-              <a:t>jdbc:mysql</a:t>
-            </a:r>
-            <a:r>
-              <a:rPr lang="en-US" sz="2800" dirty="0">
-                <a:solidFill>
-                  <a:srgbClr val="008000"/>
-                </a:solidFill>
-              </a:rPr>
-              <a:t>://173.194.110.154:3306/</a:t>
-            </a:r>
-            <a:r>
-              <a:rPr lang="en-US" sz="2800" dirty="0" err="1">
-                <a:solidFill>
-                  <a:srgbClr val="008000"/>
-                </a:solidFill>
-              </a:rPr>
-              <a:t>Subscriptions?user</a:t>
-            </a:r>
-            <a:r>
-              <a:rPr lang="en-US" sz="2800" dirty="0">
-                <a:solidFill>
-                  <a:srgbClr val="008000"/>
-                </a:solidFill>
-              </a:rPr>
-              <a:t>=</a:t>
-            </a:r>
-            <a:r>
-              <a:rPr lang="en-US" sz="2800" u="sng" dirty="0" err="1">
-                <a:solidFill>
-                  <a:srgbClr val="008000"/>
-                </a:solidFill>
-              </a:rPr>
-              <a:t>testuser&amp;</a:t>
-            </a:r>
-            <a:r>
-              <a:rPr lang="en-US" sz="2800" dirty="0" err="1">
-                <a:solidFill>
-                  <a:srgbClr val="008000"/>
-                </a:solidFill>
-              </a:rPr>
-              <a:t>password</a:t>
-            </a:r>
-            <a:r>
-              <a:rPr lang="en-US" sz="2800" dirty="0">
-                <a:solidFill>
-                  <a:srgbClr val="008000"/>
-                </a:solidFill>
-              </a:rPr>
-              <a:t>=usertestpsw01</a:t>
-            </a:r>
-            <a:r>
-              <a:rPr lang="en-US" sz="2800" dirty="0" smtClean="0">
-                <a:solidFill>
-                  <a:srgbClr val="008000"/>
-                </a:solidFill>
-              </a:rPr>
-              <a:t>.</a:t>
-            </a:r>
-          </a:p>
-          <a:p>
-            <a:r>
-              <a:rPr lang="en-US" sz="2800" dirty="0" smtClean="0"/>
-              <a:t>Additional configuration, where needed, to allow the nodes to discover each other, i.e. website nodes to discover webservices  nodes</a:t>
-            </a:r>
-          </a:p>
-          <a:p>
-            <a:pPr lvl="1"/>
-            <a:r>
-              <a:rPr lang="en-US" sz="2800" dirty="0" smtClean="0"/>
-              <a:t>DNS</a:t>
-            </a:r>
-          </a:p>
-          <a:p>
-            <a:pPr lvl="1"/>
-            <a:r>
-              <a:rPr lang="en-US" sz="2800" dirty="0" smtClean="0"/>
-              <a:t>Or ENV variables</a:t>
-            </a:r>
-          </a:p>
-          <a:p>
-            <a:r>
-              <a:rPr lang="en-US" sz="2800" dirty="0" smtClean="0"/>
-              <a:t>Now we can start building the images</a:t>
-            </a:r>
-          </a:p>
-          <a:p>
-            <a:pPr marL="679262" lvl="1" indent="0">
+            <a:pPr marL="0" indent="0">
               <a:buNone/>
             </a:pPr>
-            <a:endParaRPr lang="en-US" sz="2800" dirty="0"/>
+            <a:r>
+              <a:rPr lang="en-US" sz="3600" dirty="0"/>
+              <a:t>Now, whitelist the IP’s for the server nodes of our </a:t>
+            </a:r>
+            <a:r>
+              <a:rPr lang="en-US" sz="3600" dirty="0" smtClean="0"/>
+              <a:t>cluster with Cloud SQL, </a:t>
+            </a:r>
+            <a:r>
+              <a:rPr lang="en-US" sz="3600" dirty="0"/>
+              <a:t>which we created before, </a:t>
+            </a:r>
+            <a:r>
+              <a:rPr lang="en-US" sz="3600" dirty="0" err="1"/>
+              <a:t>i.e</a:t>
+            </a:r>
+            <a:r>
+              <a:rPr lang="en-US" sz="3600" dirty="0"/>
+              <a:t>:</a:t>
+            </a:r>
+          </a:p>
+          <a:p>
+            <a:pPr lvl="1" fontAlgn="base"/>
+            <a:r>
+              <a:rPr lang="en-US" sz="3600" dirty="0">
+                <a:solidFill>
+                  <a:srgbClr val="0000FF"/>
+                </a:solidFill>
+              </a:rPr>
+              <a:t>gke-subscribers-82c58720-node-fah8</a:t>
+            </a:r>
+            <a:r>
+              <a:rPr lang="en-US" sz="3600" dirty="0"/>
+              <a:t> :	</a:t>
+            </a:r>
+            <a:r>
+              <a:rPr lang="en-US" sz="3600" dirty="0">
+                <a:solidFill>
+                  <a:srgbClr val="008000"/>
+                </a:solidFill>
+              </a:rPr>
+              <a:t>104.197.107.63</a:t>
+            </a:r>
+            <a:r>
+              <a:rPr lang="en-US" sz="3600" dirty="0"/>
+              <a:t> </a:t>
+            </a:r>
+          </a:p>
+          <a:p>
+            <a:pPr lvl="1" fontAlgn="base"/>
+            <a:r>
+              <a:rPr lang="en-US" sz="3600" dirty="0">
+                <a:solidFill>
+                  <a:srgbClr val="0000FF"/>
+                </a:solidFill>
+              </a:rPr>
+              <a:t>gke-subscribers-82c58720-node-l4s1 </a:t>
+            </a:r>
+            <a:r>
+              <a:rPr lang="en-US" sz="3600" dirty="0"/>
+              <a:t>:	</a:t>
+            </a:r>
+            <a:r>
+              <a:rPr lang="en-US" sz="3600" dirty="0">
+                <a:solidFill>
+                  <a:srgbClr val="008000"/>
+                </a:solidFill>
+              </a:rPr>
+              <a:t>104.197.9.246</a:t>
+            </a:r>
+            <a:r>
+              <a:rPr lang="en-US" sz="3600" dirty="0"/>
+              <a:t> </a:t>
+            </a:r>
+          </a:p>
+          <a:p>
+            <a:pPr lvl="1" fontAlgn="base"/>
+            <a:r>
+              <a:rPr lang="en-US" sz="3600" dirty="0">
+                <a:solidFill>
+                  <a:srgbClr val="0000FF"/>
+                </a:solidFill>
+              </a:rPr>
+              <a:t>gke-subscribers-82c58720-node-qrtx </a:t>
+            </a:r>
+            <a:r>
+              <a:rPr lang="en-US" sz="3600" dirty="0"/>
+              <a:t> :	</a:t>
+            </a:r>
+            <a:r>
+              <a:rPr lang="en-US" sz="3600" dirty="0">
+                <a:solidFill>
+                  <a:srgbClr val="008000"/>
+                </a:solidFill>
+              </a:rPr>
+              <a:t>104.154.92.187</a:t>
+            </a:r>
+          </a:p>
+          <a:p>
+            <a:pPr marL="0" indent="0">
+              <a:buNone/>
+            </a:pPr>
+            <a:endParaRPr lang="en-US" dirty="0"/>
           </a:p>
         </p:txBody>
       </p:sp>
     </p:spTree>
     <p:extLst>
       <p:ext uri="{BB962C8B-B14F-4D97-AF65-F5344CB8AC3E}">
-        <p14:creationId xmlns:p14="http://schemas.microsoft.com/office/powerpoint/2010/main" val="111897301"/>
+        <p14:creationId xmlns:p14="http://schemas.microsoft.com/office/powerpoint/2010/main" val="1911704490"/>
       </p:ext>
     </p:extLst>
   </p:cSld>
@@ -13993,7 +15142,7 @@
           <a:p>
             <a:r>
               <a:rPr lang="en-US" dirty="0" smtClean="0"/>
-              <a:t>Build images: webservices </a:t>
+              <a:t>Preparation before we build images</a:t>
             </a:r>
             <a:endParaRPr lang="en-US" dirty="0"/>
           </a:p>
@@ -14012,438 +15161,154 @@
         <p:spPr>
           <a:xfrm>
             <a:off x="731520" y="1298576"/>
-            <a:ext cx="13167360" cy="7144301"/>
+            <a:ext cx="13167360" cy="6956159"/>
           </a:xfrm>
         </p:spPr>
         <p:txBody>
           <a:bodyPr>
-            <a:normAutofit/>
+            <a:normAutofit lnSpcReduction="10000"/>
           </a:bodyPr>
           <a:lstStyle/>
           <a:p>
             <a:r>
-              <a:rPr lang="en-US" sz="2400" dirty="0" smtClean="0"/>
-              <a:t>Build webservices image:</a:t>
+              <a:rPr lang="en-US" sz="3200" dirty="0" smtClean="0"/>
+              <a:t>Get the Project Id from Google Cloud, and set that as an ENV variable</a:t>
             </a:r>
           </a:p>
           <a:p>
             <a:pPr lvl="1"/>
             <a:r>
-              <a:rPr lang="en-US" sz="2400" dirty="0" smtClean="0">
+              <a:rPr lang="en-US" sz="3200" dirty="0" smtClean="0"/>
+              <a:t>we will need that for names of images, as it should match the project name to be pushed to Google Cloud Repository:</a:t>
+            </a:r>
+          </a:p>
+          <a:p>
+            <a:pPr lvl="1"/>
+            <a:r>
+              <a:rPr lang="en-US" sz="3200" dirty="0">
                 <a:solidFill>
                   <a:srgbClr val="008000"/>
                 </a:solidFill>
               </a:rPr>
-              <a:t>$ </a:t>
-            </a:r>
-            <a:r>
-              <a:rPr lang="en-US" sz="2400" dirty="0">
+              <a:t>$ export PROJECT_ID="xxx-xxx-</a:t>
+            </a:r>
+            <a:r>
+              <a:rPr lang="en-US" sz="3200" dirty="0" smtClean="0">
                 <a:solidFill>
                   <a:srgbClr val="008000"/>
                 </a:solidFill>
               </a:rPr>
-              <a:t>docker build </a:t>
-            </a:r>
-            <a:r>
-              <a:rPr lang="en-US" sz="2400" dirty="0">
+              <a:t>xxx”</a:t>
+            </a:r>
+          </a:p>
+          <a:p>
+            <a:pPr lvl="1"/>
+            <a:r>
+              <a:rPr lang="en-US" sz="3200" dirty="0" smtClean="0">
+                <a:solidFill>
+                  <a:srgbClr val="2D2D2D"/>
+                </a:solidFill>
+              </a:rPr>
+              <a:t>The name format for images is:</a:t>
+            </a:r>
+            <a:r>
+              <a:rPr lang="en-US" sz="3200" dirty="0" smtClean="0">
                 <a:solidFill>
                   <a:srgbClr val="008000"/>
                 </a:solidFill>
               </a:rPr>
-              <a:t>-</a:t>
-            </a:r>
-            <a:r>
-              <a:rPr lang="en-US" sz="2400" dirty="0">
-                <a:solidFill>
-                  <a:srgbClr val="008000"/>
-                </a:solidFill>
-              </a:rPr>
-              <a:t>t </a:t>
-            </a:r>
-            <a:r>
-              <a:rPr lang="en-US" sz="2400" dirty="0" err="1">
-                <a:solidFill>
-                  <a:srgbClr val="008000"/>
-                </a:solidFill>
-              </a:rPr>
-              <a:t>gcr</a:t>
-            </a:r>
-            <a:r>
-              <a:rPr lang="en-US" sz="2400" dirty="0" err="1">
-                <a:solidFill>
-                  <a:srgbClr val="008000"/>
-                </a:solidFill>
-              </a:rPr>
-              <a:t>.</a:t>
-            </a:r>
-            <a:r>
-              <a:rPr lang="en-US" sz="2400" dirty="0" err="1">
-                <a:solidFill>
-                  <a:srgbClr val="008000"/>
-                </a:solidFill>
-              </a:rPr>
-              <a:t>io</a:t>
-            </a:r>
-            <a:r>
-              <a:rPr lang="en-US" sz="2400" dirty="0" smtClean="0">
-                <a:solidFill>
-                  <a:srgbClr val="008000"/>
-                </a:solidFill>
-              </a:rPr>
-              <a:t>/${PROJECT_ID}/webservices-node:v0.1</a:t>
-            </a:r>
-            <a:r>
-              <a:rPr lang="en-US" sz="2400" dirty="0">
-                <a:solidFill>
-                  <a:srgbClr val="008000"/>
-                </a:solidFill>
-              </a:rPr>
-              <a:t> </a:t>
-            </a:r>
-            <a:r>
-              <a:rPr lang="en-US" sz="2400" dirty="0" smtClean="0">
-                <a:solidFill>
-                  <a:srgbClr val="008000"/>
-                </a:solidFill>
-              </a:rPr>
-              <a:t>.</a:t>
-            </a:r>
-          </a:p>
-          <a:p>
-            <a:r>
-              <a:rPr lang="en-US" sz="2400" dirty="0" smtClean="0"/>
-              <a:t>List your images:</a:t>
+              <a:t> </a:t>
+            </a:r>
+          </a:p>
+          <a:p>
+            <a:pPr lvl="2"/>
+            <a:r>
+              <a:rPr lang="en-US" sz="3200" dirty="0" err="1" smtClean="0">
+                <a:solidFill>
+                  <a:srgbClr val="3366FF"/>
+                </a:solidFill>
+              </a:rPr>
+              <a:t>gcr.io</a:t>
+            </a:r>
+            <a:r>
+              <a:rPr lang="en-US" sz="3200" dirty="0" smtClean="0">
+                <a:solidFill>
+                  <a:srgbClr val="3366FF"/>
+                </a:solidFill>
+              </a:rPr>
+              <a:t>/&lt;</a:t>
+            </a:r>
+            <a:r>
+              <a:rPr lang="en-US" sz="3200" dirty="0" err="1" smtClean="0">
+                <a:solidFill>
+                  <a:srgbClr val="3366FF"/>
+                </a:solidFill>
+              </a:rPr>
+              <a:t>projectId</a:t>
+            </a:r>
+            <a:r>
+              <a:rPr lang="en-US" sz="3200" dirty="0" smtClean="0">
+                <a:solidFill>
+                  <a:srgbClr val="3366FF"/>
+                </a:solidFill>
+              </a:rPr>
+              <a:t>&gt;/&lt;</a:t>
+            </a:r>
+            <a:r>
+              <a:rPr lang="en-US" sz="3200" dirty="0" err="1" smtClean="0">
+                <a:solidFill>
+                  <a:srgbClr val="3366FF"/>
+                </a:solidFill>
+              </a:rPr>
+              <a:t>imagename</a:t>
+            </a:r>
+            <a:r>
+              <a:rPr lang="en-US" sz="3200" dirty="0" smtClean="0">
+                <a:solidFill>
+                  <a:srgbClr val="3366FF"/>
+                </a:solidFill>
+              </a:rPr>
+              <a:t>&gt;:&lt;tag&gt;</a:t>
+            </a:r>
+          </a:p>
+          <a:p>
+            <a:r>
+              <a:rPr lang="en-US" sz="3200" dirty="0" smtClean="0"/>
+              <a:t>Additional configuration, where needed, to allow the nodes to discover each other, i.e. website nodes to discover webservices  nodes</a:t>
             </a:r>
           </a:p>
           <a:p>
             <a:pPr lvl="1"/>
             <a:r>
-              <a:rPr lang="en-US" sz="2400" dirty="0" smtClean="0">
-                <a:solidFill>
-                  <a:srgbClr val="008000"/>
-                </a:solidFill>
-              </a:rPr>
-              <a:t>$ docker images</a:t>
-            </a:r>
-          </a:p>
-          <a:p>
-            <a:r>
-              <a:rPr lang="en-US" sz="2400" dirty="0" smtClean="0"/>
-              <a:t>Test it locally:</a:t>
+              <a:rPr lang="en-US" sz="3200" dirty="0" smtClean="0"/>
+              <a:t>DNS</a:t>
             </a:r>
           </a:p>
           <a:p>
             <a:pPr lvl="1"/>
             <a:r>
-              <a:rPr lang="en-US" sz="2400" dirty="0" smtClean="0">
-                <a:solidFill>
-                  <a:srgbClr val="008000"/>
-                </a:solidFill>
-              </a:rPr>
-              <a:t>$ docker </a:t>
-            </a:r>
-            <a:r>
-              <a:rPr lang="en-US" sz="2400" dirty="0">
-                <a:solidFill>
-                  <a:srgbClr val="008000"/>
-                </a:solidFill>
-              </a:rPr>
-              <a:t>run -d -P</a:t>
-            </a:r>
-            <a:r>
-              <a:rPr lang="en-US" sz="2400" dirty="0">
-                <a:solidFill>
-                  <a:srgbClr val="008000"/>
-                </a:solidFill>
-              </a:rPr>
-              <a:t> </a:t>
-            </a:r>
-            <a:r>
-              <a:rPr lang="en-US" sz="2400" dirty="0" err="1">
-                <a:solidFill>
-                  <a:srgbClr val="008000"/>
-                </a:solidFill>
-              </a:rPr>
-              <a:t>gcr</a:t>
-            </a:r>
-            <a:r>
-              <a:rPr lang="en-US" sz="2400" dirty="0" err="1">
-                <a:solidFill>
-                  <a:srgbClr val="008000"/>
-                </a:solidFill>
-              </a:rPr>
-              <a:t>.</a:t>
-            </a:r>
-            <a:r>
-              <a:rPr lang="en-US" sz="2400" dirty="0" err="1">
-                <a:solidFill>
-                  <a:srgbClr val="008000"/>
-                </a:solidFill>
-              </a:rPr>
-              <a:t>io</a:t>
-            </a:r>
-            <a:r>
-              <a:rPr lang="en-US" sz="2400" dirty="0" smtClean="0">
-                <a:solidFill>
-                  <a:srgbClr val="008000"/>
-                </a:solidFill>
-              </a:rPr>
-              <a:t>/</a:t>
-            </a:r>
-            <a:r>
-              <a:rPr lang="en-US" sz="2400" dirty="0">
-                <a:solidFill>
-                  <a:srgbClr val="008000"/>
-                </a:solidFill>
-              </a:rPr>
-              <a:t>${PROJECT_ID}</a:t>
-            </a:r>
-            <a:r>
-              <a:rPr lang="en-US" sz="2400" dirty="0" smtClean="0">
-                <a:solidFill>
-                  <a:srgbClr val="008000"/>
-                </a:solidFill>
-              </a:rPr>
-              <a:t>/webservices-node:v0.1</a:t>
-            </a:r>
-          </a:p>
-          <a:p>
-            <a:pPr lvl="1"/>
-            <a:r>
-              <a:rPr lang="en-US" sz="2400" dirty="0" smtClean="0">
-                <a:solidFill>
-                  <a:srgbClr val="008000"/>
-                </a:solidFill>
-              </a:rPr>
-              <a:t>$ docker </a:t>
-            </a:r>
-            <a:r>
-              <a:rPr lang="en-US" sz="2400" dirty="0" err="1" smtClean="0">
-                <a:solidFill>
-                  <a:srgbClr val="008000"/>
-                </a:solidFill>
-              </a:rPr>
-              <a:t>ps</a:t>
-            </a:r>
-            <a:r>
-              <a:rPr lang="en-US" sz="2400" dirty="0" smtClean="0">
-                <a:solidFill>
-                  <a:srgbClr val="008000"/>
-                </a:solidFill>
-              </a:rPr>
-              <a:t>  </a:t>
-            </a:r>
-            <a:r>
-              <a:rPr lang="en-US" sz="2400" dirty="0" smtClean="0">
-                <a:solidFill>
-                  <a:srgbClr val="393939"/>
-                </a:solidFill>
-              </a:rPr>
-              <a:t>-- to check if container is up and running, and to get the port number</a:t>
-            </a:r>
-          </a:p>
-          <a:p>
-            <a:pPr lvl="1"/>
-            <a:r>
-              <a:rPr lang="en-US" sz="2400" dirty="0" smtClean="0">
-                <a:solidFill>
-                  <a:srgbClr val="008000"/>
-                </a:solidFill>
-              </a:rPr>
-              <a:t>$ docker</a:t>
-            </a:r>
-            <a:r>
-              <a:rPr lang="en-US" sz="2400" dirty="0">
-                <a:solidFill>
-                  <a:srgbClr val="008000"/>
-                </a:solidFill>
-              </a:rPr>
-              <a:t>-</a:t>
-            </a:r>
-            <a:r>
-              <a:rPr lang="en-US" sz="2400" dirty="0" smtClean="0">
-                <a:solidFill>
-                  <a:srgbClr val="008000"/>
-                </a:solidFill>
-              </a:rPr>
-              <a:t>machine IP default </a:t>
-            </a:r>
-            <a:r>
-              <a:rPr lang="en-US" sz="2400" dirty="0" smtClean="0">
-                <a:solidFill>
-                  <a:srgbClr val="393939"/>
-                </a:solidFill>
-              </a:rPr>
-              <a:t>– to get the IP for docker machine, and test the webservices locally</a:t>
-            </a:r>
-          </a:p>
-          <a:p>
-            <a:r>
-              <a:rPr lang="en-US" sz="2400" dirty="0" smtClean="0"/>
-              <a:t>Push it to Google Cloud</a:t>
-            </a:r>
-          </a:p>
-          <a:p>
-            <a:pPr lvl="1"/>
-            <a:r>
-              <a:rPr lang="en-US" sz="2400" dirty="0" smtClean="0"/>
-              <a:t>Check if our settings point to the right project</a:t>
-            </a:r>
-          </a:p>
-          <a:p>
-            <a:pPr lvl="2"/>
-            <a:r>
-              <a:rPr lang="en-US" sz="2400" dirty="0" smtClean="0">
-                <a:solidFill>
-                  <a:srgbClr val="008000"/>
-                </a:solidFill>
-              </a:rPr>
-              <a:t>$ </a:t>
-            </a:r>
-            <a:r>
-              <a:rPr lang="en-US" sz="2400" dirty="0" err="1" smtClean="0">
-                <a:solidFill>
-                  <a:srgbClr val="008000"/>
-                </a:solidFill>
-              </a:rPr>
-              <a:t>gcloud</a:t>
-            </a:r>
-            <a:r>
-              <a:rPr lang="en-US" sz="2400" dirty="0" smtClean="0">
-                <a:solidFill>
-                  <a:srgbClr val="008000"/>
-                </a:solidFill>
-              </a:rPr>
-              <a:t> </a:t>
-            </a:r>
-            <a:r>
-              <a:rPr lang="en-US" sz="2400" dirty="0" err="1" smtClean="0">
-                <a:solidFill>
-                  <a:srgbClr val="008000"/>
-                </a:solidFill>
-              </a:rPr>
-              <a:t>config</a:t>
-            </a:r>
-            <a:r>
-              <a:rPr lang="en-US" sz="2400" dirty="0" smtClean="0">
-                <a:solidFill>
-                  <a:srgbClr val="008000"/>
-                </a:solidFill>
-              </a:rPr>
-              <a:t> list</a:t>
-            </a:r>
-          </a:p>
-          <a:p>
-            <a:pPr lvl="1"/>
-            <a:r>
-              <a:rPr lang="en-US" sz="2400" dirty="0" smtClean="0"/>
-              <a:t>Push the image</a:t>
-            </a:r>
-          </a:p>
-          <a:p>
-            <a:pPr lvl="2"/>
-            <a:r>
-              <a:rPr lang="en-US" sz="2400" dirty="0" smtClean="0">
-                <a:solidFill>
-                  <a:srgbClr val="008000"/>
-                </a:solidFill>
-              </a:rPr>
-              <a:t>$ </a:t>
-            </a:r>
-            <a:r>
-              <a:rPr lang="en-US" sz="2400" dirty="0" err="1" smtClean="0">
-                <a:solidFill>
-                  <a:srgbClr val="008000"/>
-                </a:solidFill>
-              </a:rPr>
-              <a:t>gcloud</a:t>
-            </a:r>
-            <a:r>
-              <a:rPr lang="en-US" sz="2400" dirty="0">
-                <a:solidFill>
-                  <a:srgbClr val="008000"/>
-                </a:solidFill>
-              </a:rPr>
-              <a:t> docker push </a:t>
-            </a:r>
-            <a:r>
-              <a:rPr lang="en-US" sz="2400" dirty="0" err="1">
-                <a:solidFill>
-                  <a:srgbClr val="008000"/>
-                </a:solidFill>
-              </a:rPr>
-              <a:t>gcr</a:t>
-            </a:r>
-            <a:r>
-              <a:rPr lang="en-US" sz="2400" dirty="0" err="1">
-                <a:solidFill>
-                  <a:srgbClr val="008000"/>
-                </a:solidFill>
-              </a:rPr>
-              <a:t>.</a:t>
-            </a:r>
-            <a:r>
-              <a:rPr lang="en-US" sz="2400" dirty="0" err="1">
-                <a:solidFill>
-                  <a:srgbClr val="008000"/>
-                </a:solidFill>
-              </a:rPr>
-              <a:t>io</a:t>
-            </a:r>
-            <a:r>
-              <a:rPr lang="en-US" sz="2400" dirty="0" smtClean="0">
-                <a:solidFill>
-                  <a:srgbClr val="008000"/>
-                </a:solidFill>
-              </a:rPr>
-              <a:t>/</a:t>
-            </a:r>
-            <a:r>
-              <a:rPr lang="en-US" sz="2400" dirty="0">
-                <a:solidFill>
-                  <a:srgbClr val="008000"/>
-                </a:solidFill>
-              </a:rPr>
-              <a:t>${PROJECT_ID}</a:t>
-            </a:r>
-            <a:r>
-              <a:rPr lang="en-US" sz="2400" dirty="0" smtClean="0">
-                <a:solidFill>
-                  <a:srgbClr val="008000"/>
-                </a:solidFill>
-              </a:rPr>
-              <a:t>/webservices-node:v0.1</a:t>
-            </a:r>
-          </a:p>
-          <a:p>
-            <a:pPr lvl="1"/>
-            <a:r>
-              <a:rPr lang="en-US" sz="2400" dirty="0" smtClean="0"/>
-              <a:t>Check the Google </a:t>
-            </a:r>
-            <a:r>
-              <a:rPr lang="en-US" sz="2400" dirty="0" err="1" smtClean="0"/>
-              <a:t>Dev</a:t>
-            </a:r>
-            <a:r>
-              <a:rPr lang="en-US" sz="2400" dirty="0" smtClean="0"/>
-              <a:t> Portal if it shows the image in the repository</a:t>
-            </a:r>
-          </a:p>
-          <a:p>
-            <a:pPr lvl="2"/>
-            <a:r>
-              <a:rPr lang="en-US" sz="2400" dirty="0" smtClean="0"/>
-              <a:t>Container Engine/ Container Registry </a:t>
-            </a:r>
-            <a:endParaRPr lang="en-US" sz="2400" dirty="0"/>
+              <a:rPr lang="en-US" sz="3200" dirty="0" smtClean="0"/>
+              <a:t>Or ENV variables</a:t>
+            </a:r>
+          </a:p>
+          <a:p>
+            <a:r>
+              <a:rPr lang="en-US" sz="3200" dirty="0" smtClean="0"/>
+              <a:t>Now we can start building the images</a:t>
+            </a:r>
+          </a:p>
+          <a:p>
+            <a:pPr marL="679262" lvl="1" indent="0">
+              <a:buNone/>
+            </a:pPr>
+            <a:endParaRPr lang="en-US" sz="2800" dirty="0"/>
           </a:p>
         </p:txBody>
       </p:sp>
     </p:spTree>
     <p:extLst>
       <p:ext uri="{BB962C8B-B14F-4D97-AF65-F5344CB8AC3E}">
-        <p14:creationId xmlns:p14="http://schemas.microsoft.com/office/powerpoint/2010/main" val="4051518347"/>
+        <p14:creationId xmlns:p14="http://schemas.microsoft.com/office/powerpoint/2010/main" val="111897301"/>
       </p:ext>
     </p:extLst>
   </p:cSld>
@@ -14487,7 +15352,7 @@
           <a:p>
             <a:r>
               <a:rPr lang="en-US" dirty="0" smtClean="0"/>
-              <a:t>Build images: website</a:t>
+              <a:t>Build images: webservices </a:t>
             </a:r>
             <a:endParaRPr lang="en-US" dirty="0"/>
           </a:p>
@@ -14506,18 +15371,18 @@
         <p:spPr>
           <a:xfrm>
             <a:off x="731520" y="1298576"/>
-            <a:ext cx="13167360" cy="7214854"/>
+            <a:ext cx="13167360" cy="7144301"/>
           </a:xfrm>
         </p:spPr>
         <p:txBody>
           <a:bodyPr>
-            <a:noAutofit/>
+            <a:normAutofit/>
           </a:bodyPr>
           <a:lstStyle/>
           <a:p>
             <a:r>
               <a:rPr lang="en-US" sz="2400" dirty="0" smtClean="0"/>
-              <a:t>Build website image:</a:t>
+              <a:t>Build webservices image:</a:t>
             </a:r>
           </a:p>
           <a:p>
@@ -14584,7 +15449,7 @@
                   <a:srgbClr val="008000"/>
                 </a:solidFill>
               </a:rPr>
-              <a:t>/${PROJECT_ID}/website-node:v0.1</a:t>
+              <a:t>/${PROJECT_ID}/webservices-node:v0.1</a:t>
             </a:r>
             <a:r>
               <a:rPr lang="en-US" sz="2400" dirty="0">
@@ -14623,7 +15488,7 @@
           <a:p>
             <a:r>
               <a:rPr lang="en-US" sz="2400" dirty="0" smtClean="0"/>
-              <a:t>Test it locally – (if webservices are already in the cloud, it will work – by IP)</a:t>
+              <a:t>Test it locally:</a:t>
             </a:r>
           </a:p>
           <a:p>
@@ -14698,7 +15563,7 @@
                   <a:srgbClr val="008000"/>
                 </a:solidFill>
               </a:rPr>
-              <a:t>/website-node:v0.1</a:t>
+              <a:t>/webservices-node:v0.1</a:t>
             </a:r>
           </a:p>
           <a:p>
@@ -14730,9 +15595,7 @@
             <a:r>
               <a:rPr lang="en-US" sz="2400" dirty="0" smtClean="0">
                 <a:solidFill>
-                  <a:schemeClr val="accent1">
-                    <a:lumMod val="25000"/>
-                  </a:schemeClr>
+                  <a:srgbClr val="393939"/>
                 </a:solidFill>
               </a:rPr>
               <a:t>-- to check if container is up and running, and to get the port number</a:t>
@@ -14770,7 +15633,7 @@
                   <a:srgbClr val="393939"/>
                 </a:solidFill>
               </a:rPr>
-              <a:t>– to get the IP for docker machine, and test the website locally</a:t>
+              <a:t>– to get the IP for docker machine, and test the webservices locally</a:t>
             </a:r>
           </a:p>
           <a:p>
@@ -14908,7 +15771,7 @@
                   <a:srgbClr val="008000"/>
                 </a:solidFill>
               </a:rPr>
-              <a:t>/website-node:v0.1</a:t>
+              <a:t>/webservices-node:v0.1</a:t>
             </a:r>
           </a:p>
           <a:p>
@@ -14939,7 +15802,7 @@
     </p:spTree>
     <p:extLst>
       <p:ext uri="{BB962C8B-B14F-4D97-AF65-F5344CB8AC3E}">
-        <p14:creationId xmlns:p14="http://schemas.microsoft.com/office/powerpoint/2010/main" val="2808123558"/>
+        <p14:creationId xmlns:p14="http://schemas.microsoft.com/office/powerpoint/2010/main" val="4051518347"/>
       </p:ext>
     </p:extLst>
   </p:cSld>
@@ -14983,6 +15846,502 @@
           <a:p>
             <a:r>
               <a:rPr lang="en-US" dirty="0" smtClean="0"/>
+              <a:t>Build images: website</a:t>
+            </a:r>
+            <a:endParaRPr lang="en-US" dirty="0"/>
+          </a:p>
+        </p:txBody>
+      </p:sp>
+      <p:sp>
+        <p:nvSpPr>
+          <p:cNvPr id="4" name="Content Placeholder 3"/>
+          <p:cNvSpPr>
+            <a:spLocks noGrp="1"/>
+          </p:cNvSpPr>
+          <p:nvPr>
+            <p:ph idx="1"/>
+          </p:nvPr>
+        </p:nvSpPr>
+        <p:spPr>
+          <a:xfrm>
+            <a:off x="731520" y="1298576"/>
+            <a:ext cx="13167360" cy="7214854"/>
+          </a:xfrm>
+        </p:spPr>
+        <p:txBody>
+          <a:bodyPr>
+            <a:noAutofit/>
+          </a:bodyPr>
+          <a:lstStyle/>
+          <a:p>
+            <a:r>
+              <a:rPr lang="en-US" sz="2400" dirty="0" smtClean="0"/>
+              <a:t>Build website image:</a:t>
+            </a:r>
+          </a:p>
+          <a:p>
+            <a:pPr lvl="1"/>
+            <a:r>
+              <a:rPr lang="en-US" sz="2400" dirty="0" smtClean="0">
+                <a:solidFill>
+                  <a:srgbClr val="008000"/>
+                </a:solidFill>
+              </a:rPr>
+              <a:t>$ </a:t>
+            </a:r>
+            <a:r>
+              <a:rPr lang="en-US" sz="2400" dirty="0">
+                <a:solidFill>
+                  <a:srgbClr val="008000"/>
+                </a:solidFill>
+              </a:rPr>
+              <a:t>docker build </a:t>
+            </a:r>
+            <a:r>
+              <a:rPr lang="en-US" sz="2400" dirty="0">
+                <a:solidFill>
+                  <a:srgbClr val="008000"/>
+                </a:solidFill>
+              </a:rPr>
+              <a:t>-</a:t>
+            </a:r>
+            <a:r>
+              <a:rPr lang="en-US" sz="2400" dirty="0">
+                <a:solidFill>
+                  <a:srgbClr val="008000"/>
+                </a:solidFill>
+              </a:rPr>
+              <a:t>t </a:t>
+            </a:r>
+            <a:r>
+              <a:rPr lang="en-US" sz="2400" dirty="0" err="1">
+                <a:solidFill>
+                  <a:srgbClr val="008000"/>
+                </a:solidFill>
+              </a:rPr>
+              <a:t>gcr</a:t>
+            </a:r>
+            <a:r>
+              <a:rPr lang="en-US" sz="2400" dirty="0" err="1">
+                <a:solidFill>
+                  <a:srgbClr val="008000"/>
+                </a:solidFill>
+              </a:rPr>
+              <a:t>.</a:t>
+            </a:r>
+            <a:r>
+              <a:rPr lang="en-US" sz="2400" dirty="0" err="1">
+                <a:solidFill>
+                  <a:srgbClr val="008000"/>
+                </a:solidFill>
+              </a:rPr>
+              <a:t>io</a:t>
+            </a:r>
+            <a:r>
+              <a:rPr lang="en-US" sz="2400" dirty="0" smtClean="0">
+                <a:solidFill>
+                  <a:srgbClr val="008000"/>
+                </a:solidFill>
+              </a:rPr>
+              <a:t>/${PROJECT_ID}/website-node:v0.1</a:t>
+            </a:r>
+            <a:r>
+              <a:rPr lang="en-US" sz="2400" dirty="0">
+                <a:solidFill>
+                  <a:srgbClr val="008000"/>
+                </a:solidFill>
+              </a:rPr>
+              <a:t> </a:t>
+            </a:r>
+            <a:r>
+              <a:rPr lang="en-US" sz="2400" dirty="0" smtClean="0">
+                <a:solidFill>
+                  <a:srgbClr val="008000"/>
+                </a:solidFill>
+              </a:rPr>
+              <a:t>.</a:t>
+            </a:r>
+          </a:p>
+          <a:p>
+            <a:r>
+              <a:rPr lang="en-US" sz="2400" dirty="0" smtClean="0"/>
+              <a:t>List your images:</a:t>
+            </a:r>
+          </a:p>
+          <a:p>
+            <a:pPr lvl="1"/>
+            <a:r>
+              <a:rPr lang="en-US" sz="2400" dirty="0" smtClean="0">
+                <a:solidFill>
+                  <a:srgbClr val="008000"/>
+                </a:solidFill>
+              </a:rPr>
+              <a:t>$ docker images</a:t>
+            </a:r>
+          </a:p>
+          <a:p>
+            <a:r>
+              <a:rPr lang="en-US" sz="2400" dirty="0" smtClean="0"/>
+              <a:t>Test it locally – (if webservices are already in the cloud, it will work – by IP)</a:t>
+            </a:r>
+          </a:p>
+          <a:p>
+            <a:pPr lvl="1"/>
+            <a:r>
+              <a:rPr lang="en-US" sz="2400" dirty="0" smtClean="0">
+                <a:solidFill>
+                  <a:srgbClr val="008000"/>
+                </a:solidFill>
+              </a:rPr>
+              <a:t>$ docker </a:t>
+            </a:r>
+            <a:r>
+              <a:rPr lang="en-US" sz="2400" dirty="0">
+                <a:solidFill>
+                  <a:srgbClr val="008000"/>
+                </a:solidFill>
+              </a:rPr>
+              <a:t>run -d -P</a:t>
+            </a:r>
+            <a:r>
+              <a:rPr lang="en-US" sz="2400" dirty="0">
+                <a:solidFill>
+                  <a:srgbClr val="008000"/>
+                </a:solidFill>
+              </a:rPr>
+              <a:t> </a:t>
+            </a:r>
+            <a:r>
+              <a:rPr lang="en-US" sz="2400" dirty="0" err="1">
+                <a:solidFill>
+                  <a:srgbClr val="008000"/>
+                </a:solidFill>
+              </a:rPr>
+              <a:t>gcr</a:t>
+            </a:r>
+            <a:r>
+              <a:rPr lang="en-US" sz="2400" dirty="0" err="1">
+                <a:solidFill>
+                  <a:srgbClr val="008000"/>
+                </a:solidFill>
+              </a:rPr>
+              <a:t>.</a:t>
+            </a:r>
+            <a:r>
+              <a:rPr lang="en-US" sz="2400" dirty="0" err="1">
+                <a:solidFill>
+                  <a:srgbClr val="008000"/>
+                </a:solidFill>
+              </a:rPr>
+              <a:t>io</a:t>
+            </a:r>
+            <a:r>
+              <a:rPr lang="en-US" sz="2400" dirty="0" smtClean="0">
+                <a:solidFill>
+                  <a:srgbClr val="008000"/>
+                </a:solidFill>
+              </a:rPr>
+              <a:t>/</a:t>
+            </a:r>
+            <a:r>
+              <a:rPr lang="en-US" sz="2400" dirty="0">
+                <a:solidFill>
+                  <a:srgbClr val="008000"/>
+                </a:solidFill>
+              </a:rPr>
+              <a:t>${PROJECT_ID}</a:t>
+            </a:r>
+            <a:r>
+              <a:rPr lang="en-US" sz="2400" dirty="0" smtClean="0">
+                <a:solidFill>
+                  <a:srgbClr val="008000"/>
+                </a:solidFill>
+              </a:rPr>
+              <a:t>/website-node:v0.1</a:t>
+            </a:r>
+          </a:p>
+          <a:p>
+            <a:pPr lvl="1"/>
+            <a:r>
+              <a:rPr lang="en-US" sz="2400" dirty="0" smtClean="0">
+                <a:solidFill>
+                  <a:srgbClr val="008000"/>
+                </a:solidFill>
+              </a:rPr>
+              <a:t>$ docker </a:t>
+            </a:r>
+            <a:r>
+              <a:rPr lang="en-US" sz="2400" dirty="0" err="1" smtClean="0">
+                <a:solidFill>
+                  <a:srgbClr val="008000"/>
+                </a:solidFill>
+              </a:rPr>
+              <a:t>ps</a:t>
+            </a:r>
+            <a:r>
+              <a:rPr lang="en-US" sz="2400" dirty="0" smtClean="0">
+                <a:solidFill>
+                  <a:srgbClr val="008000"/>
+                </a:solidFill>
+              </a:rPr>
+              <a:t>  </a:t>
+            </a:r>
+            <a:r>
+              <a:rPr lang="en-US" sz="2400" dirty="0" smtClean="0">
+                <a:solidFill>
+                  <a:schemeClr val="accent1">
+                    <a:lumMod val="25000"/>
+                  </a:schemeClr>
+                </a:solidFill>
+              </a:rPr>
+              <a:t>-- to check if container is up and running, and to get the port number</a:t>
+            </a:r>
+          </a:p>
+          <a:p>
+            <a:pPr lvl="1"/>
+            <a:r>
+              <a:rPr lang="en-US" sz="2400" dirty="0" smtClean="0">
+                <a:solidFill>
+                  <a:srgbClr val="008000"/>
+                </a:solidFill>
+              </a:rPr>
+              <a:t>$ docker</a:t>
+            </a:r>
+            <a:r>
+              <a:rPr lang="en-US" sz="2400" dirty="0">
+                <a:solidFill>
+                  <a:srgbClr val="008000"/>
+                </a:solidFill>
+              </a:rPr>
+              <a:t>-</a:t>
+            </a:r>
+            <a:r>
+              <a:rPr lang="en-US" sz="2400" dirty="0" smtClean="0">
+                <a:solidFill>
+                  <a:srgbClr val="008000"/>
+                </a:solidFill>
+              </a:rPr>
+              <a:t>machine IP default </a:t>
+            </a:r>
+            <a:r>
+              <a:rPr lang="en-US" sz="2400" dirty="0" smtClean="0">
+                <a:solidFill>
+                  <a:srgbClr val="393939"/>
+                </a:solidFill>
+              </a:rPr>
+              <a:t>– to get the IP for docker machine, and test the website locally</a:t>
+            </a:r>
+          </a:p>
+          <a:p>
+            <a:r>
+              <a:rPr lang="en-US" sz="2400" dirty="0" smtClean="0"/>
+              <a:t>Push it to Google Cloud</a:t>
+            </a:r>
+          </a:p>
+          <a:p>
+            <a:pPr lvl="1"/>
+            <a:r>
+              <a:rPr lang="en-US" sz="2400" dirty="0" smtClean="0"/>
+              <a:t>Check if our settings point to the right project</a:t>
+            </a:r>
+          </a:p>
+          <a:p>
+            <a:pPr lvl="2"/>
+            <a:r>
+              <a:rPr lang="en-US" sz="2400" dirty="0" smtClean="0">
+                <a:solidFill>
+                  <a:srgbClr val="008000"/>
+                </a:solidFill>
+              </a:rPr>
+              <a:t>$ </a:t>
+            </a:r>
+            <a:r>
+              <a:rPr lang="en-US" sz="2400" dirty="0" err="1" smtClean="0">
+                <a:solidFill>
+                  <a:srgbClr val="008000"/>
+                </a:solidFill>
+              </a:rPr>
+              <a:t>gcloud</a:t>
+            </a:r>
+            <a:r>
+              <a:rPr lang="en-US" sz="2400" dirty="0" smtClean="0">
+                <a:solidFill>
+                  <a:srgbClr val="008000"/>
+                </a:solidFill>
+              </a:rPr>
+              <a:t> </a:t>
+            </a:r>
+            <a:r>
+              <a:rPr lang="en-US" sz="2400" dirty="0" err="1" smtClean="0">
+                <a:solidFill>
+                  <a:srgbClr val="008000"/>
+                </a:solidFill>
+              </a:rPr>
+              <a:t>config</a:t>
+            </a:r>
+            <a:r>
+              <a:rPr lang="en-US" sz="2400" dirty="0" smtClean="0">
+                <a:solidFill>
+                  <a:srgbClr val="008000"/>
+                </a:solidFill>
+              </a:rPr>
+              <a:t> list</a:t>
+            </a:r>
+          </a:p>
+          <a:p>
+            <a:pPr lvl="1"/>
+            <a:r>
+              <a:rPr lang="en-US" sz="2400" dirty="0" smtClean="0"/>
+              <a:t>Push the image</a:t>
+            </a:r>
+          </a:p>
+          <a:p>
+            <a:pPr lvl="2"/>
+            <a:r>
+              <a:rPr lang="en-US" sz="2400" dirty="0" smtClean="0">
+                <a:solidFill>
+                  <a:srgbClr val="008000"/>
+                </a:solidFill>
+              </a:rPr>
+              <a:t>$ </a:t>
+            </a:r>
+            <a:r>
+              <a:rPr lang="en-US" sz="2400" dirty="0" err="1" smtClean="0">
+                <a:solidFill>
+                  <a:srgbClr val="008000"/>
+                </a:solidFill>
+              </a:rPr>
+              <a:t>gcloud</a:t>
+            </a:r>
+            <a:r>
+              <a:rPr lang="en-US" sz="2400" dirty="0">
+                <a:solidFill>
+                  <a:srgbClr val="008000"/>
+                </a:solidFill>
+              </a:rPr>
+              <a:t> docker push </a:t>
+            </a:r>
+            <a:r>
+              <a:rPr lang="en-US" sz="2400" dirty="0" err="1">
+                <a:solidFill>
+                  <a:srgbClr val="008000"/>
+                </a:solidFill>
+              </a:rPr>
+              <a:t>gcr</a:t>
+            </a:r>
+            <a:r>
+              <a:rPr lang="en-US" sz="2400" dirty="0" err="1">
+                <a:solidFill>
+                  <a:srgbClr val="008000"/>
+                </a:solidFill>
+              </a:rPr>
+              <a:t>.</a:t>
+            </a:r>
+            <a:r>
+              <a:rPr lang="en-US" sz="2400" dirty="0" err="1">
+                <a:solidFill>
+                  <a:srgbClr val="008000"/>
+                </a:solidFill>
+              </a:rPr>
+              <a:t>io</a:t>
+            </a:r>
+            <a:r>
+              <a:rPr lang="en-US" sz="2400" dirty="0" smtClean="0">
+                <a:solidFill>
+                  <a:srgbClr val="008000"/>
+                </a:solidFill>
+              </a:rPr>
+              <a:t>/</a:t>
+            </a:r>
+            <a:r>
+              <a:rPr lang="en-US" sz="2400" dirty="0">
+                <a:solidFill>
+                  <a:srgbClr val="008000"/>
+                </a:solidFill>
+              </a:rPr>
+              <a:t>${PROJECT_ID}</a:t>
+            </a:r>
+            <a:r>
+              <a:rPr lang="en-US" sz="2400" dirty="0" smtClean="0">
+                <a:solidFill>
+                  <a:srgbClr val="008000"/>
+                </a:solidFill>
+              </a:rPr>
+              <a:t>/website-node:v0.1</a:t>
+            </a:r>
+          </a:p>
+          <a:p>
+            <a:pPr lvl="1"/>
+            <a:r>
+              <a:rPr lang="en-US" sz="2400" dirty="0" smtClean="0"/>
+              <a:t>Check the Google </a:t>
+            </a:r>
+            <a:r>
+              <a:rPr lang="en-US" sz="2400" dirty="0" err="1" smtClean="0"/>
+              <a:t>Dev</a:t>
+            </a:r>
+            <a:r>
+              <a:rPr lang="en-US" sz="2400" dirty="0" smtClean="0"/>
+              <a:t> Portal if it shows the image in the repository</a:t>
+            </a:r>
+          </a:p>
+          <a:p>
+            <a:pPr lvl="2"/>
+            <a:r>
+              <a:rPr lang="en-US" sz="2400" dirty="0" smtClean="0"/>
+              <a:t>Container Engine/ Container Registry </a:t>
+            </a:r>
+            <a:endParaRPr lang="en-US" sz="2400" dirty="0"/>
+          </a:p>
+        </p:txBody>
+      </p:sp>
+    </p:spTree>
+    <p:extLst>
+      <p:ext uri="{BB962C8B-B14F-4D97-AF65-F5344CB8AC3E}">
+        <p14:creationId xmlns:p14="http://schemas.microsoft.com/office/powerpoint/2010/main" val="2808123558"/>
+      </p:ext>
+    </p:extLst>
+  </p:cSld>
+  <p:clrMapOvr>
+    <a:masterClrMapping/>
+  </p:clrMapOvr>
+</p:sld>
+</file>
+
+<file path=ppt/slides/slide16.xml><?xml version="1.0" encoding="utf-8"?>
+<p:sld xmlns:a="http://schemas.openxmlformats.org/drawingml/2006/main" xmlns:r="http://schemas.openxmlformats.org/officeDocument/2006/relationships" xmlns:p="http://schemas.openxmlformats.org/presentationml/2006/main">
+  <p:cSld>
+    <p:spTree>
+      <p:nvGrpSpPr>
+        <p:cNvPr id="1" name=""/>
+        <p:cNvGrpSpPr/>
+        <p:nvPr/>
+      </p:nvGrpSpPr>
+      <p:grpSpPr>
+        <a:xfrm>
+          <a:off x="0" y="0"/>
+          <a:ext cx="0" cy="0"/>
+          <a:chOff x="0" y="0"/>
+          <a:chExt cx="0" cy="0"/>
+        </a:xfrm>
+      </p:grpSpPr>
+      <p:sp>
+        <p:nvSpPr>
+          <p:cNvPr id="2" name="Title 1"/>
+          <p:cNvSpPr>
+            <a:spLocks noGrp="1"/>
+          </p:cNvSpPr>
+          <p:nvPr>
+            <p:ph type="title"/>
+          </p:nvPr>
+        </p:nvSpPr>
+        <p:spPr/>
+        <p:txBody>
+          <a:bodyPr/>
+          <a:lstStyle/>
+          <a:p>
+            <a:r>
+              <a:rPr lang="en-US" dirty="0" smtClean="0"/>
               <a:t>Deployment</a:t>
             </a:r>
             <a:endParaRPr lang="en-US" dirty="0"/>
@@ -15166,7 +16525,7 @@
 </p:sld>
 </file>
 
-<file path=ppt/slides/slide16.xml><?xml version="1.0" encoding="utf-8"?>
+<file path=ppt/slides/slide17.xml><?xml version="1.0" encoding="utf-8"?>
 <p:sld xmlns:a="http://schemas.openxmlformats.org/drawingml/2006/main" xmlns:r="http://schemas.openxmlformats.org/officeDocument/2006/relationships" xmlns:p="http://schemas.openxmlformats.org/presentationml/2006/main">
   <p:cSld>
     <p:spTree>
@@ -15340,317 +16699,6 @@
 </p:sld>
 </file>
 
-<file path=ppt/slides/slide17.xml><?xml version="1.0" encoding="utf-8"?>
-<p:sld xmlns:a="http://schemas.openxmlformats.org/drawingml/2006/main" xmlns:r="http://schemas.openxmlformats.org/officeDocument/2006/relationships" xmlns:p="http://schemas.openxmlformats.org/presentationml/2006/main">
-  <p:cSld>
-    <p:spTree>
-      <p:nvGrpSpPr>
-        <p:cNvPr id="1" name=""/>
-        <p:cNvGrpSpPr/>
-        <p:nvPr/>
-      </p:nvGrpSpPr>
-      <p:grpSpPr>
-        <a:xfrm>
-          <a:off x="0" y="0"/>
-          <a:ext cx="0" cy="0"/>
-          <a:chOff x="0" y="0"/>
-          <a:chExt cx="0" cy="0"/>
-        </a:xfrm>
-      </p:grpSpPr>
-      <p:sp>
-        <p:nvSpPr>
-          <p:cNvPr id="2" name="Title 1"/>
-          <p:cNvSpPr>
-            <a:spLocks noGrp="1"/>
-          </p:cNvSpPr>
-          <p:nvPr>
-            <p:ph type="title"/>
-          </p:nvPr>
-        </p:nvSpPr>
-        <p:spPr/>
-        <p:txBody>
-          <a:bodyPr/>
-          <a:lstStyle/>
-          <a:p>
-            <a:r>
-              <a:rPr lang="en-US" dirty="0" smtClean="0"/>
-              <a:t>1. Creating Replication Controller for Webservices</a:t>
-            </a:r>
-            <a:endParaRPr lang="en-US" dirty="0"/>
-          </a:p>
-        </p:txBody>
-      </p:sp>
-      <p:sp>
-        <p:nvSpPr>
-          <p:cNvPr id="4" name="Content Placeholder 3"/>
-          <p:cNvSpPr>
-            <a:spLocks noGrp="1"/>
-          </p:cNvSpPr>
-          <p:nvPr>
-            <p:ph idx="1"/>
-          </p:nvPr>
-        </p:nvSpPr>
-        <p:spPr>
-          <a:xfrm>
-            <a:off x="731520" y="1298576"/>
-            <a:ext cx="13167360" cy="7203095"/>
-          </a:xfrm>
-        </p:spPr>
-        <p:txBody>
-          <a:bodyPr>
-            <a:normAutofit/>
-          </a:bodyPr>
-          <a:lstStyle/>
-          <a:p>
-            <a:r>
-              <a:rPr lang="en-US" sz="2600" dirty="0" smtClean="0"/>
-              <a:t>All </a:t>
-            </a:r>
-            <a:r>
-              <a:rPr lang="en-US" sz="2600" dirty="0" err="1" smtClean="0"/>
-              <a:t>kubernetes</a:t>
-            </a:r>
-            <a:r>
-              <a:rPr lang="en-US" sz="2600" dirty="0" smtClean="0"/>
-              <a:t> controllers and services files are </a:t>
-            </a:r>
-            <a:r>
-              <a:rPr lang="en-US" sz="2600" dirty="0"/>
-              <a:t>in </a:t>
-            </a:r>
-            <a:r>
-              <a:rPr lang="en-US" sz="2600" b="1" i="1" dirty="0"/>
-              <a:t>deployment/replication-controller-</a:t>
-            </a:r>
-            <a:r>
-              <a:rPr lang="en-US" sz="2600" b="1" i="1" dirty="0" err="1"/>
-              <a:t>config</a:t>
-            </a:r>
-            <a:r>
-              <a:rPr lang="en-US" sz="2600" b="1" i="1" dirty="0"/>
-              <a:t>-</a:t>
-            </a:r>
-            <a:r>
-              <a:rPr lang="en-US" sz="2600" b="1" i="1" dirty="0" smtClean="0"/>
-              <a:t>files</a:t>
-            </a:r>
-            <a:r>
-              <a:rPr lang="en-US" sz="2600" dirty="0" smtClean="0"/>
-              <a:t> folder</a:t>
-            </a:r>
-          </a:p>
-          <a:p>
-            <a:r>
-              <a:rPr lang="en-US" sz="2600" dirty="0" smtClean="0"/>
-              <a:t>Create webservices app </a:t>
-            </a:r>
-            <a:r>
-              <a:rPr lang="en-US" sz="2600" b="1" dirty="0" smtClean="0">
-                <a:solidFill>
-                  <a:srgbClr val="FF0000"/>
-                </a:solidFill>
-              </a:rPr>
-              <a:t>replication controller</a:t>
-            </a:r>
-          </a:p>
-          <a:p>
-            <a:pPr lvl="1"/>
-            <a:r>
-              <a:rPr lang="en-US" sz="2600" dirty="0" smtClean="0"/>
-              <a:t>File</a:t>
-            </a:r>
-            <a:r>
-              <a:rPr lang="en-US" sz="2600" dirty="0"/>
-              <a:t>: subscriber</a:t>
-            </a:r>
-            <a:r>
-              <a:rPr lang="en-US" sz="2600" dirty="0" smtClean="0"/>
-              <a:t>-</a:t>
-            </a:r>
-            <a:r>
-              <a:rPr lang="en-US" sz="2600" dirty="0" err="1" smtClean="0"/>
-              <a:t>webservice</a:t>
-            </a:r>
-            <a:r>
-              <a:rPr lang="en-US" sz="2600" dirty="0" smtClean="0"/>
-              <a:t>-</a:t>
-            </a:r>
-            <a:r>
-              <a:rPr lang="en-US" sz="2600" dirty="0" err="1" smtClean="0"/>
-              <a:t>controller.json</a:t>
-            </a:r>
-            <a:r>
-              <a:rPr lang="en-US" sz="2600" dirty="0" smtClean="0"/>
-              <a:t>:</a:t>
-            </a:r>
-          </a:p>
-          <a:p>
-            <a:pPr lvl="2"/>
-            <a:r>
-              <a:rPr lang="en-US" sz="2600" dirty="0" smtClean="0"/>
-              <a:t>Update the controller file to have the correct image name (no more ${PROJECT_ID}):</a:t>
-            </a:r>
-          </a:p>
-          <a:p>
-            <a:pPr lvl="3"/>
-            <a:r>
-              <a:rPr lang="en-US" sz="2600" dirty="0" smtClean="0">
-                <a:solidFill>
-                  <a:srgbClr val="3366FF"/>
-                </a:solidFill>
-              </a:rPr>
-              <a:t>“</a:t>
-            </a:r>
-            <a:r>
-              <a:rPr lang="en-US" sz="2600" dirty="0" err="1" smtClean="0">
-                <a:solidFill>
-                  <a:srgbClr val="3366FF"/>
-                </a:solidFill>
-              </a:rPr>
-              <a:t>gcr.io</a:t>
-            </a:r>
-            <a:r>
-              <a:rPr lang="en-US" sz="2600" dirty="0">
-                <a:solidFill>
-                  <a:srgbClr val="3366FF"/>
-                </a:solidFill>
-              </a:rPr>
-              <a:t>/subscribers</a:t>
-            </a:r>
-            <a:r>
-              <a:rPr lang="en-US" sz="2600" dirty="0" smtClean="0">
-                <a:solidFill>
-                  <a:srgbClr val="3366FF"/>
-                </a:solidFill>
-              </a:rPr>
-              <a:t>-XXXX/webservices-node:v0.1”</a:t>
-            </a:r>
-          </a:p>
-          <a:p>
-            <a:pPr lvl="1"/>
-            <a:r>
-              <a:rPr lang="en-US" sz="2600" dirty="0" smtClean="0"/>
-              <a:t>Command:</a:t>
-            </a:r>
-          </a:p>
-          <a:p>
-            <a:pPr lvl="2"/>
-            <a:r>
-              <a:rPr lang="en-US" sz="2600" dirty="0" smtClean="0">
-                <a:solidFill>
-                  <a:srgbClr val="008000"/>
-                </a:solidFill>
-              </a:rPr>
-              <a:t>$ </a:t>
-            </a:r>
-            <a:r>
-              <a:rPr lang="en-US" sz="2600" dirty="0" err="1" smtClean="0">
-                <a:solidFill>
-                  <a:srgbClr val="008000"/>
-                </a:solidFill>
-              </a:rPr>
-              <a:t>kubectl</a:t>
-            </a:r>
-            <a:r>
-              <a:rPr lang="en-US" sz="2600" dirty="0">
-                <a:solidFill>
-                  <a:srgbClr val="008000"/>
-                </a:solidFill>
-              </a:rPr>
-              <a:t> create -f subscriber</a:t>
-            </a:r>
-            <a:r>
-              <a:rPr lang="en-US" sz="2600" dirty="0" smtClean="0">
-                <a:solidFill>
-                  <a:srgbClr val="008000"/>
-                </a:solidFill>
-              </a:rPr>
-              <a:t>-webservices-</a:t>
-            </a:r>
-            <a:r>
-              <a:rPr lang="en-US" sz="2600" dirty="0" err="1" smtClean="0">
-                <a:solidFill>
-                  <a:srgbClr val="008000"/>
-                </a:solidFill>
-              </a:rPr>
-              <a:t>controller.json</a:t>
-            </a:r>
-            <a:endParaRPr lang="en-US" sz="2600" dirty="0" smtClean="0">
-              <a:solidFill>
-                <a:srgbClr val="008000"/>
-              </a:solidFill>
-            </a:endParaRPr>
-          </a:p>
-          <a:p>
-            <a:pPr lvl="1"/>
-            <a:r>
-              <a:rPr lang="en-US" sz="2600" dirty="0" smtClean="0">
-                <a:solidFill>
-                  <a:schemeClr val="tx1"/>
-                </a:solidFill>
-              </a:rPr>
-              <a:t>View nodes:</a:t>
-            </a:r>
-          </a:p>
-          <a:p>
-            <a:pPr lvl="2"/>
-            <a:r>
-              <a:rPr lang="en-US" sz="2600" dirty="0" smtClean="0">
-                <a:solidFill>
-                  <a:srgbClr val="008000"/>
-                </a:solidFill>
-              </a:rPr>
-              <a:t>$ </a:t>
-            </a:r>
-            <a:r>
-              <a:rPr lang="en-US" sz="2600" dirty="0" err="1" smtClean="0">
-                <a:solidFill>
-                  <a:srgbClr val="008000"/>
-                </a:solidFill>
-              </a:rPr>
-              <a:t>kubectl</a:t>
-            </a:r>
-            <a:r>
-              <a:rPr lang="en-US" sz="2600" dirty="0" smtClean="0">
-                <a:solidFill>
-                  <a:srgbClr val="008000"/>
-                </a:solidFill>
-              </a:rPr>
-              <a:t> get pods</a:t>
-            </a:r>
-          </a:p>
-          <a:p>
-            <a:pPr marL="0" indent="0">
-              <a:buNone/>
-            </a:pPr>
-            <a:endParaRPr lang="en-US" sz="2600" dirty="0" smtClean="0">
-              <a:solidFill>
-                <a:srgbClr val="3366FF"/>
-              </a:solidFill>
-            </a:endParaRPr>
-          </a:p>
-          <a:p>
-            <a:endParaRPr lang="en-US" dirty="0" smtClean="0"/>
-          </a:p>
-          <a:p>
-            <a:pPr lvl="1"/>
-            <a:endParaRPr lang="en-US" dirty="0" smtClean="0"/>
-          </a:p>
-        </p:txBody>
-      </p:sp>
-    </p:spTree>
-    <p:extLst>
-      <p:ext uri="{BB962C8B-B14F-4D97-AF65-F5344CB8AC3E}">
-        <p14:creationId xmlns:p14="http://schemas.microsoft.com/office/powerpoint/2010/main" val="1396229746"/>
-      </p:ext>
-    </p:extLst>
-  </p:cSld>
-  <p:clrMapOvr>
-    <a:masterClrMapping/>
-  </p:clrMapOvr>
-</p:sld>
-</file>
-
 <file path=ppt/slides/slide18.xml><?xml version="1.0" encoding="utf-8"?>
 <p:sld xmlns:a="http://schemas.openxmlformats.org/drawingml/2006/main" xmlns:r="http://schemas.openxmlformats.org/officeDocument/2006/relationships" xmlns:p="http://schemas.openxmlformats.org/presentationml/2006/main">
   <p:cSld>
@@ -15684,12 +16732,8 @@
           <a:lstStyle/>
           <a:p>
             <a:r>
-              <a:rPr lang="en-US" dirty="0"/>
-              <a:t>2</a:t>
-            </a:r>
-            <a:r>
               <a:rPr lang="en-US" dirty="0" smtClean="0"/>
-              <a:t>. Creating Services (Load balancer) for Webservices</a:t>
+              <a:t>1. Creating Replication Controller for Webservices</a:t>
             </a:r>
             <a:endParaRPr lang="en-US" dirty="0"/>
           </a:p>
@@ -15757,7 +16801,7 @@
           <a:p>
             <a:r>
               <a:rPr lang="en-US" sz="2600" dirty="0" smtClean="0"/>
-              <a:t>Create </a:t>
+              <a:t>Create webservices app </a:t>
             </a:r>
             <a:r>
               <a:rPr lang="en-US" sz="2600" b="1" dirty="0" smtClean="0">
@@ -15765,40 +16809,81 @@
                   <a:srgbClr val="FF0000"/>
                 </a:solidFill>
               </a:rPr>
-              <a:t>services</a:t>
-            </a:r>
+              <a:t>replication controller</a:t>
+            </a:r>
+          </a:p>
+          <a:p>
+            <a:pPr lvl="1"/>
+            <a:r>
+              <a:rPr lang="en-US" sz="2600" dirty="0" smtClean="0"/>
+              <a:t>File</a:t>
+            </a:r>
+            <a:r>
+              <a:rPr lang="en-US" sz="2600" dirty="0"/>
+              <a:t>: subscriber</a:t>
+            </a:r>
+            <a:r>
+              <a:rPr lang="en-US" sz="2600" dirty="0" smtClean="0"/>
+              <a:t>-</a:t>
+            </a:r>
+            <a:r>
+              <a:rPr lang="en-US" sz="2600" dirty="0" err="1" smtClean="0"/>
+              <a:t>webservice</a:t>
+            </a:r>
+            <a:r>
+              <a:rPr lang="en-US" sz="2600" dirty="0" smtClean="0"/>
+              <a:t>-</a:t>
+            </a:r>
+            <a:r>
+              <a:rPr lang="en-US" sz="2600" dirty="0" err="1" smtClean="0"/>
+              <a:t>controller.json</a:t>
+            </a:r>
+            <a:r>
+              <a:rPr lang="en-US" sz="2600" dirty="0" smtClean="0"/>
+              <a:t>:</a:t>
+            </a:r>
+          </a:p>
+          <a:p>
+            <a:pPr lvl="2"/>
+            <a:r>
+              <a:rPr lang="en-US" sz="2600" dirty="0" smtClean="0"/>
+              <a:t>Update the controller file to have the correct image name (no more ${PROJECT_ID}):</a:t>
+            </a:r>
+          </a:p>
+          <a:p>
+            <a:pPr lvl="3"/>
             <a:r>
               <a:rPr lang="en-US" sz="2600" dirty="0" smtClean="0">
                 <a:solidFill>
-                  <a:srgbClr val="FF0000"/>
-                </a:solidFill>
-              </a:rPr>
-              <a:t> </a:t>
-            </a:r>
-            <a:r>
-              <a:rPr lang="en-US" sz="2600" dirty="0" smtClean="0"/>
-              <a:t>(</a:t>
-            </a:r>
-            <a:r>
-              <a:rPr lang="en-US" sz="2600" dirty="0" err="1" smtClean="0"/>
-              <a:t>LoadBalancer</a:t>
-            </a:r>
-            <a:r>
-              <a:rPr lang="en-US" sz="2600" dirty="0" smtClean="0"/>
-              <a:t>) for webservices app nodes (pods):</a:t>
-            </a:r>
-          </a:p>
-          <a:p>
-            <a:pPr lvl="1"/>
-            <a:r>
-              <a:rPr lang="en-US" sz="2600" dirty="0" smtClean="0"/>
-              <a:t>File: subscriber-website-</a:t>
-            </a:r>
-            <a:r>
-              <a:rPr lang="en-US" sz="2600" dirty="0" err="1" smtClean="0"/>
-              <a:t>service.json</a:t>
-            </a:r>
-            <a:endParaRPr lang="en-US" sz="2600" dirty="0" smtClean="0"/>
+                  <a:srgbClr val="3366FF"/>
+                </a:solidFill>
+              </a:rPr>
+              <a:t>“</a:t>
+            </a:r>
+            <a:r>
+              <a:rPr lang="en-US" sz="2600" dirty="0" err="1" smtClean="0">
+                <a:solidFill>
+                  <a:srgbClr val="3366FF"/>
+                </a:solidFill>
+              </a:rPr>
+              <a:t>gcr.io</a:t>
+            </a:r>
+            <a:r>
+              <a:rPr lang="en-US" sz="2600" dirty="0">
+                <a:solidFill>
+                  <a:srgbClr val="3366FF"/>
+                </a:solidFill>
+              </a:rPr>
+              <a:t>/subscribers</a:t>
+            </a:r>
+            <a:r>
+              <a:rPr lang="en-US" sz="2600" dirty="0" smtClean="0">
+                <a:solidFill>
+                  <a:srgbClr val="3366FF"/>
+                </a:solidFill>
+              </a:rPr>
+              <a:t>-XXXX/webservices-node:v0.1”</a:t>
+            </a:r>
           </a:p>
           <a:p>
             <a:pPr lvl="1"/>
@@ -15826,12 +16911,20 @@
               <a:t>kubectl</a:t>
             </a:r>
             <a:r>
+              <a:rPr lang="en-US" sz="2600" dirty="0">
+                <a:solidFill>
+                  <a:srgbClr val="008000"/>
+                </a:solidFill>
+              </a:rPr>
+              <a:t> create -f subscriber</a:t>
+            </a:r>
+            <a:r>
               <a:rPr lang="en-US" sz="2600" dirty="0" smtClean="0">
                 <a:solidFill>
                   <a:srgbClr val="008000"/>
                 </a:solidFill>
               </a:rPr>
-              <a:t> create -f subscriber-website-</a:t>
+              <a:t>-webservices-</a:t>
             </a:r>
             <a:r>
               <a:rPr lang="en-US" sz="2600" dirty="0" err="1" smtClean="0">
@@ -15839,7 +16932,7 @@
                   <a:srgbClr val="008000"/>
                 </a:solidFill>
               </a:rPr>
-              <a:t>service.json</a:t>
+              <a:t>controller.json</a:t>
             </a:r>
             <a:endParaRPr lang="en-US" sz="2600" dirty="0" smtClean="0">
               <a:solidFill>
@@ -15855,7 +16948,7 @@
                   <a:schemeClr val="tx1"/>
                 </a:solidFill>
               </a:rPr>
-              <a:t>View service:</a:t>
+              <a:t>View nodes:</a:t>
             </a:r>
           </a:p>
           <a:p>
@@ -15882,71 +16975,18 @@
                   <a:srgbClr val="008000"/>
                 </a:solidFill>
               </a:rPr>
-              <a:t> get services</a:t>
-            </a:r>
-          </a:p>
-          <a:p>
-            <a:r>
-              <a:rPr lang="en-US" sz="2600" dirty="0" smtClean="0"/>
-              <a:t>Get IP address for the load balancer for website App Service (load balancer):</a:t>
-            </a:r>
-          </a:p>
-          <a:p>
-            <a:pPr lvl="1"/>
-            <a:r>
-              <a:rPr lang="en-US" sz="2600" dirty="0" smtClean="0">
-                <a:solidFill>
-                  <a:srgbClr val="008000"/>
-                </a:solidFill>
-              </a:rPr>
-              <a:t>$ </a:t>
-            </a:r>
-            <a:r>
-              <a:rPr lang="en-US" sz="2600" dirty="0" err="1" smtClean="0">
-                <a:solidFill>
-                  <a:srgbClr val="008000"/>
-                </a:solidFill>
-              </a:rPr>
-              <a:t>kubectl</a:t>
-            </a:r>
-            <a:r>
-              <a:rPr lang="en-US" sz="2600" dirty="0" smtClean="0">
-                <a:solidFill>
-                  <a:srgbClr val="008000"/>
-                </a:solidFill>
-              </a:rPr>
-              <a:t> get services</a:t>
-            </a:r>
-          </a:p>
-          <a:p>
-            <a:pPr lvl="1"/>
-            <a:r>
-              <a:rPr lang="en-US" sz="2600" dirty="0" smtClean="0">
-                <a:solidFill>
-                  <a:schemeClr val="tx1"/>
-                </a:solidFill>
-                <a:latin typeface="Arial"/>
-                <a:cs typeface="Arial"/>
-              </a:rPr>
-              <a:t>i.e.: 104.197.141.51</a:t>
-            </a:r>
-          </a:p>
-          <a:p>
-            <a:r>
-              <a:rPr lang="en-US" sz="2600" dirty="0" smtClean="0"/>
-              <a:t>Test services, i.e.:</a:t>
-            </a:r>
-          </a:p>
-          <a:p>
-            <a:pPr lvl="1"/>
-            <a:r>
-              <a:rPr lang="en-US" sz="2600" dirty="0" smtClean="0">
-                <a:solidFill>
-                  <a:srgbClr val="3366FF"/>
-                </a:solidFill>
-              </a:rPr>
-              <a:t>http://104.197.141.51/subscriber</a:t>
-            </a:r>
+              <a:t> get pods</a:t>
+            </a:r>
+          </a:p>
+          <a:p>
+            <a:pPr marL="0" indent="0">
+              <a:buNone/>
+            </a:pPr>
+            <a:endParaRPr lang="en-US" sz="2600" dirty="0" smtClean="0">
+              <a:solidFill>
+                <a:srgbClr val="3366FF"/>
+              </a:solidFill>
+            </a:endParaRPr>
           </a:p>
           <a:p>
             <a:endParaRPr lang="en-US" dirty="0" smtClean="0"/>
@@ -15960,7 +17000,7 @@
     </p:spTree>
     <p:extLst>
       <p:ext uri="{BB962C8B-B14F-4D97-AF65-F5344CB8AC3E}">
-        <p14:creationId xmlns:p14="http://schemas.microsoft.com/office/powerpoint/2010/main" val="1950154016"/>
+        <p14:creationId xmlns:p14="http://schemas.microsoft.com/office/powerpoint/2010/main" val="1396229746"/>
       </p:ext>
     </p:extLst>
   </p:cSld>
@@ -16003,8 +17043,12 @@
           <a:lstStyle/>
           <a:p>
             <a:r>
+              <a:rPr lang="en-US" dirty="0"/>
+              <a:t>2</a:t>
+            </a:r>
+            <a:r>
               <a:rPr lang="en-US" dirty="0" smtClean="0"/>
-              <a:t>3. Creating Replication Controller for Website</a:t>
+              <a:t>. Creating Services (Load balancer) for Webservices</a:t>
             </a:r>
             <a:endParaRPr lang="en-US" dirty="0"/>
           </a:p>
@@ -16023,7 +17067,7 @@
         <p:spPr>
           <a:xfrm>
             <a:off x="731520" y="1298576"/>
-            <a:ext cx="13167360" cy="7085506"/>
+            <a:ext cx="13167360" cy="7203095"/>
           </a:xfrm>
         </p:spPr>
         <p:txBody>
@@ -16033,169 +17077,99 @@
           <a:lstStyle/>
           <a:p>
             <a:r>
-              <a:rPr lang="en-US" sz="3100" dirty="0" smtClean="0"/>
+              <a:rPr lang="en-US" sz="2600" dirty="0" smtClean="0"/>
               <a:t>All </a:t>
             </a:r>
             <a:r>
-              <a:rPr lang="en-US" sz="3100" dirty="0" err="1" smtClean="0"/>
+              <a:rPr lang="en-US" sz="2600" dirty="0" err="1" smtClean="0"/>
               <a:t>kubernetes</a:t>
             </a:r>
             <a:r>
-              <a:rPr lang="en-US" sz="3100" dirty="0" smtClean="0"/>
+              <a:rPr lang="en-US" sz="2600" dirty="0" smtClean="0"/>
               <a:t> controllers and services files are </a:t>
             </a:r>
             <a:r>
-              <a:rPr lang="en-US" sz="3100" dirty="0"/>
+              <a:rPr lang="en-US" sz="2600" dirty="0"/>
               <a:t>in </a:t>
             </a:r>
             <a:r>
-              <a:rPr lang="en-US" sz="3100" b="1" i="1" dirty="0"/>
+              <a:rPr lang="en-US" sz="2600" b="1" i="1" dirty="0"/>
               <a:t>deployment/replication-controller-</a:t>
             </a:r>
             <a:r>
-              <a:rPr lang="en-US" sz="3100" b="1" i="1" dirty="0" err="1"/>
+              <a:rPr lang="en-US" sz="2600" b="1" i="1" dirty="0" err="1"/>
               <a:t>config</a:t>
             </a:r>
             <a:r>
-              <a:rPr lang="en-US" sz="3100" b="1" i="1" dirty="0"/>
+              <a:rPr lang="en-US" sz="2600" b="1" i="1" dirty="0"/>
               <a:t>-</a:t>
             </a:r>
             <a:r>
-              <a:rPr lang="en-US" sz="3100" b="1" i="1" dirty="0" smtClean="0"/>
+              <a:rPr lang="en-US" sz="2600" b="1" i="1" dirty="0" smtClean="0"/>
               <a:t>files</a:t>
             </a:r>
             <a:r>
-              <a:rPr lang="en-US" sz="3100" dirty="0" smtClean="0"/>
+              <a:rPr lang="en-US" sz="2600" dirty="0" smtClean="0"/>
               <a:t> folder</a:t>
             </a:r>
           </a:p>
           <a:p>
             <a:r>
-              <a:rPr lang="en-US" sz="3100" dirty="0" smtClean="0"/>
-              <a:t>Create website app </a:t>
-            </a:r>
-            <a:r>
-              <a:rPr lang="en-US" sz="3100" b="1" dirty="0" smtClean="0">
+              <a:rPr lang="en-US" sz="2600" dirty="0" smtClean="0"/>
+              <a:t>Create </a:t>
+            </a:r>
+            <a:r>
+              <a:rPr lang="en-US" sz="2600" b="1" dirty="0" smtClean="0">
                 <a:solidFill>
                   <a:srgbClr val="FF0000"/>
                 </a:solidFill>
               </a:rPr>
-              <a:t>replication controller</a:t>
+              <a:t>services</a:t>
+            </a:r>
+            <a:r>
+              <a:rPr lang="en-US" sz="2600" dirty="0" smtClean="0">
+                <a:solidFill>
+                  <a:srgbClr val="FF0000"/>
+                </a:solidFill>
+              </a:rPr>
+              <a:t> </a:t>
+            </a:r>
+            <a:r>
+              <a:rPr lang="en-US" sz="2600" dirty="0" smtClean="0"/>
+              <a:t>(</a:t>
+            </a:r>
+            <a:r>
+              <a:rPr lang="en-US" sz="2600" dirty="0" err="1" smtClean="0"/>
+              <a:t>LoadBalancer</a:t>
+            </a:r>
+            <a:r>
+              <a:rPr lang="en-US" sz="2600" dirty="0" smtClean="0"/>
+              <a:t>) for webservices app nodes (pods):</a:t>
             </a:r>
           </a:p>
           <a:p>
             <a:pPr lvl="1"/>
             <a:r>
-              <a:rPr lang="en-US" sz="3100" dirty="0" smtClean="0"/>
-              <a:t>File</a:t>
-            </a:r>
-            <a:r>
-              <a:rPr lang="en-US" sz="3100" dirty="0"/>
-              <a:t>: </a:t>
-            </a:r>
-            <a:r>
-              <a:rPr lang="en-US" sz="3100" dirty="0">
-                <a:solidFill>
-                  <a:srgbClr val="3366FF"/>
-                </a:solidFill>
-              </a:rPr>
-              <a:t>subscriber</a:t>
-            </a:r>
-            <a:r>
-              <a:rPr lang="en-US" sz="3100" dirty="0" smtClean="0">
-                <a:solidFill>
-                  <a:srgbClr val="3366FF"/>
-                </a:solidFill>
-              </a:rPr>
-              <a:t>-website-</a:t>
-            </a:r>
-            <a:r>
-              <a:rPr lang="en-US" sz="3100" dirty="0" err="1" smtClean="0">
-                <a:solidFill>
-                  <a:srgbClr val="3366FF"/>
-                </a:solidFill>
-              </a:rPr>
-              <a:t>controller.json</a:t>
-            </a:r>
-            <a:endParaRPr lang="en-US" sz="3100" dirty="0" smtClean="0">
-              <a:solidFill>
-                <a:srgbClr val="3366FF"/>
-              </a:solidFill>
-            </a:endParaRPr>
+              <a:rPr lang="en-US" sz="2600" dirty="0" smtClean="0"/>
+              <a:t>File: subscriber-website-</a:t>
+            </a:r>
+            <a:r>
+              <a:rPr lang="en-US" sz="2600" dirty="0" err="1" smtClean="0"/>
+              <a:t>service.json</a:t>
+            </a:r>
+            <a:endParaRPr lang="en-US" sz="2600" dirty="0" smtClean="0"/>
+          </a:p>
+          <a:p>
+            <a:pPr lvl="1"/>
+            <a:r>
+              <a:rPr lang="en-US" sz="2600" dirty="0" smtClean="0"/>
+              <a:t>Command:</a:t>
+            </a:r>
           </a:p>
           <a:p>
             <a:pPr lvl="2"/>
             <a:r>
-              <a:rPr lang="en-US" sz="3100" dirty="0" smtClean="0"/>
-              <a:t>Update the controller file to have the correct image name (no more ${PROJECT_ID}):</a:t>
-            </a:r>
-          </a:p>
-          <a:p>
-            <a:pPr lvl="3"/>
-            <a:r>
-              <a:rPr lang="en-US" sz="3100" dirty="0" smtClean="0">
-                <a:solidFill>
-                  <a:srgbClr val="3366FF"/>
-                </a:solidFill>
-              </a:rPr>
-              <a:t>“</a:t>
-            </a:r>
-            <a:r>
-              <a:rPr lang="en-US" sz="3100" dirty="0" err="1" smtClean="0">
-                <a:solidFill>
-                  <a:srgbClr val="3366FF"/>
-                </a:solidFill>
-              </a:rPr>
-              <a:t>gcr.io</a:t>
-            </a:r>
-            <a:r>
-              <a:rPr lang="en-US" sz="3100" dirty="0">
-                <a:solidFill>
-                  <a:srgbClr val="3366FF"/>
-                </a:solidFill>
-              </a:rPr>
-              <a:t>/subscribers</a:t>
-            </a:r>
-            <a:r>
-              <a:rPr lang="en-US" sz="3100" dirty="0" smtClean="0">
-                <a:solidFill>
-                  <a:srgbClr val="3366FF"/>
-                </a:solidFill>
-              </a:rPr>
-              <a:t>-XXXX/website-node:v0.1”</a:t>
-            </a:r>
-          </a:p>
-          <a:p>
-            <a:pPr lvl="2"/>
-            <a:r>
-              <a:rPr lang="en-US" sz="3100" dirty="0"/>
-              <a:t>Pass the IP address for the web services Services Load Balancer into Pods images as </a:t>
-            </a:r>
-            <a:r>
-              <a:rPr lang="en-US" sz="3100" dirty="0" err="1"/>
-              <a:t>Env</a:t>
-            </a:r>
-            <a:r>
-              <a:rPr lang="en-US" sz="3100" dirty="0"/>
-              <a:t> </a:t>
-            </a:r>
-            <a:r>
-              <a:rPr lang="en-US" sz="3100" dirty="0" err="1" smtClean="0"/>
-              <a:t>Var</a:t>
-            </a:r>
-            <a:endParaRPr lang="en-US" sz="3100" dirty="0"/>
-          </a:p>
-          <a:p>
-            <a:pPr lvl="1"/>
-            <a:r>
-              <a:rPr lang="en-US" sz="3100" dirty="0" smtClean="0"/>
-              <a:t>Command:</a:t>
-            </a:r>
-          </a:p>
-          <a:p>
-            <a:pPr lvl="2"/>
-            <a:r>
-              <a:rPr lang="en-US" sz="3100" dirty="0" smtClean="0">
+              <a:rPr lang="en-US" sz="2600" dirty="0" smtClean="0">
                 <a:solidFill>
                   <a:srgbClr val="008000"/>
                 </a:solidFill>
@@ -16203,7 +17177,7 @@
               <a:t>$ </a:t>
             </a:r>
             <a:r>
-              <a:rPr lang="en-US" sz="3100" dirty="0" err="1" smtClean="0">
+              <a:rPr lang="en-US" sz="2600" dirty="0" err="1" smtClean="0">
                 <a:solidFill>
                   <a:srgbClr val="008000"/>
                 </a:solidFill>
@@ -16211,30 +17185,22 @@
               <a:t>kubectl</a:t>
             </a:r>
             <a:r>
-              <a:rPr lang="en-US" sz="3100" dirty="0">
+              <a:rPr lang="en-US" sz="2600" dirty="0" smtClean="0">
                 <a:solidFill>
                   <a:srgbClr val="008000"/>
                 </a:solidFill>
               </a:rPr>
-              <a:t> create -f subscriber</a:t>
-            </a:r>
-            <a:r>
-              <a:rPr lang="en-US" sz="3100" dirty="0" smtClean="0">
+              <a:t> create -f subscriber-website-</a:t>
+            </a:r>
+            <a:r>
+              <a:rPr lang="en-US" sz="2600" dirty="0" err="1" smtClean="0">
                 <a:solidFill>
                   <a:srgbClr val="008000"/>
                 </a:solidFill>
               </a:rPr>
-              <a:t>-website-</a:t>
-            </a:r>
-            <a:r>
-              <a:rPr lang="en-US" sz="3100" dirty="0" err="1" smtClean="0">
-                <a:solidFill>
-                  <a:srgbClr val="008000"/>
-                </a:solidFill>
-              </a:rPr>
-              <a:t>controller.json</a:t>
-            </a:r>
-            <a:endParaRPr lang="en-US" sz="3100" dirty="0" smtClean="0">
+              <a:t>service.json</a:t>
+            </a:r>
+            <a:endParaRPr lang="en-US" sz="2600" dirty="0" smtClean="0">
               <a:solidFill>
                 <a:srgbClr val="008000"/>
               </a:solidFill>
@@ -16243,18 +17209,18 @@
           <a:p>
             <a:pPr lvl="1"/>
             <a:r>
-              <a:rPr lang="en-US" sz="3100" dirty="0">
+              <a:rPr lang="en-US" sz="2600" dirty="0" smtClean="0">
                 <a:solidFill>
                   <a:schemeClr val="tx1"/>
                 </a:solidFill>
               </a:rPr>
-              <a:t>View nodes:</a:t>
+              <a:t>View service:</a:t>
             </a:r>
           </a:p>
           <a:p>
             <a:pPr lvl="2"/>
             <a:r>
-              <a:rPr lang="en-US" sz="3100" dirty="0">
+              <a:rPr lang="en-US" sz="2600" dirty="0" smtClean="0">
                 <a:solidFill>
                   <a:srgbClr val="008000"/>
                 </a:solidFill>
@@ -16262,7 +17228,7 @@
               <a:t>$ </a:t>
             </a:r>
             <a:r>
-              <a:rPr lang="en-US" sz="3100" dirty="0" err="1">
+              <a:rPr lang="en-US" sz="2600" dirty="0" err="1" smtClean="0">
                 <a:solidFill>
                   <a:srgbClr val="008000"/>
                 </a:solidFill>
@@ -16270,28 +17236,90 @@
               <a:t>kubectl</a:t>
             </a:r>
             <a:r>
-              <a:rPr lang="en-US" sz="3100" dirty="0">
+              <a:rPr lang="en-US" sz="2600" dirty="0" smtClean="0">
                 <a:solidFill>
                   <a:srgbClr val="008000"/>
                 </a:solidFill>
               </a:rPr>
-              <a:t> get </a:t>
-            </a:r>
-            <a:r>
-              <a:rPr lang="en-US" sz="3100" dirty="0" smtClean="0">
+              <a:t> get services</a:t>
+            </a:r>
+          </a:p>
+          <a:p>
+            <a:r>
+              <a:rPr lang="en-US" sz="2600" dirty="0" smtClean="0"/>
+              <a:t>Get IP address for the load balancer for website App Service (load balancer):</a:t>
+            </a:r>
+          </a:p>
+          <a:p>
+            <a:pPr lvl="1"/>
+            <a:r>
+              <a:rPr lang="en-US" sz="2600" dirty="0" smtClean="0">
                 <a:solidFill>
                   <a:srgbClr val="008000"/>
                 </a:solidFill>
               </a:rPr>
-              <a:t>pods</a:t>
-            </a:r>
+              <a:t>$ </a:t>
+            </a:r>
+            <a:r>
+              <a:rPr lang="en-US" sz="2600" dirty="0" err="1" smtClean="0">
+                <a:solidFill>
+                  <a:srgbClr val="008000"/>
+                </a:solidFill>
+              </a:rPr>
+              <a:t>kubectl</a:t>
+            </a:r>
+            <a:r>
+              <a:rPr lang="en-US" sz="2600" dirty="0" smtClean="0">
+                <a:solidFill>
+                  <a:srgbClr val="008000"/>
+                </a:solidFill>
+              </a:rPr>
+              <a:t> get services</a:t>
+            </a:r>
+          </a:p>
+          <a:p>
+            <a:pPr lvl="1"/>
+            <a:r>
+              <a:rPr lang="en-US" sz="2600" dirty="0" smtClean="0">
+                <a:solidFill>
+                  <a:schemeClr val="tx1"/>
+                </a:solidFill>
+                <a:latin typeface="Arial"/>
+                <a:cs typeface="Arial"/>
+              </a:rPr>
+              <a:t>i.e.: 104.197.141.51</a:t>
+            </a:r>
+          </a:p>
+          <a:p>
+            <a:r>
+              <a:rPr lang="en-US" sz="2600" dirty="0" smtClean="0"/>
+              <a:t>Test services, i.e.:</a:t>
+            </a:r>
+          </a:p>
+          <a:p>
+            <a:pPr lvl="1"/>
+            <a:r>
+              <a:rPr lang="en-US" sz="2600" dirty="0" smtClean="0">
+                <a:solidFill>
+                  <a:srgbClr val="3366FF"/>
+                </a:solidFill>
+              </a:rPr>
+              <a:t>http://104.197.141.51/subscriber</a:t>
+            </a:r>
+          </a:p>
+          <a:p>
+            <a:endParaRPr lang="en-US" dirty="0" smtClean="0"/>
+          </a:p>
+          <a:p>
+            <a:pPr lvl="1"/>
+            <a:endParaRPr lang="en-US" dirty="0" smtClean="0"/>
           </a:p>
         </p:txBody>
       </p:sp>
     </p:spTree>
     <p:extLst>
       <p:ext uri="{BB962C8B-B14F-4D97-AF65-F5344CB8AC3E}">
-        <p14:creationId xmlns:p14="http://schemas.microsoft.com/office/powerpoint/2010/main" val="1747283754"/>
+        <p14:creationId xmlns:p14="http://schemas.microsoft.com/office/powerpoint/2010/main" val="1950154016"/>
       </p:ext>
     </p:extLst>
   </p:cSld>
@@ -16576,12 +17604,8 @@
           <a:lstStyle/>
           <a:p>
             <a:r>
-              <a:rPr lang="en-US" dirty="0"/>
-              <a:t>4</a:t>
-            </a:r>
-            <a:r>
               <a:rPr lang="en-US" dirty="0" smtClean="0"/>
-              <a:t>. Creating Services (Load Balancer) for Website</a:t>
+              <a:t>3. Creating Replication Controller for Website</a:t>
             </a:r>
             <a:endParaRPr lang="en-US" dirty="0"/>
           </a:p>
@@ -16605,7 +17629,7 @@
         </p:spPr>
         <p:txBody>
           <a:bodyPr>
-            <a:normAutofit fontScale="92500" lnSpcReduction="10000"/>
+            <a:normAutofit/>
           </a:bodyPr>
           <a:lstStyle/>
           <a:p>
@@ -16649,7 +17673,7 @@
           <a:p>
             <a:r>
               <a:rPr lang="en-US" sz="3100" dirty="0" smtClean="0"/>
-              <a:t>Create </a:t>
+              <a:t>Create website app </a:t>
             </a:r>
             <a:r>
               <a:rPr lang="en-US" sz="3100" b="1" dirty="0" smtClean="0">
@@ -16657,58 +17681,116 @@
                   <a:srgbClr val="FF0000"/>
                 </a:solidFill>
               </a:rPr>
-              <a:t>services</a:t>
+              <a:t>replication controller</a:t>
+            </a:r>
+          </a:p>
+          <a:p>
+            <a:pPr lvl="1"/>
+            <a:r>
+              <a:rPr lang="en-US" sz="3100" dirty="0" smtClean="0"/>
+              <a:t>File</a:t>
+            </a:r>
+            <a:r>
+              <a:rPr lang="en-US" sz="3100" dirty="0"/>
+              <a:t>: </a:t>
+            </a:r>
+            <a:r>
+              <a:rPr lang="en-US" sz="3100" dirty="0">
+                <a:solidFill>
+                  <a:srgbClr val="3366FF"/>
+                </a:solidFill>
+              </a:rPr>
+              <a:t>subscriber</a:t>
             </a:r>
             <a:r>
               <a:rPr lang="en-US" sz="3100" dirty="0" smtClean="0">
                 <a:solidFill>
-                  <a:srgbClr val="FF0000"/>
-                </a:solidFill>
-              </a:rPr>
+                  <a:srgbClr val="3366FF"/>
+                </a:solidFill>
+              </a:rPr>
+              <a:t>-website-</a:t>
+            </a:r>
+            <a:r>
+              <a:rPr lang="en-US" sz="3100" dirty="0" err="1" smtClean="0">
+                <a:solidFill>
+                  <a:srgbClr val="3366FF"/>
+                </a:solidFill>
+              </a:rPr>
+              <a:t>controller.json</a:t>
+            </a:r>
+            <a:endParaRPr lang="en-US" sz="3100" dirty="0" smtClean="0">
+              <a:solidFill>
+                <a:srgbClr val="3366FF"/>
+              </a:solidFill>
+            </a:endParaRPr>
+          </a:p>
+          <a:p>
+            <a:pPr lvl="2"/>
+            <a:r>
+              <a:rPr lang="en-US" sz="3100" dirty="0" smtClean="0"/>
+              <a:t>Update the controller file to have the correct image name (no more ${PROJECT_ID}):</a:t>
+            </a:r>
+          </a:p>
+          <a:p>
+            <a:pPr lvl="3"/>
+            <a:r>
+              <a:rPr lang="en-US" sz="3100" dirty="0" smtClean="0">
+                <a:solidFill>
+                  <a:srgbClr val="3366FF"/>
+                </a:solidFill>
+              </a:rPr>
+              <a:t>“</a:t>
+            </a:r>
+            <a:r>
+              <a:rPr lang="en-US" sz="3100" dirty="0" err="1" smtClean="0">
+                <a:solidFill>
+                  <a:srgbClr val="3366FF"/>
+                </a:solidFill>
+              </a:rPr>
+              <a:t>gcr.io</a:t>
+            </a:r>
+            <a:r>
+              <a:rPr lang="en-US" sz="3100" dirty="0">
+                <a:solidFill>
+                  <a:srgbClr val="3366FF"/>
+                </a:solidFill>
+              </a:rPr>
+              <a:t>/subscribers</a:t>
+            </a:r>
+            <a:r>
+              <a:rPr lang="en-US" sz="3100" dirty="0" smtClean="0">
+                <a:solidFill>
+                  <a:srgbClr val="3366FF"/>
+                </a:solidFill>
+              </a:rPr>
+              <a:t>-XXXX/website-node:v0.1”</a:t>
+            </a:r>
+          </a:p>
+          <a:p>
+            <a:pPr lvl="2"/>
+            <a:r>
+              <a:rPr lang="en-US" sz="3100" dirty="0"/>
+              <a:t>Pass the IP address for the web services Services Load Balancer into Pods images as </a:t>
+            </a:r>
+            <a:r>
+              <a:rPr lang="en-US" sz="3100" dirty="0" err="1"/>
+              <a:t>Env</a:t>
+            </a:r>
+            <a:r>
+              <a:rPr lang="en-US" sz="3100" dirty="0"/>
               <a:t> </a:t>
             </a:r>
             <a:r>
+              <a:rPr lang="en-US" sz="3100" dirty="0" err="1" smtClean="0"/>
+              <a:t>Var</a:t>
+            </a:r>
+            <a:endParaRPr lang="en-US" sz="3100" dirty="0"/>
+          </a:p>
+          <a:p>
+            <a:pPr lvl="1"/>
+            <a:r>
               <a:rPr lang="en-US" sz="3100" dirty="0" smtClean="0"/>
-              <a:t>(</a:t>
-            </a:r>
-            <a:r>
-              <a:rPr lang="en-US" sz="3100" dirty="0" err="1" smtClean="0"/>
-              <a:t>LoadBalancer</a:t>
-            </a:r>
-            <a:r>
-              <a:rPr lang="en-US" sz="3100" dirty="0" smtClean="0"/>
-              <a:t>) for website app:</a:t>
-            </a:r>
-          </a:p>
-          <a:p>
-            <a:pPr lvl="1"/>
-            <a:r>
-              <a:rPr lang="en-US" sz="3100" dirty="0"/>
-              <a:t>F</a:t>
-            </a:r>
-            <a:r>
-              <a:rPr lang="en-US" sz="3100" dirty="0" smtClean="0"/>
-              <a:t>ile: subscriber-website-</a:t>
-            </a:r>
-            <a:r>
-              <a:rPr lang="en-US" sz="3100" dirty="0" err="1"/>
-              <a:t>service.json</a:t>
-            </a:r>
-            <a:endParaRPr lang="en-US" sz="3100" dirty="0"/>
-          </a:p>
-          <a:p>
-            <a:pPr lvl="1"/>
-            <a:r>
-              <a:rPr lang="en-US" sz="3100" dirty="0"/>
-              <a:t>C</a:t>
-            </a:r>
-            <a:r>
-              <a:rPr lang="en-US" sz="3100" dirty="0" smtClean="0"/>
-              <a:t>ommand</a:t>
-            </a:r>
-            <a:r>
-              <a:rPr lang="en-US" sz="3100" dirty="0"/>
-              <a:t>:</a:t>
+              <a:t>Command:</a:t>
             </a:r>
           </a:p>
           <a:p>
@@ -16730,36 +17812,28 @@
               <a:t>kubectl</a:t>
             </a:r>
             <a:r>
+              <a:rPr lang="en-US" sz="3100" dirty="0">
+                <a:solidFill>
+                  <a:srgbClr val="008000"/>
+                </a:solidFill>
+              </a:rPr>
+              <a:t> create -f subscriber</a:t>
+            </a:r>
+            <a:r>
               <a:rPr lang="en-US" sz="3100" dirty="0" smtClean="0">
                 <a:solidFill>
                   <a:srgbClr val="008000"/>
                 </a:solidFill>
               </a:rPr>
-              <a:t> </a:t>
-            </a:r>
-            <a:r>
-              <a:rPr lang="en-US" sz="3100" dirty="0">
+              <a:t>-website-</a:t>
+            </a:r>
+            <a:r>
+              <a:rPr lang="en-US" sz="3100" dirty="0" err="1" smtClean="0">
                 <a:solidFill>
                   <a:srgbClr val="008000"/>
                 </a:solidFill>
               </a:rPr>
-              <a:t>create -f subscriber</a:t>
-            </a:r>
-            <a:r>
-              <a:rPr lang="en-US" sz="3100" dirty="0" smtClean="0">
-                <a:solidFill>
-                  <a:srgbClr val="008000"/>
-                </a:solidFill>
-              </a:rPr>
-              <a:t>-website-</a:t>
-            </a:r>
-            <a:r>
-              <a:rPr lang="en-US" sz="3100" dirty="0" err="1" smtClean="0">
-                <a:solidFill>
-                  <a:srgbClr val="008000"/>
-                </a:solidFill>
-              </a:rPr>
-              <a:t>service.json</a:t>
+              <a:t>controller.json</a:t>
             </a:r>
             <a:endParaRPr lang="en-US" sz="3100" dirty="0" smtClean="0">
               <a:solidFill>
@@ -16775,7 +17849,7 @@
                   <a:schemeClr val="tx1"/>
                 </a:solidFill>
               </a:rPr>
-              <a:t>View service:</a:t>
+              <a:t>View nodes:</a:t>
             </a:r>
           </a:p>
           <a:p>
@@ -16810,148 +17884,15 @@
                   <a:srgbClr val="008000"/>
                 </a:solidFill>
               </a:rPr>
-              <a:t>services</a:t>
-            </a:r>
-          </a:p>
-          <a:p>
-            <a:r>
-              <a:rPr lang="en-US" sz="3100" dirty="0" smtClean="0"/>
-              <a:t>Get </a:t>
-            </a:r>
-            <a:r>
-              <a:rPr lang="en-US" sz="3100" dirty="0"/>
-              <a:t>IP address for the load </a:t>
-            </a:r>
-            <a:r>
-              <a:rPr lang="en-US" sz="3100" dirty="0" smtClean="0"/>
-              <a:t>balancer </a:t>
-            </a:r>
-            <a:r>
-              <a:rPr lang="en-US" sz="3100" dirty="0"/>
-              <a:t>for </a:t>
-            </a:r>
-            <a:r>
-              <a:rPr lang="en-US" sz="3100" dirty="0" smtClean="0"/>
-              <a:t>website App</a:t>
-            </a:r>
-            <a:r>
-              <a:rPr lang="en-US" sz="3100" dirty="0"/>
-              <a:t> </a:t>
-            </a:r>
-            <a:r>
-              <a:rPr lang="en-US" sz="3100" dirty="0" smtClean="0"/>
-              <a:t>Service (load balancer):</a:t>
-            </a:r>
-          </a:p>
-          <a:p>
-            <a:pPr lvl="1"/>
-            <a:r>
-              <a:rPr lang="en-US" sz="3100" dirty="0" smtClean="0">
-                <a:solidFill>
-                  <a:srgbClr val="008000"/>
-                </a:solidFill>
-              </a:rPr>
-              <a:t>$ </a:t>
-            </a:r>
-            <a:r>
-              <a:rPr lang="en-US" sz="3100" dirty="0" err="1" smtClean="0">
-                <a:solidFill>
-                  <a:srgbClr val="008000"/>
-                </a:solidFill>
-              </a:rPr>
-              <a:t>kubectl</a:t>
-            </a:r>
-            <a:r>
-              <a:rPr lang="en-US" sz="3100" dirty="0" smtClean="0">
-                <a:solidFill>
-                  <a:srgbClr val="008000"/>
-                </a:solidFill>
-              </a:rPr>
-              <a:t> get services</a:t>
-            </a:r>
-            <a:endParaRPr lang="en-US" sz="3100" dirty="0">
-              <a:solidFill>
-                <a:srgbClr val="008000"/>
-              </a:solidFill>
-            </a:endParaRPr>
-          </a:p>
-          <a:p>
-            <a:pPr lvl="1"/>
-            <a:r>
-              <a:rPr lang="en-US" sz="3100" dirty="0" smtClean="0">
-                <a:solidFill>
-                  <a:schemeClr val="tx1"/>
-                </a:solidFill>
-                <a:latin typeface="Arial"/>
-                <a:cs typeface="Arial"/>
-              </a:rPr>
-              <a:t>i.e.: 104.197.141.51</a:t>
-            </a:r>
-            <a:endParaRPr lang="en-US" sz="3100" dirty="0">
-              <a:solidFill>
-                <a:schemeClr val="tx1"/>
-              </a:solidFill>
-              <a:latin typeface="Arial"/>
-              <a:cs typeface="Arial"/>
-            </a:endParaRPr>
-          </a:p>
-          <a:p>
-            <a:r>
-              <a:rPr lang="en-US" sz="3100" dirty="0"/>
-              <a:t>Test </a:t>
-            </a:r>
-            <a:r>
-              <a:rPr lang="en-US" sz="3100" dirty="0" smtClean="0"/>
-              <a:t>website, i.e.:</a:t>
-            </a:r>
-            <a:endParaRPr lang="en-US" sz="3100" dirty="0"/>
-          </a:p>
-          <a:p>
-            <a:pPr lvl="1"/>
-            <a:r>
-              <a:rPr lang="en-US" sz="3200" dirty="0">
-                <a:solidFill>
-                  <a:srgbClr val="3366FF"/>
-                </a:solidFill>
-              </a:rPr>
-              <a:t>http://104.197.141.51</a:t>
-            </a:r>
-            <a:r>
-              <a:rPr lang="en-US" sz="3200" dirty="0" smtClean="0">
-                <a:solidFill>
-                  <a:srgbClr val="3366FF"/>
-                </a:solidFill>
-              </a:rPr>
-              <a:t>/</a:t>
-            </a:r>
-            <a:r>
-              <a:rPr lang="en-US" sz="3200" dirty="0">
-                <a:solidFill>
-                  <a:srgbClr val="3366FF"/>
-                </a:solidFill>
-              </a:rPr>
-              <a:t>subscribers/</a:t>
-            </a:r>
-            <a:r>
-              <a:rPr lang="en-US" sz="3200" dirty="0" err="1" smtClean="0">
-                <a:solidFill>
-                  <a:srgbClr val="3366FF"/>
-                </a:solidFill>
-              </a:rPr>
-              <a:t>dynamicsubscribers</a:t>
-            </a:r>
-            <a:endParaRPr lang="en-US" sz="3200" dirty="0">
-              <a:solidFill>
-                <a:srgbClr val="3366FF"/>
-              </a:solidFill>
-            </a:endParaRPr>
+              <a:t>pods</a:t>
+            </a:r>
           </a:p>
         </p:txBody>
       </p:sp>
     </p:spTree>
     <p:extLst>
       <p:ext uri="{BB962C8B-B14F-4D97-AF65-F5344CB8AC3E}">
-        <p14:creationId xmlns:p14="http://schemas.microsoft.com/office/powerpoint/2010/main" val="231278796"/>
+        <p14:creationId xmlns:p14="http://schemas.microsoft.com/office/powerpoint/2010/main" val="1747283754"/>
       </p:ext>
     </p:extLst>
   </p:cSld>
@@ -16994,8 +17935,12 @@
           <a:lstStyle/>
           <a:p>
             <a:r>
+              <a:rPr lang="en-US" dirty="0"/>
+              <a:t>4</a:t>
+            </a:r>
+            <a:r>
               <a:rPr lang="en-US" dirty="0" smtClean="0"/>
-              <a:t>Rolling updates revisited</a:t>
+              <a:t>. Creating Services (Load Balancer) for Website</a:t>
             </a:r>
             <a:endParaRPr lang="en-US" dirty="0"/>
           </a:p>
@@ -17014,381 +17959,358 @@
         <p:spPr>
           <a:xfrm>
             <a:off x="731520" y="1298576"/>
-            <a:ext cx="13167360" cy="7071873"/>
+            <a:ext cx="13167360" cy="7085506"/>
           </a:xfrm>
         </p:spPr>
         <p:txBody>
-          <a:bodyPr/>
+          <a:bodyPr>
+            <a:normAutofit fontScale="92500" lnSpcReduction="10000"/>
+          </a:bodyPr>
           <a:lstStyle/>
           <a:p>
             <a:r>
-              <a:rPr lang="en-US" sz="2400" dirty="0" smtClean="0"/>
-              <a:t>After the initial deployment the normal lifecycle of any product assumes upcoming updates sooner or later, be it new versions, or hot fixes</a:t>
-            </a:r>
-          </a:p>
-          <a:p>
-            <a:r>
-              <a:rPr lang="en-US" sz="2400" dirty="0" smtClean="0"/>
-              <a:t>Rolling updates by </a:t>
-            </a:r>
-            <a:r>
-              <a:rPr lang="en-US" sz="2400" dirty="0" err="1" smtClean="0"/>
+              <a:rPr lang="en-US" sz="3100" dirty="0" smtClean="0"/>
+              <a:t>All </a:t>
+            </a:r>
+            <a:r>
+              <a:rPr lang="en-US" sz="3100" dirty="0" err="1" smtClean="0"/>
               <a:t>kubernetes</a:t>
             </a:r>
             <a:r>
-              <a:rPr lang="en-US" sz="2400" dirty="0" smtClean="0"/>
-              <a:t> handle the production updates seamlessly </a:t>
-            </a:r>
-          </a:p>
-          <a:p>
-            <a:r>
-              <a:rPr lang="en-US" sz="2400" dirty="0" smtClean="0"/>
-              <a:t>Required steps:</a:t>
-            </a:r>
-          </a:p>
-          <a:p>
-            <a:pPr marL="1136462" lvl="1" indent="-457200">
-              <a:buFont typeface="+mj-lt"/>
-              <a:buAutoNum type="arabicPeriod"/>
-            </a:pPr>
-            <a:r>
-              <a:rPr lang="en-US" sz="2400" dirty="0" smtClean="0"/>
-              <a:t>Prepare the required artifacts</a:t>
-            </a:r>
-          </a:p>
-          <a:p>
-            <a:pPr marL="1730816" lvl="2" indent="-457200"/>
-            <a:r>
-              <a:rPr lang="en-US" sz="2400" dirty="0" smtClean="0"/>
-              <a:t>build the applications, jar, was, whatever)</a:t>
-            </a:r>
-          </a:p>
-          <a:p>
-            <a:pPr marL="1136462" lvl="1" indent="-457200">
-              <a:buFont typeface="+mj-lt"/>
-              <a:buAutoNum type="arabicPeriod"/>
-            </a:pPr>
-            <a:r>
-              <a:rPr lang="en-US" sz="2400" dirty="0" smtClean="0"/>
-              <a:t>Build new images, assigning appropriate tags (versions)</a:t>
-            </a:r>
-          </a:p>
-          <a:p>
-            <a:pPr marL="1730816" lvl="2" indent="-457200"/>
-            <a:r>
-              <a:rPr lang="en-US" sz="2400" dirty="0" smtClean="0">
+              <a:rPr lang="en-US" sz="3100" dirty="0" smtClean="0"/>
+              <a:t> controllers and services files are </a:t>
+            </a:r>
+            <a:r>
+              <a:rPr lang="en-US" sz="3100" dirty="0"/>
+              <a:t>in </a:t>
+            </a:r>
+            <a:r>
+              <a:rPr lang="en-US" sz="3100" b="1" i="1" dirty="0"/>
+              <a:t>deployment/replication-controller-</a:t>
+            </a:r>
+            <a:r>
+              <a:rPr lang="en-US" sz="3100" b="1" i="1" dirty="0" err="1"/>
+              <a:t>config</a:t>
+            </a:r>
+            <a:r>
+              <a:rPr lang="en-US" sz="3100" b="1" i="1" dirty="0"/>
+              <a:t>-</a:t>
+            </a:r>
+            <a:r>
+              <a:rPr lang="en-US" sz="3100" b="1" i="1" dirty="0" smtClean="0"/>
+              <a:t>files</a:t>
+            </a:r>
+            <a:r>
+              <a:rPr lang="en-US" sz="3100" dirty="0" smtClean="0"/>
+              <a:t> folder</a:t>
+            </a:r>
+          </a:p>
+          <a:p>
+            <a:r>
+              <a:rPr lang="en-US" sz="3100" dirty="0" smtClean="0"/>
+              <a:t>Create </a:t>
+            </a:r>
+            <a:r>
+              <a:rPr lang="en-US" sz="3100" b="1" dirty="0" smtClean="0">
+                <a:solidFill>
+                  <a:srgbClr val="FF0000"/>
+                </a:solidFill>
+              </a:rPr>
+              <a:t>services</a:t>
+            </a:r>
+            <a:r>
+              <a:rPr lang="en-US" sz="3100" dirty="0" smtClean="0">
+                <a:solidFill>
+                  <a:srgbClr val="FF0000"/>
+                </a:solidFill>
+              </a:rPr>
+              <a:t> </a:t>
+            </a:r>
+            <a:r>
+              <a:rPr lang="en-US" sz="3100" dirty="0" smtClean="0"/>
+              <a:t>(</a:t>
+            </a:r>
+            <a:r>
+              <a:rPr lang="en-US" sz="3100" dirty="0" err="1" smtClean="0"/>
+              <a:t>LoadBalancer</a:t>
+            </a:r>
+            <a:r>
+              <a:rPr lang="en-US" sz="3100" dirty="0" smtClean="0"/>
+              <a:t>) for website app:</a:t>
+            </a:r>
+          </a:p>
+          <a:p>
+            <a:pPr lvl="1"/>
+            <a:r>
+              <a:rPr lang="en-US" sz="3100" dirty="0"/>
+              <a:t>F</a:t>
+            </a:r>
+            <a:r>
+              <a:rPr lang="en-US" sz="3100" dirty="0" smtClean="0"/>
+              <a:t>ile: subscriber-website-</a:t>
+            </a:r>
+            <a:r>
+              <a:rPr lang="en-US" sz="3100" dirty="0" err="1"/>
+              <a:t>service.json</a:t>
+            </a:r>
+            <a:endParaRPr lang="en-US" sz="3100" dirty="0"/>
+          </a:p>
+          <a:p>
+            <a:pPr lvl="1"/>
+            <a:r>
+              <a:rPr lang="en-US" sz="3100" dirty="0"/>
+              <a:t>C</a:t>
+            </a:r>
+            <a:r>
+              <a:rPr lang="en-US" sz="3100" dirty="0" smtClean="0"/>
+              <a:t>ommand</a:t>
+            </a:r>
+            <a:r>
+              <a:rPr lang="en-US" sz="3100" dirty="0"/>
+              <a:t>:</a:t>
+            </a:r>
+          </a:p>
+          <a:p>
+            <a:pPr lvl="2"/>
+            <a:r>
+              <a:rPr lang="en-US" sz="3100" dirty="0" smtClean="0">
                 <a:solidFill>
                   <a:srgbClr val="008000"/>
                 </a:solidFill>
               </a:rPr>
-              <a:t>$ docker build –t </a:t>
-            </a:r>
-            <a:r>
-              <a:rPr lang="en-US" sz="2400" dirty="0" err="1" smtClean="0">
+              <a:t>$ </a:t>
+            </a:r>
+            <a:r>
+              <a:rPr lang="en-US" sz="3100" dirty="0" err="1" smtClean="0">
                 <a:solidFill>
                   <a:srgbClr val="008000"/>
                 </a:solidFill>
               </a:rPr>
-              <a:t>gcr.io</a:t>
-            </a:r>
-            <a:r>
-              <a:rPr lang="en-US" sz="2400" dirty="0" smtClean="0">
+              <a:t>kubectl</a:t>
+            </a:r>
+            <a:r>
+              <a:rPr lang="en-US" sz="3100" dirty="0" smtClean="0">
                 <a:solidFill>
                   <a:srgbClr val="008000"/>
                 </a:solidFill>
               </a:rPr>
-              <a:t>/&lt;</a:t>
-            </a:r>
-            <a:r>
-              <a:rPr lang="en-US" sz="2400" dirty="0" err="1" smtClean="0">
+              <a:t> </a:t>
+            </a:r>
+            <a:r>
+              <a:rPr lang="en-US" sz="3100" dirty="0">
                 <a:solidFill>
                   <a:srgbClr val="008000"/>
                 </a:solidFill>
               </a:rPr>
-              <a:t>projectId</a:t>
-            </a:r>
-            <a:r>
-              <a:rPr lang="en-US" sz="2400" dirty="0" smtClean="0">
+              <a:t>create -f subscriber</a:t>
+            </a:r>
+            <a:r>
+              <a:rPr lang="en-US" sz="3100" dirty="0" smtClean="0">
                 <a:solidFill>
                   <a:srgbClr val="008000"/>
                 </a:solidFill>
               </a:rPr>
-              <a:t>&gt;/&lt;</a:t>
-            </a:r>
-            <a:r>
-              <a:rPr lang="en-US" sz="2400" dirty="0" err="1" smtClean="0">
+              <a:t>-website-</a:t>
+            </a:r>
+            <a:r>
+              <a:rPr lang="en-US" sz="3100" dirty="0" err="1" smtClean="0">
                 <a:solidFill>
                   <a:srgbClr val="008000"/>
                 </a:solidFill>
               </a:rPr>
-              <a:t>imagename</a:t>
-            </a:r>
-            <a:r>
-              <a:rPr lang="en-US" sz="2400" dirty="0" smtClean="0">
-                <a:solidFill>
-                  <a:srgbClr val="008000"/>
-                </a:solidFill>
-              </a:rPr>
-              <a:t>&gt;:&lt;</a:t>
-            </a:r>
-            <a:r>
-              <a:rPr lang="en-US" sz="2400" dirty="0" err="1" smtClean="0">
-                <a:solidFill>
-                  <a:srgbClr val="008000"/>
-                </a:solidFill>
-              </a:rPr>
-              <a:t>versionTag</a:t>
-            </a:r>
-            <a:r>
-              <a:rPr lang="en-US" sz="2400" dirty="0" smtClean="0">
-                <a:solidFill>
-                  <a:srgbClr val="008000"/>
-                </a:solidFill>
-              </a:rPr>
-              <a:t>&gt;</a:t>
-            </a:r>
-          </a:p>
-          <a:p>
-            <a:pPr marL="1136462" lvl="1" indent="-457200">
-              <a:buFont typeface="+mj-lt"/>
-              <a:buAutoNum type="arabicPeriod"/>
-            </a:pPr>
-            <a:r>
-              <a:rPr lang="en-US" sz="2400" dirty="0" smtClean="0"/>
-              <a:t>Push the new images to Google Cloud</a:t>
-            </a:r>
-          </a:p>
-          <a:p>
-            <a:pPr marL="1730816" lvl="2" indent="-457200"/>
-            <a:r>
-              <a:rPr lang="en-US" sz="2400" dirty="0" smtClean="0">
-                <a:solidFill>
-                  <a:srgbClr val="008000"/>
-                </a:solidFill>
-              </a:rPr>
-              <a:t>$ docker push </a:t>
-            </a:r>
-            <a:r>
-              <a:rPr lang="en-US" sz="2400" dirty="0" err="1">
-                <a:solidFill>
-                  <a:srgbClr val="008000"/>
-                </a:solidFill>
-              </a:rPr>
-              <a:t>gcr.io</a:t>
-            </a:r>
-            <a:r>
-              <a:rPr lang="en-US" sz="2400" dirty="0">
-                <a:solidFill>
-                  <a:srgbClr val="008000"/>
-                </a:solidFill>
-              </a:rPr>
-              <a:t>/&lt;</a:t>
-            </a:r>
-            <a:r>
-              <a:rPr lang="en-US" sz="2400" dirty="0" err="1">
-                <a:solidFill>
-                  <a:srgbClr val="008000"/>
-                </a:solidFill>
-              </a:rPr>
-              <a:t>projectId</a:t>
-            </a:r>
-            <a:r>
-              <a:rPr lang="en-US" sz="2400" dirty="0">
-                <a:solidFill>
-                  <a:srgbClr val="008000"/>
-                </a:solidFill>
-              </a:rPr>
-              <a:t>&gt;/&lt;</a:t>
-            </a:r>
-            <a:r>
-              <a:rPr lang="en-US" sz="2400" dirty="0" err="1">
-                <a:solidFill>
-                  <a:srgbClr val="008000"/>
-                </a:solidFill>
-              </a:rPr>
-              <a:t>imagename</a:t>
-            </a:r>
-            <a:r>
-              <a:rPr lang="en-US" sz="2400" dirty="0">
-                <a:solidFill>
-                  <a:srgbClr val="008000"/>
-                </a:solidFill>
-              </a:rPr>
-              <a:t>&gt;:&lt;</a:t>
-            </a:r>
-            <a:r>
-              <a:rPr lang="en-US" sz="2400" dirty="0" err="1">
-                <a:solidFill>
-                  <a:srgbClr val="008000"/>
-                </a:solidFill>
-              </a:rPr>
-              <a:t>versionTag</a:t>
-            </a:r>
-            <a:r>
-              <a:rPr lang="en-US" sz="2400" dirty="0">
-                <a:solidFill>
-                  <a:srgbClr val="008000"/>
-                </a:solidFill>
-              </a:rPr>
-              <a:t>&gt;</a:t>
-            </a:r>
-          </a:p>
-          <a:p>
-            <a:pPr marL="1136462" lvl="1" indent="-457200">
-              <a:buFont typeface="+mj-lt"/>
-              <a:buAutoNum type="arabicPeriod"/>
-            </a:pPr>
-            <a:r>
-              <a:rPr lang="en-US" sz="2400" dirty="0" smtClean="0"/>
-              <a:t>Perform rolling update:</a:t>
-            </a:r>
-          </a:p>
-          <a:p>
-            <a:pPr marL="1730816" lvl="2" indent="-457200"/>
-            <a:r>
-              <a:rPr lang="en-US" sz="2400" dirty="0">
-                <a:solidFill>
-                  <a:srgbClr val="008000"/>
-                </a:solidFill>
-              </a:rPr>
-              <a:t>$ </a:t>
-            </a:r>
-            <a:r>
-              <a:rPr lang="en-US" sz="2400" dirty="0" err="1">
-                <a:solidFill>
-                  <a:srgbClr val="008000"/>
-                </a:solidFill>
-              </a:rPr>
-              <a:t>kubectl</a:t>
-            </a:r>
-            <a:r>
-              <a:rPr lang="en-US" sz="2400" dirty="0">
-                <a:solidFill>
-                  <a:srgbClr val="008000"/>
-                </a:solidFill>
-              </a:rPr>
-              <a:t> rolling-update website --image=</a:t>
-            </a:r>
-            <a:r>
-              <a:rPr lang="en-US" sz="2400" dirty="0" err="1">
-                <a:solidFill>
-                  <a:srgbClr val="008000"/>
-                </a:solidFill>
-              </a:rPr>
-              <a:t>gcr.io</a:t>
-            </a:r>
-            <a:r>
-              <a:rPr lang="en-US" sz="2400" dirty="0">
-                <a:solidFill>
-                  <a:srgbClr val="008000"/>
-                </a:solidFill>
-              </a:rPr>
-              <a:t>/subscribers-1072/website-</a:t>
-            </a:r>
-            <a:r>
-              <a:rPr lang="en-US" sz="2400" dirty="0" smtClean="0">
-                <a:solidFill>
-                  <a:srgbClr val="008000"/>
-                </a:solidFill>
-              </a:rPr>
-              <a:t>node:v2</a:t>
-            </a:r>
-          </a:p>
-          <a:p>
-            <a:r>
-              <a:rPr lang="en-US" sz="2400" dirty="0" smtClean="0"/>
-              <a:t>Roll back to previous version is also very simple. Simply run the above command </a:t>
-            </a:r>
-            <a:r>
-              <a:rPr lang="en-US" sz="2400" smtClean="0"/>
-              <a:t>with the </a:t>
-            </a:r>
-            <a:r>
-              <a:rPr lang="en-US" sz="2400" dirty="0" smtClean="0"/>
-              <a:t>previous image version:</a:t>
-            </a:r>
-          </a:p>
-          <a:p>
-            <a:pPr lvl="2"/>
-            <a:r>
-              <a:rPr lang="en-US" sz="2400" dirty="0">
-                <a:solidFill>
-                  <a:srgbClr val="008000"/>
-                </a:solidFill>
-              </a:rPr>
-              <a:t>$ </a:t>
-            </a:r>
-            <a:r>
-              <a:rPr lang="en-US" sz="2400" dirty="0" err="1">
-                <a:solidFill>
-                  <a:srgbClr val="008000"/>
-                </a:solidFill>
-              </a:rPr>
-              <a:t>kubectl</a:t>
-            </a:r>
-            <a:r>
-              <a:rPr lang="en-US" sz="2400" dirty="0">
-                <a:solidFill>
-                  <a:srgbClr val="008000"/>
-                </a:solidFill>
-              </a:rPr>
-              <a:t> rolling-update website --image=</a:t>
-            </a:r>
-            <a:r>
-              <a:rPr lang="en-US" sz="2400" dirty="0" err="1">
-                <a:solidFill>
-                  <a:srgbClr val="008000"/>
-                </a:solidFill>
-              </a:rPr>
-              <a:t>gcr.io</a:t>
-            </a:r>
-            <a:r>
-              <a:rPr lang="en-US" sz="2400" dirty="0">
-                <a:solidFill>
-                  <a:srgbClr val="008000"/>
-                </a:solidFill>
-              </a:rPr>
-              <a:t>/subscribers-1072/website-</a:t>
-            </a:r>
-            <a:r>
-              <a:rPr lang="en-US" sz="2400" dirty="0" smtClean="0">
-                <a:solidFill>
-                  <a:srgbClr val="008000"/>
-                </a:solidFill>
-              </a:rPr>
-              <a:t>node:</a:t>
-            </a:r>
-            <a:r>
-              <a:rPr lang="en-US" sz="2400" dirty="0" smtClean="0">
-                <a:solidFill>
-                  <a:srgbClr val="FF0000"/>
-                </a:solidFill>
-              </a:rPr>
-              <a:t>v1</a:t>
-            </a:r>
-            <a:endParaRPr lang="en-US" sz="2400" dirty="0">
+              <a:t>service.json</a:t>
+            </a:r>
+            <a:endParaRPr lang="en-US" sz="3100" dirty="0" smtClean="0">
               <a:solidFill>
-                <a:srgbClr val="FF0000"/>
+                <a:srgbClr val="008000"/>
               </a:solidFill>
             </a:endParaRPr>
           </a:p>
           <a:p>
+            <a:pPr lvl="1"/>
+            <a:r>
+              <a:rPr lang="en-US" sz="3100" dirty="0">
+                <a:solidFill>
+                  <a:schemeClr val="tx1"/>
+                </a:solidFill>
+              </a:rPr>
+              <a:t>View service:</a:t>
+            </a:r>
+          </a:p>
+          <a:p>
             <a:pPr lvl="2"/>
-            <a:endParaRPr lang="en-US" dirty="0" smtClean="0"/>
-          </a:p>
-          <a:p>
-            <a:pPr marL="1136462" lvl="1" indent="-457200">
-              <a:buFont typeface="+mj-lt"/>
-              <a:buAutoNum type="arabicPeriod"/>
-            </a:pPr>
-            <a:endParaRPr lang="en-US" dirty="0"/>
+            <a:r>
+              <a:rPr lang="en-US" sz="3100" dirty="0">
+                <a:solidFill>
+                  <a:srgbClr val="008000"/>
+                </a:solidFill>
+              </a:rPr>
+              <a:t>$ </a:t>
+            </a:r>
+            <a:r>
+              <a:rPr lang="en-US" sz="3100" dirty="0" err="1">
+                <a:solidFill>
+                  <a:srgbClr val="008000"/>
+                </a:solidFill>
+              </a:rPr>
+              <a:t>kubectl</a:t>
+            </a:r>
+            <a:r>
+              <a:rPr lang="en-US" sz="3100" dirty="0">
+                <a:solidFill>
+                  <a:srgbClr val="008000"/>
+                </a:solidFill>
+              </a:rPr>
+              <a:t> get </a:t>
+            </a:r>
+            <a:r>
+              <a:rPr lang="en-US" sz="3100" dirty="0" smtClean="0">
+                <a:solidFill>
+                  <a:srgbClr val="008000"/>
+                </a:solidFill>
+              </a:rPr>
+              <a:t>services</a:t>
+            </a:r>
+          </a:p>
+          <a:p>
+            <a:r>
+              <a:rPr lang="en-US" sz="3100" dirty="0" smtClean="0"/>
+              <a:t>Get </a:t>
+            </a:r>
+            <a:r>
+              <a:rPr lang="en-US" sz="3100" dirty="0"/>
+              <a:t>IP address for the load </a:t>
+            </a:r>
+            <a:r>
+              <a:rPr lang="en-US" sz="3100" dirty="0" smtClean="0"/>
+              <a:t>balancer </a:t>
+            </a:r>
+            <a:r>
+              <a:rPr lang="en-US" sz="3100" dirty="0"/>
+              <a:t>for </a:t>
+            </a:r>
+            <a:r>
+              <a:rPr lang="en-US" sz="3100" dirty="0" smtClean="0"/>
+              <a:t>website App</a:t>
+            </a:r>
+            <a:r>
+              <a:rPr lang="en-US" sz="3100" dirty="0"/>
+              <a:t> </a:t>
+            </a:r>
+            <a:r>
+              <a:rPr lang="en-US" sz="3100" dirty="0" smtClean="0"/>
+              <a:t>Service (load balancer):</a:t>
+            </a:r>
+          </a:p>
+          <a:p>
+            <a:pPr lvl="1"/>
+            <a:r>
+              <a:rPr lang="en-US" sz="3100" dirty="0" smtClean="0">
+                <a:solidFill>
+                  <a:srgbClr val="008000"/>
+                </a:solidFill>
+              </a:rPr>
+              <a:t>$ </a:t>
+            </a:r>
+            <a:r>
+              <a:rPr lang="en-US" sz="3100" dirty="0" err="1" smtClean="0">
+                <a:solidFill>
+                  <a:srgbClr val="008000"/>
+                </a:solidFill>
+              </a:rPr>
+              <a:t>kubectl</a:t>
+            </a:r>
+            <a:r>
+              <a:rPr lang="en-US" sz="3100" dirty="0" smtClean="0">
+                <a:solidFill>
+                  <a:srgbClr val="008000"/>
+                </a:solidFill>
+              </a:rPr>
+              <a:t> get services</a:t>
+            </a:r>
+            <a:endParaRPr lang="en-US" sz="3100" dirty="0">
+              <a:solidFill>
+                <a:srgbClr val="008000"/>
+              </a:solidFill>
+            </a:endParaRPr>
+          </a:p>
+          <a:p>
+            <a:pPr lvl="1"/>
+            <a:r>
+              <a:rPr lang="en-US" sz="3100" dirty="0" smtClean="0">
+                <a:solidFill>
+                  <a:schemeClr val="tx1"/>
+                </a:solidFill>
+                <a:latin typeface="Arial"/>
+                <a:cs typeface="Arial"/>
+              </a:rPr>
+              <a:t>i.e.: 104.197.141.51</a:t>
+            </a:r>
+            <a:endParaRPr lang="en-US" sz="3100" dirty="0">
+              <a:solidFill>
+                <a:schemeClr val="tx1"/>
+              </a:solidFill>
+              <a:latin typeface="Arial"/>
+              <a:cs typeface="Arial"/>
+            </a:endParaRPr>
+          </a:p>
+          <a:p>
+            <a:r>
+              <a:rPr lang="en-US" sz="3100" dirty="0"/>
+              <a:t>Test </a:t>
+            </a:r>
+            <a:r>
+              <a:rPr lang="en-US" sz="3100" dirty="0" smtClean="0"/>
+              <a:t>website, i.e.:</a:t>
+            </a:r>
+            <a:endParaRPr lang="en-US" sz="3100" dirty="0"/>
+          </a:p>
+          <a:p>
+            <a:pPr lvl="1"/>
+            <a:r>
+              <a:rPr lang="en-US" sz="3200" dirty="0">
+                <a:solidFill>
+                  <a:srgbClr val="3366FF"/>
+                </a:solidFill>
+              </a:rPr>
+              <a:t>http://104.197.141.51</a:t>
+            </a:r>
+            <a:r>
+              <a:rPr lang="en-US" sz="3200" dirty="0" smtClean="0">
+                <a:solidFill>
+                  <a:srgbClr val="3366FF"/>
+                </a:solidFill>
+              </a:rPr>
+              <a:t>/</a:t>
+            </a:r>
+            <a:r>
+              <a:rPr lang="en-US" sz="3200" dirty="0">
+                <a:solidFill>
+                  <a:srgbClr val="3366FF"/>
+                </a:solidFill>
+              </a:rPr>
+              <a:t>subscribers/</a:t>
+            </a:r>
+            <a:r>
+              <a:rPr lang="en-US" sz="3200" dirty="0" err="1" smtClean="0">
+                <a:solidFill>
+                  <a:srgbClr val="3366FF"/>
+                </a:solidFill>
+              </a:rPr>
+              <a:t>dynamicsubscribers</a:t>
+            </a:r>
+            <a:endParaRPr lang="en-US" sz="3200" dirty="0">
+              <a:solidFill>
+                <a:srgbClr val="3366FF"/>
+              </a:solidFill>
+            </a:endParaRPr>
           </a:p>
         </p:txBody>
       </p:sp>
     </p:spTree>
     <p:extLst>
       <p:ext uri="{BB962C8B-B14F-4D97-AF65-F5344CB8AC3E}">
-        <p14:creationId xmlns:p14="http://schemas.microsoft.com/office/powerpoint/2010/main" val="2765840249"/>
+        <p14:creationId xmlns:p14="http://schemas.microsoft.com/office/powerpoint/2010/main" val="231278796"/>
       </p:ext>
     </p:extLst>
   </p:cSld>
@@ -17425,6 +18347,435 @@
             <p:ph type="title"/>
           </p:nvPr>
         </p:nvSpPr>
+        <p:spPr/>
+        <p:txBody>
+          <a:bodyPr/>
+          <a:lstStyle/>
+          <a:p>
+            <a:r>
+              <a:rPr lang="en-US" dirty="0" smtClean="0"/>
+              <a:t>Rolling updates revisited</a:t>
+            </a:r>
+            <a:endParaRPr lang="en-US" dirty="0"/>
+          </a:p>
+        </p:txBody>
+      </p:sp>
+      <p:sp>
+        <p:nvSpPr>
+          <p:cNvPr id="4" name="Content Placeholder 3"/>
+          <p:cNvSpPr>
+            <a:spLocks noGrp="1"/>
+          </p:cNvSpPr>
+          <p:nvPr>
+            <p:ph idx="1"/>
+          </p:nvPr>
+        </p:nvSpPr>
+        <p:spPr>
+          <a:xfrm>
+            <a:off x="731520" y="1298576"/>
+            <a:ext cx="13167360" cy="7071873"/>
+          </a:xfrm>
+        </p:spPr>
+        <p:txBody>
+          <a:bodyPr/>
+          <a:lstStyle/>
+          <a:p>
+            <a:r>
+              <a:rPr lang="en-US" sz="2400" dirty="0" smtClean="0"/>
+              <a:t>After the initial deployment the normal lifecycle of any product assumes upcoming updates sooner or later, be it new versions, or hot fixes</a:t>
+            </a:r>
+          </a:p>
+          <a:p>
+            <a:r>
+              <a:rPr lang="en-US" sz="2400" dirty="0" smtClean="0"/>
+              <a:t>Rolling updates by </a:t>
+            </a:r>
+            <a:r>
+              <a:rPr lang="en-US" sz="2400" dirty="0" err="1" smtClean="0"/>
+              <a:t>kubernetes</a:t>
+            </a:r>
+            <a:r>
+              <a:rPr lang="en-US" sz="2400" dirty="0" smtClean="0"/>
+              <a:t> handle the production updates seamlessly </a:t>
+            </a:r>
+          </a:p>
+          <a:p>
+            <a:r>
+              <a:rPr lang="en-US" sz="2400" dirty="0" smtClean="0"/>
+              <a:t>Required steps:</a:t>
+            </a:r>
+          </a:p>
+          <a:p>
+            <a:pPr marL="1136462" lvl="1" indent="-457200">
+              <a:buFont typeface="+mj-lt"/>
+              <a:buAutoNum type="arabicPeriod"/>
+            </a:pPr>
+            <a:r>
+              <a:rPr lang="en-US" sz="2400" dirty="0" smtClean="0"/>
+              <a:t>Prepare the required artifacts</a:t>
+            </a:r>
+          </a:p>
+          <a:p>
+            <a:pPr marL="1730816" lvl="2" indent="-457200"/>
+            <a:r>
+              <a:rPr lang="en-US" sz="2400" dirty="0" smtClean="0"/>
+              <a:t>build the applications, jar, was, whatever</a:t>
+            </a:r>
+          </a:p>
+          <a:p>
+            <a:pPr marL="1136462" lvl="1" indent="-457200">
+              <a:buFont typeface="+mj-lt"/>
+              <a:buAutoNum type="arabicPeriod"/>
+            </a:pPr>
+            <a:r>
+              <a:rPr lang="en-US" sz="2400" dirty="0" smtClean="0"/>
+              <a:t>Build new images, assigning appropriate tags (versions)</a:t>
+            </a:r>
+          </a:p>
+          <a:p>
+            <a:pPr marL="1730816" lvl="2" indent="-457200"/>
+            <a:r>
+              <a:rPr lang="en-US" sz="2400" dirty="0" smtClean="0">
+                <a:solidFill>
+                  <a:srgbClr val="008000"/>
+                </a:solidFill>
+              </a:rPr>
+              <a:t>$ docker build –t </a:t>
+            </a:r>
+            <a:r>
+              <a:rPr lang="en-US" sz="2400" dirty="0" err="1" smtClean="0">
+                <a:solidFill>
+                  <a:srgbClr val="008000"/>
+                </a:solidFill>
+              </a:rPr>
+              <a:t>gcr.io</a:t>
+            </a:r>
+            <a:r>
+              <a:rPr lang="en-US" sz="2400" dirty="0" smtClean="0">
+                <a:solidFill>
+                  <a:srgbClr val="008000"/>
+                </a:solidFill>
+              </a:rPr>
+              <a:t>/&lt;</a:t>
+            </a:r>
+            <a:r>
+              <a:rPr lang="en-US" sz="2400" dirty="0" err="1" smtClean="0">
+                <a:solidFill>
+                  <a:srgbClr val="008000"/>
+                </a:solidFill>
+              </a:rPr>
+              <a:t>projectId</a:t>
+            </a:r>
+            <a:r>
+              <a:rPr lang="en-US" sz="2400" dirty="0" smtClean="0">
+                <a:solidFill>
+                  <a:srgbClr val="008000"/>
+                </a:solidFill>
+              </a:rPr>
+              <a:t>&gt;/&lt;</a:t>
+            </a:r>
+            <a:r>
+              <a:rPr lang="en-US" sz="2400" dirty="0" err="1" smtClean="0">
+                <a:solidFill>
+                  <a:srgbClr val="008000"/>
+                </a:solidFill>
+              </a:rPr>
+              <a:t>imagename</a:t>
+            </a:r>
+            <a:r>
+              <a:rPr lang="en-US" sz="2400" dirty="0" smtClean="0">
+                <a:solidFill>
+                  <a:srgbClr val="008000"/>
+                </a:solidFill>
+              </a:rPr>
+              <a:t>&gt;:&lt;</a:t>
+            </a:r>
+            <a:r>
+              <a:rPr lang="en-US" sz="2400" dirty="0" err="1" smtClean="0">
+                <a:solidFill>
+                  <a:srgbClr val="008000"/>
+                </a:solidFill>
+              </a:rPr>
+              <a:t>versionTag</a:t>
+            </a:r>
+            <a:r>
+              <a:rPr lang="en-US" sz="2400" dirty="0" smtClean="0">
+                <a:solidFill>
+                  <a:srgbClr val="008000"/>
+                </a:solidFill>
+              </a:rPr>
+              <a:t>&gt;</a:t>
+            </a:r>
+          </a:p>
+          <a:p>
+            <a:pPr marL="1136462" lvl="1" indent="-457200">
+              <a:buFont typeface="+mj-lt"/>
+              <a:buAutoNum type="arabicPeriod"/>
+            </a:pPr>
+            <a:r>
+              <a:rPr lang="en-US" sz="2400" dirty="0" smtClean="0"/>
+              <a:t>Push the new images to Google Cloud</a:t>
+            </a:r>
+          </a:p>
+          <a:p>
+            <a:pPr marL="1730816" lvl="2" indent="-457200"/>
+            <a:r>
+              <a:rPr lang="en-US" sz="2400" dirty="0" smtClean="0">
+                <a:solidFill>
+                  <a:srgbClr val="008000"/>
+                </a:solidFill>
+              </a:rPr>
+              <a:t>$ docker push </a:t>
+            </a:r>
+            <a:r>
+              <a:rPr lang="en-US" sz="2400" dirty="0" err="1">
+                <a:solidFill>
+                  <a:srgbClr val="008000"/>
+                </a:solidFill>
+              </a:rPr>
+              <a:t>gcr.io</a:t>
+            </a:r>
+            <a:r>
+              <a:rPr lang="en-US" sz="2400" dirty="0">
+                <a:solidFill>
+                  <a:srgbClr val="008000"/>
+                </a:solidFill>
+              </a:rPr>
+              <a:t>/&lt;</a:t>
+            </a:r>
+            <a:r>
+              <a:rPr lang="en-US" sz="2400" dirty="0" err="1">
+                <a:solidFill>
+                  <a:srgbClr val="008000"/>
+                </a:solidFill>
+              </a:rPr>
+              <a:t>projectId</a:t>
+            </a:r>
+            <a:r>
+              <a:rPr lang="en-US" sz="2400" dirty="0">
+                <a:solidFill>
+                  <a:srgbClr val="008000"/>
+                </a:solidFill>
+              </a:rPr>
+              <a:t>&gt;/&lt;</a:t>
+            </a:r>
+            <a:r>
+              <a:rPr lang="en-US" sz="2400" dirty="0" err="1">
+                <a:solidFill>
+                  <a:srgbClr val="008000"/>
+                </a:solidFill>
+              </a:rPr>
+              <a:t>imagename</a:t>
+            </a:r>
+            <a:r>
+              <a:rPr lang="en-US" sz="2400" dirty="0">
+                <a:solidFill>
+                  <a:srgbClr val="008000"/>
+                </a:solidFill>
+              </a:rPr>
+              <a:t>&gt;:&lt;</a:t>
+            </a:r>
+            <a:r>
+              <a:rPr lang="en-US" sz="2400" dirty="0" err="1">
+                <a:solidFill>
+                  <a:srgbClr val="008000"/>
+                </a:solidFill>
+              </a:rPr>
+              <a:t>versionTag</a:t>
+            </a:r>
+            <a:r>
+              <a:rPr lang="en-US" sz="2400" dirty="0">
+                <a:solidFill>
+                  <a:srgbClr val="008000"/>
+                </a:solidFill>
+              </a:rPr>
+              <a:t>&gt;</a:t>
+            </a:r>
+          </a:p>
+          <a:p>
+            <a:pPr marL="1136462" lvl="1" indent="-457200">
+              <a:buFont typeface="+mj-lt"/>
+              <a:buAutoNum type="arabicPeriod"/>
+            </a:pPr>
+            <a:r>
+              <a:rPr lang="en-US" sz="2400" dirty="0" smtClean="0"/>
+              <a:t>Perform rolling update:</a:t>
+            </a:r>
+          </a:p>
+          <a:p>
+            <a:pPr marL="1730816" lvl="2" indent="-457200"/>
+            <a:r>
+              <a:rPr lang="en-US" sz="2400" dirty="0">
+                <a:solidFill>
+                  <a:srgbClr val="008000"/>
+                </a:solidFill>
+              </a:rPr>
+              <a:t>$ </a:t>
+            </a:r>
+            <a:r>
+              <a:rPr lang="en-US" sz="2400" dirty="0" err="1">
+                <a:solidFill>
+                  <a:srgbClr val="008000"/>
+                </a:solidFill>
+              </a:rPr>
+              <a:t>kubectl</a:t>
+            </a:r>
+            <a:r>
+              <a:rPr lang="en-US" sz="2400" dirty="0">
+                <a:solidFill>
+                  <a:srgbClr val="008000"/>
+                </a:solidFill>
+              </a:rPr>
+              <a:t> rolling-update website --image=</a:t>
+            </a:r>
+            <a:r>
+              <a:rPr lang="en-US" sz="2400" dirty="0" err="1">
+                <a:solidFill>
+                  <a:srgbClr val="008000"/>
+                </a:solidFill>
+              </a:rPr>
+              <a:t>gcr.io</a:t>
+            </a:r>
+            <a:r>
+              <a:rPr lang="en-US" sz="2400" dirty="0">
+                <a:solidFill>
+                  <a:srgbClr val="008000"/>
+                </a:solidFill>
+              </a:rPr>
+              <a:t>/subscribers-1072/website-</a:t>
+            </a:r>
+            <a:r>
+              <a:rPr lang="en-US" sz="2400" dirty="0" smtClean="0">
+                <a:solidFill>
+                  <a:srgbClr val="008000"/>
+                </a:solidFill>
+              </a:rPr>
+              <a:t>node:v2</a:t>
+            </a:r>
+          </a:p>
+          <a:p>
+            <a:r>
+              <a:rPr lang="en-US" sz="2400" dirty="0" smtClean="0"/>
+              <a:t>Roll back to previous version is also very simple. Simply run the above command with the previous image version:</a:t>
+            </a:r>
+          </a:p>
+          <a:p>
+            <a:pPr lvl="2"/>
+            <a:r>
+              <a:rPr lang="en-US" sz="2400" dirty="0">
+                <a:solidFill>
+                  <a:srgbClr val="008000"/>
+                </a:solidFill>
+              </a:rPr>
+              <a:t>$ </a:t>
+            </a:r>
+            <a:r>
+              <a:rPr lang="en-US" sz="2400" dirty="0" err="1">
+                <a:solidFill>
+                  <a:srgbClr val="008000"/>
+                </a:solidFill>
+              </a:rPr>
+              <a:t>kubectl</a:t>
+            </a:r>
+            <a:r>
+              <a:rPr lang="en-US" sz="2400" dirty="0">
+                <a:solidFill>
+                  <a:srgbClr val="008000"/>
+                </a:solidFill>
+              </a:rPr>
+              <a:t> rolling-update website --image=</a:t>
+            </a:r>
+            <a:r>
+              <a:rPr lang="en-US" sz="2400" dirty="0" err="1">
+                <a:solidFill>
+                  <a:srgbClr val="008000"/>
+                </a:solidFill>
+              </a:rPr>
+              <a:t>gcr.io</a:t>
+            </a:r>
+            <a:r>
+              <a:rPr lang="en-US" sz="2400" dirty="0">
+                <a:solidFill>
+                  <a:srgbClr val="008000"/>
+                </a:solidFill>
+              </a:rPr>
+              <a:t>/subscribers-1072/website-</a:t>
+            </a:r>
+            <a:r>
+              <a:rPr lang="en-US" sz="2400" dirty="0" smtClean="0">
+                <a:solidFill>
+                  <a:srgbClr val="008000"/>
+                </a:solidFill>
+              </a:rPr>
+              <a:t>node:</a:t>
+            </a:r>
+            <a:r>
+              <a:rPr lang="en-US" sz="2400" dirty="0" smtClean="0">
+                <a:solidFill>
+                  <a:srgbClr val="FF0000"/>
+                </a:solidFill>
+              </a:rPr>
+              <a:t>v1</a:t>
+            </a:r>
+            <a:endParaRPr lang="en-US" sz="2400" dirty="0">
+              <a:solidFill>
+                <a:srgbClr val="FF0000"/>
+              </a:solidFill>
+            </a:endParaRPr>
+          </a:p>
+          <a:p>
+            <a:pPr lvl="2"/>
+            <a:endParaRPr lang="en-US" dirty="0" smtClean="0"/>
+          </a:p>
+          <a:p>
+            <a:pPr marL="1136462" lvl="1" indent="-457200">
+              <a:buFont typeface="+mj-lt"/>
+              <a:buAutoNum type="arabicPeriod"/>
+            </a:pPr>
+            <a:endParaRPr lang="en-US" dirty="0"/>
+          </a:p>
+        </p:txBody>
+      </p:sp>
+    </p:spTree>
+    <p:extLst>
+      <p:ext uri="{BB962C8B-B14F-4D97-AF65-F5344CB8AC3E}">
+        <p14:creationId xmlns:p14="http://schemas.microsoft.com/office/powerpoint/2010/main" val="2765840249"/>
+      </p:ext>
+    </p:extLst>
+  </p:cSld>
+  <p:clrMapOvr>
+    <a:masterClrMapping/>
+  </p:clrMapOvr>
+</p:sld>
+</file>
+
+<file path=ppt/slides/slide23.xml><?xml version="1.0" encoding="utf-8"?>
+<p:sld xmlns:a="http://schemas.openxmlformats.org/drawingml/2006/main" xmlns:r="http://schemas.openxmlformats.org/officeDocument/2006/relationships" xmlns:p="http://schemas.openxmlformats.org/presentationml/2006/main">
+  <p:cSld>
+    <p:spTree>
+      <p:nvGrpSpPr>
+        <p:cNvPr id="1" name=""/>
+        <p:cNvGrpSpPr/>
+        <p:nvPr/>
+      </p:nvGrpSpPr>
+      <p:grpSpPr>
+        <a:xfrm>
+          <a:off x="0" y="0"/>
+          <a:ext cx="0" cy="0"/>
+          <a:chOff x="0" y="0"/>
+          <a:chExt cx="0" cy="0"/>
+        </a:xfrm>
+      </p:grpSpPr>
+      <p:sp>
+        <p:nvSpPr>
+          <p:cNvPr id="2" name="Title 1"/>
+          <p:cNvSpPr>
+            <a:spLocks noGrp="1"/>
+          </p:cNvSpPr>
+          <p:nvPr>
+            <p:ph type="title"/>
+          </p:nvPr>
+        </p:nvSpPr>
         <p:spPr>
           <a:xfrm>
             <a:off x="731520" y="581025"/>
@@ -17457,7 +18808,7 @@
 </p:sld>
 </file>
 
-<file path=ppt/slides/slide23.xml><?xml version="1.0" encoding="utf-8"?>
+<file path=ppt/slides/slide24.xml><?xml version="1.0" encoding="utf-8"?>
 <p:sld xmlns:a="http://schemas.openxmlformats.org/drawingml/2006/main" xmlns:r="http://schemas.openxmlformats.org/officeDocument/2006/relationships" xmlns:p="http://schemas.openxmlformats.org/presentationml/2006/main">
   <p:cSld>
     <p:spTree>
@@ -18341,15 +19692,7 @@
           <a:p>
             <a:r>
               <a:rPr lang="en-US" dirty="0" smtClean="0"/>
-              <a:t>Build the </a:t>
-            </a:r>
-            <a:r>
-              <a:rPr lang="en-US" dirty="0"/>
-              <a:t>A</a:t>
-            </a:r>
-            <a:r>
-              <a:rPr lang="en-US" dirty="0" smtClean="0"/>
-              <a:t>pplications – Artifacts</a:t>
+              <a:t>Google Cloud SQL Access Configuration</a:t>
             </a:r>
             <a:endParaRPr lang="en-US" dirty="0"/>
           </a:p>
@@ -18367,8 +19710,8 @@
         </p:nvSpPr>
         <p:spPr>
           <a:xfrm>
-            <a:off x="731520" y="1298576"/>
-            <a:ext cx="13167360" cy="6626225"/>
+            <a:off x="731520" y="1399308"/>
+            <a:ext cx="13167360" cy="6525494"/>
           </a:xfrm>
         </p:spPr>
         <p:txBody>
@@ -18378,93 +19721,78 @@
           <a:lstStyle/>
           <a:p>
             <a:r>
-              <a:rPr lang="en-US" sz="3200" dirty="0" smtClean="0"/>
-              <a:t>Source code for webservices and for website (STS)</a:t>
+              <a:rPr lang="en-US" sz="2800" dirty="0" smtClean="0"/>
+              <a:t>Before our apps can do anything we will need a SQL instance in Google Cloud</a:t>
+            </a:r>
+          </a:p>
+          <a:p>
+            <a:r>
+              <a:rPr lang="en-US" sz="2800" dirty="0" smtClean="0"/>
+              <a:t>Create a new instance of Cloud SQL, and get it’s IP</a:t>
+            </a:r>
+          </a:p>
+          <a:p>
+            <a:r>
+              <a:rPr lang="en-US" sz="2800" dirty="0" smtClean="0"/>
+              <a:t>Whitelist </a:t>
+            </a:r>
+            <a:r>
+              <a:rPr lang="en-US" sz="2800" b="1" i="1" dirty="0" smtClean="0"/>
+              <a:t>your</a:t>
+            </a:r>
+            <a:r>
+              <a:rPr lang="en-US" sz="2800" dirty="0" smtClean="0"/>
+              <a:t> machine’s IP with this instance, use this tool to find out your Proxy IP:</a:t>
             </a:r>
           </a:p>
           <a:p>
             <a:pPr lvl="1"/>
             <a:r>
-              <a:rPr lang="en-US" sz="3200" dirty="0" smtClean="0"/>
-              <a:t>Configuration:</a:t>
-            </a:r>
-          </a:p>
-          <a:p>
-            <a:pPr lvl="2"/>
-            <a:r>
-              <a:rPr lang="en-US" sz="3200" dirty="0" smtClean="0"/>
-              <a:t>SQL Server URL for webservices</a:t>
-            </a:r>
-          </a:p>
-          <a:p>
-            <a:pPr lvl="2"/>
-            <a:r>
-              <a:rPr lang="en-US" sz="3200" dirty="0" smtClean="0"/>
-              <a:t>Environment VAR for website to point to webservices </a:t>
-            </a:r>
-          </a:p>
-          <a:p>
-            <a:r>
-              <a:rPr lang="en-US" sz="3200" dirty="0" smtClean="0"/>
-              <a:t>Build services jar</a:t>
-            </a:r>
-          </a:p>
-          <a:p>
-            <a:pPr lvl="1"/>
-            <a:r>
-              <a:rPr lang="en-US" sz="3200" dirty="0" smtClean="0"/>
-              <a:t>$ </a:t>
-            </a:r>
-            <a:r>
-              <a:rPr lang="en-US" sz="3200" dirty="0" err="1" smtClean="0"/>
-              <a:t>mvn</a:t>
-            </a:r>
-            <a:r>
-              <a:rPr lang="en-US" sz="3200" dirty="0" smtClean="0"/>
-              <a:t> package</a:t>
-            </a:r>
-          </a:p>
-          <a:p>
-            <a:pPr lvl="1"/>
-            <a:r>
-              <a:rPr lang="en-US" sz="3200" dirty="0" smtClean="0"/>
-              <a:t>Copy the </a:t>
-            </a:r>
-            <a:r>
-              <a:rPr lang="en-US" sz="3200" dirty="0" err="1" smtClean="0"/>
-              <a:t>services.jar</a:t>
-            </a:r>
-            <a:r>
-              <a:rPr lang="en-US" sz="3200" dirty="0" smtClean="0"/>
-              <a:t> to deployment/Services</a:t>
-            </a:r>
-          </a:p>
-          <a:p>
-            <a:r>
-              <a:rPr lang="en-US" sz="3200" dirty="0" smtClean="0"/>
-              <a:t>Create war file for website (STS -&gt; Export -&gt; War)</a:t>
-            </a:r>
-          </a:p>
-          <a:p>
-            <a:pPr lvl="1"/>
-            <a:r>
-              <a:rPr lang="en-US" sz="3200" dirty="0" smtClean="0"/>
-              <a:t>Copy the war file, is not there yet</a:t>
-            </a:r>
-          </a:p>
-          <a:p>
-            <a:r>
-              <a:rPr lang="en-US" sz="3200" dirty="0" smtClean="0"/>
-              <a:t>The code for both applications is now ready to be deployed</a:t>
-            </a:r>
-            <a:endParaRPr lang="en-US" sz="3200" dirty="0"/>
+              <a:rPr lang="en-US" sz="2800" dirty="0">
+                <a:hlinkClick r:id="rId3"/>
+              </a:rPr>
+              <a:t>http://www.lagado.com/proxy-</a:t>
+            </a:r>
+            <a:r>
+              <a:rPr lang="en-US" sz="2800" dirty="0" smtClean="0">
+                <a:hlinkClick r:id="rId3"/>
+              </a:rPr>
+              <a:t>test</a:t>
+            </a:r>
+            <a:endParaRPr lang="en-US" sz="2800" dirty="0" smtClean="0"/>
+          </a:p>
+          <a:p>
+            <a:r>
+              <a:rPr lang="en-US" sz="2800" dirty="0" smtClean="0"/>
+              <a:t>Now you can launch your </a:t>
+            </a:r>
+            <a:r>
+              <a:rPr lang="en-US" sz="2800" dirty="0" err="1" smtClean="0"/>
+              <a:t>MySQLWorkbench</a:t>
+            </a:r>
+            <a:r>
+              <a:rPr lang="en-US" sz="2800" dirty="0" smtClean="0"/>
+              <a:t>, and connect to this instance in Google Cloud (using it’s IP)</a:t>
+            </a:r>
+          </a:p>
+          <a:p>
+            <a:r>
+              <a:rPr lang="en-US" sz="2800" dirty="0" smtClean="0"/>
+              <a:t>Next, load your DB DDL file, and run it against the Google Cloud</a:t>
+            </a:r>
+          </a:p>
+          <a:p>
+            <a:r>
+              <a:rPr lang="en-US" sz="2800" dirty="0" smtClean="0"/>
+              <a:t>The database is up and running in the cloud</a:t>
+            </a:r>
           </a:p>
         </p:txBody>
       </p:sp>
     </p:spTree>
     <p:extLst>
       <p:ext uri="{BB962C8B-B14F-4D97-AF65-F5344CB8AC3E}">
-        <p14:creationId xmlns:p14="http://schemas.microsoft.com/office/powerpoint/2010/main" val="3161440300"/>
+        <p14:creationId xmlns:p14="http://schemas.microsoft.com/office/powerpoint/2010/main" val="3316656015"/>
       </p:ext>
     </p:extLst>
   </p:cSld>
@@ -18508,15 +19836,15 @@
           <a:p>
             <a:r>
               <a:rPr lang="en-US" dirty="0" smtClean="0"/>
-              <a:t>Google Cloud Project and your Machine </a:t>
-            </a:r>
-            <a:r>
-              <a:rPr lang="en-US" dirty="0" err="1" smtClean="0"/>
-              <a:t>Env</a:t>
+              <a:t>Build the </a:t>
+            </a:r>
+            <a:r>
+              <a:rPr lang="en-US" dirty="0"/>
+              <a:t>A</a:t>
             </a:r>
             <a:r>
               <a:rPr lang="en-US" dirty="0" smtClean="0"/>
-              <a:t> Setup</a:t>
+              <a:t>pplications – Artifacts</a:t>
             </a:r>
             <a:endParaRPr lang="en-US" dirty="0"/>
           </a:p>
@@ -18534,161 +19862,124 @@
         </p:nvSpPr>
         <p:spPr>
           <a:xfrm>
-            <a:off x="731520" y="1469860"/>
-            <a:ext cx="13167360" cy="6937740"/>
+            <a:off x="731520" y="1298576"/>
+            <a:ext cx="13167360" cy="6859306"/>
           </a:xfrm>
         </p:spPr>
         <p:txBody>
           <a:bodyPr>
-            <a:normAutofit lnSpcReduction="10000"/>
+            <a:normAutofit/>
           </a:bodyPr>
           <a:lstStyle/>
           <a:p>
             <a:r>
-              <a:rPr lang="en-US" dirty="0" smtClean="0"/>
-              <a:t>Starting a new project in Google Cloud</a:t>
+              <a:rPr lang="en-US" sz="3200" dirty="0" smtClean="0"/>
+              <a:t>Source code for webservices and for website (STS)</a:t>
+            </a:r>
+          </a:p>
+          <a:p>
+            <a:r>
+              <a:rPr lang="en-US" sz="3200" dirty="0" smtClean="0"/>
+              <a:t>Configure </a:t>
+            </a:r>
+            <a:r>
+              <a:rPr lang="en-US" sz="3200" dirty="0"/>
+              <a:t>your app/code to use the Google Cloud SQL, by setting up the correct connection string, </a:t>
+            </a:r>
+            <a:r>
+              <a:rPr lang="en-US" sz="3200" dirty="0" err="1"/>
+              <a:t>i.e</a:t>
+            </a:r>
+            <a:r>
+              <a:rPr lang="en-US" sz="3200" dirty="0"/>
+              <a:t>:</a:t>
             </a:r>
           </a:p>
           <a:p>
             <a:pPr lvl="1"/>
             <a:r>
-              <a:rPr lang="en-US" dirty="0" smtClean="0"/>
-              <a:t>First install all tools:</a:t>
-            </a:r>
-          </a:p>
-          <a:p>
-            <a:pPr lvl="2"/>
-            <a:r>
-              <a:rPr lang="en-US" dirty="0" smtClean="0"/>
-              <a:t>Install Docker:</a:t>
-            </a:r>
-          </a:p>
-          <a:p>
-            <a:pPr lvl="3"/>
-            <a:r>
-              <a:rPr lang="en-US" dirty="0">
-                <a:solidFill>
-                  <a:srgbClr val="0000FF"/>
-                </a:solidFill>
-              </a:rPr>
-              <a:t>https://</a:t>
-            </a:r>
-            <a:r>
-              <a:rPr lang="en-US" dirty="0" err="1">
-                <a:solidFill>
-                  <a:srgbClr val="0000FF"/>
-                </a:solidFill>
-              </a:rPr>
-              <a:t>docs.docker.com</a:t>
-            </a:r>
-            <a:r>
-              <a:rPr lang="en-US" dirty="0">
-                <a:solidFill>
-                  <a:srgbClr val="0000FF"/>
-                </a:solidFill>
-              </a:rPr>
-              <a:t>/installation/mac/</a:t>
-            </a:r>
-          </a:p>
-          <a:p>
-            <a:pPr lvl="2"/>
-            <a:r>
-              <a:rPr lang="en-US" dirty="0" smtClean="0"/>
-              <a:t>Google Account exists</a:t>
-            </a:r>
-          </a:p>
-          <a:p>
-            <a:pPr lvl="2"/>
-            <a:r>
-              <a:rPr lang="en-US" dirty="0" smtClean="0"/>
-              <a:t>Billing enabled</a:t>
-            </a:r>
-          </a:p>
-          <a:p>
-            <a:pPr lvl="2"/>
-            <a:r>
-              <a:rPr lang="en-US" dirty="0" err="1" smtClean="0"/>
-              <a:t>gcloud</a:t>
-            </a:r>
-            <a:r>
-              <a:rPr lang="en-US" dirty="0" smtClean="0"/>
-              <a:t> CLI installed, for Linux/Mac OS X:</a:t>
-            </a:r>
-          </a:p>
-          <a:p>
-            <a:pPr lvl="3"/>
-            <a:r>
-              <a:rPr lang="en-US" dirty="0" smtClean="0">
+              <a:rPr lang="en-US" sz="3200" dirty="0" err="1">
                 <a:solidFill>
                   <a:srgbClr val="008000"/>
                 </a:solidFill>
               </a:rPr>
-              <a:t>$ curl </a:t>
-            </a:r>
-            <a:r>
-              <a:rPr lang="en-US" dirty="0">
+              <a:t>jdbc:mysql</a:t>
+            </a:r>
+            <a:r>
+              <a:rPr lang="en-US" sz="3200" dirty="0">
                 <a:solidFill>
                   <a:srgbClr val="008000"/>
                 </a:solidFill>
               </a:rPr>
-              <a:t>https://</a:t>
-            </a:r>
-            <a:r>
-              <a:rPr lang="en-US" dirty="0" err="1">
+              <a:t>://173.194.110.154:3306/</a:t>
+            </a:r>
+            <a:r>
+              <a:rPr lang="en-US" sz="3200" dirty="0" err="1">
                 <a:solidFill>
                   <a:srgbClr val="008000"/>
                 </a:solidFill>
               </a:rPr>
-              <a:t>sdk.cloud.google.com</a:t>
-            </a:r>
-            <a:r>
-              <a:rPr lang="en-US" dirty="0">
+              <a:t>Subscriptions?user</a:t>
+            </a:r>
+            <a:r>
+              <a:rPr lang="en-US" sz="3200" dirty="0">
                 <a:solidFill>
                   <a:srgbClr val="008000"/>
                 </a:solidFill>
               </a:rPr>
-              <a:t> | </a:t>
-            </a:r>
-            <a:r>
-              <a:rPr lang="en-US" dirty="0" smtClean="0">
+              <a:t>=</a:t>
+            </a:r>
+            <a:r>
+              <a:rPr lang="en-US" sz="3200" u="sng" dirty="0" err="1">
                 <a:solidFill>
                   <a:srgbClr val="008000"/>
                 </a:solidFill>
               </a:rPr>
-              <a:t>bash</a:t>
-            </a:r>
-          </a:p>
-          <a:p>
-            <a:pPr lvl="3"/>
-            <a:r>
-              <a:rPr lang="en-US" dirty="0" smtClean="0">
+              <a:t>testuser&amp;</a:t>
+            </a:r>
+            <a:r>
+              <a:rPr lang="en-US" sz="3200" dirty="0" err="1">
                 <a:solidFill>
                   <a:srgbClr val="008000"/>
                 </a:solidFill>
               </a:rPr>
-              <a:t>$ exec </a:t>
-            </a:r>
-            <a:r>
-              <a:rPr lang="en-US" dirty="0">
+              <a:t>password</a:t>
+            </a:r>
+            <a:r>
+              <a:rPr lang="en-US" sz="3200" dirty="0">
                 <a:solidFill>
                   <a:srgbClr val="008000"/>
                 </a:solidFill>
               </a:rPr>
-              <a:t>-l $</a:t>
-            </a:r>
-            <a:r>
-              <a:rPr lang="en-US" dirty="0" smtClean="0">
+              <a:t>=usertestpsw01</a:t>
+            </a:r>
+            <a:r>
+              <a:rPr lang="en-US" sz="3200" dirty="0" smtClean="0">
                 <a:solidFill>
                   <a:srgbClr val="008000"/>
                 </a:solidFill>
               </a:rPr>
-              <a:t>SHELL</a:t>
-            </a:r>
-          </a:p>
-          <a:p>
-            <a:pPr lvl="3"/>
-            <a:r>
-              <a:rPr lang="en-US" dirty="0" smtClean="0">
+              <a:t>.</a:t>
+            </a:r>
+            <a:endParaRPr lang="en-US" sz="3200" dirty="0" smtClean="0"/>
+          </a:p>
+          <a:p>
+            <a:pPr lvl="1"/>
+            <a:r>
+              <a:rPr lang="en-US" sz="3200" dirty="0" smtClean="0"/>
+              <a:t>Environment VAR for website to point to webservices </a:t>
+            </a:r>
+          </a:p>
+          <a:p>
+            <a:r>
+              <a:rPr lang="en-US" sz="3200" dirty="0" smtClean="0"/>
+              <a:t>Build services jar</a:t>
+            </a:r>
+          </a:p>
+          <a:p>
+            <a:pPr lvl="1"/>
+            <a:r>
+              <a:rPr lang="en-US" sz="3200" dirty="0" smtClean="0">
                 <a:solidFill>
                   <a:srgbClr val="008000"/>
                 </a:solidFill>
@@ -18696,230 +19987,63 @@
               <a:t>$ </a:t>
             </a:r>
             <a:r>
-              <a:rPr lang="en-US" dirty="0" err="1" smtClean="0">
+              <a:rPr lang="en-US" sz="3200" dirty="0" err="1" smtClean="0">
                 <a:solidFill>
                   <a:srgbClr val="008000"/>
                 </a:solidFill>
               </a:rPr>
-              <a:t>gcloud</a:t>
-            </a:r>
-            <a:r>
-              <a:rPr lang="en-US" dirty="0" smtClean="0">
+              <a:t>mvn</a:t>
+            </a:r>
+            <a:r>
+              <a:rPr lang="en-US" sz="3200" dirty="0" smtClean="0">
                 <a:solidFill>
                   <a:srgbClr val="008000"/>
                 </a:solidFill>
               </a:rPr>
-              <a:t> </a:t>
-            </a:r>
-            <a:r>
-              <a:rPr lang="en-US" dirty="0" err="1" smtClean="0">
-                <a:solidFill>
-                  <a:srgbClr val="008000"/>
-                </a:solidFill>
-              </a:rPr>
-              <a:t>init</a:t>
-            </a:r>
-            <a:endParaRPr lang="en-US" dirty="0" smtClean="0">
-              <a:solidFill>
-                <a:srgbClr val="008000"/>
-              </a:solidFill>
-            </a:endParaRPr>
-          </a:p>
-          <a:p>
-            <a:pPr lvl="2"/>
-            <a:r>
-              <a:rPr lang="en-US" dirty="0" err="1"/>
-              <a:t>k</a:t>
-            </a:r>
-            <a:r>
-              <a:rPr lang="en-US" dirty="0" err="1" smtClean="0"/>
-              <a:t>ubectl</a:t>
-            </a:r>
-            <a:r>
-              <a:rPr lang="en-US" dirty="0" smtClean="0"/>
-              <a:t> installed, for Linux/Mac OS X:</a:t>
-            </a:r>
-          </a:p>
-          <a:p>
-            <a:pPr lvl="3"/>
-            <a:r>
-              <a:rPr lang="en-US" dirty="0">
-                <a:solidFill>
-                  <a:srgbClr val="008000"/>
-                </a:solidFill>
-              </a:rPr>
-              <a:t>$ </a:t>
-            </a:r>
-            <a:r>
-              <a:rPr lang="en-US" dirty="0" err="1">
-                <a:solidFill>
-                  <a:srgbClr val="008000"/>
-                </a:solidFill>
-              </a:rPr>
-              <a:t>gcloud</a:t>
-            </a:r>
-            <a:r>
-              <a:rPr lang="en-US" dirty="0">
-                <a:solidFill>
-                  <a:srgbClr val="008000"/>
-                </a:solidFill>
-              </a:rPr>
-              <a:t> components update </a:t>
-            </a:r>
-            <a:r>
-              <a:rPr lang="en-US" dirty="0" err="1" smtClean="0">
-                <a:solidFill>
-                  <a:srgbClr val="008000"/>
-                </a:solidFill>
-              </a:rPr>
-              <a:t>kubectl</a:t>
-            </a:r>
-            <a:endParaRPr lang="en-US" dirty="0" smtClean="0">
-              <a:solidFill>
-                <a:srgbClr val="008000"/>
-              </a:solidFill>
-            </a:endParaRPr>
+              <a:t> package</a:t>
+            </a:r>
           </a:p>
           <a:p>
             <a:pPr lvl="1"/>
             <a:r>
-              <a:rPr lang="en-US" dirty="0" smtClean="0"/>
-              <a:t>Create a new project in Google Cloud</a:t>
-            </a:r>
-          </a:p>
-          <a:p>
-            <a:pPr lvl="2"/>
-            <a:r>
-              <a:rPr lang="en-US" dirty="0" smtClean="0"/>
-              <a:t>Enable Container Engine API</a:t>
-            </a:r>
-          </a:p>
-          <a:p>
-            <a:pPr lvl="2"/>
-            <a:r>
-              <a:rPr lang="en-US" dirty="0" smtClean="0"/>
-              <a:t>Set your </a:t>
-            </a:r>
-            <a:r>
-              <a:rPr lang="en-US" dirty="0" err="1" smtClean="0"/>
-              <a:t>gcloud</a:t>
-            </a:r>
-            <a:r>
-              <a:rPr lang="en-US" dirty="0" smtClean="0"/>
-              <a:t> defaults:</a:t>
-            </a:r>
-          </a:p>
-          <a:p>
-            <a:pPr lvl="3"/>
-            <a:r>
-              <a:rPr lang="en-US" dirty="0">
-                <a:solidFill>
-                  <a:srgbClr val="008000"/>
-                </a:solidFill>
-              </a:rPr>
-              <a:t>$ </a:t>
-            </a:r>
-            <a:r>
-              <a:rPr lang="en-US" dirty="0" err="1">
-                <a:solidFill>
-                  <a:srgbClr val="008000"/>
-                </a:solidFill>
-              </a:rPr>
-              <a:t>gcloud</a:t>
-            </a:r>
-            <a:r>
-              <a:rPr lang="en-US" dirty="0">
-                <a:solidFill>
-                  <a:srgbClr val="008000"/>
-                </a:solidFill>
-              </a:rPr>
-              <a:t> </a:t>
-            </a:r>
-            <a:r>
-              <a:rPr lang="en-US" dirty="0" err="1">
-                <a:solidFill>
-                  <a:srgbClr val="008000"/>
-                </a:solidFill>
-              </a:rPr>
-              <a:t>config</a:t>
-            </a:r>
-            <a:r>
-              <a:rPr lang="en-US" dirty="0">
-                <a:solidFill>
-                  <a:srgbClr val="008000"/>
-                </a:solidFill>
-              </a:rPr>
-              <a:t> set project </a:t>
-            </a:r>
-            <a:r>
-              <a:rPr lang="en-US" dirty="0" smtClean="0">
-                <a:solidFill>
-                  <a:srgbClr val="008000"/>
-                </a:solidFill>
-              </a:rPr>
-              <a:t>PROJECT</a:t>
+              <a:rPr lang="en-US" sz="3200" dirty="0" smtClean="0"/>
+              <a:t>Copy the </a:t>
+            </a:r>
+            <a:r>
+              <a:rPr lang="en-US" sz="3200" dirty="0" err="1" smtClean="0"/>
+              <a:t>services.jar</a:t>
+            </a:r>
+            <a:r>
+              <a:rPr lang="en-US" sz="3200" dirty="0" smtClean="0"/>
+              <a:t> to deployment/Services</a:t>
+            </a:r>
+          </a:p>
+          <a:p>
+            <a:r>
+              <a:rPr lang="en-US" sz="3200" dirty="0" smtClean="0"/>
+              <a:t>Create war file for website (STS -&gt; Export -&gt; War)</a:t>
             </a:r>
           </a:p>
           <a:p>
             <a:pPr lvl="1"/>
             <a:r>
-              <a:rPr lang="en-US" dirty="0" smtClean="0">
-                <a:solidFill>
-                  <a:schemeClr val="tx1"/>
-                </a:solidFill>
-              </a:rPr>
-              <a:t>Usually it is a good idea to run this command before doing anything:</a:t>
-            </a:r>
-          </a:p>
-          <a:p>
-            <a:pPr lvl="3"/>
-            <a:r>
-              <a:rPr lang="en-US" dirty="0" smtClean="0">
-                <a:solidFill>
-                  <a:srgbClr val="008000"/>
-                </a:solidFill>
-              </a:rPr>
-              <a:t>$ </a:t>
-            </a:r>
-            <a:r>
-              <a:rPr lang="en-US" dirty="0" err="1" smtClean="0">
-                <a:solidFill>
-                  <a:srgbClr val="008000"/>
-                </a:solidFill>
-              </a:rPr>
-              <a:t>gcloud</a:t>
-            </a:r>
-            <a:r>
-              <a:rPr lang="en-US" dirty="0" smtClean="0">
-                <a:solidFill>
-                  <a:srgbClr val="008000"/>
-                </a:solidFill>
-              </a:rPr>
-              <a:t> components update</a:t>
-            </a:r>
-          </a:p>
-          <a:p>
-            <a:pPr lvl="3"/>
-            <a:endParaRPr lang="en-US" dirty="0" smtClean="0"/>
-          </a:p>
-          <a:p>
-            <a:pPr lvl="3"/>
-            <a:endParaRPr lang="en-US" dirty="0" smtClean="0"/>
-          </a:p>
-          <a:p>
-            <a:pPr lvl="3"/>
-            <a:endParaRPr lang="en-US" dirty="0" smtClean="0"/>
-          </a:p>
-          <a:p>
-            <a:pPr lvl="2"/>
-            <a:endParaRPr lang="en-US" dirty="0"/>
+              <a:rPr lang="en-US" sz="3200" dirty="0" smtClean="0"/>
+              <a:t>Copy the war file, is not there yet</a:t>
+            </a:r>
+          </a:p>
+          <a:p>
+            <a:r>
+              <a:rPr lang="en-US" sz="3200" dirty="0" smtClean="0"/>
+              <a:t>The code for both applications is now ready to be deployed</a:t>
+            </a:r>
+            <a:endParaRPr lang="en-US" sz="3200" dirty="0"/>
           </a:p>
         </p:txBody>
       </p:sp>
     </p:spTree>
     <p:extLst>
       <p:ext uri="{BB962C8B-B14F-4D97-AF65-F5344CB8AC3E}">
-        <p14:creationId xmlns:p14="http://schemas.microsoft.com/office/powerpoint/2010/main" val="1753194980"/>
+        <p14:creationId xmlns:p14="http://schemas.microsoft.com/office/powerpoint/2010/main" val="3161440300"/>
       </p:ext>
     </p:extLst>
   </p:cSld>

--- a/docker-kubernetes-intro-starting-a-project.pptx
+++ b/docker-kubernetes-intro-starting-a-project.pptx
@@ -9,10 +9,10 @@
     <p:sldMasterId id="2147483708" r:id="rId5"/>
   </p:sldMasterIdLst>
   <p:notesMasterIdLst>
-    <p:notesMasterId r:id="rId30"/>
+    <p:notesMasterId r:id="rId31"/>
   </p:notesMasterIdLst>
   <p:handoutMasterIdLst>
-    <p:handoutMasterId r:id="rId31"/>
+    <p:handoutMasterId r:id="rId32"/>
   </p:handoutMasterIdLst>
   <p:sldIdLst>
     <p:sldId id="292" r:id="rId6"/>
@@ -37,8 +37,9 @@
     <p:sldId id="307" r:id="rId25"/>
     <p:sldId id="311" r:id="rId26"/>
     <p:sldId id="314" r:id="rId27"/>
-    <p:sldId id="308" r:id="rId28"/>
-    <p:sldId id="291" r:id="rId29"/>
+    <p:sldId id="316" r:id="rId28"/>
+    <p:sldId id="308" r:id="rId29"/>
+    <p:sldId id="291" r:id="rId30"/>
   </p:sldIdLst>
   <p:sldSz cx="14630400" cy="9144000"/>
   <p:notesSz cx="6858000" cy="9144000"/>
@@ -3615,11 +3616,11 @@
           <a:bodyPr/>
           <a:lstStyle/>
           <a:p>
-            <a:pPr marL="171450" indent="-171450">
-              <a:buFont typeface="Arial"/>
-              <a:buChar char="•"/>
-            </a:pPr>
-            <a:endParaRPr lang="en-US" baseline="0" dirty="0" smtClean="0"/>
+            <a:r>
+              <a:rPr lang="en-US" dirty="0" smtClean="0"/>
+              <a:t>Start recording</a:t>
+            </a:r>
+            <a:endParaRPr lang="en-US" dirty="0"/>
           </a:p>
         </p:txBody>
       </p:sp>
@@ -3638,9 +3639,10 @@
           <a:bodyPr/>
           <a:lstStyle/>
           <a:p>
-            <a:fld id="{998B3696-3573-7348-AEF2-F52FDF9B1E73}" type="slidenum">
+            <a:fld id="{1F681695-1E90-4530-9F70-417E0178E205}" type="slidenum">
               <a:rPr lang="en-US" smtClean="0"/>
-              <a:t>2</a:t>
+              <a:pPr/>
+              <a:t>1</a:t>
             </a:fld>
             <a:endParaRPr lang="en-US"/>
           </a:p>
@@ -3649,7 +3651,7 @@
     </p:spTree>
     <p:extLst>
       <p:ext uri="{BB962C8B-B14F-4D97-AF65-F5344CB8AC3E}">
-        <p14:creationId xmlns:p14="http://schemas.microsoft.com/office/powerpoint/2010/main" val="4024791216"/>
+        <p14:creationId xmlns:p14="http://schemas.microsoft.com/office/powerpoint/2010/main" val="117550873"/>
       </p:ext>
     </p:extLst>
   </p:cSld>
@@ -3703,10 +3705,6 @@
           <a:bodyPr/>
           <a:lstStyle/>
           <a:p>
-            <a:r>
-              <a:rPr lang="en-US" dirty="0" smtClean="0"/>
-              <a:t>Folder: deployment/Services</a:t>
-            </a:r>
             <a:endParaRPr lang="en-US" dirty="0"/>
           </a:p>
         </p:txBody>
@@ -3729,7 +3727,7 @@
             <a:fld id="{1F681695-1E90-4530-9F70-417E0178E205}" type="slidenum">
               <a:rPr lang="en-US" smtClean="0"/>
               <a:pPr/>
-              <a:t>14</a:t>
+              <a:t>10</a:t>
             </a:fld>
             <a:endParaRPr lang="en-US"/>
           </a:p>
@@ -3738,7 +3736,7 @@
     </p:spTree>
     <p:extLst>
       <p:ext uri="{BB962C8B-B14F-4D97-AF65-F5344CB8AC3E}">
-        <p14:creationId xmlns:p14="http://schemas.microsoft.com/office/powerpoint/2010/main" val="1749482036"/>
+        <p14:creationId xmlns:p14="http://schemas.microsoft.com/office/powerpoint/2010/main" val="1511335799"/>
       </p:ext>
     </p:extLst>
   </p:cSld>
@@ -3792,29 +3790,10 @@
           <a:bodyPr/>
           <a:lstStyle/>
           <a:p>
-            <a:pPr marL="0" marR="0" indent="0" algn="l" defTabSz="914400" rtl="0" eaLnBrk="1" fontAlgn="auto" latinLnBrk="0" hangingPunct="1">
-              <a:lnSpc>
-                <a:spcPct val="100000"/>
-              </a:lnSpc>
-              <a:spcBef>
-                <a:spcPts val="0"/>
-              </a:spcBef>
-              <a:spcAft>
-                <a:spcPts val="0"/>
-              </a:spcAft>
-              <a:buClrTx/>
-              <a:buSzTx/>
-              <a:buFontTx/>
-              <a:buNone/>
-              <a:tabLst/>
-              <a:defRPr/>
-            </a:pPr>
             <a:r>
               <a:rPr lang="en-US" dirty="0" smtClean="0"/>
-              <a:t>Folder: deployment/Website</a:t>
-            </a:r>
-          </a:p>
-          <a:p>
+              <a:t>Folder: deployment/Services</a:t>
+            </a:r>
             <a:endParaRPr lang="en-US" dirty="0"/>
           </a:p>
         </p:txBody>
@@ -3837,7 +3816,7 @@
             <a:fld id="{1F681695-1E90-4530-9F70-417E0178E205}" type="slidenum">
               <a:rPr lang="en-US" smtClean="0"/>
               <a:pPr/>
-              <a:t>15</a:t>
+              <a:t>14</a:t>
             </a:fld>
             <a:endParaRPr lang="en-US"/>
           </a:p>
@@ -3846,7 +3825,7 @@
     </p:spTree>
     <p:extLst>
       <p:ext uri="{BB962C8B-B14F-4D97-AF65-F5344CB8AC3E}">
-        <p14:creationId xmlns:p14="http://schemas.microsoft.com/office/powerpoint/2010/main" val="568061752"/>
+        <p14:creationId xmlns:p14="http://schemas.microsoft.com/office/powerpoint/2010/main" val="1749482036"/>
       </p:ext>
     </p:extLst>
   </p:cSld>
@@ -3900,11 +3879,30 @@
           <a:bodyPr/>
           <a:lstStyle/>
           <a:p>
-            <a:pPr marL="171450" indent="-171450">
-              <a:buFont typeface="Arial"/>
-              <a:buChar char="•"/>
+            <a:pPr marL="0" marR="0" indent="0" algn="l" defTabSz="914400" rtl="0" eaLnBrk="1" fontAlgn="auto" latinLnBrk="0" hangingPunct="1">
+              <a:lnSpc>
+                <a:spcPct val="100000"/>
+              </a:lnSpc>
+              <a:spcBef>
+                <a:spcPts val="0"/>
+              </a:spcBef>
+              <a:spcAft>
+                <a:spcPts val="0"/>
+              </a:spcAft>
+              <a:buClrTx/>
+              <a:buSzTx/>
+              <a:buFontTx/>
+              <a:buNone/>
+              <a:tabLst/>
+              <a:defRPr/>
             </a:pPr>
-            <a:endParaRPr lang="en-US" baseline="0" dirty="0" smtClean="0"/>
+            <a:r>
+              <a:rPr lang="en-US" dirty="0" smtClean="0"/>
+              <a:t>Folder: deployment/Website</a:t>
+            </a:r>
+          </a:p>
+          <a:p>
+            <a:endParaRPr lang="en-US" dirty="0"/>
           </a:p>
         </p:txBody>
       </p:sp>
@@ -3923,9 +3921,10 @@
           <a:bodyPr/>
           <a:lstStyle/>
           <a:p>
-            <a:fld id="{998B3696-3573-7348-AEF2-F52FDF9B1E73}" type="slidenum">
+            <a:fld id="{1F681695-1E90-4530-9F70-417E0178E205}" type="slidenum">
               <a:rPr lang="en-US" smtClean="0"/>
-              <a:t>17</a:t>
+              <a:pPr/>
+              <a:t>15</a:t>
             </a:fld>
             <a:endParaRPr lang="en-US"/>
           </a:p>
@@ -3934,7 +3933,7 @@
     </p:spTree>
     <p:extLst>
       <p:ext uri="{BB962C8B-B14F-4D97-AF65-F5344CB8AC3E}">
-        <p14:creationId xmlns:p14="http://schemas.microsoft.com/office/powerpoint/2010/main" val="4024791216"/>
+        <p14:creationId xmlns:p14="http://schemas.microsoft.com/office/powerpoint/2010/main" val="568061752"/>
       </p:ext>
     </p:extLst>
   </p:cSld>
@@ -3988,38 +3987,11 @@
           <a:bodyPr/>
           <a:lstStyle/>
           <a:p>
-            <a:pPr marL="0" marR="0" indent="0" algn="l" defTabSz="914400" rtl="0" eaLnBrk="1" fontAlgn="auto" latinLnBrk="0" hangingPunct="1">
-              <a:lnSpc>
-                <a:spcPct val="100000"/>
-              </a:lnSpc>
-              <a:spcBef>
-                <a:spcPts val="0"/>
-              </a:spcBef>
-              <a:spcAft>
-                <a:spcPts val="0"/>
-              </a:spcAft>
-              <a:buClrTx/>
-              <a:buSzTx/>
-              <a:buFontTx/>
-              <a:buNone/>
-              <a:tabLst/>
-              <a:defRPr/>
+            <a:pPr marL="171450" indent="-171450">
+              <a:buFont typeface="Arial"/>
+              <a:buChar char="•"/>
             </a:pPr>
-            <a:r>
-              <a:rPr lang="en-US" dirty="0" smtClean="0"/>
-              <a:t>Folder: deployment/replication-controller-</a:t>
-            </a:r>
-            <a:r>
-              <a:rPr lang="en-US" dirty="0" err="1" smtClean="0"/>
-              <a:t>config</a:t>
-            </a:r>
-            <a:r>
-              <a:rPr lang="en-US" dirty="0" smtClean="0"/>
-              <a:t>-files</a:t>
-            </a:r>
-          </a:p>
-          <a:p>
-            <a:endParaRPr lang="en-US" dirty="0"/>
+            <a:endParaRPr lang="en-US" baseline="0" dirty="0" smtClean="0"/>
           </a:p>
         </p:txBody>
       </p:sp>
@@ -4038,10 +4010,9 @@
           <a:bodyPr/>
           <a:lstStyle/>
           <a:p>
-            <a:fld id="{1F681695-1E90-4530-9F70-417E0178E205}" type="slidenum">
+            <a:fld id="{998B3696-3573-7348-AEF2-F52FDF9B1E73}" type="slidenum">
               <a:rPr lang="en-US" smtClean="0"/>
-              <a:pPr/>
-              <a:t>18</a:t>
+              <a:t>17</a:t>
             </a:fld>
             <a:endParaRPr lang="en-US"/>
           </a:p>
@@ -4050,7 +4021,7 @@
     </p:spTree>
     <p:extLst>
       <p:ext uri="{BB962C8B-B14F-4D97-AF65-F5344CB8AC3E}">
-        <p14:creationId xmlns:p14="http://schemas.microsoft.com/office/powerpoint/2010/main" val="1087092846"/>
+        <p14:creationId xmlns:p14="http://schemas.microsoft.com/office/powerpoint/2010/main" val="4024791216"/>
       </p:ext>
     </p:extLst>
   </p:cSld>
@@ -4157,7 +4128,7 @@
             <a:fld id="{1F681695-1E90-4530-9F70-417E0178E205}" type="slidenum">
               <a:rPr lang="en-US" smtClean="0"/>
               <a:pPr/>
-              <a:t>19</a:t>
+              <a:t>18</a:t>
             </a:fld>
             <a:endParaRPr lang="en-US"/>
           </a:p>
@@ -4166,7 +4137,7 @@
     </p:spTree>
     <p:extLst>
       <p:ext uri="{BB962C8B-B14F-4D97-AF65-F5344CB8AC3E}">
-        <p14:creationId xmlns:p14="http://schemas.microsoft.com/office/powerpoint/2010/main" val="608468587"/>
+        <p14:creationId xmlns:p14="http://schemas.microsoft.com/office/powerpoint/2010/main" val="1087092846"/>
       </p:ext>
     </p:extLst>
   </p:cSld>
@@ -4273,6 +4244,122 @@
             <a:fld id="{1F681695-1E90-4530-9F70-417E0178E205}" type="slidenum">
               <a:rPr lang="en-US" smtClean="0"/>
               <a:pPr/>
+              <a:t>19</a:t>
+            </a:fld>
+            <a:endParaRPr lang="en-US"/>
+          </a:p>
+        </p:txBody>
+      </p:sp>
+    </p:spTree>
+    <p:extLst>
+      <p:ext uri="{BB962C8B-B14F-4D97-AF65-F5344CB8AC3E}">
+        <p14:creationId xmlns:p14="http://schemas.microsoft.com/office/powerpoint/2010/main" val="608468587"/>
+      </p:ext>
+    </p:extLst>
+  </p:cSld>
+  <p:clrMapOvr>
+    <a:masterClrMapping/>
+  </p:clrMapOvr>
+</p:notes>
+</file>
+
+<file path=ppt/notesSlides/notesSlide16.xml><?xml version="1.0" encoding="utf-8"?>
+<p:notes xmlns:a="http://schemas.openxmlformats.org/drawingml/2006/main" xmlns:r="http://schemas.openxmlformats.org/officeDocument/2006/relationships" xmlns:p="http://schemas.openxmlformats.org/presentationml/2006/main">
+  <p:cSld>
+    <p:spTree>
+      <p:nvGrpSpPr>
+        <p:cNvPr id="1" name=""/>
+        <p:cNvGrpSpPr/>
+        <p:nvPr/>
+      </p:nvGrpSpPr>
+      <p:grpSpPr>
+        <a:xfrm>
+          <a:off x="0" y="0"/>
+          <a:ext cx="0" cy="0"/>
+          <a:chOff x="0" y="0"/>
+          <a:chExt cx="0" cy="0"/>
+        </a:xfrm>
+      </p:grpSpPr>
+      <p:sp>
+        <p:nvSpPr>
+          <p:cNvPr id="2" name="Slide Image Placeholder 1"/>
+          <p:cNvSpPr>
+            <a:spLocks noGrp="1" noRot="1" noChangeAspect="1"/>
+          </p:cNvSpPr>
+          <p:nvPr>
+            <p:ph type="sldImg"/>
+          </p:nvPr>
+        </p:nvSpPr>
+        <p:spPr/>
+      </p:sp>
+      <p:sp>
+        <p:nvSpPr>
+          <p:cNvPr id="3" name="Notes Placeholder 2"/>
+          <p:cNvSpPr>
+            <a:spLocks noGrp="1"/>
+          </p:cNvSpPr>
+          <p:nvPr>
+            <p:ph type="body" idx="1"/>
+          </p:nvPr>
+        </p:nvSpPr>
+        <p:spPr/>
+        <p:txBody>
+          <a:bodyPr/>
+          <a:lstStyle/>
+          <a:p>
+            <a:pPr marL="0" marR="0" indent="0" algn="l" defTabSz="914400" rtl="0" eaLnBrk="1" fontAlgn="auto" latinLnBrk="0" hangingPunct="1">
+              <a:lnSpc>
+                <a:spcPct val="100000"/>
+              </a:lnSpc>
+              <a:spcBef>
+                <a:spcPts val="0"/>
+              </a:spcBef>
+              <a:spcAft>
+                <a:spcPts val="0"/>
+              </a:spcAft>
+              <a:buClrTx/>
+              <a:buSzTx/>
+              <a:buFontTx/>
+              <a:buNone/>
+              <a:tabLst/>
+              <a:defRPr/>
+            </a:pPr>
+            <a:r>
+              <a:rPr lang="en-US" dirty="0" smtClean="0"/>
+              <a:t>Folder: deployment/replication-controller-</a:t>
+            </a:r>
+            <a:r>
+              <a:rPr lang="en-US" dirty="0" err="1" smtClean="0"/>
+              <a:t>config</a:t>
+            </a:r>
+            <a:r>
+              <a:rPr lang="en-US" dirty="0" smtClean="0"/>
+              <a:t>-files</a:t>
+            </a:r>
+          </a:p>
+          <a:p>
+            <a:endParaRPr lang="en-US" dirty="0"/>
+          </a:p>
+        </p:txBody>
+      </p:sp>
+      <p:sp>
+        <p:nvSpPr>
+          <p:cNvPr id="4" name="Slide Number Placeholder 3"/>
+          <p:cNvSpPr>
+            <a:spLocks noGrp="1"/>
+          </p:cNvSpPr>
+          <p:nvPr>
+            <p:ph type="sldNum" sz="quarter" idx="10"/>
+          </p:nvPr>
+        </p:nvSpPr>
+        <p:spPr/>
+        <p:txBody>
+          <a:bodyPr/>
+          <a:lstStyle/>
+          <a:p>
+            <a:fld id="{1F681695-1E90-4530-9F70-417E0178E205}" type="slidenum">
+              <a:rPr lang="en-US" smtClean="0"/>
+              <a:pPr/>
               <a:t>20</a:t>
             </a:fld>
             <a:endParaRPr lang="en-US"/>
@@ -4292,7 +4379,7 @@
 </p:notes>
 </file>
 
-<file path=ppt/notesSlides/notesSlide16.xml><?xml version="1.0" encoding="utf-8"?>
+<file path=ppt/notesSlides/notesSlide17.xml><?xml version="1.0" encoding="utf-8"?>
 <p:notes xmlns:a="http://schemas.openxmlformats.org/drawingml/2006/main" xmlns:r="http://schemas.openxmlformats.org/officeDocument/2006/relationships" xmlns:p="http://schemas.openxmlformats.org/presentationml/2006/main">
   <p:cSld>
     <p:spTree>
@@ -4456,6 +4543,10 @@
               <a:buFont typeface="Arial"/>
               <a:buChar char="•"/>
             </a:pPr>
+            <a:r>
+              <a:rPr lang="en-US" baseline="0" dirty="0" smtClean="0"/>
+              <a:t>Has recording started yet?</a:t>
+            </a:r>
             <a:endParaRPr lang="en-US" baseline="0" dirty="0" smtClean="0"/>
           </a:p>
         </p:txBody>
@@ -4477,7 +4568,7 @@
           <a:p>
             <a:fld id="{998B3696-3573-7348-AEF2-F52FDF9B1E73}" type="slidenum">
               <a:rPr lang="en-US" smtClean="0"/>
-              <a:t>3</a:t>
+              <a:t>2</a:t>
             </a:fld>
             <a:endParaRPr lang="en-US"/>
           </a:p>
@@ -4544,6 +4635,10 @@
               <a:buFont typeface="Arial"/>
               <a:buChar char="•"/>
             </a:pPr>
+            <a:r>
+              <a:rPr lang="en-US" baseline="0" dirty="0" smtClean="0"/>
+              <a:t>How about now? Recording yet?</a:t>
+            </a:r>
             <a:endParaRPr lang="en-US" baseline="0" dirty="0" smtClean="0"/>
           </a:p>
         </p:txBody>
@@ -4565,7 +4660,7 @@
           <a:p>
             <a:fld id="{998B3696-3573-7348-AEF2-F52FDF9B1E73}" type="slidenum">
               <a:rPr lang="en-US" smtClean="0"/>
-              <a:t>4</a:t>
+              <a:t>3</a:t>
             </a:fld>
             <a:endParaRPr lang="en-US"/>
           </a:p>
@@ -4653,7 +4748,7 @@
           <a:p>
             <a:fld id="{998B3696-3573-7348-AEF2-F52FDF9B1E73}" type="slidenum">
               <a:rPr lang="en-US" smtClean="0"/>
-              <a:t>5</a:t>
+              <a:t>4</a:t>
             </a:fld>
             <a:endParaRPr lang="en-US"/>
           </a:p>
@@ -4741,7 +4836,7 @@
           <a:p>
             <a:fld id="{998B3696-3573-7348-AEF2-F52FDF9B1E73}" type="slidenum">
               <a:rPr lang="en-US" smtClean="0"/>
-              <a:t>6</a:t>
+              <a:t>5</a:t>
             </a:fld>
             <a:endParaRPr lang="en-US"/>
           </a:p>
@@ -4829,7 +4924,7 @@
           <a:p>
             <a:fld id="{998B3696-3573-7348-AEF2-F52FDF9B1E73}" type="slidenum">
               <a:rPr lang="en-US" smtClean="0"/>
-              <a:t>7</a:t>
+              <a:t>6</a:t>
             </a:fld>
             <a:endParaRPr lang="en-US"/>
           </a:p>
@@ -4892,34 +4987,11 @@
           <a:bodyPr/>
           <a:lstStyle/>
           <a:p>
-            <a:pPr marL="0" marR="0" indent="0" algn="l" defTabSz="914400" rtl="0" eaLnBrk="1" fontAlgn="auto" latinLnBrk="0" hangingPunct="1">
-              <a:lnSpc>
-                <a:spcPct val="100000"/>
-              </a:lnSpc>
-              <a:spcBef>
-                <a:spcPts val="0"/>
-              </a:spcBef>
-              <a:spcAft>
-                <a:spcPts val="0"/>
-              </a:spcAft>
-              <a:buClrTx/>
-              <a:buSzTx/>
-              <a:buFontTx/>
-              <a:buNone/>
-              <a:tabLst/>
-              <a:defRPr/>
+            <a:pPr marL="171450" indent="-171450">
+              <a:buFont typeface="Arial"/>
+              <a:buChar char="•"/>
             </a:pPr>
-            <a:r>
-              <a:rPr lang="en-US" dirty="0" err="1" smtClean="0"/>
-              <a:t>MySQLWorkbench</a:t>
-            </a:r>
-            <a:r>
-              <a:rPr lang="en-US" dirty="0" smtClean="0"/>
-              <a:t> DB code, SQL server in the cloud</a:t>
-            </a:r>
-          </a:p>
-          <a:p>
-            <a:endParaRPr lang="en-US" dirty="0"/>
+            <a:endParaRPr lang="en-US" baseline="0" dirty="0" smtClean="0"/>
           </a:p>
         </p:txBody>
       </p:sp>
@@ -4938,10 +5010,9 @@
           <a:bodyPr/>
           <a:lstStyle/>
           <a:p>
-            <a:fld id="{1F681695-1E90-4530-9F70-417E0178E205}" type="slidenum">
+            <a:fld id="{998B3696-3573-7348-AEF2-F52FDF9B1E73}" type="slidenum">
               <a:rPr lang="en-US" smtClean="0"/>
-              <a:pPr/>
-              <a:t>8</a:t>
+              <a:t>7</a:t>
             </a:fld>
             <a:endParaRPr lang="en-US"/>
           </a:p>
@@ -4950,7 +5021,7 @@
     </p:spTree>
     <p:extLst>
       <p:ext uri="{BB962C8B-B14F-4D97-AF65-F5344CB8AC3E}">
-        <p14:creationId xmlns:p14="http://schemas.microsoft.com/office/powerpoint/2010/main" val="3291908866"/>
+        <p14:creationId xmlns:p14="http://schemas.microsoft.com/office/powerpoint/2010/main" val="4024791216"/>
       </p:ext>
     </p:extLst>
   </p:cSld>
@@ -5004,32 +5075,33 @@
           <a:bodyPr/>
           <a:lstStyle/>
           <a:p>
+            <a:pPr marL="0" marR="0" indent="0" algn="l" defTabSz="914400" rtl="0" eaLnBrk="1" fontAlgn="auto" latinLnBrk="0" hangingPunct="1">
+              <a:lnSpc>
+                <a:spcPct val="100000"/>
+              </a:lnSpc>
+              <a:spcBef>
+                <a:spcPts val="0"/>
+              </a:spcBef>
+              <a:spcAft>
+                <a:spcPts val="0"/>
+              </a:spcAft>
+              <a:buClrTx/>
+              <a:buSzTx/>
+              <a:buFontTx/>
+              <a:buNone/>
+              <a:tabLst/>
+              <a:defRPr/>
+            </a:pPr>
+            <a:r>
+              <a:rPr lang="en-US" dirty="0" err="1" smtClean="0"/>
+              <a:t>MySQLWorkbench</a:t>
+            </a:r>
             <a:r>
               <a:rPr lang="en-US" dirty="0" smtClean="0"/>
-              <a:t>Services</a:t>
-            </a:r>
-            <a:r>
-              <a:rPr lang="en-US" baseline="0" dirty="0" smtClean="0"/>
-              <a:t> subscriber REST controller</a:t>
-            </a:r>
-          </a:p>
-          <a:p>
-            <a:r>
-              <a:rPr lang="en-US" baseline="0" dirty="0" smtClean="0"/>
-              <a:t>Dynamic servlet </a:t>
-            </a:r>
-          </a:p>
-          <a:p>
-            <a:r>
-              <a:rPr lang="en-US" baseline="0" dirty="0" smtClean="0"/>
-              <a:t>Common/Models/Subscriber POJO</a:t>
-            </a:r>
-          </a:p>
-          <a:p>
-            <a:r>
-              <a:rPr lang="en-US" baseline="0" dirty="0" smtClean="0"/>
-              <a:t>Properties and configurations</a:t>
-            </a:r>
+              <a:t> DB code, SQL server in the cloud</a:t>
+            </a:r>
+          </a:p>
+          <a:p>
             <a:endParaRPr lang="en-US" dirty="0"/>
           </a:p>
         </p:txBody>
@@ -5052,7 +5124,7 @@
             <a:fld id="{1F681695-1E90-4530-9F70-417E0178E205}" type="slidenum">
               <a:rPr lang="en-US" smtClean="0"/>
               <a:pPr/>
-              <a:t>9</a:t>
+              <a:t>8</a:t>
             </a:fld>
             <a:endParaRPr lang="en-US"/>
           </a:p>
@@ -5061,7 +5133,7 @@
     </p:spTree>
     <p:extLst>
       <p:ext uri="{BB962C8B-B14F-4D97-AF65-F5344CB8AC3E}">
-        <p14:creationId xmlns:p14="http://schemas.microsoft.com/office/powerpoint/2010/main" val="3902607807"/>
+        <p14:creationId xmlns:p14="http://schemas.microsoft.com/office/powerpoint/2010/main" val="3291908866"/>
       </p:ext>
     </p:extLst>
   </p:cSld>
@@ -5115,6 +5187,32 @@
           <a:bodyPr/>
           <a:lstStyle/>
           <a:p>
+            <a:r>
+              <a:rPr lang="en-US" dirty="0" smtClean="0"/>
+              <a:t>Services</a:t>
+            </a:r>
+            <a:r>
+              <a:rPr lang="en-US" baseline="0" dirty="0" smtClean="0"/>
+              <a:t> subscriber REST controller</a:t>
+            </a:r>
+          </a:p>
+          <a:p>
+            <a:r>
+              <a:rPr lang="en-US" baseline="0" dirty="0" smtClean="0"/>
+              <a:t>Dynamic servlet </a:t>
+            </a:r>
+          </a:p>
+          <a:p>
+            <a:r>
+              <a:rPr lang="en-US" baseline="0" dirty="0" smtClean="0"/>
+              <a:t>Common/Models/Subscriber POJO</a:t>
+            </a:r>
+          </a:p>
+          <a:p>
+            <a:r>
+              <a:rPr lang="en-US" baseline="0" dirty="0" smtClean="0"/>
+              <a:t>Properties and configurations</a:t>
+            </a:r>
             <a:endParaRPr lang="en-US" dirty="0"/>
           </a:p>
         </p:txBody>
@@ -5137,7 +5235,7 @@
             <a:fld id="{1F681695-1E90-4530-9F70-417E0178E205}" type="slidenum">
               <a:rPr lang="en-US" smtClean="0"/>
               <a:pPr/>
-              <a:t>10</a:t>
+              <a:t>9</a:t>
             </a:fld>
             <a:endParaRPr lang="en-US"/>
           </a:p>
@@ -5146,7 +5244,7 @@
     </p:spTree>
     <p:extLst>
       <p:ext uri="{BB962C8B-B14F-4D97-AF65-F5344CB8AC3E}">
-        <p14:creationId xmlns:p14="http://schemas.microsoft.com/office/powerpoint/2010/main" val="1511335799"/>
+        <p14:creationId xmlns:p14="http://schemas.microsoft.com/office/powerpoint/2010/main" val="3902607807"/>
       </p:ext>
     </p:extLst>
   </p:cSld>
@@ -16886,6 +16984,17 @@
             </a:r>
           </a:p>
           <a:p>
+            <a:pPr lvl="3"/>
+            <a:r>
+              <a:rPr lang="en-US" sz="2600" dirty="0" smtClean="0">
+                <a:solidFill>
+                  <a:srgbClr val="2D2D2D"/>
+                </a:solidFill>
+              </a:rPr>
+              <a:t>Ensure the image name has the appropriate tag, if it was build with the tag, or omit “latest” default tag here</a:t>
+            </a:r>
+          </a:p>
+          <a:p>
             <a:pPr lvl="1"/>
             <a:r>
               <a:rPr lang="en-US" sz="2600" dirty="0" smtClean="0"/>
@@ -17151,7 +17260,15 @@
             <a:pPr lvl="1"/>
             <a:r>
               <a:rPr lang="en-US" sz="2600" dirty="0" smtClean="0"/>
-              <a:t>File: subscriber-website-</a:t>
+              <a:t>File: subscriber-</a:t>
+            </a:r>
+            <a:r>
+              <a:rPr lang="en-US" sz="2600" dirty="0" err="1" smtClean="0"/>
+              <a:t>webservice</a:t>
+            </a:r>
+            <a:r>
+              <a:rPr lang="en-US" sz="2600" dirty="0" smtClean="0"/>
+              <a:t>-</a:t>
             </a:r>
             <a:r>
               <a:rPr lang="en-US" sz="2600" dirty="0" err="1" smtClean="0"/>
@@ -17190,7 +17307,23 @@
                   <a:srgbClr val="008000"/>
                 </a:solidFill>
               </a:rPr>
-              <a:t> create -f subscriber-website-</a:t>
+              <a:t> create -f subscriber-</a:t>
+            </a:r>
+            <a:r>
+              <a:rPr lang="en-US" sz="2600" dirty="0" err="1" smtClean="0">
+                <a:solidFill>
+                  <a:srgbClr val="008000"/>
+                </a:solidFill>
+              </a:rPr>
+              <a:t>webservice</a:t>
+            </a:r>
+            <a:r>
+              <a:rPr lang="en-US" sz="2600" dirty="0" smtClean="0">
+                <a:solidFill>
+                  <a:srgbClr val="008000"/>
+                </a:solidFill>
+              </a:rPr>
+              <a:t>-</a:t>
             </a:r>
             <a:r>
               <a:rPr lang="en-US" sz="2600" dirty="0" err="1" smtClean="0">
@@ -17287,8 +17420,33 @@
                 <a:latin typeface="Arial"/>
                 <a:cs typeface="Arial"/>
               </a:rPr>
-              <a:t>i.e.: 104.197.141.51</a:t>
-            </a:r>
+              <a:t>i.e.</a:t>
+            </a:r>
+            <a:r>
+              <a:rPr lang="en-US" sz="2600" dirty="0">
+                <a:solidFill>
+                  <a:schemeClr val="tx1"/>
+                </a:solidFill>
+                <a:cs typeface="Arial"/>
+              </a:rPr>
+              <a:t>: </a:t>
+            </a:r>
+            <a:r>
+              <a:rPr lang="en-US" sz="2600" dirty="0" smtClean="0">
+                <a:solidFill>
+                  <a:schemeClr val="tx1"/>
+                </a:solidFill>
+                <a:cs typeface="Arial"/>
+              </a:rPr>
+              <a:t>104.197.141.51</a:t>
+            </a:r>
+            <a:endParaRPr lang="en-US" sz="2600" dirty="0" smtClean="0">
+              <a:solidFill>
+                <a:schemeClr val="tx1"/>
+              </a:solidFill>
+              <a:latin typeface="Arial"/>
+              <a:cs typeface="Arial"/>
+            </a:endParaRPr>
           </a:p>
           <a:p>
             <a:r>
@@ -17629,7 +17787,7 @@
         </p:spPr>
         <p:txBody>
           <a:bodyPr>
-            <a:normAutofit/>
+            <a:normAutofit fontScale="92500" lnSpcReduction="10000"/>
           </a:bodyPr>
           <a:lstStyle/>
           <a:p>
@@ -17769,8 +17927,32 @@
           <a:p>
             <a:pPr lvl="2"/>
             <a:r>
+              <a:rPr lang="en-US" sz="3200" dirty="0">
+                <a:solidFill>
+                  <a:srgbClr val="2D2D2D"/>
+                </a:solidFill>
+              </a:rPr>
+              <a:t>Ensure the image name has the appropriate tag, if it was build with the tag, or omit “latest” default tag </a:t>
+            </a:r>
+            <a:r>
+              <a:rPr lang="en-US" sz="3200" dirty="0" smtClean="0">
+                <a:solidFill>
+                  <a:srgbClr val="2D2D2D"/>
+                </a:solidFill>
+              </a:rPr>
+              <a:t>here</a:t>
+            </a:r>
+            <a:endParaRPr lang="en-US" sz="3100" dirty="0" smtClean="0"/>
+          </a:p>
+          <a:p>
+            <a:pPr lvl="2"/>
+            <a:r>
+              <a:rPr lang="en-US" sz="3100" dirty="0" smtClean="0"/>
+              <a:t>Pass </a:t>
+            </a:r>
+            <a:r>
               <a:rPr lang="en-US" sz="3100" dirty="0"/>
-              <a:t>Pass the IP address for the web services Services Load Balancer into Pods images as </a:t>
+              <a:t>the IP address for the web services Services Load Balancer into Pods images as </a:t>
             </a:r>
             <a:r>
               <a:rPr lang="en-US" sz="3100" dirty="0" err="1"/>
@@ -18776,6 +18958,152 @@
             <p:ph type="title"/>
           </p:nvPr>
         </p:nvSpPr>
+        <p:spPr/>
+        <p:txBody>
+          <a:bodyPr/>
+          <a:lstStyle/>
+          <a:p>
+            <a:r>
+              <a:rPr lang="en-US" dirty="0" smtClean="0"/>
+              <a:t>Scaling the controllers</a:t>
+            </a:r>
+            <a:endParaRPr lang="en-US" dirty="0"/>
+          </a:p>
+        </p:txBody>
+      </p:sp>
+      <p:sp>
+        <p:nvSpPr>
+          <p:cNvPr id="4" name="Content Placeholder 3"/>
+          <p:cNvSpPr>
+            <a:spLocks noGrp="1"/>
+          </p:cNvSpPr>
+          <p:nvPr>
+            <p:ph idx="1"/>
+          </p:nvPr>
+        </p:nvSpPr>
+        <p:spPr/>
+        <p:txBody>
+          <a:bodyPr/>
+          <a:lstStyle/>
+          <a:p>
+            <a:r>
+              <a:rPr lang="en-US" dirty="0" smtClean="0"/>
+              <a:t>Scaling the pods is also extremely easy. </a:t>
+            </a:r>
+          </a:p>
+          <a:p>
+            <a:r>
+              <a:rPr lang="en-US" dirty="0" smtClean="0"/>
+              <a:t>It is one command only, be it scaling up, or down, just by providing the number of replicas:</a:t>
+            </a:r>
+          </a:p>
+          <a:p>
+            <a:pPr lvl="1"/>
+            <a:r>
+              <a:rPr lang="en-US" dirty="0" smtClean="0">
+                <a:solidFill>
+                  <a:srgbClr val="008000"/>
+                </a:solidFill>
+              </a:rPr>
+              <a:t>$ </a:t>
+            </a:r>
+            <a:r>
+              <a:rPr lang="en-US" dirty="0" err="1" smtClean="0">
+                <a:solidFill>
+                  <a:srgbClr val="008000"/>
+                </a:solidFill>
+              </a:rPr>
+              <a:t>kubectl</a:t>
+            </a:r>
+            <a:r>
+              <a:rPr lang="en-US" dirty="0" smtClean="0">
+                <a:solidFill>
+                  <a:srgbClr val="008000"/>
+                </a:solidFill>
+              </a:rPr>
+              <a:t> </a:t>
+            </a:r>
+            <a:r>
+              <a:rPr lang="en-US" dirty="0">
+                <a:solidFill>
+                  <a:srgbClr val="008000"/>
+                </a:solidFill>
+              </a:rPr>
+              <a:t>scale --replicas=5 </a:t>
+            </a:r>
+            <a:r>
+              <a:rPr lang="en-US" dirty="0" err="1">
+                <a:solidFill>
+                  <a:srgbClr val="008000"/>
+                </a:solidFill>
+              </a:rPr>
+              <a:t>replicationcontroller</a:t>
+            </a:r>
+            <a:r>
+              <a:rPr lang="en-US" dirty="0">
+                <a:solidFill>
+                  <a:srgbClr val="008000"/>
+                </a:solidFill>
+              </a:rPr>
+              <a:t> </a:t>
+            </a:r>
+            <a:r>
+              <a:rPr lang="en-US" dirty="0" smtClean="0">
+                <a:solidFill>
+                  <a:srgbClr val="008000"/>
+                </a:solidFill>
+              </a:rPr>
+              <a:t>website</a:t>
+            </a:r>
+          </a:p>
+          <a:p>
+            <a:pPr marL="679262" lvl="1" indent="0">
+              <a:buNone/>
+            </a:pPr>
+            <a:endParaRPr lang="en-US" dirty="0" smtClean="0"/>
+          </a:p>
+        </p:txBody>
+      </p:sp>
+    </p:spTree>
+    <p:extLst>
+      <p:ext uri="{BB962C8B-B14F-4D97-AF65-F5344CB8AC3E}">
+        <p14:creationId xmlns:p14="http://schemas.microsoft.com/office/powerpoint/2010/main" val="1962957499"/>
+      </p:ext>
+    </p:extLst>
+  </p:cSld>
+  <p:clrMapOvr>
+    <a:masterClrMapping/>
+  </p:clrMapOvr>
+</p:sld>
+</file>
+
+<file path=ppt/slides/slide24.xml><?xml version="1.0" encoding="utf-8"?>
+<p:sld xmlns:a="http://schemas.openxmlformats.org/drawingml/2006/main" xmlns:r="http://schemas.openxmlformats.org/officeDocument/2006/relationships" xmlns:p="http://schemas.openxmlformats.org/presentationml/2006/main">
+  <p:cSld>
+    <p:spTree>
+      <p:nvGrpSpPr>
+        <p:cNvPr id="1" name=""/>
+        <p:cNvGrpSpPr/>
+        <p:nvPr/>
+      </p:nvGrpSpPr>
+      <p:grpSpPr>
+        <a:xfrm>
+          <a:off x="0" y="0"/>
+          <a:ext cx="0" cy="0"/>
+          <a:chOff x="0" y="0"/>
+          <a:chExt cx="0" cy="0"/>
+        </a:xfrm>
+      </p:grpSpPr>
+      <p:sp>
+        <p:nvSpPr>
+          <p:cNvPr id="2" name="Title 1"/>
+          <p:cNvSpPr>
+            <a:spLocks noGrp="1"/>
+          </p:cNvSpPr>
+          <p:nvPr>
+            <p:ph type="title"/>
+          </p:nvPr>
+        </p:nvSpPr>
         <p:spPr>
           <a:xfrm>
             <a:off x="731520" y="581025"/>
@@ -18808,7 +19136,7 @@
 </p:sld>
 </file>
 
-<file path=ppt/slides/slide24.xml><?xml version="1.0" encoding="utf-8"?>
+<file path=ppt/slides/slide25.xml><?xml version="1.0" encoding="utf-8"?>
 <p:sld xmlns:a="http://schemas.openxmlformats.org/drawingml/2006/main" xmlns:r="http://schemas.openxmlformats.org/officeDocument/2006/relationships" xmlns:p="http://schemas.openxmlformats.org/presentationml/2006/main">
   <p:cSld>
     <p:spTree>

--- a/docker-kubernetes-intro-starting-a-project.pptx
+++ b/docker-kubernetes-intro-starting-a-project.pptx
@@ -1095,14 +1095,35 @@
         </dgm:presLayoutVars>
       </dgm:prSet>
       <dgm:spPr/>
+      <dgm:t>
+        <a:bodyPr/>
+        <a:lstStyle/>
+        <a:p>
+          <a:endParaRPr lang="en-US"/>
+        </a:p>
+      </dgm:t>
     </dgm:pt>
     <dgm:pt modelId="{259FAD5D-155A-5E42-9899-9EC9730A809C}" type="pres">
       <dgm:prSet presAssocID="{D0CC6D41-68A5-5D4F-8468-B367AE4E18F1}" presName="sibTrans" presStyleLbl="sibTrans2D1" presStyleIdx="0" presStyleCnt="3"/>
       <dgm:spPr/>
+      <dgm:t>
+        <a:bodyPr/>
+        <a:lstStyle/>
+        <a:p>
+          <a:endParaRPr lang="en-US"/>
+        </a:p>
+      </dgm:t>
     </dgm:pt>
     <dgm:pt modelId="{30DCF6B7-7B1A-E04F-9094-8F1A311A69F1}" type="pres">
       <dgm:prSet presAssocID="{D0CC6D41-68A5-5D4F-8468-B367AE4E18F1}" presName="connectorText" presStyleLbl="sibTrans2D1" presStyleIdx="0" presStyleCnt="3"/>
       <dgm:spPr/>
+      <dgm:t>
+        <a:bodyPr/>
+        <a:lstStyle/>
+        <a:p>
+          <a:endParaRPr lang="en-US"/>
+        </a:p>
+      </dgm:t>
     </dgm:pt>
     <dgm:pt modelId="{9DB26237-DC39-284C-BBDC-6225068F89E4}" type="pres">
       <dgm:prSet presAssocID="{E3C17EF8-8718-5248-842B-7F516B2C6F56}" presName="node" presStyleLbl="node1" presStyleIdx="1" presStyleCnt="4" custLinFactNeighborY="-3226">
@@ -1122,10 +1143,24 @@
     <dgm:pt modelId="{6B97343A-1385-D34A-9670-FF37BE4D85F2}" type="pres">
       <dgm:prSet presAssocID="{E05E6CA6-4FEE-F643-AE28-35111AC75101}" presName="sibTrans" presStyleLbl="sibTrans2D1" presStyleIdx="1" presStyleCnt="3"/>
       <dgm:spPr/>
+      <dgm:t>
+        <a:bodyPr/>
+        <a:lstStyle/>
+        <a:p>
+          <a:endParaRPr lang="en-US"/>
+        </a:p>
+      </dgm:t>
     </dgm:pt>
     <dgm:pt modelId="{9451B73C-3DCE-574D-968D-C725996CB44B}" type="pres">
       <dgm:prSet presAssocID="{E05E6CA6-4FEE-F643-AE28-35111AC75101}" presName="connectorText" presStyleLbl="sibTrans2D1" presStyleIdx="1" presStyleCnt="3"/>
       <dgm:spPr/>
+      <dgm:t>
+        <a:bodyPr/>
+        <a:lstStyle/>
+        <a:p>
+          <a:endParaRPr lang="en-US"/>
+        </a:p>
+      </dgm:t>
     </dgm:pt>
     <dgm:pt modelId="{28C14F32-7EF2-2748-A38C-6E2FE8336B6F}" type="pres">
       <dgm:prSet presAssocID="{694A1D72-5933-7E45-9A79-23BE775DC946}" presName="node" presStyleLbl="node1" presStyleIdx="2" presStyleCnt="4">
@@ -1134,14 +1169,35 @@
         </dgm:presLayoutVars>
       </dgm:prSet>
       <dgm:spPr/>
+      <dgm:t>
+        <a:bodyPr/>
+        <a:lstStyle/>
+        <a:p>
+          <a:endParaRPr lang="en-US"/>
+        </a:p>
+      </dgm:t>
     </dgm:pt>
     <dgm:pt modelId="{DF82FA8E-140E-414E-AE40-DBBD40A40B43}" type="pres">
       <dgm:prSet presAssocID="{4CE8D523-28E7-D048-A0E4-5668170983C1}" presName="sibTrans" presStyleLbl="sibTrans2D1" presStyleIdx="2" presStyleCnt="3"/>
       <dgm:spPr/>
+      <dgm:t>
+        <a:bodyPr/>
+        <a:lstStyle/>
+        <a:p>
+          <a:endParaRPr lang="en-US"/>
+        </a:p>
+      </dgm:t>
     </dgm:pt>
     <dgm:pt modelId="{C277C964-F51F-A449-9BEC-B3DE016F19E7}" type="pres">
       <dgm:prSet presAssocID="{4CE8D523-28E7-D048-A0E4-5668170983C1}" presName="connectorText" presStyleLbl="sibTrans2D1" presStyleIdx="2" presStyleCnt="3"/>
       <dgm:spPr/>
+      <dgm:t>
+        <a:bodyPr/>
+        <a:lstStyle/>
+        <a:p>
+          <a:endParaRPr lang="en-US"/>
+        </a:p>
+      </dgm:t>
     </dgm:pt>
     <dgm:pt modelId="{2DECA85C-9C11-3945-A74D-7024E14E3221}" type="pres">
       <dgm:prSet presAssocID="{A7335D52-71DE-E048-BE0A-EF80B425A200}" presName="node" presStyleLbl="node1" presStyleIdx="3" presStyleCnt="4">
@@ -1160,21 +1216,21 @@
     </dgm:pt>
   </dgm:ptLst>
   <dgm:cxnLst>
+    <dgm:cxn modelId="{E4D1C42F-3BCE-854C-97ED-BEE6A0169F52}" srcId="{AD60282E-7807-DF4D-855D-FC8388C1FA86}" destId="{A7335D52-71DE-E048-BE0A-EF80B425A200}" srcOrd="3" destOrd="0" parTransId="{C2FD43D3-64EE-B744-A903-B0C7171B6D5E}" sibTransId="{0D4ABE1A-3EBB-A14E-B992-0E21C992A1BF}"/>
+    <dgm:cxn modelId="{9F9501F9-C79D-C942-A03F-F68209F76402}" type="presOf" srcId="{694A1D72-5933-7E45-9A79-23BE775DC946}" destId="{28C14F32-7EF2-2748-A38C-6E2FE8336B6F}" srcOrd="0" destOrd="0" presId="urn:microsoft.com/office/officeart/2005/8/layout/process1"/>
+    <dgm:cxn modelId="{E62A05B3-FA56-5040-A5E6-029E288E96DF}" srcId="{AD60282E-7807-DF4D-855D-FC8388C1FA86}" destId="{694A1D72-5933-7E45-9A79-23BE775DC946}" srcOrd="2" destOrd="0" parTransId="{877A9A04-C149-DD46-9F3A-434984E0FE80}" sibTransId="{4CE8D523-28E7-D048-A0E4-5668170983C1}"/>
     <dgm:cxn modelId="{61DD1671-2FB2-D54C-BA28-0C17756B746F}" type="presOf" srcId="{4CE8D523-28E7-D048-A0E4-5668170983C1}" destId="{DF82FA8E-140E-414E-AE40-DBBD40A40B43}" srcOrd="0" destOrd="0" presId="urn:microsoft.com/office/officeart/2005/8/layout/process1"/>
+    <dgm:cxn modelId="{8CA60554-A41E-1F42-8DC8-C2F9D1E29C50}" type="presOf" srcId="{E05E6CA6-4FEE-F643-AE28-35111AC75101}" destId="{9451B73C-3DCE-574D-968D-C725996CB44B}" srcOrd="1" destOrd="0" presId="urn:microsoft.com/office/officeart/2005/8/layout/process1"/>
     <dgm:cxn modelId="{55FA139D-FAB9-814B-952F-7F7E63767DA7}" type="presOf" srcId="{D0CC6D41-68A5-5D4F-8468-B367AE4E18F1}" destId="{30DCF6B7-7B1A-E04F-9094-8F1A311A69F1}" srcOrd="1" destOrd="0" presId="urn:microsoft.com/office/officeart/2005/8/layout/process1"/>
+    <dgm:cxn modelId="{C87964D1-B516-5548-BB63-233A1EAEB86B}" srcId="{AD60282E-7807-DF4D-855D-FC8388C1FA86}" destId="{E3C17EF8-8718-5248-842B-7F516B2C6F56}" srcOrd="1" destOrd="0" parTransId="{1D6F41A0-0C98-014A-9E47-BD22E09DFAF6}" sibTransId="{E05E6CA6-4FEE-F643-AE28-35111AC75101}"/>
+    <dgm:cxn modelId="{EE6E1D1D-0497-6240-AD33-BC4E8789B4D8}" type="presOf" srcId="{AD60282E-7807-DF4D-855D-FC8388C1FA86}" destId="{F4EA08AA-9B67-7746-ACA4-2F534B3BCAAD}" srcOrd="0" destOrd="0" presId="urn:microsoft.com/office/officeart/2005/8/layout/process1"/>
+    <dgm:cxn modelId="{8534A984-0E26-A048-B771-E39125ACCD5B}" type="presOf" srcId="{A7335D52-71DE-E048-BE0A-EF80B425A200}" destId="{2DECA85C-9C11-3945-A74D-7024E14E3221}" srcOrd="0" destOrd="0" presId="urn:microsoft.com/office/officeart/2005/8/layout/process1"/>
+    <dgm:cxn modelId="{5563180E-9B94-4C40-9254-BD30231613BF}" type="presOf" srcId="{E05E6CA6-4FEE-F643-AE28-35111AC75101}" destId="{6B97343A-1385-D34A-9670-FF37BE4D85F2}" srcOrd="0" destOrd="0" presId="urn:microsoft.com/office/officeart/2005/8/layout/process1"/>
+    <dgm:cxn modelId="{4A907B49-9BA6-C545-B72B-061AFD201EED}" type="presOf" srcId="{E3C17EF8-8718-5248-842B-7F516B2C6F56}" destId="{9DB26237-DC39-284C-BBDC-6225068F89E4}" srcOrd="0" destOrd="0" presId="urn:microsoft.com/office/officeart/2005/8/layout/process1"/>
     <dgm:cxn modelId="{CD1B1FCC-EA3B-6F43-AA58-7909A9D760D4}" type="presOf" srcId="{4CE8D523-28E7-D048-A0E4-5668170983C1}" destId="{C277C964-F51F-A449-9BEC-B3DE016F19E7}" srcOrd="1" destOrd="0" presId="urn:microsoft.com/office/officeart/2005/8/layout/process1"/>
-    <dgm:cxn modelId="{E4D1C42F-3BCE-854C-97ED-BEE6A0169F52}" srcId="{AD60282E-7807-DF4D-855D-FC8388C1FA86}" destId="{A7335D52-71DE-E048-BE0A-EF80B425A200}" srcOrd="3" destOrd="0" parTransId="{C2FD43D3-64EE-B744-A903-B0C7171B6D5E}" sibTransId="{0D4ABE1A-3EBB-A14E-B992-0E21C992A1BF}"/>
-    <dgm:cxn modelId="{5563180E-9B94-4C40-9254-BD30231613BF}" type="presOf" srcId="{E05E6CA6-4FEE-F643-AE28-35111AC75101}" destId="{6B97343A-1385-D34A-9670-FF37BE4D85F2}" srcOrd="0" destOrd="0" presId="urn:microsoft.com/office/officeart/2005/8/layout/process1"/>
-    <dgm:cxn modelId="{8CA60554-A41E-1F42-8DC8-C2F9D1E29C50}" type="presOf" srcId="{E05E6CA6-4FEE-F643-AE28-35111AC75101}" destId="{9451B73C-3DCE-574D-968D-C725996CB44B}" srcOrd="1" destOrd="0" presId="urn:microsoft.com/office/officeart/2005/8/layout/process1"/>
-    <dgm:cxn modelId="{9F9501F9-C79D-C942-A03F-F68209F76402}" type="presOf" srcId="{694A1D72-5933-7E45-9A79-23BE775DC946}" destId="{28C14F32-7EF2-2748-A38C-6E2FE8336B6F}" srcOrd="0" destOrd="0" presId="urn:microsoft.com/office/officeart/2005/8/layout/process1"/>
+    <dgm:cxn modelId="{A8642848-4C70-7F46-87C1-7D25239F2E06}" type="presOf" srcId="{D0CC6D41-68A5-5D4F-8468-B367AE4E18F1}" destId="{259FAD5D-155A-5E42-9899-9EC9730A809C}" srcOrd="0" destOrd="0" presId="urn:microsoft.com/office/officeart/2005/8/layout/process1"/>
     <dgm:cxn modelId="{763814C6-C8EC-C742-959F-CAB26BCBC3D3}" type="presOf" srcId="{C1FA95AD-9966-1A41-9B89-8F1821EB2558}" destId="{504508B6-3F34-8741-8E3D-82122E32EDD7}" srcOrd="0" destOrd="0" presId="urn:microsoft.com/office/officeart/2005/8/layout/process1"/>
-    <dgm:cxn modelId="{4A907B49-9BA6-C545-B72B-061AFD201EED}" type="presOf" srcId="{E3C17EF8-8718-5248-842B-7F516B2C6F56}" destId="{9DB26237-DC39-284C-BBDC-6225068F89E4}" srcOrd="0" destOrd="0" presId="urn:microsoft.com/office/officeart/2005/8/layout/process1"/>
-    <dgm:cxn modelId="{EE6E1D1D-0497-6240-AD33-BC4E8789B4D8}" type="presOf" srcId="{AD60282E-7807-DF4D-855D-FC8388C1FA86}" destId="{F4EA08AA-9B67-7746-ACA4-2F534B3BCAAD}" srcOrd="0" destOrd="0" presId="urn:microsoft.com/office/officeart/2005/8/layout/process1"/>
-    <dgm:cxn modelId="{A8642848-4C70-7F46-87C1-7D25239F2E06}" type="presOf" srcId="{D0CC6D41-68A5-5D4F-8468-B367AE4E18F1}" destId="{259FAD5D-155A-5E42-9899-9EC9730A809C}" srcOrd="0" destOrd="0" presId="urn:microsoft.com/office/officeart/2005/8/layout/process1"/>
-    <dgm:cxn modelId="{8534A984-0E26-A048-B771-E39125ACCD5B}" type="presOf" srcId="{A7335D52-71DE-E048-BE0A-EF80B425A200}" destId="{2DECA85C-9C11-3945-A74D-7024E14E3221}" srcOrd="0" destOrd="0" presId="urn:microsoft.com/office/officeart/2005/8/layout/process1"/>
-    <dgm:cxn modelId="{E62A05B3-FA56-5040-A5E6-029E288E96DF}" srcId="{AD60282E-7807-DF4D-855D-FC8388C1FA86}" destId="{694A1D72-5933-7E45-9A79-23BE775DC946}" srcOrd="2" destOrd="0" parTransId="{877A9A04-C149-DD46-9F3A-434984E0FE80}" sibTransId="{4CE8D523-28E7-D048-A0E4-5668170983C1}"/>
     <dgm:cxn modelId="{888BDFC9-CEFE-4B41-90A5-A0C46825A334}" srcId="{AD60282E-7807-DF4D-855D-FC8388C1FA86}" destId="{C1FA95AD-9966-1A41-9B89-8F1821EB2558}" srcOrd="0" destOrd="0" parTransId="{58DFF9E3-B7E3-AF4C-804B-4DC1EA79DA60}" sibTransId="{D0CC6D41-68A5-5D4F-8468-B367AE4E18F1}"/>
-    <dgm:cxn modelId="{C87964D1-B516-5548-BB63-233A1EAEB86B}" srcId="{AD60282E-7807-DF4D-855D-FC8388C1FA86}" destId="{E3C17EF8-8718-5248-842B-7F516B2C6F56}" srcOrd="1" destOrd="0" parTransId="{1D6F41A0-0C98-014A-9E47-BD22E09DFAF6}" sibTransId="{E05E6CA6-4FEE-F643-AE28-35111AC75101}"/>
     <dgm:cxn modelId="{CFFAF3D3-9382-F44D-8900-47547D6FBF00}" type="presParOf" srcId="{F4EA08AA-9B67-7746-ACA4-2F534B3BCAAD}" destId="{504508B6-3F34-8741-8E3D-82122E32EDD7}" srcOrd="0" destOrd="0" presId="urn:microsoft.com/office/officeart/2005/8/layout/process1"/>
     <dgm:cxn modelId="{49689C09-ABE5-8446-8F60-34B6AE718E7B}" type="presParOf" srcId="{F4EA08AA-9B67-7746-ACA4-2F534B3BCAAD}" destId="{259FAD5D-155A-5E42-9899-9EC9730A809C}" srcOrd="1" destOrd="0" presId="urn:microsoft.com/office/officeart/2005/8/layout/process1"/>
     <dgm:cxn modelId="{2E2ACD0F-7A33-E14D-9A0A-9E98E1EFBFD3}" type="presParOf" srcId="{259FAD5D-155A-5E42-9899-9EC9730A809C}" destId="{30DCF6B7-7B1A-E04F-9094-8F1A311A69F1}" srcOrd="0" destOrd="0" presId="urn:microsoft.com/office/officeart/2005/8/layout/process1"/>
@@ -3134,7 +3190,7 @@
             <a:fld id="{A586203F-0298-CF4B-9AB9-9819A0A3EA75}" type="datetimeFigureOut">
               <a:rPr lang="en-US" smtClean="0"/>
               <a:pPr/>
-              <a:t>9/28/15</a:t>
+              <a:t>9/30/15</a:t>
             </a:fld>
             <a:endParaRPr lang="en-US"/>
           </a:p>
@@ -3301,7 +3357,7 @@
             <a:fld id="{E440938E-05C0-44C6-B1FF-F21A30AFD653}" type="datetimeFigureOut">
               <a:rPr lang="en-US" smtClean="0"/>
               <a:pPr/>
-              <a:t>9/28/15</a:t>
+              <a:t>9/30/15</a:t>
             </a:fld>
             <a:endParaRPr lang="en-US"/>
           </a:p>
@@ -4547,7 +4603,6 @@
               <a:rPr lang="en-US" baseline="0" dirty="0" smtClean="0"/>
               <a:t>Has recording started yet?</a:t>
             </a:r>
-            <a:endParaRPr lang="en-US" baseline="0" dirty="0" smtClean="0"/>
           </a:p>
         </p:txBody>
       </p:sp>
@@ -4639,7 +4694,6 @@
               <a:rPr lang="en-US" baseline="0" dirty="0" smtClean="0"/>
               <a:t>How about now? Recording yet?</a:t>
             </a:r>
-            <a:endParaRPr lang="en-US" baseline="0" dirty="0" smtClean="0"/>
           </a:p>
         </p:txBody>
       </p:sp>
@@ -15499,23 +15553,7 @@
                   <a:srgbClr val="008000"/>
                 </a:solidFill>
               </a:rPr>
-              <a:t>docker build </a:t>
-            </a:r>
-            <a:r>
-              <a:rPr lang="en-US" sz="2400" dirty="0">
-                <a:solidFill>
-                  <a:srgbClr val="008000"/>
-                </a:solidFill>
-              </a:rPr>
-              <a:t>-</a:t>
-            </a:r>
-            <a:r>
-              <a:rPr lang="en-US" sz="2400" dirty="0">
-                <a:solidFill>
-                  <a:srgbClr val="008000"/>
-                </a:solidFill>
-              </a:rPr>
-              <a:t>t </a:t>
+              <a:t>docker build -t </a:t>
             </a:r>
             <a:r>
               <a:rPr lang="en-US" sz="2400" dirty="0" err="1">
@@ -15523,23 +15561,7 @@
                   <a:srgbClr val="008000"/>
                 </a:solidFill>
               </a:rPr>
-              <a:t>gcr</a:t>
-            </a:r>
-            <a:r>
-              <a:rPr lang="en-US" sz="2400" dirty="0" err="1">
-                <a:solidFill>
-                  <a:srgbClr val="008000"/>
-                </a:solidFill>
-              </a:rPr>
-              <a:t>.</a:t>
-            </a:r>
-            <a:r>
-              <a:rPr lang="en-US" sz="2400" dirty="0" err="1">
-                <a:solidFill>
-                  <a:srgbClr val="008000"/>
-                </a:solidFill>
-              </a:rPr>
-              <a:t>io</a:t>
+              <a:t>gcr.io</a:t>
             </a:r>
             <a:r>
               <a:rPr lang="en-US" sz="2400" dirty="0" smtClean="0">
@@ -15605,15 +15627,7 @@
                   <a:srgbClr val="008000"/>
                 </a:solidFill>
               </a:rPr>
-              <a:t>run -d -P</a:t>
-            </a:r>
-            <a:r>
-              <a:rPr lang="en-US" sz="2400" dirty="0">
-                <a:solidFill>
-                  <a:srgbClr val="008000"/>
-                </a:solidFill>
-              </a:rPr>
-              <a:t> </a:t>
+              <a:t>run -d -P </a:t>
             </a:r>
             <a:r>
               <a:rPr lang="en-US" sz="2400" dirty="0" err="1">
@@ -15621,23 +15635,7 @@
                   <a:srgbClr val="008000"/>
                 </a:solidFill>
               </a:rPr>
-              <a:t>gcr</a:t>
-            </a:r>
-            <a:r>
-              <a:rPr lang="en-US" sz="2400" dirty="0" err="1">
-                <a:solidFill>
-                  <a:srgbClr val="008000"/>
-                </a:solidFill>
-              </a:rPr>
-              <a:t>.</a:t>
-            </a:r>
-            <a:r>
-              <a:rPr lang="en-US" sz="2400" dirty="0" err="1">
-                <a:solidFill>
-                  <a:srgbClr val="008000"/>
-                </a:solidFill>
-              </a:rPr>
-              <a:t>io</a:t>
+              <a:t>gcr.io</a:t>
             </a:r>
             <a:r>
               <a:rPr lang="en-US" sz="2400" dirty="0" smtClean="0">
@@ -15829,23 +15827,7 @@
                   <a:srgbClr val="008000"/>
                 </a:solidFill>
               </a:rPr>
-              <a:t>gcr</a:t>
-            </a:r>
-            <a:r>
-              <a:rPr lang="en-US" sz="2400" dirty="0" err="1">
-                <a:solidFill>
-                  <a:srgbClr val="008000"/>
-                </a:solidFill>
-              </a:rPr>
-              <a:t>.</a:t>
-            </a:r>
-            <a:r>
-              <a:rPr lang="en-US" sz="2400" dirty="0" err="1">
-                <a:solidFill>
-                  <a:srgbClr val="008000"/>
-                </a:solidFill>
-              </a:rPr>
-              <a:t>io</a:t>
+              <a:t>gcr.io</a:t>
             </a:r>
             <a:r>
               <a:rPr lang="en-US" sz="2400" dirty="0" smtClean="0">
@@ -15993,23 +15975,7 @@
                   <a:srgbClr val="008000"/>
                 </a:solidFill>
               </a:rPr>
-              <a:t>docker build </a:t>
-            </a:r>
-            <a:r>
-              <a:rPr lang="en-US" sz="2400" dirty="0">
-                <a:solidFill>
-                  <a:srgbClr val="008000"/>
-                </a:solidFill>
-              </a:rPr>
-              <a:t>-</a:t>
-            </a:r>
-            <a:r>
-              <a:rPr lang="en-US" sz="2400" dirty="0">
-                <a:solidFill>
-                  <a:srgbClr val="008000"/>
-                </a:solidFill>
-              </a:rPr>
-              <a:t>t </a:t>
+              <a:t>docker build -t </a:t>
             </a:r>
             <a:r>
               <a:rPr lang="en-US" sz="2400" dirty="0" err="1">
@@ -16017,23 +15983,7 @@
                   <a:srgbClr val="008000"/>
                 </a:solidFill>
               </a:rPr>
-              <a:t>gcr</a:t>
-            </a:r>
-            <a:r>
-              <a:rPr lang="en-US" sz="2400" dirty="0" err="1">
-                <a:solidFill>
-                  <a:srgbClr val="008000"/>
-                </a:solidFill>
-              </a:rPr>
-              <a:t>.</a:t>
-            </a:r>
-            <a:r>
-              <a:rPr lang="en-US" sz="2400" dirty="0" err="1">
-                <a:solidFill>
-                  <a:srgbClr val="008000"/>
-                </a:solidFill>
-              </a:rPr>
-              <a:t>io</a:t>
+              <a:t>gcr.io</a:t>
             </a:r>
             <a:r>
               <a:rPr lang="en-US" sz="2400" dirty="0" smtClean="0">
@@ -16099,15 +16049,7 @@
                   <a:srgbClr val="008000"/>
                 </a:solidFill>
               </a:rPr>
-              <a:t>run -d -P</a:t>
-            </a:r>
-            <a:r>
-              <a:rPr lang="en-US" sz="2400" dirty="0">
-                <a:solidFill>
-                  <a:srgbClr val="008000"/>
-                </a:solidFill>
-              </a:rPr>
-              <a:t> </a:t>
+              <a:t>run -d -P </a:t>
             </a:r>
             <a:r>
               <a:rPr lang="en-US" sz="2400" dirty="0" err="1">
@@ -16115,23 +16057,7 @@
                   <a:srgbClr val="008000"/>
                 </a:solidFill>
               </a:rPr>
-              <a:t>gcr</a:t>
-            </a:r>
-            <a:r>
-              <a:rPr lang="en-US" sz="2400" dirty="0" err="1">
-                <a:solidFill>
-                  <a:srgbClr val="008000"/>
-                </a:solidFill>
-              </a:rPr>
-              <a:t>.</a:t>
-            </a:r>
-            <a:r>
-              <a:rPr lang="en-US" sz="2400" dirty="0" err="1">
-                <a:solidFill>
-                  <a:srgbClr val="008000"/>
-                </a:solidFill>
-              </a:rPr>
-              <a:t>io</a:t>
+              <a:t>gcr.io</a:t>
             </a:r>
             <a:r>
               <a:rPr lang="en-US" sz="2400" dirty="0" smtClean="0">
@@ -16325,23 +16251,7 @@
                   <a:srgbClr val="008000"/>
                 </a:solidFill>
               </a:rPr>
-              <a:t>gcr</a:t>
-            </a:r>
-            <a:r>
-              <a:rPr lang="en-US" sz="2400" dirty="0" err="1">
-                <a:solidFill>
-                  <a:srgbClr val="008000"/>
-                </a:solidFill>
-              </a:rPr>
-              <a:t>.</a:t>
-            </a:r>
-            <a:r>
-              <a:rPr lang="en-US" sz="2400" dirty="0" err="1">
-                <a:solidFill>
-                  <a:srgbClr val="008000"/>
-                </a:solidFill>
-              </a:rPr>
-              <a:t>io</a:t>
+              <a:t>gcr.io</a:t>
             </a:r>
             <a:r>
               <a:rPr lang="en-US" sz="2400" dirty="0" smtClean="0">
@@ -16682,29 +16592,7 @@
                 <a:ea typeface="+mj-ea"/>
                 <a:cs typeface="Arial" pitchFamily="34" charset="0"/>
               </a:rPr>
-              <a:t>Deployment process visualized:</a:t>
-            </a:r>
-            <a:r>
-              <a:rPr lang="en-US" sz="2800" b="1" dirty="0" smtClean="0">
-                <a:gradFill>
-                  <a:gsLst>
-                    <a:gs pos="0">
-                      <a:schemeClr val="tx1"/>
-                    </a:gs>
-                    <a:gs pos="44000">
-                      <a:srgbClr val="01BBBB"/>
-                    </a:gs>
-                    <a:gs pos="100000">
-                      <a:schemeClr val="accent4"/>
-                    </a:gs>
-                  </a:gsLst>
-                  <a:lin ang="4800000" scaled="0"/>
-                </a:gradFill>
-                <a:latin typeface="Arial" pitchFamily="34" charset="0"/>
-                <a:ea typeface="+mj-ea"/>
-                <a:cs typeface="Arial" pitchFamily="34" charset="0"/>
-              </a:rPr>
-              <a:t> </a:t>
+              <a:t>Deployment process visualized: </a:t>
             </a:r>
             <a:endParaRPr lang="en-US" sz="2800" b="1" dirty="0">
               <a:gradFill>
@@ -18983,22 +18871,301 @@
         </p:nvSpPr>
         <p:spPr/>
         <p:txBody>
-          <a:bodyPr/>
+          <a:bodyPr>
+            <a:normAutofit fontScale="92500"/>
+          </a:bodyPr>
           <a:lstStyle/>
           <a:p>
             <a:r>
               <a:rPr lang="en-US" dirty="0" smtClean="0"/>
-              <a:t>Scaling the pods is also extremely easy. </a:t>
-            </a:r>
-          </a:p>
-          <a:p>
+              <a:t>Scaling the pods is also </a:t>
+            </a:r>
             <a:r>
               <a:rPr lang="en-US" dirty="0" smtClean="0"/>
-              <a:t>It is one command only, be it scaling up, or down, just by providing the number of replicas:</a:t>
+              <a:t>easy.</a:t>
+            </a:r>
+          </a:p>
+          <a:p>
+            <a:r>
+              <a:rPr lang="en-US" dirty="0" smtClean="0"/>
+              <a:t>Two levels here:</a:t>
             </a:r>
           </a:p>
           <a:p>
             <a:pPr lvl="1"/>
+            <a:r>
+              <a:rPr lang="en-US" dirty="0" smtClean="0"/>
+              <a:t>The VM cluster, our replication controller (Pods with containers) is running on</a:t>
+            </a:r>
+          </a:p>
+          <a:p>
+            <a:pPr lvl="1"/>
+            <a:r>
+              <a:rPr lang="en-US" dirty="0" smtClean="0"/>
+              <a:t>The actual number of pods</a:t>
+            </a:r>
+          </a:p>
+          <a:p>
+            <a:r>
+              <a:rPr lang="en-US" dirty="0" smtClean="0"/>
+              <a:t>Resizing the VM Cluster:</a:t>
+            </a:r>
+          </a:p>
+          <a:p>
+            <a:pPr lvl="1"/>
+            <a:r>
+              <a:rPr lang="en-US" dirty="0" smtClean="0"/>
+              <a:t>To manage the size of VM cluster, first get the name of the cluster group:</a:t>
+            </a:r>
+          </a:p>
+          <a:p>
+            <a:pPr lvl="2"/>
+            <a:r>
+              <a:rPr lang="en-US" dirty="0" smtClean="0">
+                <a:solidFill>
+                  <a:srgbClr val="008000"/>
+                </a:solidFill>
+              </a:rPr>
+              <a:t>$ </a:t>
+            </a:r>
+            <a:r>
+              <a:rPr lang="en-US" dirty="0" err="1" smtClean="0">
+                <a:solidFill>
+                  <a:srgbClr val="008000"/>
+                </a:solidFill>
+              </a:rPr>
+              <a:t>gcloud</a:t>
+            </a:r>
+            <a:r>
+              <a:rPr lang="en-US" dirty="0" smtClean="0">
+                <a:solidFill>
+                  <a:srgbClr val="008000"/>
+                </a:solidFill>
+              </a:rPr>
+              <a:t> </a:t>
+            </a:r>
+            <a:r>
+              <a:rPr lang="en-US" dirty="0">
+                <a:solidFill>
+                  <a:srgbClr val="008000"/>
+                </a:solidFill>
+              </a:rPr>
+              <a:t>container clusters describe subscribers --format </a:t>
+            </a:r>
+            <a:r>
+              <a:rPr lang="en-US" dirty="0" err="1">
+                <a:solidFill>
+                  <a:srgbClr val="008000"/>
+                </a:solidFill>
+              </a:rPr>
+              <a:t>yaml</a:t>
+            </a:r>
+            <a:r>
+              <a:rPr lang="en-US" dirty="0">
+                <a:solidFill>
+                  <a:srgbClr val="008000"/>
+                </a:solidFill>
+              </a:rPr>
+              <a:t> | </a:t>
+            </a:r>
+            <a:r>
+              <a:rPr lang="en-US" dirty="0" err="1">
+                <a:solidFill>
+                  <a:srgbClr val="008000"/>
+                </a:solidFill>
+              </a:rPr>
+              <a:t>grep</a:t>
+            </a:r>
+            <a:r>
+              <a:rPr lang="en-US" dirty="0">
+                <a:solidFill>
+                  <a:srgbClr val="008000"/>
+                </a:solidFill>
+              </a:rPr>
+              <a:t> -A 1 </a:t>
+            </a:r>
+            <a:r>
+              <a:rPr lang="en-US" dirty="0" err="1">
+                <a:solidFill>
+                  <a:srgbClr val="008000"/>
+                </a:solidFill>
+              </a:rPr>
+              <a:t>instanceGroupUrls</a:t>
+            </a:r>
+            <a:endParaRPr lang="en-US" dirty="0">
+              <a:solidFill>
+                <a:srgbClr val="008000"/>
+              </a:solidFill>
+            </a:endParaRPr>
+          </a:p>
+          <a:p>
+            <a:pPr lvl="2"/>
+            <a:r>
+              <a:rPr lang="en-US" dirty="0" err="1">
+                <a:solidFill>
+                  <a:srgbClr val="008000"/>
+                </a:solidFill>
+              </a:rPr>
+              <a:t>instanceGroupUrls</a:t>
+            </a:r>
+            <a:r>
+              <a:rPr lang="en-US" dirty="0">
+                <a:solidFill>
+                  <a:srgbClr val="008000"/>
+                </a:solidFill>
+              </a:rPr>
+              <a:t>:</a:t>
+            </a:r>
+          </a:p>
+          <a:p>
+            <a:pPr lvl="2"/>
+            <a:r>
+              <a:rPr lang="en-US" dirty="0">
+                <a:solidFill>
+                  <a:srgbClr val="008000"/>
+                </a:solidFill>
+              </a:rPr>
+              <a:t>- https://</a:t>
+            </a:r>
+            <a:r>
+              <a:rPr lang="en-US" dirty="0" err="1">
+                <a:solidFill>
+                  <a:srgbClr val="008000"/>
+                </a:solidFill>
+              </a:rPr>
+              <a:t>www.googleapis.com</a:t>
+            </a:r>
+            <a:r>
+              <a:rPr lang="en-US" dirty="0">
+                <a:solidFill>
+                  <a:srgbClr val="008000"/>
+                </a:solidFill>
+              </a:rPr>
+              <a:t>/</a:t>
+            </a:r>
+            <a:r>
+              <a:rPr lang="en-US" dirty="0" err="1">
+                <a:solidFill>
+                  <a:srgbClr val="008000"/>
+                </a:solidFill>
+              </a:rPr>
+              <a:t>replicapool</a:t>
+            </a:r>
+            <a:r>
+              <a:rPr lang="en-US" dirty="0">
+                <a:solidFill>
+                  <a:srgbClr val="008000"/>
+                </a:solidFill>
+              </a:rPr>
+              <a:t>/v1beta2/projects/subscribers-1084/zones/us-central1-f/</a:t>
+            </a:r>
+            <a:r>
+              <a:rPr lang="en-US" dirty="0" err="1">
+                <a:solidFill>
+                  <a:srgbClr val="008000"/>
+                </a:solidFill>
+              </a:rPr>
+              <a:t>instanceGroupManagers</a:t>
+            </a:r>
+            <a:r>
+              <a:rPr lang="en-US" dirty="0">
+                <a:solidFill>
+                  <a:srgbClr val="008000"/>
+                </a:solidFill>
+              </a:rPr>
+              <a:t>/</a:t>
+            </a:r>
+            <a:r>
+              <a:rPr lang="en-US" b="1" dirty="0">
+                <a:solidFill>
+                  <a:srgbClr val="008000"/>
+                </a:solidFill>
+              </a:rPr>
+              <a:t>gke-subscribers-fefe8aac-group</a:t>
+            </a:r>
+            <a:endParaRPr lang="en-US" b="1" dirty="0" smtClean="0">
+              <a:solidFill>
+                <a:srgbClr val="008000"/>
+              </a:solidFill>
+            </a:endParaRPr>
+          </a:p>
+          <a:p>
+            <a:pPr lvl="1"/>
+            <a:r>
+              <a:rPr lang="en-US" dirty="0" smtClean="0"/>
+              <a:t>To resize (depending on the value of size </a:t>
+            </a:r>
+            <a:r>
+              <a:rPr lang="en-US" dirty="0" err="1" smtClean="0"/>
+              <a:t>param</a:t>
+            </a:r>
+            <a:r>
+              <a:rPr lang="en-US" dirty="0" smtClean="0"/>
+              <a:t> we can add or remove VM’s to the group): </a:t>
+            </a:r>
+          </a:p>
+          <a:p>
+            <a:pPr lvl="2"/>
+            <a:r>
+              <a:rPr lang="en-US" dirty="0" smtClean="0">
+                <a:solidFill>
+                  <a:srgbClr val="008000"/>
+                </a:solidFill>
+              </a:rPr>
+              <a:t>$ </a:t>
+            </a:r>
+            <a:r>
+              <a:rPr lang="en-US" dirty="0" err="1" smtClean="0">
+                <a:solidFill>
+                  <a:srgbClr val="008000"/>
+                </a:solidFill>
+              </a:rPr>
+              <a:t>gcloud</a:t>
+            </a:r>
+            <a:r>
+              <a:rPr lang="en-US" dirty="0" smtClean="0">
+                <a:solidFill>
+                  <a:srgbClr val="008000"/>
+                </a:solidFill>
+              </a:rPr>
+              <a:t> </a:t>
+            </a:r>
+            <a:r>
+              <a:rPr lang="en-US" dirty="0">
+                <a:solidFill>
+                  <a:srgbClr val="008000"/>
+                </a:solidFill>
+              </a:rPr>
+              <a:t>compute instance-groups managed resize gke-subscribers-fefe8aac-group --zone us-central1-f --size </a:t>
+            </a:r>
+            <a:r>
+              <a:rPr lang="en-US" b="1" dirty="0">
+                <a:solidFill>
+                  <a:srgbClr val="008000"/>
+                </a:solidFill>
+              </a:rPr>
+              <a:t>5</a:t>
+            </a:r>
+          </a:p>
+          <a:p>
+            <a:r>
+              <a:rPr lang="en-US" dirty="0" smtClean="0"/>
+              <a:t>Resizing number of Pods:</a:t>
+            </a:r>
+          </a:p>
+          <a:p>
+            <a:pPr lvl="1"/>
+            <a:r>
+              <a:rPr lang="en-US" dirty="0" smtClean="0"/>
+              <a:t>It </a:t>
+            </a:r>
+            <a:r>
+              <a:rPr lang="en-US" dirty="0" smtClean="0"/>
+              <a:t>is one command only, be it scaling up, or down, just by providing the number of replicas:</a:t>
+            </a:r>
+          </a:p>
+          <a:p>
+            <a:pPr lvl="2"/>
             <a:r>
               <a:rPr lang="en-US" dirty="0" smtClean="0">
                 <a:solidFill>
@@ -19184,8 +19351,8 @@
         </p:nvSpPr>
         <p:spPr>
           <a:xfrm>
-            <a:off x="1016000" y="1913467"/>
-            <a:ext cx="12174877" cy="6324807"/>
+            <a:off x="589558" y="1298576"/>
+            <a:ext cx="14040842" cy="7571303"/>
           </a:xfrm>
           <a:prstGeom prst="rect">
             <a:avLst/>
@@ -19200,7 +19367,7 @@
           <a:p>
             <a:r>
               <a:rPr lang="en-US" dirty="0" smtClean="0"/>
-              <a:t>Docker video:</a:t>
+              <a:t>Video of the demo:</a:t>
             </a:r>
           </a:p>
           <a:p>
@@ -19208,12 +19375,40 @@
               <a:rPr lang="en-US" dirty="0">
                 <a:hlinkClick r:id="rId2"/>
               </a:rPr>
-              <a:t>https://www.youtube.com/watch?v=Q5POuMHxW-</a:t>
+              <a:t>https://rovicorp.webex.com/rovicorp/ldr.php?RCID=</a:t>
             </a:r>
             <a:r>
               <a:rPr lang="en-US" dirty="0" smtClean="0">
                 <a:hlinkClick r:id="rId2"/>
               </a:rPr>
+              <a:t>6b112a99f921ad760d843cd826098838</a:t>
+            </a:r>
+            <a:endParaRPr lang="en-US" dirty="0" smtClean="0"/>
+          </a:p>
+          <a:p>
+            <a:endParaRPr lang="en-US" dirty="0"/>
+          </a:p>
+          <a:p>
+            <a:r>
+              <a:rPr lang="en-US" dirty="0" smtClean="0"/>
+              <a:t>Docker </a:t>
+            </a:r>
+            <a:r>
+              <a:rPr lang="en-US" dirty="0" smtClean="0"/>
+              <a:t>video:</a:t>
+            </a:r>
+          </a:p>
+          <a:p>
+            <a:r>
+              <a:rPr lang="en-US" dirty="0">
+                <a:hlinkClick r:id="rId3"/>
+              </a:rPr>
+              <a:t>https://www.youtube.com/watch?v=Q5POuMHxW-</a:t>
+            </a:r>
+            <a:r>
+              <a:rPr lang="en-US" dirty="0" smtClean="0">
+                <a:hlinkClick r:id="rId3"/>
+              </a:rPr>
               <a:t>0</a:t>
             </a:r>
             <a:endParaRPr lang="en-US" dirty="0" smtClean="0"/>
@@ -19230,13 +19425,13 @@
           <a:p>
             <a:r>
               <a:rPr lang="en-US" dirty="0">
-                <a:hlinkClick r:id="rId3"/>
+                <a:hlinkClick r:id="rId4"/>
               </a:rPr>
               <a:t>http://slides.com/krak3n/docker/fullscreen#/</a:t>
             </a:r>
             <a:r>
               <a:rPr lang="en-US" dirty="0" smtClean="0">
-                <a:hlinkClick r:id="rId3"/>
+                <a:hlinkClick r:id="rId4"/>
               </a:rPr>
               <a:t>1</a:t>
             </a:r>
@@ -19254,13 +19449,13 @@
           <a:p>
             <a:r>
               <a:rPr lang="en-US" dirty="0">
-                <a:hlinkClick r:id="rId4"/>
+                <a:hlinkClick r:id="rId5"/>
               </a:rPr>
               <a:t>http://104.197.141.51/subscriber?id=</a:t>
             </a:r>
             <a:r>
               <a:rPr lang="en-US" dirty="0" smtClean="0">
-                <a:hlinkClick r:id="rId4"/>
+                <a:hlinkClick r:id="rId5"/>
               </a:rPr>
               <a:t>12</a:t>
             </a:r>
@@ -19278,13 +19473,13 @@
           <a:p>
             <a:r>
               <a:rPr lang="en-US" dirty="0">
-                <a:hlinkClick r:id="rId5"/>
+                <a:hlinkClick r:id="rId6"/>
               </a:rPr>
               <a:t>http://104.197.108.224/subscribers/</a:t>
             </a:r>
             <a:r>
               <a:rPr lang="en-US" dirty="0" smtClean="0">
-                <a:hlinkClick r:id="rId5"/>
+                <a:hlinkClick r:id="rId6"/>
               </a:rPr>
               <a:t>dynamicsubscribers</a:t>
             </a:r>
@@ -19314,13 +19509,13 @@
           <a:p>
             <a:r>
               <a:rPr lang="en-US" dirty="0">
-                <a:hlinkClick r:id="rId6"/>
+                <a:hlinkClick r:id="rId7"/>
               </a:rPr>
               <a:t>https://github.com/gevgev/</a:t>
             </a:r>
             <a:r>
               <a:rPr lang="en-US" dirty="0" smtClean="0">
-                <a:hlinkClick r:id="rId6"/>
+                <a:hlinkClick r:id="rId7"/>
               </a:rPr>
               <a:t>subscribers.git</a:t>
             </a:r>

--- a/docker-kubernetes-intro-starting-a-project.pptx
+++ b/docker-kubernetes-intro-starting-a-project.pptx
@@ -18869,20 +18869,21 @@
             <p:ph idx="1"/>
           </p:nvPr>
         </p:nvSpPr>
-        <p:spPr/>
+        <p:spPr>
+          <a:xfrm>
+            <a:off x="731520" y="1551518"/>
+            <a:ext cx="13167360" cy="6034617"/>
+          </a:xfrm>
+        </p:spPr>
         <p:txBody>
           <a:bodyPr>
-            <a:normAutofit fontScale="92500"/>
+            <a:normAutofit fontScale="92500" lnSpcReduction="10000"/>
           </a:bodyPr>
           <a:lstStyle/>
           <a:p>
             <a:r>
               <a:rPr lang="en-US" dirty="0" smtClean="0"/>
-              <a:t>Scaling the pods is also </a:t>
-            </a:r>
-            <a:r>
-              <a:rPr lang="en-US" dirty="0" smtClean="0"/>
-              <a:t>easy.</a:t>
+              <a:t>Scaling the pods is also easy.</a:t>
             </a:r>
           </a:p>
           <a:p>
@@ -19148,20 +19149,39 @@
             </a:r>
           </a:p>
           <a:p>
+            <a:pPr lvl="1"/>
             <a:r>
               <a:rPr lang="en-US" dirty="0" smtClean="0"/>
-              <a:t>Resizing number of Pods:</a:t>
+              <a:t>Resizing VM Cluster will require adding new IP’s to SQL whitelist.</a:t>
             </a:r>
           </a:p>
           <a:p>
             <a:pPr lvl="1"/>
             <a:r>
               <a:rPr lang="en-US" dirty="0" smtClean="0"/>
-              <a:t>It </a:t>
-            </a:r>
+              <a:t>We can make the VM Cluster auto scaling, but this will require SQL </a:t>
+            </a:r>
+            <a:r>
+              <a:rPr lang="en-US" smtClean="0"/>
+              <a:t>access special management </a:t>
+            </a:r>
+            <a:endParaRPr lang="en-US" dirty="0" smtClean="0"/>
+          </a:p>
+          <a:p>
             <a:r>
               <a:rPr lang="en-US" dirty="0" smtClean="0"/>
-              <a:t>is one command only, be it scaling up, or down, just by providing the number of replicas:</a:t>
+              <a:t>Resizing </a:t>
+            </a:r>
+            <a:r>
+              <a:rPr lang="en-US" dirty="0" smtClean="0"/>
+              <a:t>number of Pods:</a:t>
+            </a:r>
+          </a:p>
+          <a:p>
+            <a:pPr lvl="1"/>
+            <a:r>
+              <a:rPr lang="en-US" dirty="0" smtClean="0"/>
+              <a:t>It is one command only, be it scaling up, or down, just by providing the number of replicas:</a:t>
             </a:r>
           </a:p>
           <a:p>
@@ -19391,11 +19411,7 @@
           <a:p>
             <a:r>
               <a:rPr lang="en-US" dirty="0" smtClean="0"/>
-              <a:t>Docker </a:t>
-            </a:r>
-            <a:r>
-              <a:rPr lang="en-US" dirty="0" smtClean="0"/>
-              <a:t>video:</a:t>
+              <a:t>Docker video:</a:t>
             </a:r>
           </a:p>
           <a:p>
